--- a/Torch_train.pptx
+++ b/Torch_train.pptx
@@ -5,14 +5,25 @@
     <p:sldMasterId id="2147483648" r:id="rId1"/>
   </p:sldMasterIdLst>
   <p:notesMasterIdLst>
-    <p:notesMasterId r:id="rId7"/>
+    <p:notesMasterId r:id="rId18"/>
   </p:notesMasterIdLst>
   <p:sldIdLst>
     <p:sldId id="256" r:id="rId2"/>
-    <p:sldId id="257" r:id="rId3"/>
-    <p:sldId id="258" r:id="rId4"/>
-    <p:sldId id="259" r:id="rId5"/>
-    <p:sldId id="260" r:id="rId6"/>
+    <p:sldId id="261" r:id="rId3"/>
+    <p:sldId id="271" r:id="rId4"/>
+    <p:sldId id="264" r:id="rId5"/>
+    <p:sldId id="266" r:id="rId6"/>
+    <p:sldId id="267" r:id="rId7"/>
+    <p:sldId id="268" r:id="rId8"/>
+    <p:sldId id="269" r:id="rId9"/>
+    <p:sldId id="273" r:id="rId10"/>
+    <p:sldId id="260" r:id="rId11"/>
+    <p:sldId id="272" r:id="rId12"/>
+    <p:sldId id="263" r:id="rId13"/>
+    <p:sldId id="262" r:id="rId14"/>
+    <p:sldId id="258" r:id="rId15"/>
+    <p:sldId id="259" r:id="rId16"/>
+    <p:sldId id="257" r:id="rId17"/>
   </p:sldIdLst>
   <p:sldSz cx="12192000" cy="6858000"/>
   <p:notesSz cx="6858000" cy="9144000"/>
@@ -122,7 +133,7 @@
 <file path=ppt/revisionInfo.xml><?xml version="1.0" encoding="utf-8"?>
 <p1510:revInfo xmlns:a="http://schemas.openxmlformats.org/drawingml/2006/main" xmlns:r="http://schemas.openxmlformats.org/officeDocument/2006/relationships" xmlns:p1510="http://schemas.microsoft.com/office/powerpoint/2015/10/main">
   <p1510:revLst>
-    <p1510:client id="{2C7D7F79-AD93-4ED7-BCDF-8616907FA700}" v="4" dt="2024-05-10T19:31:14.139"/>
+    <p1510:client id="{2C7D7F79-AD93-4ED7-BCDF-8616907FA700}" v="17" dt="2024-05-11T01:25:46.254"/>
   </p1510:revLst>
 </p1510:revInfo>
 </file>
@@ -131,26 +142,50 @@
 <pc:chgInfo xmlns:a="http://schemas.openxmlformats.org/drawingml/2006/main" xmlns:r="http://schemas.openxmlformats.org/officeDocument/2006/relationships" xmlns:ac="http://schemas.microsoft.com/office/drawing/2013/main/command" xmlns:pc="http://schemas.microsoft.com/office/powerpoint/2013/main/command">
   <pc:docChgLst>
     <pc:chgData name="Tsai, Ping-Chen" userId="9132b96a-ba54-4186-bc65-f286b02f1bb4" providerId="ADAL" clId="{2C7D7F79-AD93-4ED7-BCDF-8616907FA700}"/>
-    <pc:docChg chg="custSel addSld modSld">
-      <pc:chgData name="Tsai, Ping-Chen" userId="9132b96a-ba54-4186-bc65-f286b02f1bb4" providerId="ADAL" clId="{2C7D7F79-AD93-4ED7-BCDF-8616907FA700}" dt="2024-05-10T20:09:08.633" v="251" actId="20577"/>
+    <pc:docChg chg="undo custSel addSld delSld modSld sldOrd">
+      <pc:chgData name="Tsai, Ping-Chen" userId="9132b96a-ba54-4186-bc65-f286b02f1bb4" providerId="ADAL" clId="{2C7D7F79-AD93-4ED7-BCDF-8616907FA700}" dt="2024-05-11T01:38:45.258" v="4192" actId="47"/>
       <pc:docMkLst>
         <pc:docMk/>
       </pc:docMkLst>
-      <pc:sldChg chg="new">
-        <pc:chgData name="Tsai, Ping-Chen" userId="9132b96a-ba54-4186-bc65-f286b02f1bb4" providerId="ADAL" clId="{2C7D7F79-AD93-4ED7-BCDF-8616907FA700}" dt="2024-05-10T18:31:50.833" v="0" actId="680"/>
+      <pc:sldChg chg="addSp modSp new mod">
+        <pc:chgData name="Tsai, Ping-Chen" userId="9132b96a-ba54-4186-bc65-f286b02f1bb4" providerId="ADAL" clId="{2C7D7F79-AD93-4ED7-BCDF-8616907FA700}" dt="2024-05-11T01:20:18.935" v="3264" actId="1076"/>
         <pc:sldMkLst>
           <pc:docMk/>
           <pc:sldMk cId="2054410899" sldId="256"/>
         </pc:sldMkLst>
+        <pc:spChg chg="mod">
+          <ac:chgData name="Tsai, Ping-Chen" userId="9132b96a-ba54-4186-bc65-f286b02f1bb4" providerId="ADAL" clId="{2C7D7F79-AD93-4ED7-BCDF-8616907FA700}" dt="2024-05-11T01:19:15.120" v="3219" actId="20577"/>
+          <ac:spMkLst>
+            <pc:docMk/>
+            <pc:sldMk cId="2054410899" sldId="256"/>
+            <ac:spMk id="2" creationId="{B6245CAF-71D2-1EA9-7D52-C86915CFFD50}"/>
+          </ac:spMkLst>
+        </pc:spChg>
+        <pc:spChg chg="mod">
+          <ac:chgData name="Tsai, Ping-Chen" userId="9132b96a-ba54-4186-bc65-f286b02f1bb4" providerId="ADAL" clId="{2C7D7F79-AD93-4ED7-BCDF-8616907FA700}" dt="2024-05-11T01:19:40.413" v="3229" actId="1076"/>
+          <ac:spMkLst>
+            <pc:docMk/>
+            <pc:sldMk cId="2054410899" sldId="256"/>
+            <ac:spMk id="3" creationId="{E7B668C1-3F1F-2C10-867E-C69CFF433841}"/>
+          </ac:spMkLst>
+        </pc:spChg>
+        <pc:spChg chg="add mod">
+          <ac:chgData name="Tsai, Ping-Chen" userId="9132b96a-ba54-4186-bc65-f286b02f1bb4" providerId="ADAL" clId="{2C7D7F79-AD93-4ED7-BCDF-8616907FA700}" dt="2024-05-11T01:20:18.935" v="3264" actId="1076"/>
+          <ac:spMkLst>
+            <pc:docMk/>
+            <pc:sldMk cId="2054410899" sldId="256"/>
+            <ac:spMk id="5" creationId="{4B21B4FA-4E73-39E6-33CE-72477CF7E87E}"/>
+          </ac:spMkLst>
+        </pc:spChg>
       </pc:sldChg>
-      <pc:sldChg chg="addSp delSp modSp new mod modNotesTx">
-        <pc:chgData name="Tsai, Ping-Chen" userId="9132b96a-ba54-4186-bc65-f286b02f1bb4" providerId="ADAL" clId="{2C7D7F79-AD93-4ED7-BCDF-8616907FA700}" dt="2024-05-10T20:09:08.633" v="251" actId="20577"/>
+      <pc:sldChg chg="addSp delSp modSp new mod ord modNotesTx">
+        <pc:chgData name="Tsai, Ping-Chen" userId="9132b96a-ba54-4186-bc65-f286b02f1bb4" providerId="ADAL" clId="{2C7D7F79-AD93-4ED7-BCDF-8616907FA700}" dt="2024-05-10T20:23:37.968" v="348" actId="313"/>
         <pc:sldMkLst>
           <pc:docMk/>
           <pc:sldMk cId="1563633422" sldId="257"/>
         </pc:sldMkLst>
         <pc:spChg chg="mod">
-          <ac:chgData name="Tsai, Ping-Chen" userId="9132b96a-ba54-4186-bc65-f286b02f1bb4" providerId="ADAL" clId="{2C7D7F79-AD93-4ED7-BCDF-8616907FA700}" dt="2024-05-10T18:31:57.526" v="14" actId="20577"/>
+          <ac:chgData name="Tsai, Ping-Chen" userId="9132b96a-ba54-4186-bc65-f286b02f1bb4" providerId="ADAL" clId="{2C7D7F79-AD93-4ED7-BCDF-8616907FA700}" dt="2024-05-10T20:23:37.968" v="348" actId="313"/>
           <ac:spMkLst>
             <pc:docMk/>
             <pc:sldMk cId="1563633422" sldId="257"/>
@@ -175,11 +210,19 @@
         </pc:spChg>
       </pc:sldChg>
       <pc:sldChg chg="modSp new mod">
-        <pc:chgData name="Tsai, Ping-Chen" userId="9132b96a-ba54-4186-bc65-f286b02f1bb4" providerId="ADAL" clId="{2C7D7F79-AD93-4ED7-BCDF-8616907FA700}" dt="2024-05-10T19:16:19.821" v="116" actId="404"/>
+        <pc:chgData name="Tsai, Ping-Chen" userId="9132b96a-ba54-4186-bc65-f286b02f1bb4" providerId="ADAL" clId="{2C7D7F79-AD93-4ED7-BCDF-8616907FA700}" dt="2024-05-10T20:23:05.064" v="318" actId="20577"/>
         <pc:sldMkLst>
           <pc:docMk/>
           <pc:sldMk cId="2806469842" sldId="258"/>
         </pc:sldMkLst>
+        <pc:spChg chg="mod">
+          <ac:chgData name="Tsai, Ping-Chen" userId="9132b96a-ba54-4186-bc65-f286b02f1bb4" providerId="ADAL" clId="{2C7D7F79-AD93-4ED7-BCDF-8616907FA700}" dt="2024-05-10T20:23:05.064" v="318" actId="20577"/>
+          <ac:spMkLst>
+            <pc:docMk/>
+            <pc:sldMk cId="2806469842" sldId="258"/>
+            <ac:spMk id="2" creationId="{EFB87CE2-FA5B-B2F3-7F32-6B7D316B86D1}"/>
+          </ac:spMkLst>
+        </pc:spChg>
         <pc:spChg chg="mod">
           <ac:chgData name="Tsai, Ping-Chen" userId="9132b96a-ba54-4186-bc65-f286b02f1bb4" providerId="ADAL" clId="{2C7D7F79-AD93-4ED7-BCDF-8616907FA700}" dt="2024-05-10T19:16:19.821" v="116" actId="404"/>
           <ac:spMkLst>
@@ -220,18 +263,396 @@
           </ac:spMkLst>
         </pc:spChg>
       </pc:sldChg>
-      <pc:sldChg chg="modSp new mod">
-        <pc:chgData name="Tsai, Ping-Chen" userId="9132b96a-ba54-4186-bc65-f286b02f1bb4" providerId="ADAL" clId="{2C7D7F79-AD93-4ED7-BCDF-8616907FA700}" dt="2024-05-10T19:57:05.161" v="215" actId="20577"/>
+      <pc:sldChg chg="modSp new mod ord">
+        <pc:chgData name="Tsai, Ping-Chen" userId="9132b96a-ba54-4186-bc65-f286b02f1bb4" providerId="ADAL" clId="{2C7D7F79-AD93-4ED7-BCDF-8616907FA700}" dt="2024-05-11T01:32:03.770" v="3985" actId="20577"/>
         <pc:sldMkLst>
           <pc:docMk/>
           <pc:sldMk cId="2610538483" sldId="260"/>
         </pc:sldMkLst>
         <pc:spChg chg="mod">
-          <ac:chgData name="Tsai, Ping-Chen" userId="9132b96a-ba54-4186-bc65-f286b02f1bb4" providerId="ADAL" clId="{2C7D7F79-AD93-4ED7-BCDF-8616907FA700}" dt="2024-05-10T19:57:05.161" v="215" actId="20577"/>
+          <ac:chgData name="Tsai, Ping-Chen" userId="9132b96a-ba54-4186-bc65-f286b02f1bb4" providerId="ADAL" clId="{2C7D7F79-AD93-4ED7-BCDF-8616907FA700}" dt="2024-05-11T01:29:56.950" v="3799" actId="20577"/>
+          <ac:spMkLst>
+            <pc:docMk/>
+            <pc:sldMk cId="2610538483" sldId="260"/>
+            <ac:spMk id="2" creationId="{129ED01F-5074-B08C-828E-F9E3BD65AFDD}"/>
+          </ac:spMkLst>
+        </pc:spChg>
+        <pc:spChg chg="mod">
+          <ac:chgData name="Tsai, Ping-Chen" userId="9132b96a-ba54-4186-bc65-f286b02f1bb4" providerId="ADAL" clId="{2C7D7F79-AD93-4ED7-BCDF-8616907FA700}" dt="2024-05-11T01:32:03.770" v="3985" actId="20577"/>
           <ac:spMkLst>
             <pc:docMk/>
             <pc:sldMk cId="2610538483" sldId="260"/>
             <ac:spMk id="3" creationId="{2C5FE571-7C50-C311-2D4B-3E40ABB6F952}"/>
+          </ac:spMkLst>
+        </pc:spChg>
+      </pc:sldChg>
+      <pc:sldChg chg="modSp new mod">
+        <pc:chgData name="Tsai, Ping-Chen" userId="9132b96a-ba54-4186-bc65-f286b02f1bb4" providerId="ADAL" clId="{2C7D7F79-AD93-4ED7-BCDF-8616907FA700}" dt="2024-05-10T20:35:58.084" v="466" actId="20577"/>
+        <pc:sldMkLst>
+          <pc:docMk/>
+          <pc:sldMk cId="3970687903" sldId="261"/>
+        </pc:sldMkLst>
+        <pc:spChg chg="mod">
+          <ac:chgData name="Tsai, Ping-Chen" userId="9132b96a-ba54-4186-bc65-f286b02f1bb4" providerId="ADAL" clId="{2C7D7F79-AD93-4ED7-BCDF-8616907FA700}" dt="2024-05-10T20:23:50.720" v="358" actId="20577"/>
+          <ac:spMkLst>
+            <pc:docMk/>
+            <pc:sldMk cId="3970687903" sldId="261"/>
+            <ac:spMk id="2" creationId="{DDF0145A-F57D-FA42-3C12-054F2AA24BAF}"/>
+          </ac:spMkLst>
+        </pc:spChg>
+        <pc:spChg chg="mod">
+          <ac:chgData name="Tsai, Ping-Chen" userId="9132b96a-ba54-4186-bc65-f286b02f1bb4" providerId="ADAL" clId="{2C7D7F79-AD93-4ED7-BCDF-8616907FA700}" dt="2024-05-10T20:35:58.084" v="466" actId="20577"/>
+          <ac:spMkLst>
+            <pc:docMk/>
+            <pc:sldMk cId="3970687903" sldId="261"/>
+            <ac:spMk id="3" creationId="{9703B940-C76F-1B3E-8C49-E7674C22D4D4}"/>
+          </ac:spMkLst>
+        </pc:spChg>
+      </pc:sldChg>
+      <pc:sldChg chg="addSp modSp new mod">
+        <pc:chgData name="Tsai, Ping-Chen" userId="9132b96a-ba54-4186-bc65-f286b02f1bb4" providerId="ADAL" clId="{2C7D7F79-AD93-4ED7-BCDF-8616907FA700}" dt="2024-05-11T01:25:46.254" v="3536"/>
+        <pc:sldMkLst>
+          <pc:docMk/>
+          <pc:sldMk cId="809864632" sldId="262"/>
+        </pc:sldMkLst>
+        <pc:spChg chg="mod">
+          <ac:chgData name="Tsai, Ping-Chen" userId="9132b96a-ba54-4186-bc65-f286b02f1bb4" providerId="ADAL" clId="{2C7D7F79-AD93-4ED7-BCDF-8616907FA700}" dt="2024-05-10T21:04:56.473" v="682" actId="20577"/>
+          <ac:spMkLst>
+            <pc:docMk/>
+            <pc:sldMk cId="809864632" sldId="262"/>
+            <ac:spMk id="2" creationId="{8706B172-D1F2-E81F-961C-B2BED6F26838}"/>
+          </ac:spMkLst>
+        </pc:spChg>
+        <pc:spChg chg="mod">
+          <ac:chgData name="Tsai, Ping-Chen" userId="9132b96a-ba54-4186-bc65-f286b02f1bb4" providerId="ADAL" clId="{2C7D7F79-AD93-4ED7-BCDF-8616907FA700}" dt="2024-05-11T00:26:51.291" v="1325" actId="27636"/>
+          <ac:spMkLst>
+            <pc:docMk/>
+            <pc:sldMk cId="809864632" sldId="262"/>
+            <ac:spMk id="3" creationId="{C87B8EF7-CFF7-CE79-40F7-D4D779973D7B}"/>
+          </ac:spMkLst>
+        </pc:spChg>
+        <pc:spChg chg="add mod">
+          <ac:chgData name="Tsai, Ping-Chen" userId="9132b96a-ba54-4186-bc65-f286b02f1bb4" providerId="ADAL" clId="{2C7D7F79-AD93-4ED7-BCDF-8616907FA700}" dt="2024-05-11T01:25:46.254" v="3536"/>
+          <ac:spMkLst>
+            <pc:docMk/>
+            <pc:sldMk cId="809864632" sldId="262"/>
+            <ac:spMk id="4" creationId="{3A345E18-69D3-1B1F-AE56-C4ACDC08428C}"/>
+          </ac:spMkLst>
+        </pc:spChg>
+      </pc:sldChg>
+      <pc:sldChg chg="addSp modSp new mod">
+        <pc:chgData name="Tsai, Ping-Chen" userId="9132b96a-ba54-4186-bc65-f286b02f1bb4" providerId="ADAL" clId="{2C7D7F79-AD93-4ED7-BCDF-8616907FA700}" dt="2024-05-11T01:25:43.057" v="3535" actId="1076"/>
+        <pc:sldMkLst>
+          <pc:docMk/>
+          <pc:sldMk cId="968647826" sldId="263"/>
+        </pc:sldMkLst>
+        <pc:spChg chg="mod">
+          <ac:chgData name="Tsai, Ping-Chen" userId="9132b96a-ba54-4186-bc65-f286b02f1bb4" providerId="ADAL" clId="{2C7D7F79-AD93-4ED7-BCDF-8616907FA700}" dt="2024-05-10T20:44:03.426" v="651"/>
+          <ac:spMkLst>
+            <pc:docMk/>
+            <pc:sldMk cId="968647826" sldId="263"/>
+            <ac:spMk id="2" creationId="{D62AF5D3-4CFF-9BE6-EBBF-60D0371E041B}"/>
+          </ac:spMkLst>
+        </pc:spChg>
+        <pc:spChg chg="mod">
+          <ac:chgData name="Tsai, Ping-Chen" userId="9132b96a-ba54-4186-bc65-f286b02f1bb4" providerId="ADAL" clId="{2C7D7F79-AD93-4ED7-BCDF-8616907FA700}" dt="2024-05-10T20:43:55.492" v="650" actId="20577"/>
+          <ac:spMkLst>
+            <pc:docMk/>
+            <pc:sldMk cId="968647826" sldId="263"/>
+            <ac:spMk id="3" creationId="{F575F9DD-B0FF-6DA0-4F8D-DEDEE0D73877}"/>
+          </ac:spMkLst>
+        </pc:spChg>
+        <pc:spChg chg="add mod">
+          <ac:chgData name="Tsai, Ping-Chen" userId="9132b96a-ba54-4186-bc65-f286b02f1bb4" providerId="ADAL" clId="{2C7D7F79-AD93-4ED7-BCDF-8616907FA700}" dt="2024-05-11T01:25:43.057" v="3535" actId="1076"/>
+          <ac:spMkLst>
+            <pc:docMk/>
+            <pc:sldMk cId="968647826" sldId="263"/>
+            <ac:spMk id="5" creationId="{D5649CB6-8B67-26E0-DB6B-F8BC150A1DAB}"/>
+          </ac:spMkLst>
+        </pc:spChg>
+      </pc:sldChg>
+      <pc:sldChg chg="modSp new mod">
+        <pc:chgData name="Tsai, Ping-Chen" userId="9132b96a-ba54-4186-bc65-f286b02f1bb4" providerId="ADAL" clId="{2C7D7F79-AD93-4ED7-BCDF-8616907FA700}" dt="2024-05-11T01:22:04.267" v="3356" actId="108"/>
+        <pc:sldMkLst>
+          <pc:docMk/>
+          <pc:sldMk cId="371359470" sldId="264"/>
+        </pc:sldMkLst>
+        <pc:spChg chg="mod">
+          <ac:chgData name="Tsai, Ping-Chen" userId="9132b96a-ba54-4186-bc65-f286b02f1bb4" providerId="ADAL" clId="{2C7D7F79-AD93-4ED7-BCDF-8616907FA700}" dt="2024-05-11T01:21:14.152" v="3344" actId="20577"/>
+          <ac:spMkLst>
+            <pc:docMk/>
+            <pc:sldMk cId="371359470" sldId="264"/>
+            <ac:spMk id="2" creationId="{289F3DA2-D015-FB47-C7CF-B703DEBE4986}"/>
+          </ac:spMkLst>
+        </pc:spChg>
+        <pc:spChg chg="mod">
+          <ac:chgData name="Tsai, Ping-Chen" userId="9132b96a-ba54-4186-bc65-f286b02f1bb4" providerId="ADAL" clId="{2C7D7F79-AD93-4ED7-BCDF-8616907FA700}" dt="2024-05-11T01:22:04.267" v="3356" actId="108"/>
+          <ac:spMkLst>
+            <pc:docMk/>
+            <pc:sldMk cId="371359470" sldId="264"/>
+            <ac:spMk id="3" creationId="{A55C433D-E550-FD49-36FD-E76B2E8DAA65}"/>
+          </ac:spMkLst>
+        </pc:spChg>
+      </pc:sldChg>
+      <pc:sldChg chg="modSp new del mod">
+        <pc:chgData name="Tsai, Ping-Chen" userId="9132b96a-ba54-4186-bc65-f286b02f1bb4" providerId="ADAL" clId="{2C7D7F79-AD93-4ED7-BCDF-8616907FA700}" dt="2024-05-11T01:38:45.258" v="4192" actId="47"/>
+        <pc:sldMkLst>
+          <pc:docMk/>
+          <pc:sldMk cId="2773974257" sldId="265"/>
+        </pc:sldMkLst>
+        <pc:spChg chg="mod">
+          <ac:chgData name="Tsai, Ping-Chen" userId="9132b96a-ba54-4186-bc65-f286b02f1bb4" providerId="ADAL" clId="{2C7D7F79-AD93-4ED7-BCDF-8616907FA700}" dt="2024-05-10T21:31:44.950" v="1046"/>
+          <ac:spMkLst>
+            <pc:docMk/>
+            <pc:sldMk cId="2773974257" sldId="265"/>
+            <ac:spMk id="3" creationId="{DF3D4001-6CB4-50F4-D3F0-73027BA853DD}"/>
+          </ac:spMkLst>
+        </pc:spChg>
+      </pc:sldChg>
+      <pc:sldChg chg="modSp new add del mod ord">
+        <pc:chgData name="Tsai, Ping-Chen" userId="9132b96a-ba54-4186-bc65-f286b02f1bb4" providerId="ADAL" clId="{2C7D7F79-AD93-4ED7-BCDF-8616907FA700}" dt="2024-05-11T01:37:22.430" v="4167" actId="113"/>
+        <pc:sldMkLst>
+          <pc:docMk/>
+          <pc:sldMk cId="2183267626" sldId="266"/>
+        </pc:sldMkLst>
+        <pc:spChg chg="mod">
+          <ac:chgData name="Tsai, Ping-Chen" userId="9132b96a-ba54-4186-bc65-f286b02f1bb4" providerId="ADAL" clId="{2C7D7F79-AD93-4ED7-BCDF-8616907FA700}" dt="2024-05-11T01:37:22.430" v="4167" actId="113"/>
+          <ac:spMkLst>
+            <pc:docMk/>
+            <pc:sldMk cId="2183267626" sldId="266"/>
+            <ac:spMk id="2" creationId="{CCF6ECC8-9FE0-41ED-C9DF-2916E1032EF0}"/>
+          </ac:spMkLst>
+        </pc:spChg>
+        <pc:spChg chg="mod">
+          <ac:chgData name="Tsai, Ping-Chen" userId="9132b96a-ba54-4186-bc65-f286b02f1bb4" providerId="ADAL" clId="{2C7D7F79-AD93-4ED7-BCDF-8616907FA700}" dt="2024-05-11T01:37:20.113" v="4166" actId="113"/>
+          <ac:spMkLst>
+            <pc:docMk/>
+            <pc:sldMk cId="2183267626" sldId="266"/>
+            <ac:spMk id="3" creationId="{B3EF509E-5709-38FE-5D68-03FD8CFCBD80}"/>
+          </ac:spMkLst>
+        </pc:spChg>
+      </pc:sldChg>
+      <pc:sldChg chg="addSp delSp modSp new mod">
+        <pc:chgData name="Tsai, Ping-Chen" userId="9132b96a-ba54-4186-bc65-f286b02f1bb4" providerId="ADAL" clId="{2C7D7F79-AD93-4ED7-BCDF-8616907FA700}" dt="2024-05-11T01:37:56.694" v="4172" actId="1076"/>
+        <pc:sldMkLst>
+          <pc:docMk/>
+          <pc:sldMk cId="2862589000" sldId="267"/>
+        </pc:sldMkLst>
+        <pc:spChg chg="del">
+          <ac:chgData name="Tsai, Ping-Chen" userId="9132b96a-ba54-4186-bc65-f286b02f1bb4" providerId="ADAL" clId="{2C7D7F79-AD93-4ED7-BCDF-8616907FA700}" dt="2024-05-11T00:29:12.057" v="1337" actId="478"/>
+          <ac:spMkLst>
+            <pc:docMk/>
+            <pc:sldMk cId="2862589000" sldId="267"/>
+            <ac:spMk id="2" creationId="{70B55FCF-DA7C-BD0A-4710-D78375B769C7}"/>
+          </ac:spMkLst>
+        </pc:spChg>
+        <pc:spChg chg="mod">
+          <ac:chgData name="Tsai, Ping-Chen" userId="9132b96a-ba54-4186-bc65-f286b02f1bb4" providerId="ADAL" clId="{2C7D7F79-AD93-4ED7-BCDF-8616907FA700}" dt="2024-05-11T01:02:13.100" v="2350" actId="1076"/>
+          <ac:spMkLst>
+            <pc:docMk/>
+            <pc:sldMk cId="2862589000" sldId="267"/>
+            <ac:spMk id="3" creationId="{6AC390CD-6F28-79EB-F645-076A48D720C9}"/>
+          </ac:spMkLst>
+        </pc:spChg>
+        <pc:spChg chg="add mod">
+          <ac:chgData name="Tsai, Ping-Chen" userId="9132b96a-ba54-4186-bc65-f286b02f1bb4" providerId="ADAL" clId="{2C7D7F79-AD93-4ED7-BCDF-8616907FA700}" dt="2024-05-11T01:37:40.959" v="4171" actId="20577"/>
+          <ac:spMkLst>
+            <pc:docMk/>
+            <pc:sldMk cId="2862589000" sldId="267"/>
+            <ac:spMk id="6" creationId="{2ECF0473-6383-6296-A7E8-7876952F3663}"/>
+          </ac:spMkLst>
+        </pc:spChg>
+        <pc:spChg chg="add mod">
+          <ac:chgData name="Tsai, Ping-Chen" userId="9132b96a-ba54-4186-bc65-f286b02f1bb4" providerId="ADAL" clId="{2C7D7F79-AD93-4ED7-BCDF-8616907FA700}" dt="2024-05-11T01:02:13.100" v="2350" actId="1076"/>
+          <ac:spMkLst>
+            <pc:docMk/>
+            <pc:sldMk cId="2862589000" sldId="267"/>
+            <ac:spMk id="7" creationId="{3F68A69D-C7AC-37D4-C2F9-B5C7D7F0E1C8}"/>
+          </ac:spMkLst>
+        </pc:spChg>
+        <pc:spChg chg="add mod">
+          <ac:chgData name="Tsai, Ping-Chen" userId="9132b96a-ba54-4186-bc65-f286b02f1bb4" providerId="ADAL" clId="{2C7D7F79-AD93-4ED7-BCDF-8616907FA700}" dt="2024-05-11T01:02:38.498" v="2363" actId="1036"/>
+          <ac:spMkLst>
+            <pc:docMk/>
+            <pc:sldMk cId="2862589000" sldId="267"/>
+            <ac:spMk id="9" creationId="{02116025-8657-943C-945E-A9B248BFA3AE}"/>
+          </ac:spMkLst>
+        </pc:spChg>
+        <pc:spChg chg="add mod">
+          <ac:chgData name="Tsai, Ping-Chen" userId="9132b96a-ba54-4186-bc65-f286b02f1bb4" providerId="ADAL" clId="{2C7D7F79-AD93-4ED7-BCDF-8616907FA700}" dt="2024-05-11T01:37:56.694" v="4172" actId="1076"/>
+          <ac:spMkLst>
+            <pc:docMk/>
+            <pc:sldMk cId="2862589000" sldId="267"/>
+            <ac:spMk id="11" creationId="{8AA26319-6F97-4CA7-1B6A-EF97614E2F8D}"/>
+          </ac:spMkLst>
+        </pc:spChg>
+        <pc:picChg chg="add mod">
+          <ac:chgData name="Tsai, Ping-Chen" userId="9132b96a-ba54-4186-bc65-f286b02f1bb4" providerId="ADAL" clId="{2C7D7F79-AD93-4ED7-BCDF-8616907FA700}" dt="2024-05-11T01:02:35.258" v="2362" actId="1036"/>
+          <ac:picMkLst>
+            <pc:docMk/>
+            <pc:sldMk cId="2862589000" sldId="267"/>
+            <ac:picMk id="5" creationId="{2198812A-D181-6EF7-789F-B0E96A49D8BC}"/>
+          </ac:picMkLst>
+        </pc:picChg>
+      </pc:sldChg>
+      <pc:sldChg chg="addSp delSp modSp new mod">
+        <pc:chgData name="Tsai, Ping-Chen" userId="9132b96a-ba54-4186-bc65-f286b02f1bb4" providerId="ADAL" clId="{2C7D7F79-AD93-4ED7-BCDF-8616907FA700}" dt="2024-05-11T01:38:21.594" v="4191" actId="1076"/>
+        <pc:sldMkLst>
+          <pc:docMk/>
+          <pc:sldMk cId="3802818259" sldId="268"/>
+        </pc:sldMkLst>
+        <pc:spChg chg="del">
+          <ac:chgData name="Tsai, Ping-Chen" userId="9132b96a-ba54-4186-bc65-f286b02f1bb4" providerId="ADAL" clId="{2C7D7F79-AD93-4ED7-BCDF-8616907FA700}" dt="2024-05-11T01:03:05.333" v="2369" actId="478"/>
+          <ac:spMkLst>
+            <pc:docMk/>
+            <pc:sldMk cId="3802818259" sldId="268"/>
+            <ac:spMk id="2" creationId="{28573FF4-B7D1-AC2E-1082-672C8EE033FF}"/>
+          </ac:spMkLst>
+        </pc:spChg>
+        <pc:spChg chg="del">
+          <ac:chgData name="Tsai, Ping-Chen" userId="9132b96a-ba54-4186-bc65-f286b02f1bb4" providerId="ADAL" clId="{2C7D7F79-AD93-4ED7-BCDF-8616907FA700}" dt="2024-05-11T01:02:56.686" v="2366" actId="478"/>
+          <ac:spMkLst>
+            <pc:docMk/>
+            <pc:sldMk cId="3802818259" sldId="268"/>
+            <ac:spMk id="3" creationId="{766B7DB7-17A5-1D57-283E-C5E850392C6E}"/>
+          </ac:spMkLst>
+        </pc:spChg>
+        <pc:spChg chg="add mod">
+          <ac:chgData name="Tsai, Ping-Chen" userId="9132b96a-ba54-4186-bc65-f286b02f1bb4" providerId="ADAL" clId="{2C7D7F79-AD93-4ED7-BCDF-8616907FA700}" dt="2024-05-11T01:15:40.507" v="2905" actId="1076"/>
+          <ac:spMkLst>
+            <pc:docMk/>
+            <pc:sldMk cId="3802818259" sldId="268"/>
+            <ac:spMk id="5" creationId="{B53AC89F-2CA3-57AB-A75B-9F8B19EC0AEB}"/>
+          </ac:spMkLst>
+        </pc:spChg>
+        <pc:spChg chg="add mod">
+          <ac:chgData name="Tsai, Ping-Chen" userId="9132b96a-ba54-4186-bc65-f286b02f1bb4" providerId="ADAL" clId="{2C7D7F79-AD93-4ED7-BCDF-8616907FA700}" dt="2024-05-11T01:05:23.871" v="2455" actId="20577"/>
+          <ac:spMkLst>
+            <pc:docMk/>
+            <pc:sldMk cId="3802818259" sldId="268"/>
+            <ac:spMk id="6" creationId="{AF6D762A-26E5-A1B4-B46E-E64CBC08786E}"/>
+          </ac:spMkLst>
+        </pc:spChg>
+        <pc:spChg chg="add del mod">
+          <ac:chgData name="Tsai, Ping-Chen" userId="9132b96a-ba54-4186-bc65-f286b02f1bb4" providerId="ADAL" clId="{2C7D7F79-AD93-4ED7-BCDF-8616907FA700}" dt="2024-05-11T01:14:47.380" v="2832" actId="478"/>
+          <ac:spMkLst>
+            <pc:docMk/>
+            <pc:sldMk cId="3802818259" sldId="268"/>
+            <ac:spMk id="7" creationId="{398CAA44-42B0-661C-F690-3CE11D47A0F6}"/>
+          </ac:spMkLst>
+        </pc:spChg>
+        <pc:spChg chg="add mod">
+          <ac:chgData name="Tsai, Ping-Chen" userId="9132b96a-ba54-4186-bc65-f286b02f1bb4" providerId="ADAL" clId="{2C7D7F79-AD93-4ED7-BCDF-8616907FA700}" dt="2024-05-11T01:38:21.594" v="4191" actId="1076"/>
+          <ac:spMkLst>
+            <pc:docMk/>
+            <pc:sldMk cId="3802818259" sldId="268"/>
+            <ac:spMk id="8" creationId="{F2BDC199-810A-8C7B-1D5D-F62037F12FDB}"/>
+          </ac:spMkLst>
+        </pc:spChg>
+        <pc:spChg chg="add mod">
+          <ac:chgData name="Tsai, Ping-Chen" userId="9132b96a-ba54-4186-bc65-f286b02f1bb4" providerId="ADAL" clId="{2C7D7F79-AD93-4ED7-BCDF-8616907FA700}" dt="2024-05-11T01:23:46.430" v="3413" actId="20577"/>
+          <ac:spMkLst>
+            <pc:docMk/>
+            <pc:sldMk cId="3802818259" sldId="268"/>
+            <ac:spMk id="10" creationId="{64F5AC59-E475-49C0-FDDD-FD9D9E62E900}"/>
+          </ac:spMkLst>
+        </pc:spChg>
+      </pc:sldChg>
+      <pc:sldChg chg="modSp new mod">
+        <pc:chgData name="Tsai, Ping-Chen" userId="9132b96a-ba54-4186-bc65-f286b02f1bb4" providerId="ADAL" clId="{2C7D7F79-AD93-4ED7-BCDF-8616907FA700}" dt="2024-05-11T01:18:00.790" v="3122" actId="5793"/>
+        <pc:sldMkLst>
+          <pc:docMk/>
+          <pc:sldMk cId="3431139991" sldId="269"/>
+        </pc:sldMkLst>
+        <pc:spChg chg="mod">
+          <ac:chgData name="Tsai, Ping-Chen" userId="9132b96a-ba54-4186-bc65-f286b02f1bb4" providerId="ADAL" clId="{2C7D7F79-AD93-4ED7-BCDF-8616907FA700}" dt="2024-05-11T01:17:49.430" v="3101" actId="20577"/>
+          <ac:spMkLst>
+            <pc:docMk/>
+            <pc:sldMk cId="3431139991" sldId="269"/>
+            <ac:spMk id="2" creationId="{FF4D931A-BC70-4EAE-2669-4214A8888910}"/>
+          </ac:spMkLst>
+        </pc:spChg>
+        <pc:spChg chg="mod">
+          <ac:chgData name="Tsai, Ping-Chen" userId="9132b96a-ba54-4186-bc65-f286b02f1bb4" providerId="ADAL" clId="{2C7D7F79-AD93-4ED7-BCDF-8616907FA700}" dt="2024-05-11T01:18:00.790" v="3122" actId="5793"/>
+          <ac:spMkLst>
+            <pc:docMk/>
+            <pc:sldMk cId="3431139991" sldId="269"/>
+            <ac:spMk id="3" creationId="{FD9F5CF4-6F95-28BF-E32A-98518604DDE0}"/>
+          </ac:spMkLst>
+        </pc:spChg>
+      </pc:sldChg>
+      <pc:sldChg chg="modSp new del mod">
+        <pc:chgData name="Tsai, Ping-Chen" userId="9132b96a-ba54-4186-bc65-f286b02f1bb4" providerId="ADAL" clId="{2C7D7F79-AD93-4ED7-BCDF-8616907FA700}" dt="2024-05-11T01:24:23.002" v="3415" actId="47"/>
+        <pc:sldMkLst>
+          <pc:docMk/>
+          <pc:sldMk cId="3869294690" sldId="270"/>
+        </pc:sldMkLst>
+        <pc:spChg chg="mod">
+          <ac:chgData name="Tsai, Ping-Chen" userId="9132b96a-ba54-4186-bc65-f286b02f1bb4" providerId="ADAL" clId="{2C7D7F79-AD93-4ED7-BCDF-8616907FA700}" dt="2024-05-11T01:18:26.036" v="3173" actId="20577"/>
+          <ac:spMkLst>
+            <pc:docMk/>
+            <pc:sldMk cId="3869294690" sldId="270"/>
+            <ac:spMk id="2" creationId="{DEFF1F34-1DD9-7922-C338-E5E16DB02469}"/>
+          </ac:spMkLst>
+        </pc:spChg>
+      </pc:sldChg>
+      <pc:sldChg chg="modSp new mod">
+        <pc:chgData name="Tsai, Ping-Chen" userId="9132b96a-ba54-4186-bc65-f286b02f1bb4" providerId="ADAL" clId="{2C7D7F79-AD93-4ED7-BCDF-8616907FA700}" dt="2024-05-11T01:20:59.744" v="3330" actId="12"/>
+        <pc:sldMkLst>
+          <pc:docMk/>
+          <pc:sldMk cId="1147443352" sldId="271"/>
+        </pc:sldMkLst>
+        <pc:spChg chg="mod">
+          <ac:chgData name="Tsai, Ping-Chen" userId="9132b96a-ba54-4186-bc65-f286b02f1bb4" providerId="ADAL" clId="{2C7D7F79-AD93-4ED7-BCDF-8616907FA700}" dt="2024-05-11T01:20:59.744" v="3330" actId="12"/>
+          <ac:spMkLst>
+            <pc:docMk/>
+            <pc:sldMk cId="1147443352" sldId="271"/>
+            <ac:spMk id="3" creationId="{A99D7332-4F9D-96A5-3488-C219FA6D3C99}"/>
+          </ac:spMkLst>
+        </pc:spChg>
+      </pc:sldChg>
+      <pc:sldChg chg="modSp new del mod">
+        <pc:chgData name="Tsai, Ping-Chen" userId="9132b96a-ba54-4186-bc65-f286b02f1bb4" providerId="ADAL" clId="{2C7D7F79-AD93-4ED7-BCDF-8616907FA700}" dt="2024-05-11T01:24:08.511" v="3414" actId="47"/>
+        <pc:sldMkLst>
+          <pc:docMk/>
+          <pc:sldMk cId="3471801097" sldId="272"/>
+        </pc:sldMkLst>
+        <pc:spChg chg="mod">
+          <ac:chgData name="Tsai, Ping-Chen" userId="9132b96a-ba54-4186-bc65-f286b02f1bb4" providerId="ADAL" clId="{2C7D7F79-AD93-4ED7-BCDF-8616907FA700}" dt="2024-05-11T01:23:29.809" v="3405" actId="20577"/>
+          <ac:spMkLst>
+            <pc:docMk/>
+            <pc:sldMk cId="3471801097" sldId="272"/>
+            <ac:spMk id="3" creationId="{A754C798-1DEF-B57D-EA23-817DD7CF5546}"/>
+          </ac:spMkLst>
+        </pc:spChg>
+      </pc:sldChg>
+      <pc:sldChg chg="modSp new mod">
+        <pc:chgData name="Tsai, Ping-Chen" userId="9132b96a-ba54-4186-bc65-f286b02f1bb4" providerId="ADAL" clId="{2C7D7F79-AD93-4ED7-BCDF-8616907FA700}" dt="2024-05-11T01:25:25.085" v="3531" actId="20577"/>
+        <pc:sldMkLst>
+          <pc:docMk/>
+          <pc:sldMk cId="4047682127" sldId="272"/>
+        </pc:sldMkLst>
+        <pc:spChg chg="mod">
+          <ac:chgData name="Tsai, Ping-Chen" userId="9132b96a-ba54-4186-bc65-f286b02f1bb4" providerId="ADAL" clId="{2C7D7F79-AD93-4ED7-BCDF-8616907FA700}" dt="2024-05-11T01:25:25.085" v="3531" actId="20577"/>
+          <ac:spMkLst>
+            <pc:docMk/>
+            <pc:sldMk cId="4047682127" sldId="272"/>
+            <ac:spMk id="3" creationId="{9304DB25-E5F9-653F-DCED-76344490A4BE}"/>
+          </ac:spMkLst>
+        </pc:spChg>
+      </pc:sldChg>
+      <pc:sldChg chg="modSp new mod">
+        <pc:chgData name="Tsai, Ping-Chen" userId="9132b96a-ba54-4186-bc65-f286b02f1bb4" providerId="ADAL" clId="{2C7D7F79-AD93-4ED7-BCDF-8616907FA700}" dt="2024-05-11T01:27:28.330" v="3691" actId="12"/>
+        <pc:sldMkLst>
+          <pc:docMk/>
+          <pc:sldMk cId="1086669505" sldId="273"/>
+        </pc:sldMkLst>
+        <pc:spChg chg="mod">
+          <ac:chgData name="Tsai, Ping-Chen" userId="9132b96a-ba54-4186-bc65-f286b02f1bb4" providerId="ADAL" clId="{2C7D7F79-AD93-4ED7-BCDF-8616907FA700}" dt="2024-05-11T01:27:28.330" v="3691" actId="12"/>
+          <ac:spMkLst>
+            <pc:docMk/>
+            <pc:sldMk cId="1086669505" sldId="273"/>
+            <ac:spMk id="3" creationId="{C6462362-EF96-D3D9-45E3-E66E4EA0FCFE}"/>
           </ac:spMkLst>
         </pc:spChg>
       </pc:sldChg>
@@ -689,7 +1110,7 @@
           <a:p>
             <a:fld id="{EEB4BD81-C856-4760-9842-D621A7A4E6F7}" type="slidenum">
               <a:rPr lang="en-GB" smtClean="0"/>
-              <a:t>2</a:t>
+              <a:t>16</a:t>
             </a:fld>
             <a:endParaRPr lang="en-GB"/>
           </a:p>
@@ -3964,7 +4385,14 @@
           <a:bodyPr/>
           <a:lstStyle/>
           <a:p>
-            <a:endParaRPr lang="en-GB"/>
+            <a:r>
+              <a:rPr lang="en-US" altLang="zh-CN" dirty="0"/>
+              <a:t>Detection </a:t>
+            </a:r>
+            <a:r>
+              <a:rPr lang="en-GB" dirty="0"/>
+              <a:t>Torch Training</a:t>
+            </a:r>
           </a:p>
         </p:txBody>
       </p:sp>
@@ -3984,12 +4412,109 @@
             <p:ph type="subTitle" idx="1"/>
           </p:nvPr>
         </p:nvSpPr>
-        <p:spPr/>
-        <p:txBody>
-          <a:bodyPr/>
+        <p:spPr>
+          <a:xfrm>
+            <a:off x="2257719" y="3467706"/>
+            <a:ext cx="7676561" cy="1655762"/>
+          </a:xfrm>
+        </p:spPr>
+        <p:txBody>
+          <a:bodyPr>
+            <a:normAutofit/>
+          </a:bodyPr>
           <a:lstStyle/>
           <a:p>
-            <a:endParaRPr lang="en-GB"/>
+            <a:r>
+              <a:rPr lang="en-GB" dirty="0">
+                <a:hlinkClick r:id="rId2"/>
+              </a:rPr>
+              <a:t>https://github.com/Ping-ChenTsai417/ocr_training_det</a:t>
+            </a:r>
+            <a:endParaRPr lang="en-GB" dirty="0"/>
+          </a:p>
+          <a:p>
+            <a:pPr algn="l"/>
+            <a:endParaRPr lang="en-GB" altLang="zh-CN" dirty="0"/>
+          </a:p>
+        </p:txBody>
+      </p:sp>
+      <p:sp>
+        <p:nvSpPr>
+          <p:cNvPr id="5" name="TextBox 4">
+            <a:extLst>
+              <a:ext uri="{FF2B5EF4-FFF2-40B4-BE49-F238E27FC236}">
+                <a16:creationId xmlns:a16="http://schemas.microsoft.com/office/drawing/2014/main" id="{4B21B4FA-4E73-39E6-33CE-72477CF7E87E}"/>
+              </a:ext>
+            </a:extLst>
+          </p:cNvPr>
+          <p:cNvSpPr txBox="1"/>
+          <p:nvPr/>
+        </p:nvSpPr>
+        <p:spPr>
+          <a:xfrm>
+            <a:off x="838984" y="5485974"/>
+            <a:ext cx="11057641" cy="369332"/>
+          </a:xfrm>
+          <a:prstGeom prst="rect">
+            <a:avLst/>
+          </a:prstGeom>
+          <a:noFill/>
+        </p:spPr>
+        <p:txBody>
+          <a:bodyPr wrap="square">
+            <a:spAutoFit/>
+          </a:bodyPr>
+          <a:lstStyle/>
+          <a:p>
+            <a:r>
+              <a:rPr lang="zh-CN" altLang="en-US" dirty="0"/>
+              <a:t>本次</a:t>
+            </a:r>
+            <a:r>
+              <a:rPr lang="en-US" altLang="zh-CN" dirty="0"/>
+              <a:t>training</a:t>
+            </a:r>
+            <a:r>
+              <a:rPr lang="zh-CN" altLang="en-US" dirty="0"/>
+              <a:t>不會用到 </a:t>
+            </a:r>
+            <a:r>
+              <a:rPr lang="en-GB" dirty="0"/>
+              <a:t>./dataset/icdar_2015</a:t>
+            </a:r>
+            <a:r>
+              <a:rPr lang="zh-CN" altLang="en-US" dirty="0"/>
+              <a:t>，</a:t>
+            </a:r>
+            <a:r>
+              <a:rPr lang="en-GB" dirty="0"/>
+              <a:t> icdar_2015</a:t>
+            </a:r>
+            <a:r>
+              <a:rPr lang="zh-CN" altLang="en-US" dirty="0"/>
+              <a:t>是給文本識別（</a:t>
+            </a:r>
+            <a:r>
+              <a:rPr lang="en-GB" altLang="zh-CN" dirty="0"/>
+              <a:t>recognition</a:t>
+            </a:r>
+            <a:r>
+              <a:rPr lang="zh-CN" altLang="en-US" dirty="0"/>
+              <a:t>）</a:t>
+            </a:r>
+            <a:r>
+              <a:rPr lang="en-GB" altLang="zh-CN" dirty="0"/>
+              <a:t> </a:t>
+            </a:r>
+            <a:r>
+              <a:rPr lang="zh-CN" altLang="en-US" dirty="0"/>
+              <a:t>的</a:t>
+            </a:r>
+            <a:r>
+              <a:rPr lang="en-US" altLang="zh-CN" dirty="0"/>
+              <a:t>training dataset</a:t>
+            </a:r>
+            <a:endParaRPr lang="en-GB" dirty="0"/>
           </a:p>
         </p:txBody>
       </p:sp>
@@ -3997,6 +4522,2101 @@
     <p:extLst>
       <p:ext uri="{BB962C8B-B14F-4D97-AF65-F5344CB8AC3E}">
         <p14:creationId xmlns:p14="http://schemas.microsoft.com/office/powerpoint/2010/main" val="2054410899"/>
+      </p:ext>
+    </p:extLst>
+  </p:cSld>
+  <p:clrMapOvr>
+    <a:masterClrMapping/>
+  </p:clrMapOvr>
+</p:sld>
+</file>
+
+<file path=ppt/slides/slide10.xml><?xml version="1.0" encoding="utf-8"?>
+<p:sld xmlns:a="http://schemas.openxmlformats.org/drawingml/2006/main" xmlns:r="http://schemas.openxmlformats.org/officeDocument/2006/relationships" xmlns:p="http://schemas.openxmlformats.org/presentationml/2006/main">
+  <p:cSld>
+    <p:spTree>
+      <p:nvGrpSpPr>
+        <p:cNvPr id="1" name=""/>
+        <p:cNvGrpSpPr/>
+        <p:nvPr/>
+      </p:nvGrpSpPr>
+      <p:grpSpPr>
+        <a:xfrm>
+          <a:off x="0" y="0"/>
+          <a:ext cx="0" cy="0"/>
+          <a:chOff x="0" y="0"/>
+          <a:chExt cx="0" cy="0"/>
+        </a:xfrm>
+      </p:grpSpPr>
+      <p:sp>
+        <p:nvSpPr>
+          <p:cNvPr id="2" name="Title 1">
+            <a:extLst>
+              <a:ext uri="{FF2B5EF4-FFF2-40B4-BE49-F238E27FC236}">
+                <a16:creationId xmlns:a16="http://schemas.microsoft.com/office/drawing/2014/main" id="{129ED01F-5074-B08C-828E-F9E3BD65AFDD}"/>
+              </a:ext>
+            </a:extLst>
+          </p:cNvPr>
+          <p:cNvSpPr>
+            <a:spLocks noGrp="1"/>
+          </p:cNvSpPr>
+          <p:nvPr>
+            <p:ph type="title"/>
+          </p:nvPr>
+        </p:nvSpPr>
+        <p:spPr/>
+        <p:txBody>
+          <a:bodyPr/>
+          <a:lstStyle/>
+          <a:p>
+            <a:r>
+              <a:rPr lang="zh-CN" altLang="en-US" dirty="0"/>
+              <a:t>會計</a:t>
+            </a:r>
+            <a:r>
+              <a:rPr lang="en-GB" altLang="zh-CN" dirty="0"/>
+              <a:t>OCR Pretrain model</a:t>
+            </a:r>
+            <a:endParaRPr lang="en-GB" dirty="0"/>
+          </a:p>
+        </p:txBody>
+      </p:sp>
+      <p:sp>
+        <p:nvSpPr>
+          <p:cNvPr id="3" name="Content Placeholder 2">
+            <a:extLst>
+              <a:ext uri="{FF2B5EF4-FFF2-40B4-BE49-F238E27FC236}">
+                <a16:creationId xmlns:a16="http://schemas.microsoft.com/office/drawing/2014/main" id="{2C5FE571-7C50-C311-2D4B-3E40ABB6F952}"/>
+              </a:ext>
+            </a:extLst>
+          </p:cNvPr>
+          <p:cNvSpPr>
+            <a:spLocks noGrp="1"/>
+          </p:cNvSpPr>
+          <p:nvPr>
+            <p:ph idx="1"/>
+          </p:nvPr>
+        </p:nvSpPr>
+        <p:spPr>
+          <a:xfrm>
+            <a:off x="838200" y="1825624"/>
+            <a:ext cx="10879318" cy="4791992"/>
+          </a:xfrm>
+        </p:spPr>
+        <p:txBody>
+          <a:bodyPr>
+            <a:normAutofit fontScale="92500" lnSpcReduction="10000"/>
+          </a:bodyPr>
+          <a:lstStyle/>
+          <a:p>
+            <a:r>
+              <a:rPr lang="en-GB" altLang="zh-CN" b="1" dirty="0">
+                <a:solidFill>
+                  <a:srgbClr val="1F2328"/>
+                </a:solidFill>
+                <a:latin typeface="-apple-system"/>
+              </a:rPr>
+              <a:t>Dataset</a:t>
+            </a:r>
+            <a:r>
+              <a:rPr lang="zh-CN" altLang="en-US" b="1" dirty="0">
+                <a:solidFill>
+                  <a:srgbClr val="1F2328"/>
+                </a:solidFill>
+                <a:latin typeface="-apple-system"/>
+              </a:rPr>
+              <a:t>關鍵詞：</a:t>
+            </a:r>
+            <a:r>
+              <a:rPr lang="en-GB" altLang="zh-CN" b="1" dirty="0">
+                <a:solidFill>
+                  <a:srgbClr val="1F2328"/>
+                </a:solidFill>
+                <a:latin typeface="-apple-system"/>
+                <a:hlinkClick r:id="rId2"/>
+              </a:rPr>
+              <a:t>Key Information Extraction (KIE)</a:t>
+            </a:r>
+            <a:r>
+              <a:rPr lang="en-GB" altLang="zh-CN" b="1" dirty="0">
+                <a:solidFill>
+                  <a:srgbClr val="1F2328"/>
+                </a:solidFill>
+                <a:latin typeface="-apple-system"/>
+              </a:rPr>
+              <a:t> from </a:t>
+            </a:r>
+            <a:r>
+              <a:rPr lang="en-GB" altLang="zh-CN" b="1" dirty="0" err="1">
+                <a:solidFill>
+                  <a:srgbClr val="1F2328"/>
+                </a:solidFill>
+                <a:latin typeface="-apple-system"/>
+              </a:rPr>
+              <a:t>Ppstructure</a:t>
+            </a:r>
+            <a:endParaRPr lang="en-GB" altLang="zh-CN" b="1" dirty="0">
+              <a:solidFill>
+                <a:srgbClr val="1F2328"/>
+              </a:solidFill>
+              <a:latin typeface="-apple-system"/>
+            </a:endParaRPr>
+          </a:p>
+          <a:p>
+            <a:r>
+              <a:rPr lang="zh-CN" altLang="en-US" dirty="0">
+                <a:solidFill>
+                  <a:srgbClr val="1F2328"/>
+                </a:solidFill>
+                <a:latin typeface="-apple-system"/>
+              </a:rPr>
+              <a:t>目標：</a:t>
+            </a:r>
+            <a:r>
+              <a:rPr lang="zh-CN" altLang="en-US" b="0" i="0" dirty="0">
+                <a:solidFill>
+                  <a:srgbClr val="1F2328"/>
+                </a:solidFill>
+                <a:effectLst/>
+                <a:latin typeface="-apple-system"/>
+              </a:rPr>
+              <a:t>語義識別</a:t>
+            </a:r>
+            <a:r>
+              <a:rPr lang="zh-TW" altLang="en-US" b="0" i="0" dirty="0">
+                <a:solidFill>
+                  <a:srgbClr val="1F2328"/>
+                </a:solidFill>
+                <a:effectLst/>
+                <a:latin typeface="-apple-system"/>
+              </a:rPr>
+              <a:t> </a:t>
+            </a:r>
+            <a:r>
+              <a:rPr lang="en-US" altLang="zh-TW" b="0" i="0" dirty="0">
+                <a:solidFill>
+                  <a:srgbClr val="1F2328"/>
+                </a:solidFill>
+                <a:effectLst/>
+                <a:latin typeface="-apple-system"/>
+              </a:rPr>
+              <a:t>(</a:t>
+            </a:r>
+            <a:r>
+              <a:rPr lang="en-GB" b="0" i="0" dirty="0">
+                <a:solidFill>
+                  <a:srgbClr val="1F2328"/>
+                </a:solidFill>
+                <a:effectLst/>
+                <a:latin typeface="-apple-system"/>
+              </a:rPr>
+              <a:t>Semantic Entity Recognition, SER) </a:t>
+            </a:r>
+            <a:r>
+              <a:rPr lang="zh-CN" altLang="en-US" dirty="0">
+                <a:solidFill>
+                  <a:srgbClr val="1F2328"/>
+                </a:solidFill>
+                <a:latin typeface="-apple-system"/>
+              </a:rPr>
+              <a:t>以及</a:t>
+            </a:r>
+            <a:r>
+              <a:rPr lang="zh-CN" altLang="en-US" b="0" i="0" dirty="0">
+                <a:solidFill>
+                  <a:srgbClr val="1F2328"/>
+                </a:solidFill>
+                <a:effectLst/>
+                <a:latin typeface="-apple-system"/>
+              </a:rPr>
+              <a:t>關係抽取</a:t>
+            </a:r>
+            <a:r>
+              <a:rPr lang="en-US" altLang="zh-TW" b="0" i="0" dirty="0">
+                <a:solidFill>
+                  <a:srgbClr val="1F2328"/>
+                </a:solidFill>
+                <a:effectLst/>
+                <a:latin typeface="-apple-system"/>
+              </a:rPr>
+              <a:t>(</a:t>
+            </a:r>
+            <a:r>
+              <a:rPr lang="en-GB" b="0" i="0" dirty="0">
+                <a:solidFill>
+                  <a:srgbClr val="1F2328"/>
+                </a:solidFill>
+                <a:effectLst/>
+                <a:latin typeface="-apple-system"/>
+              </a:rPr>
+              <a:t>Relation Extraction, RE) </a:t>
+            </a:r>
+          </a:p>
+          <a:p>
+            <a:pPr lvl="1"/>
+            <a:r>
+              <a:rPr lang="zh-TW" altLang="en-US" dirty="0">
+                <a:solidFill>
+                  <a:srgbClr val="1F2328"/>
+                </a:solidFill>
+                <a:latin typeface="-apple-system"/>
+              </a:rPr>
+              <a:t>基於 </a:t>
+            </a:r>
+            <a:r>
+              <a:rPr lang="en-US" altLang="zh-TW" dirty="0">
+                <a:solidFill>
+                  <a:srgbClr val="1F2328"/>
+                </a:solidFill>
+                <a:latin typeface="-apple-system"/>
+              </a:rPr>
+              <a:t>SER </a:t>
+            </a:r>
+            <a:r>
+              <a:rPr lang="zh-TW" altLang="en-US" dirty="0">
+                <a:solidFill>
+                  <a:srgbClr val="1F2328"/>
+                </a:solidFill>
+                <a:latin typeface="-apple-system"/>
+              </a:rPr>
+              <a:t>任務，可以完成對圖像中的文本</a:t>
+            </a:r>
+            <a:r>
+              <a:rPr lang="zh-CN" altLang="en-US" dirty="0">
+                <a:solidFill>
+                  <a:srgbClr val="1F2328"/>
+                </a:solidFill>
+                <a:latin typeface="-apple-system"/>
+              </a:rPr>
+              <a:t>識別</a:t>
+            </a:r>
+            <a:r>
+              <a:rPr lang="zh-TW" altLang="en-US" dirty="0">
+                <a:solidFill>
+                  <a:srgbClr val="1F2328"/>
+                </a:solidFill>
+                <a:latin typeface="-apple-system"/>
+              </a:rPr>
+              <a:t>與</a:t>
+            </a:r>
+            <a:r>
+              <a:rPr lang="zh-CN" altLang="en-US" dirty="0">
+                <a:solidFill>
+                  <a:srgbClr val="1F2328"/>
+                </a:solidFill>
+                <a:latin typeface="-apple-system"/>
+              </a:rPr>
+              <a:t>分類</a:t>
+            </a:r>
+            <a:r>
+              <a:rPr lang="zh-TW" altLang="en-US" dirty="0">
+                <a:solidFill>
+                  <a:srgbClr val="1F2328"/>
+                </a:solidFill>
+                <a:latin typeface="-apple-system"/>
+              </a:rPr>
+              <a:t>；</a:t>
+            </a:r>
+            <a:endParaRPr lang="en-GB" altLang="zh-TW" dirty="0">
+              <a:solidFill>
+                <a:srgbClr val="1F2328"/>
+              </a:solidFill>
+              <a:latin typeface="-apple-system"/>
+            </a:endParaRPr>
+          </a:p>
+          <a:p>
+            <a:pPr lvl="1"/>
+            <a:r>
+              <a:rPr lang="zh-TW" altLang="en-US" dirty="0">
+                <a:solidFill>
+                  <a:srgbClr val="1F2328"/>
+                </a:solidFill>
+                <a:latin typeface="-apple-system"/>
+              </a:rPr>
+              <a:t>基於 </a:t>
+            </a:r>
+            <a:r>
+              <a:rPr lang="en-US" altLang="zh-TW" dirty="0">
+                <a:solidFill>
+                  <a:srgbClr val="1F2328"/>
+                </a:solidFill>
+                <a:latin typeface="-apple-system"/>
+              </a:rPr>
+              <a:t>RE </a:t>
+            </a:r>
+            <a:r>
+              <a:rPr lang="zh-TW" altLang="en-US" dirty="0">
+                <a:solidFill>
+                  <a:srgbClr val="1F2328"/>
+                </a:solidFill>
+                <a:latin typeface="-apple-system"/>
+              </a:rPr>
+              <a:t>任務，可以完成對圖象中的文本內容的關繫提取，如判斷問題對</a:t>
+            </a:r>
+            <a:r>
+              <a:rPr lang="en-US" altLang="zh-TW" dirty="0">
+                <a:solidFill>
+                  <a:srgbClr val="1F2328"/>
+                </a:solidFill>
+                <a:latin typeface="-apple-system"/>
+              </a:rPr>
+              <a:t>(problem pair)</a:t>
+            </a:r>
+            <a:r>
+              <a:rPr lang="zh-TW" altLang="en-US" dirty="0">
+                <a:solidFill>
+                  <a:srgbClr val="1F2328"/>
+                </a:solidFill>
+                <a:latin typeface="-apple-system"/>
+              </a:rPr>
+              <a:t>。</a:t>
+            </a:r>
+            <a:endParaRPr lang="en-GB" dirty="0">
+              <a:solidFill>
+                <a:srgbClr val="1F2328"/>
+              </a:solidFill>
+              <a:latin typeface="-apple-system"/>
+            </a:endParaRPr>
+          </a:p>
+          <a:p>
+            <a:r>
+              <a:rPr lang="zh-CN" altLang="en-US" dirty="0">
+                <a:solidFill>
+                  <a:srgbClr val="1F2328"/>
+                </a:solidFill>
+                <a:latin typeface="-apple-system"/>
+              </a:rPr>
+              <a:t>實現方法：</a:t>
+            </a:r>
+            <a:r>
+              <a:rPr lang="en-GB" dirty="0">
+                <a:solidFill>
+                  <a:srgbClr val="1F2328"/>
+                </a:solidFill>
+                <a:latin typeface="-apple-system"/>
+              </a:rPr>
+              <a:t>M</a:t>
+            </a:r>
+            <a:r>
+              <a:rPr lang="en-GB" b="0" i="0" dirty="0">
+                <a:solidFill>
+                  <a:srgbClr val="1F2328"/>
+                </a:solidFill>
+                <a:effectLst/>
+                <a:latin typeface="-apple-system"/>
+              </a:rPr>
+              <a:t>ulti-modal methods such as </a:t>
+            </a:r>
+            <a:r>
+              <a:rPr lang="en-GB" b="0" i="0" u="sng" dirty="0" err="1">
+                <a:solidFill>
+                  <a:srgbClr val="1F2328"/>
+                </a:solidFill>
+                <a:effectLst/>
+                <a:latin typeface="-apple-system"/>
+                <a:hlinkClick r:id="rId3"/>
+              </a:rPr>
+              <a:t>LayoutXLM</a:t>
+            </a:r>
+            <a:r>
+              <a:rPr lang="en-GB" b="0" i="0" dirty="0">
+                <a:solidFill>
+                  <a:srgbClr val="1F2328"/>
+                </a:solidFill>
+                <a:effectLst/>
+                <a:latin typeface="-apple-system"/>
+              </a:rPr>
+              <a:t>, VI-</a:t>
+            </a:r>
+            <a:r>
+              <a:rPr lang="en-GB" b="0" i="0" dirty="0" err="1">
+                <a:solidFill>
+                  <a:srgbClr val="1F2328"/>
+                </a:solidFill>
+                <a:effectLst/>
+                <a:latin typeface="-apple-system"/>
+              </a:rPr>
+              <a:t>LayoutXLM</a:t>
+            </a:r>
+            <a:r>
+              <a:rPr lang="en-GB" b="0" i="0" dirty="0">
+                <a:solidFill>
+                  <a:srgbClr val="1F2328"/>
+                </a:solidFill>
+                <a:effectLst/>
+                <a:latin typeface="-apple-system"/>
+              </a:rPr>
+              <a:t>, and PP-OCR inference engine</a:t>
+            </a:r>
+          </a:p>
+          <a:p>
+            <a:r>
+              <a:rPr lang="en-GB" altLang="zh-CN" dirty="0">
+                <a:solidFill>
+                  <a:srgbClr val="1F2328"/>
+                </a:solidFill>
+                <a:latin typeface="-apple-system"/>
+              </a:rPr>
+              <a:t>Inference</a:t>
+            </a:r>
+            <a:r>
+              <a:rPr lang="zh-CN" altLang="en-US" dirty="0">
+                <a:solidFill>
+                  <a:srgbClr val="1F2328"/>
+                </a:solidFill>
+                <a:latin typeface="-apple-system"/>
+              </a:rPr>
+              <a:t>案例：</a:t>
+            </a:r>
+            <a:r>
+              <a:rPr lang="en-US" altLang="zh-CN" dirty="0" err="1">
+                <a:solidFill>
+                  <a:srgbClr val="1F2328"/>
+                </a:solidFill>
+                <a:latin typeface="-apple-system"/>
+              </a:rPr>
+              <a:t>LayoutXLM</a:t>
+            </a:r>
+            <a:r>
+              <a:rPr lang="en-US" altLang="zh-CN" dirty="0">
+                <a:solidFill>
+                  <a:srgbClr val="1F2328"/>
+                </a:solidFill>
+                <a:latin typeface="-apple-system"/>
+              </a:rPr>
+              <a:t>  </a:t>
+            </a:r>
+            <a:r>
+              <a:rPr lang="en-US" altLang="zh-CN" dirty="0">
+                <a:solidFill>
+                  <a:srgbClr val="1F2328"/>
+                </a:solidFill>
+                <a:latin typeface="-apple-system"/>
+                <a:hlinkClick r:id="rId4"/>
+              </a:rPr>
+              <a:t>Torch inference tutorial</a:t>
+            </a:r>
+            <a:endParaRPr lang="en-US" altLang="zh-CN" dirty="0">
+              <a:solidFill>
+                <a:srgbClr val="1F2328"/>
+              </a:solidFill>
+              <a:latin typeface="-apple-system"/>
+            </a:endParaRPr>
+          </a:p>
+          <a:p>
+            <a:r>
+              <a:rPr lang="zh-CN" altLang="en-US" dirty="0">
+                <a:solidFill>
+                  <a:srgbClr val="1F2328"/>
+                </a:solidFill>
+                <a:latin typeface="-apple-system"/>
+              </a:rPr>
+              <a:t>配置文檔</a:t>
+            </a:r>
+            <a:r>
+              <a:rPr lang="en-GB" altLang="zh-CN" dirty="0">
+                <a:solidFill>
+                  <a:srgbClr val="1F2328"/>
+                </a:solidFill>
+                <a:latin typeface="-apple-system"/>
+              </a:rPr>
+              <a:t>(.</a:t>
+            </a:r>
+            <a:r>
+              <a:rPr lang="en-GB" altLang="zh-CN" dirty="0" err="1">
+                <a:solidFill>
+                  <a:srgbClr val="1F2328"/>
+                </a:solidFill>
+                <a:latin typeface="-apple-system"/>
+              </a:rPr>
+              <a:t>yml</a:t>
+            </a:r>
+            <a:r>
+              <a:rPr lang="en-GB" altLang="zh-CN" dirty="0">
+                <a:solidFill>
+                  <a:srgbClr val="1F2328"/>
+                </a:solidFill>
+                <a:latin typeface="-apple-system"/>
+              </a:rPr>
+              <a:t>)</a:t>
+            </a:r>
+            <a:r>
+              <a:rPr lang="zh-CN" altLang="en-US" dirty="0">
+                <a:solidFill>
+                  <a:srgbClr val="1F2328"/>
+                </a:solidFill>
+                <a:latin typeface="-apple-system"/>
+              </a:rPr>
+              <a:t>： </a:t>
+            </a:r>
+            <a:r>
+              <a:rPr lang="en-US" altLang="zh-CN" dirty="0" err="1">
+                <a:solidFill>
+                  <a:srgbClr val="1F2328"/>
+                </a:solidFill>
+                <a:latin typeface="-apple-system"/>
+                <a:hlinkClick r:id="rId5"/>
+              </a:rPr>
+              <a:t>LayoutXLM.yml</a:t>
+            </a:r>
+            <a:endParaRPr lang="en-US" altLang="zh-CN" dirty="0">
+              <a:solidFill>
+                <a:srgbClr val="1F2328"/>
+              </a:solidFill>
+              <a:latin typeface="-apple-system"/>
+            </a:endParaRPr>
+          </a:p>
+          <a:p>
+            <a:r>
+              <a:rPr lang="zh-CN" altLang="en-US" b="0" i="0" dirty="0">
+                <a:solidFill>
+                  <a:srgbClr val="1F2328"/>
+                </a:solidFill>
+                <a:effectLst/>
+                <a:latin typeface="-apple-system"/>
+              </a:rPr>
+              <a:t>開心：從</a:t>
+            </a:r>
+            <a:r>
+              <a:rPr lang="en-US" altLang="zh-CN" dirty="0" err="1">
+                <a:solidFill>
+                  <a:srgbClr val="1F2328"/>
+                </a:solidFill>
+                <a:latin typeface="-apple-system"/>
+              </a:rPr>
+              <a:t>LayoutXLM.yml</a:t>
+            </a:r>
+            <a:r>
+              <a:rPr lang="zh-CN" altLang="en-US" dirty="0">
+                <a:solidFill>
+                  <a:srgbClr val="1F2328"/>
+                </a:solidFill>
+                <a:latin typeface="-apple-system"/>
+              </a:rPr>
+              <a:t>可得知，</a:t>
+            </a:r>
+            <a:r>
+              <a:rPr lang="en-GB" altLang="zh-CN" dirty="0">
+                <a:solidFill>
+                  <a:srgbClr val="1F2328"/>
+                </a:solidFill>
+                <a:latin typeface="-apple-system"/>
+              </a:rPr>
+              <a:t>training</a:t>
+            </a:r>
+            <a:r>
+              <a:rPr lang="zh-CN" altLang="en-US" dirty="0">
+                <a:solidFill>
+                  <a:srgbClr val="1F2328"/>
+                </a:solidFill>
+                <a:latin typeface="-apple-system"/>
+              </a:rPr>
+              <a:t>的時候也是</a:t>
+            </a:r>
+            <a:r>
+              <a:rPr lang="en-US" altLang="zh-CN" dirty="0" err="1"/>
+              <a:t>simple_dataset</a:t>
+            </a:r>
+            <a:r>
+              <a:rPr lang="en-GB" dirty="0"/>
+              <a:t>.</a:t>
+            </a:r>
+            <a:r>
+              <a:rPr lang="en-GB" dirty="0" err="1"/>
+              <a:t>py</a:t>
+            </a:r>
+            <a:r>
+              <a:rPr lang="en-GB" dirty="0"/>
+              <a:t> </a:t>
+            </a:r>
+            <a:r>
+              <a:rPr lang="zh-CN" altLang="en-US" dirty="0"/>
+              <a:t>作爲</a:t>
+            </a:r>
+            <a:r>
+              <a:rPr lang="en-GB" altLang="zh-CN" dirty="0" err="1"/>
+              <a:t>DataLoader</a:t>
+            </a:r>
+            <a:endParaRPr lang="en-GB" altLang="zh-CN" b="1" dirty="0">
+              <a:solidFill>
+                <a:srgbClr val="1F2328"/>
+              </a:solidFill>
+              <a:latin typeface="-apple-system"/>
+            </a:endParaRPr>
+          </a:p>
+          <a:p>
+            <a:endParaRPr lang="en-GB" altLang="zh-CN" b="1" dirty="0">
+              <a:solidFill>
+                <a:srgbClr val="1F2328"/>
+              </a:solidFill>
+              <a:latin typeface="-apple-system"/>
+            </a:endParaRPr>
+          </a:p>
+          <a:p>
+            <a:endParaRPr lang="en-GB" i="0" dirty="0">
+              <a:solidFill>
+                <a:srgbClr val="1F2328"/>
+              </a:solidFill>
+              <a:effectLst/>
+              <a:latin typeface="-apple-system"/>
+            </a:endParaRPr>
+          </a:p>
+          <a:p>
+            <a:endParaRPr lang="en-GB" dirty="0"/>
+          </a:p>
+        </p:txBody>
+      </p:sp>
+    </p:spTree>
+    <p:extLst>
+      <p:ext uri="{BB962C8B-B14F-4D97-AF65-F5344CB8AC3E}">
+        <p14:creationId xmlns:p14="http://schemas.microsoft.com/office/powerpoint/2010/main" val="2610538483"/>
+      </p:ext>
+    </p:extLst>
+  </p:cSld>
+  <p:clrMapOvr>
+    <a:masterClrMapping/>
+  </p:clrMapOvr>
+</p:sld>
+</file>
+
+<file path=ppt/slides/slide11.xml><?xml version="1.0" encoding="utf-8"?>
+<p:sld xmlns:a="http://schemas.openxmlformats.org/drawingml/2006/main" xmlns:r="http://schemas.openxmlformats.org/officeDocument/2006/relationships" xmlns:p="http://schemas.openxmlformats.org/presentationml/2006/main">
+  <p:cSld>
+    <p:spTree>
+      <p:nvGrpSpPr>
+        <p:cNvPr id="1" name=""/>
+        <p:cNvGrpSpPr/>
+        <p:nvPr/>
+      </p:nvGrpSpPr>
+      <p:grpSpPr>
+        <a:xfrm>
+          <a:off x="0" y="0"/>
+          <a:ext cx="0" cy="0"/>
+          <a:chOff x="0" y="0"/>
+          <a:chExt cx="0" cy="0"/>
+        </a:xfrm>
+      </p:grpSpPr>
+      <p:sp>
+        <p:nvSpPr>
+          <p:cNvPr id="2" name="Title 1">
+            <a:extLst>
+              <a:ext uri="{FF2B5EF4-FFF2-40B4-BE49-F238E27FC236}">
+                <a16:creationId xmlns:a16="http://schemas.microsoft.com/office/drawing/2014/main" id="{E23118D8-302B-41C5-F1FB-93C395C6A417}"/>
+              </a:ext>
+            </a:extLst>
+          </p:cNvPr>
+          <p:cNvSpPr>
+            <a:spLocks noGrp="1"/>
+          </p:cNvSpPr>
+          <p:nvPr>
+            <p:ph type="title"/>
+          </p:nvPr>
+        </p:nvSpPr>
+        <p:spPr/>
+        <p:txBody>
+          <a:bodyPr/>
+          <a:lstStyle/>
+          <a:p>
+            <a:endParaRPr lang="en-GB"/>
+          </a:p>
+        </p:txBody>
+      </p:sp>
+      <p:sp>
+        <p:nvSpPr>
+          <p:cNvPr id="3" name="Content Placeholder 2">
+            <a:extLst>
+              <a:ext uri="{FF2B5EF4-FFF2-40B4-BE49-F238E27FC236}">
+                <a16:creationId xmlns:a16="http://schemas.microsoft.com/office/drawing/2014/main" id="{9304DB25-E5F9-653F-DCED-76344490A4BE}"/>
+              </a:ext>
+            </a:extLst>
+          </p:cNvPr>
+          <p:cNvSpPr>
+            <a:spLocks noGrp="1"/>
+          </p:cNvSpPr>
+          <p:nvPr>
+            <p:ph idx="1"/>
+          </p:nvPr>
+        </p:nvSpPr>
+        <p:spPr/>
+        <p:txBody>
+          <a:bodyPr>
+            <a:normAutofit/>
+          </a:bodyPr>
+          <a:lstStyle/>
+          <a:p>
+            <a:pPr marL="0" indent="0" algn="ctr">
+              <a:buNone/>
+            </a:pPr>
+            <a:r>
+              <a:rPr lang="zh-CN" altLang="en-US" sz="4800" dirty="0"/>
+              <a:t>接下來只是一些幫助理解的</a:t>
+            </a:r>
+            <a:r>
+              <a:rPr lang="en-GB" altLang="zh-CN" sz="4800" dirty="0"/>
+              <a:t>notes</a:t>
+            </a:r>
+            <a:endParaRPr lang="en-GB" sz="4800" dirty="0"/>
+          </a:p>
+        </p:txBody>
+      </p:sp>
+    </p:spTree>
+    <p:extLst>
+      <p:ext uri="{BB962C8B-B14F-4D97-AF65-F5344CB8AC3E}">
+        <p14:creationId xmlns:p14="http://schemas.microsoft.com/office/powerpoint/2010/main" val="4047682127"/>
+      </p:ext>
+    </p:extLst>
+  </p:cSld>
+  <p:clrMapOvr>
+    <a:masterClrMapping/>
+  </p:clrMapOvr>
+</p:sld>
+</file>
+
+<file path=ppt/slides/slide12.xml><?xml version="1.0" encoding="utf-8"?>
+<p:sld xmlns:a="http://schemas.openxmlformats.org/drawingml/2006/main" xmlns:r="http://schemas.openxmlformats.org/officeDocument/2006/relationships" xmlns:p="http://schemas.openxmlformats.org/presentationml/2006/main">
+  <p:cSld>
+    <p:spTree>
+      <p:nvGrpSpPr>
+        <p:cNvPr id="1" name=""/>
+        <p:cNvGrpSpPr/>
+        <p:nvPr/>
+      </p:nvGrpSpPr>
+      <p:grpSpPr>
+        <a:xfrm>
+          <a:off x="0" y="0"/>
+          <a:ext cx="0" cy="0"/>
+          <a:chOff x="0" y="0"/>
+          <a:chExt cx="0" cy="0"/>
+        </a:xfrm>
+      </p:grpSpPr>
+      <p:sp>
+        <p:nvSpPr>
+          <p:cNvPr id="2" name="Title 1">
+            <a:extLst>
+              <a:ext uri="{FF2B5EF4-FFF2-40B4-BE49-F238E27FC236}">
+                <a16:creationId xmlns:a16="http://schemas.microsoft.com/office/drawing/2014/main" id="{D62AF5D3-4CFF-9BE6-EBBF-60D0371E041B}"/>
+              </a:ext>
+            </a:extLst>
+          </p:cNvPr>
+          <p:cNvSpPr>
+            <a:spLocks noGrp="1"/>
+          </p:cNvSpPr>
+          <p:nvPr>
+            <p:ph type="title"/>
+          </p:nvPr>
+        </p:nvSpPr>
+        <p:spPr/>
+        <p:txBody>
+          <a:bodyPr/>
+          <a:lstStyle/>
+          <a:p>
+            <a:r>
+              <a:rPr lang="en-GB" dirty="0"/>
+              <a:t>base_model.py</a:t>
+            </a:r>
+            <a:r>
+              <a:rPr lang="zh-CN" altLang="en-US" dirty="0"/>
+              <a:t>讀</a:t>
+            </a:r>
+            <a:r>
+              <a:rPr lang="en-GB" altLang="zh-CN" dirty="0"/>
+              <a:t>.</a:t>
+            </a:r>
+            <a:r>
+              <a:rPr lang="en-GB" altLang="zh-CN" dirty="0" err="1"/>
+              <a:t>yml</a:t>
+            </a:r>
+            <a:r>
+              <a:rPr lang="en-GB" altLang="zh-CN" dirty="0"/>
+              <a:t> </a:t>
+            </a:r>
+            <a:r>
+              <a:rPr lang="zh-CN" altLang="en-US" dirty="0"/>
+              <a:t>文檔，轉成</a:t>
+            </a:r>
+            <a:r>
+              <a:rPr lang="en-GB" altLang="zh-CN" dirty="0" err="1"/>
+              <a:t>pytorch</a:t>
+            </a:r>
+            <a:endParaRPr lang="en-GB" dirty="0"/>
+          </a:p>
+        </p:txBody>
+      </p:sp>
+      <p:sp>
+        <p:nvSpPr>
+          <p:cNvPr id="3" name="Content Placeholder 2">
+            <a:extLst>
+              <a:ext uri="{FF2B5EF4-FFF2-40B4-BE49-F238E27FC236}">
+                <a16:creationId xmlns:a16="http://schemas.microsoft.com/office/drawing/2014/main" id="{F575F9DD-B0FF-6DA0-4F8D-DEDEE0D73877}"/>
+              </a:ext>
+            </a:extLst>
+          </p:cNvPr>
+          <p:cNvSpPr>
+            <a:spLocks noGrp="1"/>
+          </p:cNvSpPr>
+          <p:nvPr>
+            <p:ph idx="1"/>
+          </p:nvPr>
+        </p:nvSpPr>
+        <p:spPr/>
+        <p:txBody>
+          <a:bodyPr/>
+          <a:lstStyle/>
+          <a:p>
+            <a:r>
+              <a:rPr lang="en-GB" dirty="0"/>
+              <a:t>model\modeling\architectures\base_model.py </a:t>
+            </a:r>
+            <a:r>
+              <a:rPr lang="zh-CN" altLang="en-US" dirty="0"/>
+              <a:t>缺少 </a:t>
+            </a:r>
+            <a:r>
+              <a:rPr lang="en-GB" sz="2000" b="0" dirty="0">
+                <a:effectLst/>
+                <a:latin typeface="Consolas" panose="020B0609020204030204" pitchFamily="49" charset="0"/>
+              </a:rPr>
+              <a:t>self._</a:t>
+            </a:r>
+            <a:r>
+              <a:rPr lang="en-GB" sz="2000" b="0" dirty="0" err="1">
+                <a:effectLst/>
+                <a:latin typeface="Consolas" panose="020B0609020204030204" pitchFamily="49" charset="0"/>
+              </a:rPr>
+              <a:t>initialize_weights</a:t>
+            </a:r>
+            <a:r>
+              <a:rPr lang="en-GB" sz="2000" b="0" dirty="0">
+                <a:effectLst/>
+                <a:latin typeface="Consolas" panose="020B0609020204030204" pitchFamily="49" charset="0"/>
+              </a:rPr>
+              <a:t>()</a:t>
+            </a:r>
+            <a:r>
+              <a:rPr lang="zh-CN" altLang="en-US" sz="2000" b="0" dirty="0">
+                <a:effectLst/>
+                <a:latin typeface="Consolas" panose="020B0609020204030204" pitchFamily="49" charset="0"/>
+              </a:rPr>
+              <a:t>， </a:t>
+            </a:r>
+            <a:endParaRPr lang="en-GB" altLang="zh-CN" sz="2000" b="0" dirty="0">
+              <a:effectLst/>
+              <a:latin typeface="Consolas" panose="020B0609020204030204" pitchFamily="49" charset="0"/>
+            </a:endParaRPr>
+          </a:p>
+          <a:p>
+            <a:pPr marL="0" indent="0">
+              <a:buNone/>
+            </a:pPr>
+            <a:r>
+              <a:rPr lang="zh-CN" altLang="en-US" sz="2000" dirty="0">
+                <a:latin typeface="Consolas" panose="020B0609020204030204" pitchFamily="49" charset="0"/>
+              </a:rPr>
+              <a:t>以及</a:t>
+            </a:r>
+            <a:r>
+              <a:rPr lang="en-GB" sz="2000" b="0" dirty="0">
+                <a:effectLst/>
+                <a:latin typeface="Consolas" panose="020B0609020204030204" pitchFamily="49" charset="0"/>
+              </a:rPr>
+              <a:t>if </a:t>
+            </a:r>
+            <a:r>
+              <a:rPr lang="en-GB" sz="2000" b="0" dirty="0" err="1">
+                <a:effectLst/>
+                <a:latin typeface="Consolas" panose="020B0609020204030204" pitchFamily="49" charset="0"/>
+              </a:rPr>
+              <a:t>self.use_transform</a:t>
+            </a:r>
+            <a:r>
+              <a:rPr lang="en-GB" sz="2000" b="0" dirty="0">
+                <a:effectLst/>
+                <a:latin typeface="Consolas" panose="020B0609020204030204" pitchFamily="49" charset="0"/>
+              </a:rPr>
+              <a:t>:</a:t>
+            </a:r>
+          </a:p>
+          <a:p>
+            <a:pPr marL="0" indent="0">
+              <a:buNone/>
+            </a:pPr>
+            <a:r>
+              <a:rPr lang="en-GB" sz="2000" b="0" dirty="0">
+                <a:effectLst/>
+                <a:latin typeface="Consolas" panose="020B0609020204030204" pitchFamily="49" charset="0"/>
+              </a:rPr>
+              <a:t>        x = </a:t>
+            </a:r>
+            <a:r>
+              <a:rPr lang="en-GB" sz="2000" b="0" dirty="0" err="1">
+                <a:effectLst/>
+                <a:latin typeface="Consolas" panose="020B0609020204030204" pitchFamily="49" charset="0"/>
+              </a:rPr>
+              <a:t>self.transform</a:t>
+            </a:r>
+            <a:r>
+              <a:rPr lang="en-GB" sz="2000" b="0" dirty="0">
+                <a:effectLst/>
+                <a:latin typeface="Consolas" panose="020B0609020204030204" pitchFamily="49" charset="0"/>
+              </a:rPr>
+              <a:t>(x)</a:t>
+            </a:r>
+          </a:p>
+          <a:p>
+            <a:endParaRPr lang="en-GB" altLang="zh-CN" sz="2000" dirty="0">
+              <a:latin typeface="Consolas" panose="020B0609020204030204" pitchFamily="49" charset="0"/>
+            </a:endParaRPr>
+          </a:p>
+          <a:p>
+            <a:r>
+              <a:rPr lang="zh-CN" altLang="en-US" dirty="0"/>
+              <a:t>剩下的和</a:t>
+            </a:r>
+            <a:r>
+              <a:rPr lang="en-US" altLang="zh-CN" dirty="0" err="1"/>
+              <a:t>OCR_infer</a:t>
+            </a:r>
+            <a:r>
+              <a:rPr lang="en-US" altLang="zh-CN" dirty="0"/>
+              <a:t> </a:t>
+            </a:r>
+            <a:r>
+              <a:rPr lang="zh-CN" altLang="en-US" dirty="0"/>
+              <a:t>的</a:t>
+            </a:r>
+            <a:r>
+              <a:rPr lang="en-GB" dirty="0"/>
+              <a:t>base_model.py</a:t>
+            </a:r>
+            <a:r>
+              <a:rPr lang="zh-CN" altLang="en-US" dirty="0"/>
+              <a:t>一致</a:t>
+            </a:r>
+            <a:endParaRPr lang="en-GB" altLang="zh-CN" dirty="0"/>
+          </a:p>
+          <a:p>
+            <a:endParaRPr lang="en-GB" dirty="0"/>
+          </a:p>
+          <a:p>
+            <a:pPr marL="0" indent="0">
+              <a:buNone/>
+            </a:pPr>
+            <a:endParaRPr lang="en-GB" dirty="0"/>
+          </a:p>
+        </p:txBody>
+      </p:sp>
+      <p:sp>
+        <p:nvSpPr>
+          <p:cNvPr id="5" name="TextBox 4">
+            <a:extLst>
+              <a:ext uri="{FF2B5EF4-FFF2-40B4-BE49-F238E27FC236}">
+                <a16:creationId xmlns:a16="http://schemas.microsoft.com/office/drawing/2014/main" id="{D5649CB6-8B67-26E0-DB6B-F8BC150A1DAB}"/>
+              </a:ext>
+            </a:extLst>
+          </p:cNvPr>
+          <p:cNvSpPr txBox="1"/>
+          <p:nvPr/>
+        </p:nvSpPr>
+        <p:spPr>
+          <a:xfrm>
+            <a:off x="4845377" y="6488668"/>
+            <a:ext cx="3146196" cy="369332"/>
+          </a:xfrm>
+          <a:prstGeom prst="rect">
+            <a:avLst/>
+          </a:prstGeom>
+          <a:noFill/>
+        </p:spPr>
+        <p:txBody>
+          <a:bodyPr wrap="square">
+            <a:spAutoFit/>
+          </a:bodyPr>
+          <a:lstStyle/>
+          <a:p>
+            <a:pPr marL="0" indent="0" algn="ctr">
+              <a:buNone/>
+            </a:pPr>
+            <a:r>
+              <a:rPr lang="en-GB" sz="1800" dirty="0"/>
+              <a:t>Appendix</a:t>
+            </a:r>
+          </a:p>
+        </p:txBody>
+      </p:sp>
+    </p:spTree>
+    <p:extLst>
+      <p:ext uri="{BB962C8B-B14F-4D97-AF65-F5344CB8AC3E}">
+        <p14:creationId xmlns:p14="http://schemas.microsoft.com/office/powerpoint/2010/main" val="968647826"/>
+      </p:ext>
+    </p:extLst>
+  </p:cSld>
+  <p:clrMapOvr>
+    <a:masterClrMapping/>
+  </p:clrMapOvr>
+</p:sld>
+</file>
+
+<file path=ppt/slides/slide13.xml><?xml version="1.0" encoding="utf-8"?>
+<p:sld xmlns:a="http://schemas.openxmlformats.org/drawingml/2006/main" xmlns:r="http://schemas.openxmlformats.org/officeDocument/2006/relationships" xmlns:p="http://schemas.openxmlformats.org/presentationml/2006/main">
+  <p:cSld>
+    <p:spTree>
+      <p:nvGrpSpPr>
+        <p:cNvPr id="1" name=""/>
+        <p:cNvGrpSpPr/>
+        <p:nvPr/>
+      </p:nvGrpSpPr>
+      <p:grpSpPr>
+        <a:xfrm>
+          <a:off x="0" y="0"/>
+          <a:ext cx="0" cy="0"/>
+          <a:chOff x="0" y="0"/>
+          <a:chExt cx="0" cy="0"/>
+        </a:xfrm>
+      </p:grpSpPr>
+      <p:sp>
+        <p:nvSpPr>
+          <p:cNvPr id="2" name="Title 1">
+            <a:extLst>
+              <a:ext uri="{FF2B5EF4-FFF2-40B4-BE49-F238E27FC236}">
+                <a16:creationId xmlns:a16="http://schemas.microsoft.com/office/drawing/2014/main" id="{8706B172-D1F2-E81F-961C-B2BED6F26838}"/>
+              </a:ext>
+            </a:extLst>
+          </p:cNvPr>
+          <p:cNvSpPr>
+            <a:spLocks noGrp="1"/>
+          </p:cNvSpPr>
+          <p:nvPr>
+            <p:ph type="title"/>
+          </p:nvPr>
+        </p:nvSpPr>
+        <p:spPr/>
+        <p:txBody>
+          <a:bodyPr/>
+          <a:lstStyle/>
+          <a:p>
+            <a:r>
+              <a:rPr lang="it-IT" dirty="0"/>
+              <a:t>Dataloader: model\data\simple_dataset.py </a:t>
+            </a:r>
+            <a:endParaRPr lang="en-GB" dirty="0"/>
+          </a:p>
+        </p:txBody>
+      </p:sp>
+      <p:sp>
+        <p:nvSpPr>
+          <p:cNvPr id="3" name="Content Placeholder 2">
+            <a:extLst>
+              <a:ext uri="{FF2B5EF4-FFF2-40B4-BE49-F238E27FC236}">
+                <a16:creationId xmlns:a16="http://schemas.microsoft.com/office/drawing/2014/main" id="{C87B8EF7-CFF7-CE79-40F7-D4D779973D7B}"/>
+              </a:ext>
+            </a:extLst>
+          </p:cNvPr>
+          <p:cNvSpPr>
+            <a:spLocks noGrp="1"/>
+          </p:cNvSpPr>
+          <p:nvPr>
+            <p:ph idx="1"/>
+          </p:nvPr>
+        </p:nvSpPr>
+        <p:spPr/>
+        <p:txBody>
+          <a:bodyPr>
+            <a:normAutofit/>
+          </a:bodyPr>
+          <a:lstStyle/>
+          <a:p>
+            <a:r>
+              <a:rPr lang="it-IT" dirty="0"/>
+              <a:t>model\data\simple_dataset.py line 56:</a:t>
+            </a:r>
+          </a:p>
+          <a:p>
+            <a:endParaRPr lang="it-IT" dirty="0"/>
+          </a:p>
+          <a:p>
+            <a:r>
+              <a:rPr lang="en-GB" b="0" dirty="0">
+                <a:solidFill>
+                  <a:srgbClr val="569CD6"/>
+                </a:solidFill>
+                <a:effectLst/>
+                <a:latin typeface="Consolas" panose="020B0609020204030204" pitchFamily="49" charset="0"/>
+              </a:rPr>
+              <a:t>class</a:t>
+            </a:r>
+            <a:r>
+              <a:rPr lang="en-GB" b="0" dirty="0">
+                <a:solidFill>
+                  <a:srgbClr val="CCCCCC"/>
+                </a:solidFill>
+                <a:effectLst/>
+                <a:latin typeface="Consolas" panose="020B0609020204030204" pitchFamily="49" charset="0"/>
+              </a:rPr>
+              <a:t> </a:t>
+            </a:r>
+            <a:r>
+              <a:rPr lang="en-GB" b="0" dirty="0" err="1">
+                <a:solidFill>
+                  <a:srgbClr val="4EC9B0"/>
+                </a:solidFill>
+                <a:effectLst/>
+                <a:latin typeface="Consolas" panose="020B0609020204030204" pitchFamily="49" charset="0"/>
+              </a:rPr>
+              <a:t>SimpleDataSet</a:t>
+            </a:r>
+            <a:r>
+              <a:rPr lang="en-GB" b="0" dirty="0">
+                <a:solidFill>
+                  <a:srgbClr val="CCCCCC"/>
+                </a:solidFill>
+                <a:effectLst/>
+                <a:latin typeface="Consolas" panose="020B0609020204030204" pitchFamily="49" charset="0"/>
+              </a:rPr>
+              <a:t>(</a:t>
+            </a:r>
+            <a:r>
+              <a:rPr lang="en-GB" b="0" dirty="0">
+                <a:solidFill>
+                  <a:srgbClr val="4EC9B0"/>
+                </a:solidFill>
+                <a:effectLst/>
+                <a:latin typeface="Consolas" panose="020B0609020204030204" pitchFamily="49" charset="0"/>
+              </a:rPr>
+              <a:t>Dataset</a:t>
+            </a:r>
+            <a:r>
+              <a:rPr lang="en-GB" b="0" dirty="0">
+                <a:solidFill>
+                  <a:srgbClr val="CCCCCC"/>
+                </a:solidFill>
+                <a:effectLst/>
+                <a:latin typeface="Consolas" panose="020B0609020204030204" pitchFamily="49" charset="0"/>
+              </a:rPr>
+              <a:t>)</a:t>
+            </a:r>
+          </a:p>
+          <a:p>
+            <a:endParaRPr lang="en-GB" b="0" dirty="0">
+              <a:solidFill>
+                <a:srgbClr val="CCCCCC"/>
+              </a:solidFill>
+              <a:effectLst/>
+              <a:latin typeface="Consolas" panose="020B0609020204030204" pitchFamily="49" charset="0"/>
+            </a:endParaRPr>
+          </a:p>
+        </p:txBody>
+      </p:sp>
+      <p:sp>
+        <p:nvSpPr>
+          <p:cNvPr id="4" name="TextBox 3">
+            <a:extLst>
+              <a:ext uri="{FF2B5EF4-FFF2-40B4-BE49-F238E27FC236}">
+                <a16:creationId xmlns:a16="http://schemas.microsoft.com/office/drawing/2014/main" id="{3A345E18-69D3-1B1F-AE56-C4ACDC08428C}"/>
+              </a:ext>
+            </a:extLst>
+          </p:cNvPr>
+          <p:cNvSpPr txBox="1"/>
+          <p:nvPr/>
+        </p:nvSpPr>
+        <p:spPr>
+          <a:xfrm>
+            <a:off x="4845377" y="6488668"/>
+            <a:ext cx="3146196" cy="369332"/>
+          </a:xfrm>
+          <a:prstGeom prst="rect">
+            <a:avLst/>
+          </a:prstGeom>
+          <a:noFill/>
+        </p:spPr>
+        <p:txBody>
+          <a:bodyPr wrap="square">
+            <a:spAutoFit/>
+          </a:bodyPr>
+          <a:lstStyle/>
+          <a:p>
+            <a:pPr marL="0" indent="0" algn="ctr">
+              <a:buNone/>
+            </a:pPr>
+            <a:r>
+              <a:rPr lang="en-GB" sz="1800" dirty="0"/>
+              <a:t>Appendix</a:t>
+            </a:r>
+          </a:p>
+        </p:txBody>
+      </p:sp>
+    </p:spTree>
+    <p:extLst>
+      <p:ext uri="{BB962C8B-B14F-4D97-AF65-F5344CB8AC3E}">
+        <p14:creationId xmlns:p14="http://schemas.microsoft.com/office/powerpoint/2010/main" val="809864632"/>
+      </p:ext>
+    </p:extLst>
+  </p:cSld>
+  <p:clrMapOvr>
+    <a:masterClrMapping/>
+  </p:clrMapOvr>
+</p:sld>
+</file>
+
+<file path=ppt/slides/slide14.xml><?xml version="1.0" encoding="utf-8"?>
+<p:sld xmlns:a="http://schemas.openxmlformats.org/drawingml/2006/main" xmlns:r="http://schemas.openxmlformats.org/officeDocument/2006/relationships" xmlns:p="http://schemas.openxmlformats.org/presentationml/2006/main">
+  <p:cSld>
+    <p:spTree>
+      <p:nvGrpSpPr>
+        <p:cNvPr id="1" name=""/>
+        <p:cNvGrpSpPr/>
+        <p:nvPr/>
+      </p:nvGrpSpPr>
+      <p:grpSpPr>
+        <a:xfrm>
+          <a:off x="0" y="0"/>
+          <a:ext cx="0" cy="0"/>
+          <a:chOff x="0" y="0"/>
+          <a:chExt cx="0" cy="0"/>
+        </a:xfrm>
+      </p:grpSpPr>
+      <p:sp>
+        <p:nvSpPr>
+          <p:cNvPr id="2" name="Title 1">
+            <a:extLst>
+              <a:ext uri="{FF2B5EF4-FFF2-40B4-BE49-F238E27FC236}">
+                <a16:creationId xmlns:a16="http://schemas.microsoft.com/office/drawing/2014/main" id="{EFB87CE2-FA5B-B2F3-7F32-6B7D316B86D1}"/>
+              </a:ext>
+            </a:extLst>
+          </p:cNvPr>
+          <p:cNvSpPr>
+            <a:spLocks noGrp="1"/>
+          </p:cNvSpPr>
+          <p:nvPr>
+            <p:ph type="title"/>
+          </p:nvPr>
+        </p:nvSpPr>
+        <p:spPr/>
+        <p:txBody>
+          <a:bodyPr/>
+          <a:lstStyle/>
+          <a:p>
+            <a:r>
+              <a:rPr lang="zh-CN" altLang="en-US" dirty="0"/>
+              <a:t>使用</a:t>
+            </a:r>
+            <a:r>
+              <a:rPr lang="en-US" altLang="zh-CN" dirty="0"/>
+              <a:t>CPU</a:t>
+            </a:r>
+            <a:r>
+              <a:rPr lang="zh-CN" altLang="en-US" dirty="0"/>
+              <a:t>所以我把</a:t>
+            </a:r>
+            <a:r>
+              <a:rPr lang="en-GB" altLang="zh-CN" dirty="0" err="1"/>
+              <a:t>cuda</a:t>
+            </a:r>
+            <a:r>
+              <a:rPr lang="zh-CN" altLang="en-US" dirty="0"/>
+              <a:t>這行改了</a:t>
+            </a:r>
+            <a:endParaRPr lang="en-GB" dirty="0"/>
+          </a:p>
+        </p:txBody>
+      </p:sp>
+      <p:sp>
+        <p:nvSpPr>
+          <p:cNvPr id="3" name="Content Placeholder 2">
+            <a:extLst>
+              <a:ext uri="{FF2B5EF4-FFF2-40B4-BE49-F238E27FC236}">
+                <a16:creationId xmlns:a16="http://schemas.microsoft.com/office/drawing/2014/main" id="{A3B0312F-1931-6E9B-AC14-4A8345F9949C}"/>
+              </a:ext>
+            </a:extLst>
+          </p:cNvPr>
+          <p:cNvSpPr>
+            <a:spLocks noGrp="1"/>
+          </p:cNvSpPr>
+          <p:nvPr>
+            <p:ph idx="1"/>
+          </p:nvPr>
+        </p:nvSpPr>
+        <p:spPr/>
+        <p:txBody>
+          <a:bodyPr/>
+          <a:lstStyle/>
+          <a:p>
+            <a:r>
+              <a:rPr lang="en-GB" dirty="0"/>
+              <a:t>Program.py line 98 </a:t>
+            </a:r>
+          </a:p>
+          <a:p>
+            <a:r>
+              <a:rPr lang="en-GB" sz="2000" b="0" dirty="0">
+                <a:solidFill>
+                  <a:srgbClr val="6A9955"/>
+                </a:solidFill>
+                <a:effectLst/>
+                <a:latin typeface="Consolas" panose="020B0609020204030204" pitchFamily="49" charset="0"/>
+              </a:rPr>
+              <a:t># device = '</a:t>
+            </a:r>
+            <a:r>
+              <a:rPr lang="en-GB" sz="2000" b="0" dirty="0" err="1">
+                <a:solidFill>
+                  <a:srgbClr val="6A9955"/>
+                </a:solidFill>
+                <a:effectLst/>
+                <a:latin typeface="Consolas" panose="020B0609020204030204" pitchFamily="49" charset="0"/>
+              </a:rPr>
+              <a:t>cuda</a:t>
+            </a:r>
+            <a:r>
+              <a:rPr lang="en-GB" sz="2000" b="0" dirty="0">
+                <a:solidFill>
+                  <a:srgbClr val="6A9955"/>
+                </a:solidFill>
+                <a:effectLst/>
+                <a:latin typeface="Consolas" panose="020B0609020204030204" pitchFamily="49" charset="0"/>
+              </a:rPr>
+              <a:t>:{}'.format(config['Global']['</a:t>
+            </a:r>
+            <a:r>
+              <a:rPr lang="en-GB" sz="2000" b="0" dirty="0" err="1">
+                <a:solidFill>
+                  <a:srgbClr val="6A9955"/>
+                </a:solidFill>
+                <a:effectLst/>
+                <a:latin typeface="Consolas" panose="020B0609020204030204" pitchFamily="49" charset="0"/>
+              </a:rPr>
+              <a:t>gpu_id</a:t>
+            </a:r>
+            <a:r>
+              <a:rPr lang="en-GB" sz="2000" b="0" dirty="0">
+                <a:solidFill>
+                  <a:srgbClr val="6A9955"/>
+                </a:solidFill>
+                <a:effectLst/>
+                <a:latin typeface="Consolas" panose="020B0609020204030204" pitchFamily="49" charset="0"/>
+              </a:rPr>
+              <a:t>']) if </a:t>
+            </a:r>
+            <a:r>
+              <a:rPr lang="en-GB" sz="2000" b="0" dirty="0" err="1">
+                <a:solidFill>
+                  <a:srgbClr val="6A9955"/>
+                </a:solidFill>
+                <a:effectLst/>
+                <a:latin typeface="Consolas" panose="020B0609020204030204" pitchFamily="49" charset="0"/>
+              </a:rPr>
+              <a:t>use_gpu</a:t>
+            </a:r>
+            <a:r>
+              <a:rPr lang="en-GB" sz="2000" b="0" dirty="0">
+                <a:solidFill>
+                  <a:srgbClr val="6A9955"/>
+                </a:solidFill>
+                <a:effectLst/>
+                <a:latin typeface="Consolas" panose="020B0609020204030204" pitchFamily="49" charset="0"/>
+              </a:rPr>
+              <a:t> else '</a:t>
+            </a:r>
+            <a:r>
+              <a:rPr lang="en-GB" sz="2000" b="0" dirty="0" err="1">
+                <a:solidFill>
+                  <a:srgbClr val="6A9955"/>
+                </a:solidFill>
+                <a:effectLst/>
+                <a:latin typeface="Consolas" panose="020B0609020204030204" pitchFamily="49" charset="0"/>
+              </a:rPr>
+              <a:t>cpu</a:t>
+            </a:r>
+            <a:r>
+              <a:rPr lang="en-GB" sz="2000" b="0" dirty="0">
+                <a:solidFill>
+                  <a:srgbClr val="6A9955"/>
+                </a:solidFill>
+                <a:effectLst/>
+                <a:latin typeface="Consolas" panose="020B0609020204030204" pitchFamily="49" charset="0"/>
+              </a:rPr>
+              <a:t>'</a:t>
+            </a:r>
+            <a:endParaRPr lang="en-GB" sz="2000" b="0" dirty="0">
+              <a:solidFill>
+                <a:srgbClr val="CCCCCC"/>
+              </a:solidFill>
+              <a:effectLst/>
+              <a:latin typeface="Consolas" panose="020B0609020204030204" pitchFamily="49" charset="0"/>
+            </a:endParaRPr>
+          </a:p>
+          <a:p>
+            <a:endParaRPr lang="en-GB" dirty="0"/>
+          </a:p>
+        </p:txBody>
+      </p:sp>
+    </p:spTree>
+    <p:extLst>
+      <p:ext uri="{BB962C8B-B14F-4D97-AF65-F5344CB8AC3E}">
+        <p14:creationId xmlns:p14="http://schemas.microsoft.com/office/powerpoint/2010/main" val="2806469842"/>
+      </p:ext>
+    </p:extLst>
+  </p:cSld>
+  <p:clrMapOvr>
+    <a:masterClrMapping/>
+  </p:clrMapOvr>
+</p:sld>
+</file>
+
+<file path=ppt/slides/slide15.xml><?xml version="1.0" encoding="utf-8"?>
+<p:sld xmlns:a="http://schemas.openxmlformats.org/drawingml/2006/main" xmlns:r="http://schemas.openxmlformats.org/officeDocument/2006/relationships" xmlns:p="http://schemas.openxmlformats.org/presentationml/2006/main">
+  <p:cSld>
+    <p:spTree>
+      <p:nvGrpSpPr>
+        <p:cNvPr id="1" name=""/>
+        <p:cNvGrpSpPr/>
+        <p:nvPr/>
+      </p:nvGrpSpPr>
+      <p:grpSpPr>
+        <a:xfrm>
+          <a:off x="0" y="0"/>
+          <a:ext cx="0" cy="0"/>
+          <a:chOff x="0" y="0"/>
+          <a:chExt cx="0" cy="0"/>
+        </a:xfrm>
+      </p:grpSpPr>
+      <p:sp>
+        <p:nvSpPr>
+          <p:cNvPr id="2" name="Title 1">
+            <a:extLst>
+              <a:ext uri="{FF2B5EF4-FFF2-40B4-BE49-F238E27FC236}">
+                <a16:creationId xmlns:a16="http://schemas.microsoft.com/office/drawing/2014/main" id="{E670ECF5-BF7E-982E-A0B9-0C138C4DDA53}"/>
+              </a:ext>
+            </a:extLst>
+          </p:cNvPr>
+          <p:cNvSpPr>
+            <a:spLocks noGrp="1"/>
+          </p:cNvSpPr>
+          <p:nvPr>
+            <p:ph type="title"/>
+          </p:nvPr>
+        </p:nvSpPr>
+        <p:spPr/>
+        <p:txBody>
+          <a:bodyPr/>
+          <a:lstStyle/>
+          <a:p>
+            <a:r>
+              <a:rPr lang="en-GB" dirty="0"/>
+              <a:t>Error when parsing</a:t>
+            </a:r>
+          </a:p>
+        </p:txBody>
+      </p:sp>
+      <p:sp>
+        <p:nvSpPr>
+          <p:cNvPr id="3" name="Content Placeholder 2">
+            <a:extLst>
+              <a:ext uri="{FF2B5EF4-FFF2-40B4-BE49-F238E27FC236}">
+                <a16:creationId xmlns:a16="http://schemas.microsoft.com/office/drawing/2014/main" id="{EDF3AB5E-2C63-BA19-0C9C-B9205C55DB31}"/>
+              </a:ext>
+            </a:extLst>
+          </p:cNvPr>
+          <p:cNvSpPr>
+            <a:spLocks noGrp="1"/>
+          </p:cNvSpPr>
+          <p:nvPr>
+            <p:ph idx="1"/>
+          </p:nvPr>
+        </p:nvSpPr>
+        <p:spPr>
+          <a:xfrm>
+            <a:off x="403860" y="1825625"/>
+            <a:ext cx="11597640" cy="4072255"/>
+          </a:xfrm>
+        </p:spPr>
+        <p:txBody>
+          <a:bodyPr>
+            <a:noAutofit/>
+          </a:bodyPr>
+          <a:lstStyle/>
+          <a:p>
+            <a:pPr marL="0" indent="0">
+              <a:buNone/>
+            </a:pPr>
+            <a:r>
+              <a:rPr lang="en-GB" sz="1500" b="1" dirty="0"/>
+              <a:t> error happened with </a:t>
+            </a:r>
+            <a:r>
+              <a:rPr lang="en-GB" sz="1500" b="1" dirty="0" err="1"/>
+              <a:t>msg:Traceback</a:t>
+            </a:r>
+            <a:r>
+              <a:rPr lang="en-GB" sz="1500" b="1" dirty="0"/>
+              <a:t> (most recent call last):</a:t>
+            </a:r>
+          </a:p>
+          <a:p>
+            <a:pPr marL="0" indent="0">
+              <a:buNone/>
+            </a:pPr>
+            <a:r>
+              <a:rPr lang="en-GB" sz="1500" b="1" dirty="0"/>
+              <a:t>  File "C:\Users\PingChen\OneDrive - The University of Liverpool\Desktop\KYC </a:t>
+            </a:r>
+            <a:r>
+              <a:rPr lang="zh-TW" altLang="en-US" sz="1500" b="1" dirty="0"/>
+              <a:t>副業</a:t>
+            </a:r>
+            <a:r>
+              <a:rPr lang="en-US" altLang="zh-TW" sz="1500" b="1" dirty="0"/>
+              <a:t>\</a:t>
+            </a:r>
+            <a:r>
+              <a:rPr lang="en-GB" sz="1500" b="1" dirty="0"/>
+              <a:t>OCR\</a:t>
+            </a:r>
+            <a:r>
+              <a:rPr lang="en-GB" sz="1500" b="1" dirty="0" err="1"/>
+              <a:t>ocr_training_det</a:t>
+            </a:r>
+            <a:r>
+              <a:rPr lang="en-GB" sz="1500" b="1" dirty="0"/>
+              <a:t>\model\data\simple_dataset.py", line 131, in __</a:t>
+            </a:r>
+            <a:r>
+              <a:rPr lang="en-GB" sz="1500" b="1" dirty="0" err="1"/>
+              <a:t>getitem</a:t>
+            </a:r>
+            <a:r>
+              <a:rPr lang="en-GB" sz="1500" b="1" dirty="0"/>
+              <a:t>__</a:t>
+            </a:r>
+          </a:p>
+          <a:p>
+            <a:pPr marL="0" indent="0">
+              <a:buNone/>
+            </a:pPr>
+            <a:r>
+              <a:rPr lang="en-GB" sz="1500" b="1" dirty="0"/>
+              <a:t>    outs = transform(data, </a:t>
+            </a:r>
+            <a:r>
+              <a:rPr lang="en-GB" sz="1500" b="1" dirty="0" err="1"/>
+              <a:t>self.ops</a:t>
+            </a:r>
+            <a:r>
+              <a:rPr lang="en-GB" sz="1500" b="1" dirty="0"/>
+              <a:t>)</a:t>
+            </a:r>
+          </a:p>
+          <a:p>
+            <a:pPr marL="0" indent="0">
+              <a:buNone/>
+            </a:pPr>
+            <a:r>
+              <a:rPr lang="en-GB" sz="1500" b="1" dirty="0"/>
+              <a:t>  File "C:\Users\PingChen\OneDrive - The University of Liverpool\Desktop\KYC </a:t>
+            </a:r>
+            <a:r>
+              <a:rPr lang="zh-TW" altLang="en-US" sz="1500" b="1" dirty="0"/>
+              <a:t>副業</a:t>
+            </a:r>
+            <a:r>
+              <a:rPr lang="en-US" altLang="zh-TW" sz="1500" b="1" dirty="0"/>
+              <a:t>\</a:t>
+            </a:r>
+            <a:r>
+              <a:rPr lang="en-GB" sz="1500" b="1" dirty="0"/>
+              <a:t>OCR\</a:t>
+            </a:r>
+            <a:r>
+              <a:rPr lang="en-GB" sz="1500" b="1" dirty="0" err="1"/>
+              <a:t>ocr_training_det</a:t>
+            </a:r>
+            <a:r>
+              <a:rPr lang="en-GB" sz="1500" b="1" dirty="0"/>
+              <a:t>\model\data\</a:t>
+            </a:r>
+            <a:r>
+              <a:rPr lang="en-GB" sz="1500" b="1" dirty="0" err="1"/>
+              <a:t>imaug</a:t>
+            </a:r>
+            <a:r>
+              <a:rPr lang="en-GB" sz="1500" b="1" dirty="0"/>
+              <a:t>\__init__.py", line 13, in transform</a:t>
+            </a:r>
+          </a:p>
+          <a:p>
+            <a:pPr marL="0" indent="0">
+              <a:buNone/>
+            </a:pPr>
+            <a:r>
+              <a:rPr lang="en-GB" sz="1500" b="1" dirty="0"/>
+              <a:t>    data = op(data)</a:t>
+            </a:r>
+          </a:p>
+          <a:p>
+            <a:pPr marL="0" indent="0">
+              <a:buNone/>
+            </a:pPr>
+            <a:r>
+              <a:rPr lang="en-GB" sz="1500" b="1" dirty="0"/>
+              <a:t>  File "C:\Users\PingChen\OneDrive - The University of Liverpool\Desktop\KYC </a:t>
+            </a:r>
+            <a:r>
+              <a:rPr lang="zh-TW" altLang="en-US" sz="1500" b="1" dirty="0"/>
+              <a:t>副業</a:t>
+            </a:r>
+            <a:r>
+              <a:rPr lang="en-US" altLang="zh-TW" sz="1500" b="1" dirty="0"/>
+              <a:t>\</a:t>
+            </a:r>
+            <a:r>
+              <a:rPr lang="en-GB" sz="1500" b="1" dirty="0"/>
+              <a:t>OCR\</a:t>
+            </a:r>
+            <a:r>
+              <a:rPr lang="en-GB" sz="1500" b="1" dirty="0" err="1"/>
+              <a:t>ocr_training_det</a:t>
+            </a:r>
+            <a:r>
+              <a:rPr lang="en-GB" sz="1500" b="1" dirty="0"/>
+              <a:t>\model\data\</a:t>
+            </a:r>
+            <a:r>
+              <a:rPr lang="en-GB" sz="1500" b="1" dirty="0" err="1"/>
+              <a:t>imaug</a:t>
+            </a:r>
+            <a:r>
+              <a:rPr lang="en-GB" sz="1500" b="1" dirty="0"/>
+              <a:t>\label_ops.py", line 28, in __call__</a:t>
+            </a:r>
+          </a:p>
+          <a:p>
+            <a:pPr marL="0" indent="0">
+              <a:buNone/>
+            </a:pPr>
+            <a:r>
+              <a:rPr lang="en-GB" sz="1500" b="1" dirty="0"/>
+              <a:t>    </a:t>
+            </a:r>
+            <a:r>
+              <a:rPr lang="en-GB" sz="1500" b="1" dirty="0" err="1"/>
+              <a:t>txt_tags</a:t>
+            </a:r>
+            <a:r>
+              <a:rPr lang="en-GB" sz="1500" b="1" dirty="0"/>
+              <a:t> = </a:t>
+            </a:r>
+            <a:r>
+              <a:rPr lang="en-GB" sz="1500" b="1" dirty="0" err="1"/>
+              <a:t>np.array</a:t>
+            </a:r>
+            <a:r>
+              <a:rPr lang="en-GB" sz="1500" b="1" dirty="0"/>
+              <a:t>(</a:t>
+            </a:r>
+            <a:r>
+              <a:rPr lang="en-GB" sz="1500" b="1" dirty="0" err="1"/>
+              <a:t>txt_tags,dtype</a:t>
+            </a:r>
+            <a:r>
+              <a:rPr lang="en-GB" sz="1500" b="1" dirty="0"/>
+              <a:t>=</a:t>
+            </a:r>
+            <a:r>
+              <a:rPr lang="en-GB" sz="1500" b="1" dirty="0" err="1"/>
+              <a:t>np.bool</a:t>
+            </a:r>
+            <a:r>
+              <a:rPr lang="en-GB" sz="1500" b="1" dirty="0"/>
+              <a:t>)</a:t>
+            </a:r>
+          </a:p>
+          <a:p>
+            <a:pPr marL="0" indent="0">
+              <a:buNone/>
+            </a:pPr>
+            <a:r>
+              <a:rPr lang="en-GB" sz="1500" b="1" dirty="0"/>
+              <a:t>  File "C:\Users\PingChen\AppData\Local\anaconda3\envs\OCR_test\lib\site-packages\numpy\__init__.py", line 305, in __</a:t>
+            </a:r>
+            <a:r>
+              <a:rPr lang="en-GB" sz="1500" b="1" dirty="0" err="1"/>
+              <a:t>getattr</a:t>
+            </a:r>
+            <a:r>
+              <a:rPr lang="en-GB" sz="1500" b="1" dirty="0"/>
+              <a:t>__</a:t>
+            </a:r>
+          </a:p>
+          <a:p>
+            <a:pPr marL="0" indent="0">
+              <a:buNone/>
+            </a:pPr>
+            <a:r>
+              <a:rPr lang="en-GB" sz="1500" b="1" dirty="0"/>
+              <a:t>    raise </a:t>
+            </a:r>
+            <a:r>
+              <a:rPr lang="en-GB" sz="1500" b="1" dirty="0" err="1"/>
+              <a:t>AttributeError</a:t>
+            </a:r>
+            <a:r>
+              <a:rPr lang="en-GB" sz="1500" b="1" dirty="0"/>
+              <a:t>(__</a:t>
+            </a:r>
+            <a:r>
+              <a:rPr lang="en-GB" sz="1500" b="1" dirty="0" err="1"/>
+              <a:t>former_attrs</a:t>
+            </a:r>
+            <a:r>
+              <a:rPr lang="en-GB" sz="1500" b="1" dirty="0"/>
+              <a:t>__[</a:t>
+            </a:r>
+            <a:r>
+              <a:rPr lang="en-GB" sz="1500" b="1" dirty="0" err="1"/>
+              <a:t>attr</a:t>
+            </a:r>
+            <a:r>
+              <a:rPr lang="en-GB" sz="1500" b="1" dirty="0"/>
+              <a:t>])</a:t>
+            </a:r>
+          </a:p>
+          <a:p>
+            <a:pPr marL="0" indent="0">
+              <a:buNone/>
+            </a:pPr>
+            <a:r>
+              <a:rPr lang="en-GB" sz="1500" b="1" dirty="0" err="1"/>
+              <a:t>AttributeError</a:t>
+            </a:r>
+            <a:r>
+              <a:rPr lang="en-GB" sz="1500" b="1" dirty="0"/>
+              <a:t>: module '</a:t>
+            </a:r>
+            <a:r>
+              <a:rPr lang="en-GB" sz="1500" b="1" dirty="0" err="1"/>
+              <a:t>numpy</a:t>
+            </a:r>
+            <a:r>
+              <a:rPr lang="en-GB" sz="1500" b="1" dirty="0"/>
+              <a:t>' has no attribute 'bool'.</a:t>
+            </a:r>
+          </a:p>
+          <a:p>
+            <a:pPr marL="0" indent="0">
+              <a:buNone/>
+            </a:pPr>
+            <a:r>
+              <a:rPr lang="en-GB" sz="1500" b="1" dirty="0"/>
+              <a:t>https://numpy.org/devdocs/release/1.20.0-notes.html#deprecations</a:t>
+            </a:r>
+          </a:p>
+        </p:txBody>
+      </p:sp>
+      <p:sp>
+        <p:nvSpPr>
+          <p:cNvPr id="4" name="TextBox 3">
+            <a:extLst>
+              <a:ext uri="{FF2B5EF4-FFF2-40B4-BE49-F238E27FC236}">
+                <a16:creationId xmlns:a16="http://schemas.microsoft.com/office/drawing/2014/main" id="{7CE2F764-0241-072F-CBFC-06F8C3161EA4}"/>
+              </a:ext>
+            </a:extLst>
+          </p:cNvPr>
+          <p:cNvSpPr txBox="1"/>
+          <p:nvPr/>
+        </p:nvSpPr>
+        <p:spPr>
+          <a:xfrm>
+            <a:off x="1836420" y="6256020"/>
+            <a:ext cx="9281160" cy="646331"/>
+          </a:xfrm>
+          <a:prstGeom prst="rect">
+            <a:avLst/>
+          </a:prstGeom>
+          <a:noFill/>
+        </p:spPr>
+        <p:txBody>
+          <a:bodyPr wrap="square" rtlCol="0">
+            <a:spAutoFit/>
+          </a:bodyPr>
+          <a:lstStyle/>
+          <a:p>
+            <a:r>
+              <a:rPr lang="en-US" altLang="zh-CN" b="0" i="0" dirty="0" err="1">
+                <a:solidFill>
+                  <a:srgbClr val="1F2328"/>
+                </a:solidFill>
+                <a:effectLst/>
+                <a:latin typeface="-apple-system"/>
+              </a:rPr>
+              <a:t>numpy</a:t>
+            </a:r>
+            <a:r>
+              <a:rPr lang="zh-CN" altLang="en-US" b="0" i="0" dirty="0">
+                <a:solidFill>
+                  <a:srgbClr val="1F2328"/>
+                </a:solidFill>
+                <a:effectLst/>
+                <a:latin typeface="-apple-system"/>
+              </a:rPr>
+              <a:t>版本尝试了</a:t>
+            </a:r>
+            <a:r>
+              <a:rPr lang="en-US" altLang="zh-CN" b="0" i="0" dirty="0">
+                <a:solidFill>
+                  <a:srgbClr val="1F2328"/>
+                </a:solidFill>
+                <a:effectLst/>
+                <a:latin typeface="-apple-system"/>
+              </a:rPr>
+              <a:t>1.24.4</a:t>
+            </a:r>
+            <a:r>
+              <a:rPr lang="zh-CN" altLang="en-US" b="0" i="0" dirty="0">
+                <a:solidFill>
+                  <a:srgbClr val="1F2328"/>
+                </a:solidFill>
+                <a:effectLst/>
+                <a:latin typeface="-apple-system"/>
+              </a:rPr>
+              <a:t>和</a:t>
+            </a:r>
+            <a:r>
+              <a:rPr lang="en-US" altLang="zh-CN" b="0" i="0" dirty="0">
+                <a:solidFill>
+                  <a:srgbClr val="1F2328"/>
+                </a:solidFill>
+                <a:effectLst/>
+                <a:latin typeface="-apple-system"/>
+              </a:rPr>
+              <a:t>1.24.3</a:t>
+            </a:r>
+            <a:r>
+              <a:rPr lang="zh-CN" altLang="en-US" b="0" i="0" dirty="0">
+                <a:solidFill>
+                  <a:srgbClr val="1F2328"/>
+                </a:solidFill>
+                <a:effectLst/>
+                <a:latin typeface="-apple-system"/>
+              </a:rPr>
+              <a:t>，都会报这个错，但是安装</a:t>
+            </a:r>
+            <a:r>
+              <a:rPr lang="en-GB" altLang="zh-CN" b="0" i="0" dirty="0" err="1">
+                <a:solidFill>
+                  <a:srgbClr val="1F2328"/>
+                </a:solidFill>
+                <a:effectLst/>
+                <a:latin typeface="-apple-system"/>
+              </a:rPr>
+              <a:t>numpy</a:t>
+            </a:r>
+            <a:r>
+              <a:rPr lang="en-GB" altLang="zh-CN" b="0" i="0" dirty="0">
+                <a:solidFill>
+                  <a:srgbClr val="1F2328"/>
+                </a:solidFill>
+                <a:effectLst/>
+                <a:latin typeface="-apple-system"/>
+              </a:rPr>
+              <a:t>==</a:t>
+            </a:r>
+            <a:r>
+              <a:rPr lang="en-US" altLang="zh-CN" b="0" i="0" dirty="0">
+                <a:solidFill>
+                  <a:srgbClr val="1F2328"/>
+                </a:solidFill>
+                <a:effectLst/>
+                <a:latin typeface="-apple-system"/>
+              </a:rPr>
+              <a:t>1.23.2</a:t>
+            </a:r>
+            <a:r>
+              <a:rPr lang="zh-CN" altLang="en-US" b="0" i="0" dirty="0">
+                <a:solidFill>
+                  <a:srgbClr val="1F2328"/>
+                </a:solidFill>
+                <a:effectLst/>
+                <a:latin typeface="-apple-system"/>
+              </a:rPr>
+              <a:t>版本就能正常运行了</a:t>
+            </a:r>
+            <a:endParaRPr lang="en-GB" dirty="0"/>
+          </a:p>
+        </p:txBody>
+      </p:sp>
+    </p:spTree>
+    <p:extLst>
+      <p:ext uri="{BB962C8B-B14F-4D97-AF65-F5344CB8AC3E}">
+        <p14:creationId xmlns:p14="http://schemas.microsoft.com/office/powerpoint/2010/main" val="2297757355"/>
+      </p:ext>
+    </p:extLst>
+  </p:cSld>
+  <p:clrMapOvr>
+    <a:masterClrMapping/>
+  </p:clrMapOvr>
+</p:sld>
+</file>
+
+<file path=ppt/slides/slide16.xml><?xml version="1.0" encoding="utf-8"?>
+<p:sld xmlns:a="http://schemas.openxmlformats.org/drawingml/2006/main" xmlns:r="http://schemas.openxmlformats.org/officeDocument/2006/relationships" xmlns:p="http://schemas.openxmlformats.org/presentationml/2006/main">
+  <p:cSld>
+    <p:spTree>
+      <p:nvGrpSpPr>
+        <p:cNvPr id="1" name=""/>
+        <p:cNvGrpSpPr/>
+        <p:nvPr/>
+      </p:nvGrpSpPr>
+      <p:grpSpPr>
+        <a:xfrm>
+          <a:off x="0" y="0"/>
+          <a:ext cx="0" cy="0"/>
+          <a:chOff x="0" y="0"/>
+          <a:chExt cx="0" cy="0"/>
+        </a:xfrm>
+      </p:grpSpPr>
+      <p:sp>
+        <p:nvSpPr>
+          <p:cNvPr id="2" name="Title 1">
+            <a:extLst>
+              <a:ext uri="{FF2B5EF4-FFF2-40B4-BE49-F238E27FC236}">
+                <a16:creationId xmlns:a16="http://schemas.microsoft.com/office/drawing/2014/main" id="{06286F4E-223A-02FE-50C3-1511941728ED}"/>
+              </a:ext>
+            </a:extLst>
+          </p:cNvPr>
+          <p:cNvSpPr>
+            <a:spLocks noGrp="1"/>
+          </p:cNvSpPr>
+          <p:nvPr>
+            <p:ph type="title"/>
+          </p:nvPr>
+        </p:nvSpPr>
+        <p:spPr/>
+        <p:txBody>
+          <a:bodyPr/>
+          <a:lstStyle/>
+          <a:p>
+            <a:r>
+              <a:rPr lang="en-US" altLang="zh-CN" dirty="0"/>
+              <a:t>library note</a:t>
+            </a:r>
+            <a:endParaRPr lang="en-GB" dirty="0"/>
+          </a:p>
+        </p:txBody>
+      </p:sp>
+      <p:sp>
+        <p:nvSpPr>
+          <p:cNvPr id="3" name="Content Placeholder 2">
+            <a:extLst>
+              <a:ext uri="{FF2B5EF4-FFF2-40B4-BE49-F238E27FC236}">
+                <a16:creationId xmlns:a16="http://schemas.microsoft.com/office/drawing/2014/main" id="{1EFE7BA5-BCBA-B708-1E08-D6DDC519FF15}"/>
+              </a:ext>
+            </a:extLst>
+          </p:cNvPr>
+          <p:cNvSpPr>
+            <a:spLocks noGrp="1"/>
+          </p:cNvSpPr>
+          <p:nvPr>
+            <p:ph idx="1"/>
+          </p:nvPr>
+        </p:nvSpPr>
+        <p:spPr/>
+        <p:txBody>
+          <a:bodyPr/>
+          <a:lstStyle/>
+          <a:p>
+            <a:r>
+              <a:rPr lang="en-GB" dirty="0"/>
+              <a:t>python = 3.8.19</a:t>
+            </a:r>
+          </a:p>
+          <a:p>
+            <a:r>
+              <a:rPr lang="en-GB" sz="1800" b="0" dirty="0">
+                <a:solidFill>
+                  <a:srgbClr val="A31515"/>
+                </a:solidFill>
+                <a:effectLst/>
+                <a:latin typeface="Courier New" panose="02070309020205020404" pitchFamily="49" charset="0"/>
+              </a:rPr>
+              <a:t>"</a:t>
+            </a:r>
+            <a:r>
+              <a:rPr lang="en-GB" sz="1800" b="0" dirty="0" err="1">
+                <a:solidFill>
+                  <a:srgbClr val="A31515"/>
+                </a:solidFill>
+                <a:effectLst/>
+                <a:latin typeface="Courier New" panose="02070309020205020404" pitchFamily="49" charset="0"/>
+              </a:rPr>
+              <a:t>paddleocr</a:t>
+            </a:r>
+            <a:r>
+              <a:rPr lang="en-GB" sz="1800" b="0" dirty="0">
+                <a:solidFill>
+                  <a:srgbClr val="A31515"/>
+                </a:solidFill>
+                <a:effectLst/>
+                <a:latin typeface="Courier New" panose="02070309020205020404" pitchFamily="49" charset="0"/>
+              </a:rPr>
+              <a:t>&gt;=2.0.1“</a:t>
+            </a:r>
+          </a:p>
+          <a:p>
+            <a:r>
+              <a:rPr lang="en-GB" sz="1800" dirty="0" err="1">
+                <a:solidFill>
+                  <a:srgbClr val="A31515"/>
+                </a:solidFill>
+                <a:latin typeface="Courier New" panose="02070309020205020404" pitchFamily="49" charset="0"/>
+              </a:rPr>
+              <a:t>Paddlepaddle</a:t>
+            </a:r>
+            <a:r>
+              <a:rPr lang="en-GB" sz="1800" dirty="0">
+                <a:solidFill>
+                  <a:srgbClr val="A31515"/>
+                </a:solidFill>
+                <a:latin typeface="Courier New" panose="02070309020205020404" pitchFamily="49" charset="0"/>
+              </a:rPr>
+              <a:t> == 2.1.0</a:t>
+            </a:r>
+          </a:p>
+          <a:p>
+            <a:r>
+              <a:rPr lang="en-GB" sz="1800" b="0" dirty="0" err="1">
+                <a:solidFill>
+                  <a:srgbClr val="A31515"/>
+                </a:solidFill>
+                <a:effectLst/>
+                <a:latin typeface="Courier New" panose="02070309020205020404" pitchFamily="49" charset="0"/>
+              </a:rPr>
+              <a:t>Tensorboard</a:t>
+            </a:r>
+            <a:endParaRPr lang="en-GB" sz="1800" b="0" dirty="0">
+              <a:solidFill>
+                <a:srgbClr val="A31515"/>
+              </a:solidFill>
+              <a:effectLst/>
+              <a:latin typeface="Courier New" panose="02070309020205020404" pitchFamily="49" charset="0"/>
+            </a:endParaRPr>
+          </a:p>
+          <a:p>
+            <a:endParaRPr lang="en-GB" sz="1800" b="0" dirty="0">
+              <a:solidFill>
+                <a:srgbClr val="000000"/>
+              </a:solidFill>
+              <a:effectLst/>
+              <a:latin typeface="Courier New" panose="02070309020205020404" pitchFamily="49" charset="0"/>
+            </a:endParaRPr>
+          </a:p>
+          <a:p>
+            <a:endParaRPr lang="en-GB" dirty="0"/>
+          </a:p>
+        </p:txBody>
+      </p:sp>
+    </p:spTree>
+    <p:extLst>
+      <p:ext uri="{BB962C8B-B14F-4D97-AF65-F5344CB8AC3E}">
+        <p14:creationId xmlns:p14="http://schemas.microsoft.com/office/powerpoint/2010/main" val="1563633422"/>
       </p:ext>
     </p:extLst>
   </p:cSld>
@@ -4028,7 +6648,7 @@
           <p:cNvPr id="2" name="Title 1">
             <a:extLst>
               <a:ext uri="{FF2B5EF4-FFF2-40B4-BE49-F238E27FC236}">
-                <a16:creationId xmlns:a16="http://schemas.microsoft.com/office/drawing/2014/main" id="{06286F4E-223A-02FE-50C3-1511941728ED}"/>
+                <a16:creationId xmlns:a16="http://schemas.microsoft.com/office/drawing/2014/main" id="{DDF0145A-F57D-FA42-3C12-054F2AA24BAF}"/>
               </a:ext>
             </a:extLst>
           </p:cNvPr>
@@ -4045,10 +6665,9 @@
           <a:lstStyle/>
           <a:p>
             <a:r>
-              <a:rPr lang="en-US" altLang="zh-CN" dirty="0"/>
-              <a:t>Installation</a:t>
-            </a:r>
-            <a:endParaRPr lang="en-GB" dirty="0"/>
+              <a:rPr lang="en-GB" dirty="0"/>
+              <a:t>Training </a:t>
+            </a:r>
           </a:p>
         </p:txBody>
       </p:sp>
@@ -4057,7 +6676,7 @@
           <p:cNvPr id="3" name="Content Placeholder 2">
             <a:extLst>
               <a:ext uri="{FF2B5EF4-FFF2-40B4-BE49-F238E27FC236}">
-                <a16:creationId xmlns:a16="http://schemas.microsoft.com/office/drawing/2014/main" id="{1EFE7BA5-BCBA-B708-1E08-D6DDC519FF15}"/>
+                <a16:creationId xmlns:a16="http://schemas.microsoft.com/office/drawing/2014/main" id="{9703B940-C76F-1B3E-8C49-E7674C22D4D4}"/>
               </a:ext>
             </a:extLst>
           </p:cNvPr>
@@ -4074,99 +6693,30 @@
           <a:lstStyle/>
           <a:p>
             <a:r>
+              <a:rPr lang="zh-CN" altLang="en-US" dirty="0"/>
+              <a:t>指令</a:t>
+            </a:r>
+            <a:endParaRPr lang="en-GB" dirty="0"/>
+          </a:p>
+          <a:p>
+            <a:pPr marL="0" indent="0">
+              <a:buNone/>
+            </a:pPr>
+            <a:r>
+              <a:rPr lang="en-US" dirty="0"/>
+              <a:t>&gt;</a:t>
+            </a:r>
+            <a:r>
               <a:rPr lang="en-GB" dirty="0"/>
-              <a:t>python = 3.8.19</a:t>
-            </a:r>
-          </a:p>
-          <a:p>
-            <a:r>
-              <a:rPr lang="en-GB" sz="1800" b="0" dirty="0">
-                <a:solidFill>
-                  <a:srgbClr val="A31515"/>
-                </a:solidFill>
-                <a:effectLst/>
-                <a:latin typeface="Courier New" panose="02070309020205020404" pitchFamily="49" charset="0"/>
-              </a:rPr>
-              <a:t>"</a:t>
-            </a:r>
-            <a:r>
-              <a:rPr lang="en-GB" sz="1800" b="0" dirty="0" err="1">
-                <a:solidFill>
-                  <a:srgbClr val="A31515"/>
-                </a:solidFill>
-                <a:effectLst/>
-                <a:latin typeface="Courier New" panose="02070309020205020404" pitchFamily="49" charset="0"/>
-              </a:rPr>
-              <a:t>paddleocr</a:t>
-            </a:r>
-            <a:r>
-              <a:rPr lang="en-GB" sz="1800" b="0" dirty="0">
-                <a:solidFill>
-                  <a:srgbClr val="A31515"/>
-                </a:solidFill>
-                <a:effectLst/>
-                <a:latin typeface="Courier New" panose="02070309020205020404" pitchFamily="49" charset="0"/>
-              </a:rPr>
-              <a:t>&gt;=2.0.1“</a:t>
-            </a:r>
-          </a:p>
-          <a:p>
-            <a:r>
-              <a:rPr lang="en-GB" sz="1800" dirty="0" err="1">
-                <a:solidFill>
-                  <a:srgbClr val="A31515"/>
-                </a:solidFill>
-                <a:latin typeface="Courier New" panose="02070309020205020404" pitchFamily="49" charset="0"/>
-              </a:rPr>
-              <a:t>Paddlepaddle</a:t>
-            </a:r>
-            <a:r>
-              <a:rPr lang="en-GB" sz="1800" dirty="0">
-                <a:solidFill>
-                  <a:srgbClr val="A31515"/>
-                </a:solidFill>
-                <a:latin typeface="Courier New" panose="02070309020205020404" pitchFamily="49" charset="0"/>
-              </a:rPr>
-              <a:t> == 2.1.0</a:t>
-            </a:r>
-          </a:p>
-          <a:p>
-            <a:r>
-              <a:rPr lang="en-GB" sz="1800" b="0" dirty="0" err="1">
-                <a:solidFill>
-                  <a:srgbClr val="A31515"/>
-                </a:solidFill>
-                <a:effectLst/>
-                <a:latin typeface="Courier New" panose="02070309020205020404" pitchFamily="49" charset="0"/>
-              </a:rPr>
-              <a:t>Tensorboard</a:t>
-            </a:r>
-            <a:endParaRPr lang="en-GB" sz="1800" b="0" dirty="0">
-              <a:solidFill>
-                <a:srgbClr val="A31515"/>
-              </a:solidFill>
-              <a:effectLst/>
-              <a:latin typeface="Courier New" panose="02070309020205020404" pitchFamily="49" charset="0"/>
-            </a:endParaRPr>
-          </a:p>
-          <a:p>
-            <a:endParaRPr lang="en-GB" sz="1800" b="0" dirty="0">
-              <a:solidFill>
-                <a:srgbClr val="000000"/>
-              </a:solidFill>
-              <a:effectLst/>
-              <a:latin typeface="Courier New" panose="02070309020205020404" pitchFamily="49" charset="0"/>
-            </a:endParaRPr>
-          </a:p>
-          <a:p>
-            <a:endParaRPr lang="en-GB" dirty="0"/>
+              <a:t>python.exe train.py --config configs\det\det_r50_vd_db.yml</a:t>
+            </a:r>
           </a:p>
         </p:txBody>
       </p:sp>
     </p:spTree>
     <p:extLst>
       <p:ext uri="{BB962C8B-B14F-4D97-AF65-F5344CB8AC3E}">
-        <p14:creationId xmlns:p14="http://schemas.microsoft.com/office/powerpoint/2010/main" val="1563633422"/>
+        <p14:creationId xmlns:p14="http://schemas.microsoft.com/office/powerpoint/2010/main" val="3970687903"/>
       </p:ext>
     </p:extLst>
   </p:cSld>
@@ -4198,7 +6748,7 @@
           <p:cNvPr id="2" name="Title 1">
             <a:extLst>
               <a:ext uri="{FF2B5EF4-FFF2-40B4-BE49-F238E27FC236}">
-                <a16:creationId xmlns:a16="http://schemas.microsoft.com/office/drawing/2014/main" id="{EFB87CE2-FA5B-B2F3-7F32-6B7D316B86D1}"/>
+                <a16:creationId xmlns:a16="http://schemas.microsoft.com/office/drawing/2014/main" id="{D243E6DF-000E-CC78-E4BD-FBA16F06535F}"/>
               </a:ext>
             </a:extLst>
           </p:cNvPr>
@@ -4223,7 +6773,7 @@
           <p:cNvPr id="3" name="Content Placeholder 2">
             <a:extLst>
               <a:ext uri="{FF2B5EF4-FFF2-40B4-BE49-F238E27FC236}">
-                <a16:creationId xmlns:a16="http://schemas.microsoft.com/office/drawing/2014/main" id="{A3B0312F-1931-6E9B-AC14-4A8345F9949C}"/>
+                <a16:creationId xmlns:a16="http://schemas.microsoft.com/office/drawing/2014/main" id="{A99D7332-4F9D-96A5-3488-C219FA6D3C99}"/>
               </a:ext>
             </a:extLst>
           </p:cNvPr>
@@ -4239,111 +6789,17 @@
           <a:bodyPr/>
           <a:lstStyle/>
           <a:p>
-            <a:r>
-              <a:rPr lang="en-GB" dirty="0"/>
-              <a:t>Program.py line 98 </a:t>
-            </a:r>
-          </a:p>
-          <a:p>
-            <a:r>
-              <a:rPr lang="en-GB" sz="2000" b="0" dirty="0">
-                <a:solidFill>
-                  <a:srgbClr val="6A9955"/>
-                </a:solidFill>
-                <a:effectLst/>
-                <a:latin typeface="Consolas" panose="020B0609020204030204" pitchFamily="49" charset="0"/>
-              </a:rPr>
-              <a:t># device = '</a:t>
-            </a:r>
-            <a:r>
-              <a:rPr lang="en-GB" sz="2000" b="0" dirty="0" err="1">
-                <a:solidFill>
-                  <a:srgbClr val="6A9955"/>
-                </a:solidFill>
-                <a:effectLst/>
-                <a:latin typeface="Consolas" panose="020B0609020204030204" pitchFamily="49" charset="0"/>
-              </a:rPr>
-              <a:t>cuda</a:t>
-            </a:r>
-            <a:r>
-              <a:rPr lang="en-GB" sz="2000" b="0" dirty="0">
-                <a:solidFill>
-                  <a:srgbClr val="6A9955"/>
-                </a:solidFill>
-                <a:effectLst/>
-                <a:latin typeface="Consolas" panose="020B0609020204030204" pitchFamily="49" charset="0"/>
-              </a:rPr>
-              <a:t>:{}'.format(config['Global']['</a:t>
-            </a:r>
-            <a:r>
-              <a:rPr lang="en-GB" sz="2000" b="0" dirty="0" err="1">
-                <a:solidFill>
-                  <a:srgbClr val="6A9955"/>
-                </a:solidFill>
-                <a:effectLst/>
-                <a:latin typeface="Consolas" panose="020B0609020204030204" pitchFamily="49" charset="0"/>
-              </a:rPr>
-              <a:t>gpu_id</a:t>
-            </a:r>
-            <a:r>
-              <a:rPr lang="en-GB" sz="2000" b="0" dirty="0">
-                <a:solidFill>
-                  <a:srgbClr val="6A9955"/>
-                </a:solidFill>
-                <a:effectLst/>
-                <a:latin typeface="Consolas" panose="020B0609020204030204" pitchFamily="49" charset="0"/>
-              </a:rPr>
-              <a:t>']) if </a:t>
-            </a:r>
-            <a:r>
-              <a:rPr lang="en-GB" sz="2000" b="0" dirty="0" err="1">
-                <a:solidFill>
-                  <a:srgbClr val="6A9955"/>
-                </a:solidFill>
-                <a:effectLst/>
-                <a:latin typeface="Consolas" panose="020B0609020204030204" pitchFamily="49" charset="0"/>
-              </a:rPr>
-              <a:t>use_gpu</a:t>
-            </a:r>
-            <a:r>
-              <a:rPr lang="en-GB" sz="2000" b="0" dirty="0">
-                <a:solidFill>
-                  <a:srgbClr val="6A9955"/>
-                </a:solidFill>
-                <a:effectLst/>
-                <a:latin typeface="Consolas" panose="020B0609020204030204" pitchFamily="49" charset="0"/>
-              </a:rPr>
-              <a:t> else '</a:t>
-            </a:r>
-            <a:r>
-              <a:rPr lang="en-GB" sz="2000" b="0" dirty="0" err="1">
-                <a:solidFill>
-                  <a:srgbClr val="6A9955"/>
-                </a:solidFill>
-                <a:effectLst/>
-                <a:latin typeface="Consolas" panose="020B0609020204030204" pitchFamily="49" charset="0"/>
-              </a:rPr>
-              <a:t>cpu</a:t>
-            </a:r>
-            <a:r>
-              <a:rPr lang="en-GB" sz="2000" b="0" dirty="0">
-                <a:solidFill>
-                  <a:srgbClr val="6A9955"/>
-                </a:solidFill>
-                <a:effectLst/>
-                <a:latin typeface="Consolas" panose="020B0609020204030204" pitchFamily="49" charset="0"/>
-              </a:rPr>
-              <a:t>'</a:t>
-            </a:r>
-            <a:endParaRPr lang="en-GB" sz="2000" b="0" dirty="0">
-              <a:solidFill>
-                <a:srgbClr val="CCCCCC"/>
-              </a:solidFill>
-              <a:effectLst/>
-              <a:latin typeface="Consolas" panose="020B0609020204030204" pitchFamily="49" charset="0"/>
-            </a:endParaRPr>
-          </a:p>
-          <a:p>
+            <a:pPr marL="0" indent="0">
+              <a:buNone/>
+            </a:pPr>
+            <a:r>
+              <a:rPr lang="zh-CN" altLang="en-US" dirty="0"/>
+              <a:t>來研究一下怎麽自定義</a:t>
+            </a:r>
+            <a:r>
+              <a:rPr lang="en-US" altLang="zh-CN" dirty="0"/>
+              <a:t>Training Data!</a:t>
+            </a:r>
             <a:endParaRPr lang="en-GB" dirty="0"/>
           </a:p>
         </p:txBody>
@@ -4351,7 +6807,7 @@
     </p:spTree>
     <p:extLst>
       <p:ext uri="{BB962C8B-B14F-4D97-AF65-F5344CB8AC3E}">
-        <p14:creationId xmlns:p14="http://schemas.microsoft.com/office/powerpoint/2010/main" val="2806469842"/>
+        <p14:creationId xmlns:p14="http://schemas.microsoft.com/office/powerpoint/2010/main" val="1147443352"/>
       </p:ext>
     </p:extLst>
   </p:cSld>
@@ -4383,7 +6839,7 @@
           <p:cNvPr id="2" name="Title 1">
             <a:extLst>
               <a:ext uri="{FF2B5EF4-FFF2-40B4-BE49-F238E27FC236}">
-                <a16:creationId xmlns:a16="http://schemas.microsoft.com/office/drawing/2014/main" id="{E670ECF5-BF7E-982E-A0B9-0C138C4DDA53}"/>
+                <a16:creationId xmlns:a16="http://schemas.microsoft.com/office/drawing/2014/main" id="{289F3DA2-D015-FB47-C7CF-B703DEBE4986}"/>
               </a:ext>
             </a:extLst>
           </p:cNvPr>
@@ -4400,9 +6856,30 @@
           <a:lstStyle/>
           <a:p>
             <a:r>
-              <a:rPr lang="en-GB" dirty="0"/>
-              <a:t>Error when parsing</a:t>
-            </a:r>
+              <a:rPr lang="zh-CN" altLang="en-US" dirty="0"/>
+              <a:t>配置文檔 </a:t>
+            </a:r>
+            <a:r>
+              <a:rPr lang="en-GB" altLang="zh-CN" dirty="0"/>
+              <a:t>.</a:t>
+            </a:r>
+            <a:r>
+              <a:rPr lang="en-GB" altLang="zh-CN" dirty="0" err="1"/>
+              <a:t>yml</a:t>
+            </a:r>
+            <a:r>
+              <a:rPr lang="en-GB" altLang="zh-CN" dirty="0"/>
+              <a:t> </a:t>
+            </a:r>
+            <a:r>
+              <a:rPr lang="zh-CN" altLang="en-US" dirty="0"/>
+              <a:t>指向已有的</a:t>
+            </a:r>
+            <a:r>
+              <a:rPr lang="en-GB" altLang="zh-CN" dirty="0"/>
+              <a:t>training dataset</a:t>
+            </a:r>
+            <a:endParaRPr lang="en-GB" dirty="0"/>
           </a:p>
         </p:txBody>
       </p:sp>
@@ -4411,7 +6888,7 @@
           <p:cNvPr id="3" name="Content Placeholder 2">
             <a:extLst>
               <a:ext uri="{FF2B5EF4-FFF2-40B4-BE49-F238E27FC236}">
-                <a16:creationId xmlns:a16="http://schemas.microsoft.com/office/drawing/2014/main" id="{EDF3AB5E-2C63-BA19-0C9C-B9205C55DB31}"/>
+                <a16:creationId xmlns:a16="http://schemas.microsoft.com/office/drawing/2014/main" id="{A55C433D-E550-FD49-36FD-E76B2E8DAA65}"/>
               </a:ext>
             </a:extLst>
           </p:cNvPr>
@@ -4422,430 +6899,255 @@
             <p:ph idx="1"/>
           </p:nvPr>
         </p:nvSpPr>
-        <p:spPr>
-          <a:xfrm>
-            <a:off x="403860" y="1825625"/>
-            <a:ext cx="11597640" cy="4072255"/>
-          </a:xfrm>
-        </p:spPr>
+        <p:spPr/>
         <p:txBody>
           <a:bodyPr>
-            <a:noAutofit/>
+            <a:normAutofit/>
           </a:bodyPr>
           <a:lstStyle/>
+          <a:p>
+            <a:r>
+              <a:rPr lang="zh-CN" altLang="en-US" sz="2000" dirty="0">
+                <a:latin typeface="Consolas" panose="020B0609020204030204" pitchFamily="49" charset="0"/>
+              </a:rPr>
+              <a:t>由</a:t>
+            </a:r>
+            <a:r>
+              <a:rPr lang="en-US" altLang="zh-CN" sz="2000" dirty="0">
+                <a:solidFill>
+                  <a:srgbClr val="569CD6"/>
+                </a:solidFill>
+                <a:latin typeface="Consolas" panose="020B0609020204030204" pitchFamily="49" charset="0"/>
+              </a:rPr>
+              <a:t>Configs/det/.</a:t>
+            </a:r>
+            <a:r>
+              <a:rPr lang="en-US" altLang="zh-CN" sz="2000" dirty="0" err="1">
+                <a:solidFill>
+                  <a:srgbClr val="569CD6"/>
+                </a:solidFill>
+                <a:latin typeface="Consolas" panose="020B0609020204030204" pitchFamily="49" charset="0"/>
+              </a:rPr>
+              <a:t>yml</a:t>
+            </a:r>
+            <a:r>
+              <a:rPr lang="en-US" altLang="zh-CN" sz="2000" dirty="0">
+                <a:solidFill>
+                  <a:srgbClr val="569CD6"/>
+                </a:solidFill>
+                <a:latin typeface="Consolas" panose="020B0609020204030204" pitchFamily="49" charset="0"/>
+              </a:rPr>
+              <a:t> </a:t>
+            </a:r>
+            <a:r>
+              <a:rPr lang="zh-CN" altLang="en-US" sz="2000" dirty="0"/>
+              <a:t>可得知</a:t>
+            </a:r>
+            <a:r>
+              <a:rPr lang="zh-CN" altLang="en-US" sz="2000" dirty="0">
+                <a:latin typeface="Consolas" panose="020B0609020204030204" pitchFamily="49" charset="0"/>
+              </a:rPr>
+              <a:t>：</a:t>
+            </a:r>
+            <a:endParaRPr lang="en-GB" sz="2000" b="0" dirty="0">
+              <a:effectLst/>
+              <a:latin typeface="Consolas" panose="020B0609020204030204" pitchFamily="49" charset="0"/>
+            </a:endParaRPr>
+          </a:p>
           <a:p>
             <a:pPr marL="0" indent="0">
               <a:buNone/>
             </a:pPr>
             <a:r>
-              <a:rPr lang="en-GB" sz="1500" b="1" dirty="0"/>
-              <a:t> error happened with </a:t>
-            </a:r>
-            <a:r>
-              <a:rPr lang="en-GB" sz="1500" b="1" dirty="0" err="1"/>
-              <a:t>msg:Traceback</a:t>
-            </a:r>
-            <a:r>
-              <a:rPr lang="en-GB" sz="1500" b="1" dirty="0"/>
-              <a:t> (most recent call last):</a:t>
-            </a:r>
+              <a:rPr lang="en-GB" sz="2000" b="0" dirty="0" err="1">
+                <a:solidFill>
+                  <a:srgbClr val="569CD6"/>
+                </a:solidFill>
+                <a:effectLst/>
+                <a:latin typeface="Consolas" panose="020B0609020204030204" pitchFamily="49" charset="0"/>
+              </a:rPr>
+              <a:t>data_dir</a:t>
+            </a:r>
+            <a:r>
+              <a:rPr lang="en-GB" sz="2000" b="0" dirty="0">
+                <a:solidFill>
+                  <a:srgbClr val="CCCCCC"/>
+                </a:solidFill>
+                <a:effectLst/>
+                <a:latin typeface="Consolas" panose="020B0609020204030204" pitchFamily="49" charset="0"/>
+              </a:rPr>
+              <a:t>: </a:t>
+            </a:r>
+            <a:r>
+              <a:rPr lang="en-GB" sz="2000" b="0" dirty="0">
+                <a:solidFill>
+                  <a:srgbClr val="CE9178"/>
+                </a:solidFill>
+                <a:effectLst/>
+                <a:latin typeface="Consolas" panose="020B0609020204030204" pitchFamily="49" charset="0"/>
+              </a:rPr>
+              <a:t>./dataset/icdar2015/</a:t>
+            </a:r>
+            <a:r>
+              <a:rPr lang="en-GB" sz="2000" b="0" dirty="0" err="1">
+                <a:solidFill>
+                  <a:srgbClr val="CE9178"/>
+                </a:solidFill>
+                <a:effectLst/>
+                <a:latin typeface="Consolas" panose="020B0609020204030204" pitchFamily="49" charset="0"/>
+              </a:rPr>
+              <a:t>text_localization</a:t>
+            </a:r>
+            <a:r>
+              <a:rPr lang="en-GB" sz="2000" b="0" dirty="0">
+                <a:solidFill>
+                  <a:srgbClr val="CE9178"/>
+                </a:solidFill>
+                <a:effectLst/>
+                <a:latin typeface="Consolas" panose="020B0609020204030204" pitchFamily="49" charset="0"/>
+              </a:rPr>
+              <a:t>/</a:t>
+            </a:r>
+            <a:endParaRPr lang="en-GB" sz="2000" b="0" dirty="0">
+              <a:solidFill>
+                <a:srgbClr val="CCCCCC"/>
+              </a:solidFill>
+              <a:effectLst/>
+              <a:latin typeface="Consolas" panose="020B0609020204030204" pitchFamily="49" charset="0"/>
+            </a:endParaRPr>
           </a:p>
           <a:p>
             <a:pPr marL="0" indent="0">
               <a:buNone/>
             </a:pPr>
             <a:r>
-              <a:rPr lang="en-GB" sz="1500" b="1" dirty="0"/>
-              <a:t>  File "C:\Users\PingChen\OneDrive - The University of Liverpool\Desktop\KYC </a:t>
-            </a:r>
-            <a:r>
-              <a:rPr lang="zh-TW" altLang="en-US" sz="1500" b="1" dirty="0"/>
-              <a:t>副業</a:t>
-            </a:r>
-            <a:r>
-              <a:rPr lang="en-US" altLang="zh-TW" sz="1500" b="1" dirty="0"/>
-              <a:t>\</a:t>
-            </a:r>
-            <a:r>
-              <a:rPr lang="en-GB" sz="1500" b="1" dirty="0"/>
-              <a:t>OCR\</a:t>
-            </a:r>
-            <a:r>
-              <a:rPr lang="en-GB" sz="1500" b="1" dirty="0" err="1"/>
-              <a:t>ocr_training_det</a:t>
-            </a:r>
-            <a:r>
-              <a:rPr lang="en-GB" sz="1500" b="1" dirty="0"/>
-              <a:t>\model\data\simple_dataset.py", line 131, in __</a:t>
-            </a:r>
-            <a:r>
-              <a:rPr lang="en-GB" sz="1500" b="1" dirty="0" err="1"/>
-              <a:t>getitem</a:t>
-            </a:r>
-            <a:r>
-              <a:rPr lang="en-GB" sz="1500" b="1" dirty="0"/>
-              <a:t>__</a:t>
-            </a:r>
-          </a:p>
-          <a:p>
-            <a:pPr marL="0" indent="0">
-              <a:buNone/>
+              <a:rPr lang="en-GB" sz="2000" b="0" dirty="0" err="1">
+                <a:solidFill>
+                  <a:srgbClr val="569CD6"/>
+                </a:solidFill>
+                <a:effectLst/>
+                <a:latin typeface="Consolas" panose="020B0609020204030204" pitchFamily="49" charset="0"/>
+              </a:rPr>
+              <a:t>label_file_list</a:t>
+            </a:r>
+            <a:r>
+              <a:rPr lang="en-GB" sz="2000" b="0" dirty="0">
+                <a:solidFill>
+                  <a:srgbClr val="CCCCCC"/>
+                </a:solidFill>
+                <a:effectLst/>
+                <a:latin typeface="Consolas" panose="020B0609020204030204" pitchFamily="49" charset="0"/>
+              </a:rPr>
+              <a:t>:</a:t>
+            </a:r>
+            <a:r>
+              <a:rPr lang="en-GB" sz="2000" b="0" dirty="0">
+                <a:solidFill>
+                  <a:srgbClr val="CE9178"/>
+                </a:solidFill>
+                <a:effectLst/>
+                <a:latin typeface="Consolas" panose="020B0609020204030204" pitchFamily="49" charset="0"/>
+              </a:rPr>
+              <a:t>./dataset/icdar2015/</a:t>
+            </a:r>
+            <a:r>
+              <a:rPr lang="en-GB" sz="2000" b="0" dirty="0" err="1">
+                <a:solidFill>
+                  <a:srgbClr val="CE9178"/>
+                </a:solidFill>
+                <a:effectLst/>
+                <a:latin typeface="Consolas" panose="020B0609020204030204" pitchFamily="49" charset="0"/>
+              </a:rPr>
+              <a:t>text_localization</a:t>
+            </a:r>
+            <a:r>
+              <a:rPr lang="en-GB" sz="2000" b="0" dirty="0">
+                <a:solidFill>
+                  <a:srgbClr val="CE9178"/>
+                </a:solidFill>
+                <a:effectLst/>
+                <a:latin typeface="Consolas" panose="020B0609020204030204" pitchFamily="49" charset="0"/>
+              </a:rPr>
+              <a:t>/train_icdar2015_label.txt</a:t>
+            </a:r>
+          </a:p>
+          <a:p>
+            <a:r>
+              <a:rPr lang="en-GB" sz="1800" b="0" dirty="0">
+                <a:effectLst/>
+                <a:latin typeface="Consolas" panose="020B0609020204030204" pitchFamily="49" charset="0"/>
+              </a:rPr>
+              <a:t>train_icdar2015_label.txt </a:t>
+            </a:r>
+            <a:r>
+              <a:rPr lang="zh-CN" altLang="en-US" sz="2400" b="0" dirty="0">
+                <a:effectLst/>
+                <a:latin typeface="Consolas" panose="020B0609020204030204" pitchFamily="49" charset="0"/>
+              </a:rPr>
+              <a:t>中包含</a:t>
+            </a:r>
+            <a:endParaRPr lang="en-GB" altLang="zh-CN" sz="2400" b="0" dirty="0">
+              <a:effectLst/>
+              <a:latin typeface="Consolas" panose="020B0609020204030204" pitchFamily="49" charset="0"/>
+            </a:endParaRPr>
+          </a:p>
+          <a:p>
+            <a:pPr marL="914400" lvl="1" indent="-457200">
+              <a:buFont typeface="+mj-lt"/>
+              <a:buAutoNum type="arabicPeriod"/>
             </a:pPr>
             <a:r>
-              <a:rPr lang="en-GB" sz="1500" b="1" dirty="0"/>
-              <a:t>    outs = transform(data, </a:t>
-            </a:r>
-            <a:r>
-              <a:rPr lang="en-GB" sz="1500" b="1" dirty="0" err="1"/>
-              <a:t>self.ops</a:t>
-            </a:r>
-            <a:r>
-              <a:rPr lang="en-GB" sz="1500" b="1" dirty="0"/>
-              <a:t>)</a:t>
-            </a:r>
-          </a:p>
-          <a:p>
-            <a:pPr marL="0" indent="0">
-              <a:buNone/>
+              <a:rPr lang="en-GB" altLang="zh-CN" sz="2000" dirty="0"/>
+              <a:t>Training</a:t>
+            </a:r>
+            <a:r>
+              <a:rPr lang="zh-CN" altLang="en-US" sz="2000" dirty="0"/>
+              <a:t>圖片路徑 </a:t>
+            </a:r>
+            <a:r>
+              <a:rPr lang="en-GB" sz="2000" b="0" dirty="0">
+                <a:effectLst/>
+                <a:latin typeface="Consolas" panose="020B0609020204030204" pitchFamily="49" charset="0"/>
+              </a:rPr>
+              <a:t>icdar_c4_train_imgs</a:t>
+            </a:r>
+            <a:r>
+              <a:rPr lang="en-GB" sz="2000" dirty="0">
+                <a:latin typeface="Consolas" panose="020B0609020204030204" pitchFamily="49" charset="0"/>
+              </a:rPr>
+              <a:t>/</a:t>
+            </a:r>
+            <a:endParaRPr lang="en-GB" altLang="zh-CN" sz="2000" dirty="0"/>
+          </a:p>
+          <a:p>
+            <a:pPr marL="914400" lvl="1" indent="-457200">
+              <a:buFont typeface="+mj-lt"/>
+              <a:buAutoNum type="arabicPeriod"/>
             </a:pPr>
             <a:r>
-              <a:rPr lang="en-GB" sz="1500" b="1" dirty="0"/>
-              <a:t>  File "C:\Users\PingChen\OneDrive - The University of Liverpool\Desktop\KYC </a:t>
-            </a:r>
-            <a:r>
-              <a:rPr lang="zh-TW" altLang="en-US" sz="1500" b="1" dirty="0"/>
-              <a:t>副業</a:t>
-            </a:r>
-            <a:r>
-              <a:rPr lang="en-US" altLang="zh-TW" sz="1500" b="1" dirty="0"/>
-              <a:t>\</a:t>
-            </a:r>
-            <a:r>
-              <a:rPr lang="en-GB" sz="1500" b="1" dirty="0"/>
-              <a:t>OCR\</a:t>
-            </a:r>
-            <a:r>
-              <a:rPr lang="en-GB" sz="1500" b="1" dirty="0" err="1"/>
-              <a:t>ocr_training_det</a:t>
-            </a:r>
-            <a:r>
-              <a:rPr lang="en-GB" sz="1500" b="1" dirty="0"/>
-              <a:t>\model\data\</a:t>
-            </a:r>
-            <a:r>
-              <a:rPr lang="en-GB" sz="1500" b="1" dirty="0" err="1"/>
-              <a:t>imaug</a:t>
-            </a:r>
-            <a:r>
-              <a:rPr lang="en-GB" sz="1500" b="1" dirty="0"/>
-              <a:t>\__init__.py", line 13, in transform</a:t>
-            </a:r>
-          </a:p>
-          <a:p>
-            <a:pPr marL="0" indent="0">
-              <a:buNone/>
-            </a:pPr>
-            <a:r>
-              <a:rPr lang="en-GB" sz="1500" b="1" dirty="0"/>
-              <a:t>    data = op(data)</a:t>
-            </a:r>
-          </a:p>
-          <a:p>
-            <a:pPr marL="0" indent="0">
-              <a:buNone/>
-            </a:pPr>
-            <a:r>
-              <a:rPr lang="en-GB" sz="1500" b="1" dirty="0"/>
-              <a:t>  File "C:\Users\PingChen\OneDrive - The University of Liverpool\Desktop\KYC </a:t>
-            </a:r>
-            <a:r>
-              <a:rPr lang="zh-TW" altLang="en-US" sz="1500" b="1" dirty="0"/>
-              <a:t>副業</a:t>
-            </a:r>
-            <a:r>
-              <a:rPr lang="en-US" altLang="zh-TW" sz="1500" b="1" dirty="0"/>
-              <a:t>\</a:t>
-            </a:r>
-            <a:r>
-              <a:rPr lang="en-GB" sz="1500" b="1" dirty="0"/>
-              <a:t>OCR\</a:t>
-            </a:r>
-            <a:r>
-              <a:rPr lang="en-GB" sz="1500" b="1" dirty="0" err="1"/>
-              <a:t>ocr_training_det</a:t>
-            </a:r>
-            <a:r>
-              <a:rPr lang="en-GB" sz="1500" b="1" dirty="0"/>
-              <a:t>\model\data\</a:t>
-            </a:r>
-            <a:r>
-              <a:rPr lang="en-GB" sz="1500" b="1" dirty="0" err="1"/>
-              <a:t>imaug</a:t>
-            </a:r>
-            <a:r>
-              <a:rPr lang="en-GB" sz="1500" b="1" dirty="0"/>
-              <a:t>\label_ops.py", line 28, in __call__</a:t>
-            </a:r>
-          </a:p>
-          <a:p>
-            <a:pPr marL="0" indent="0">
-              <a:buNone/>
-            </a:pPr>
-            <a:r>
-              <a:rPr lang="en-GB" sz="1500" b="1" dirty="0"/>
-              <a:t>    </a:t>
-            </a:r>
-            <a:r>
-              <a:rPr lang="en-GB" sz="1500" b="1" dirty="0" err="1"/>
-              <a:t>txt_tags</a:t>
-            </a:r>
-            <a:r>
-              <a:rPr lang="en-GB" sz="1500" b="1" dirty="0"/>
-              <a:t> = </a:t>
-            </a:r>
-            <a:r>
-              <a:rPr lang="en-GB" sz="1500" b="1" dirty="0" err="1"/>
-              <a:t>np.array</a:t>
-            </a:r>
-            <a:r>
-              <a:rPr lang="en-GB" sz="1500" b="1" dirty="0"/>
-              <a:t>(</a:t>
-            </a:r>
-            <a:r>
-              <a:rPr lang="en-GB" sz="1500" b="1" dirty="0" err="1"/>
-              <a:t>txt_tags,dtype</a:t>
-            </a:r>
-            <a:r>
-              <a:rPr lang="en-GB" sz="1500" b="1" dirty="0"/>
-              <a:t>=</a:t>
-            </a:r>
-            <a:r>
-              <a:rPr lang="en-GB" sz="1500" b="1" dirty="0" err="1"/>
-              <a:t>np.bool</a:t>
-            </a:r>
-            <a:r>
-              <a:rPr lang="en-GB" sz="1500" b="1" dirty="0"/>
-              <a:t>)</a:t>
-            </a:r>
-          </a:p>
-          <a:p>
-            <a:pPr marL="0" indent="0">
-              <a:buNone/>
-            </a:pPr>
-            <a:r>
-              <a:rPr lang="en-GB" sz="1500" b="1" dirty="0"/>
-              <a:t>  File "C:\Users\PingChen\AppData\Local\anaconda3\envs\OCR_test\lib\site-packages\numpy\__init__.py", line 305, in __</a:t>
-            </a:r>
-            <a:r>
-              <a:rPr lang="en-GB" sz="1500" b="1" dirty="0" err="1"/>
-              <a:t>getattr</a:t>
-            </a:r>
-            <a:r>
-              <a:rPr lang="en-GB" sz="1500" b="1" dirty="0"/>
-              <a:t>__</a:t>
-            </a:r>
-          </a:p>
-          <a:p>
-            <a:pPr marL="0" indent="0">
-              <a:buNone/>
-            </a:pPr>
-            <a:r>
-              <a:rPr lang="en-GB" sz="1500" b="1" dirty="0"/>
-              <a:t>    raise </a:t>
-            </a:r>
-            <a:r>
-              <a:rPr lang="en-GB" sz="1500" b="1" dirty="0" err="1"/>
-              <a:t>AttributeError</a:t>
-            </a:r>
-            <a:r>
-              <a:rPr lang="en-GB" sz="1500" b="1" dirty="0"/>
-              <a:t>(__</a:t>
-            </a:r>
-            <a:r>
-              <a:rPr lang="en-GB" sz="1500" b="1" dirty="0" err="1"/>
-              <a:t>former_attrs</a:t>
-            </a:r>
-            <a:r>
-              <a:rPr lang="en-GB" sz="1500" b="1" dirty="0"/>
-              <a:t>__[</a:t>
-            </a:r>
-            <a:r>
-              <a:rPr lang="en-GB" sz="1500" b="1" dirty="0" err="1"/>
-              <a:t>attr</a:t>
-            </a:r>
-            <a:r>
-              <a:rPr lang="en-GB" sz="1500" b="1" dirty="0"/>
-              <a:t>])</a:t>
-            </a:r>
-          </a:p>
-          <a:p>
-            <a:pPr marL="0" indent="0">
-              <a:buNone/>
-            </a:pPr>
-            <a:r>
-              <a:rPr lang="en-GB" sz="1500" b="1" dirty="0" err="1"/>
-              <a:t>AttributeError</a:t>
-            </a:r>
-            <a:r>
-              <a:rPr lang="en-GB" sz="1500" b="1" dirty="0"/>
-              <a:t>: module '</a:t>
-            </a:r>
-            <a:r>
-              <a:rPr lang="en-GB" sz="1500" b="1" dirty="0" err="1"/>
-              <a:t>numpy</a:t>
-            </a:r>
-            <a:r>
-              <a:rPr lang="en-GB" sz="1500" b="1" dirty="0"/>
-              <a:t>' has no attribute 'bool'.</a:t>
-            </a:r>
-          </a:p>
-          <a:p>
-            <a:pPr marL="0" indent="0">
-              <a:buNone/>
-            </a:pPr>
-            <a:r>
-              <a:rPr lang="en-GB" sz="1500" b="1" dirty="0"/>
-              <a:t>https://numpy.org/devdocs/release/1.20.0-notes.html#deprecations</a:t>
-            </a:r>
-          </a:p>
-        </p:txBody>
-      </p:sp>
-      <p:sp>
-        <p:nvSpPr>
-          <p:cNvPr id="4" name="TextBox 3">
-            <a:extLst>
-              <a:ext uri="{FF2B5EF4-FFF2-40B4-BE49-F238E27FC236}">
-                <a16:creationId xmlns:a16="http://schemas.microsoft.com/office/drawing/2014/main" id="{7CE2F764-0241-072F-CBFC-06F8C3161EA4}"/>
-              </a:ext>
-            </a:extLst>
-          </p:cNvPr>
-          <p:cNvSpPr txBox="1"/>
-          <p:nvPr/>
-        </p:nvSpPr>
-        <p:spPr>
-          <a:xfrm>
-            <a:off x="1836420" y="6256020"/>
-            <a:ext cx="9281160" cy="646331"/>
-          </a:xfrm>
-          <a:prstGeom prst="rect">
-            <a:avLst/>
-          </a:prstGeom>
-          <a:noFill/>
-        </p:spPr>
-        <p:txBody>
-          <a:bodyPr wrap="square" rtlCol="0">
-            <a:spAutoFit/>
-          </a:bodyPr>
-          <a:lstStyle/>
-          <a:p>
-            <a:r>
-              <a:rPr lang="en-US" altLang="zh-CN" b="0" i="0" dirty="0" err="1">
-                <a:solidFill>
-                  <a:srgbClr val="1F2328"/>
-                </a:solidFill>
-                <a:effectLst/>
-                <a:latin typeface="-apple-system"/>
-              </a:rPr>
-              <a:t>numpy</a:t>
-            </a:r>
-            <a:r>
-              <a:rPr lang="zh-CN" altLang="en-US" b="0" i="0" dirty="0">
-                <a:solidFill>
-                  <a:srgbClr val="1F2328"/>
-                </a:solidFill>
-                <a:effectLst/>
-                <a:latin typeface="-apple-system"/>
-              </a:rPr>
-              <a:t>版本尝试了</a:t>
-            </a:r>
-            <a:r>
-              <a:rPr lang="en-US" altLang="zh-CN" b="0" i="0" dirty="0">
-                <a:solidFill>
-                  <a:srgbClr val="1F2328"/>
-                </a:solidFill>
-                <a:effectLst/>
-                <a:latin typeface="-apple-system"/>
-              </a:rPr>
-              <a:t>1.24.4</a:t>
-            </a:r>
-            <a:r>
-              <a:rPr lang="zh-CN" altLang="en-US" b="0" i="0" dirty="0">
-                <a:solidFill>
-                  <a:srgbClr val="1F2328"/>
-                </a:solidFill>
-                <a:effectLst/>
-                <a:latin typeface="-apple-system"/>
-              </a:rPr>
-              <a:t>和</a:t>
-            </a:r>
-            <a:r>
-              <a:rPr lang="en-US" altLang="zh-CN" b="0" i="0" dirty="0">
-                <a:solidFill>
-                  <a:srgbClr val="1F2328"/>
-                </a:solidFill>
-                <a:effectLst/>
-                <a:latin typeface="-apple-system"/>
-              </a:rPr>
-              <a:t>1.24.3</a:t>
-            </a:r>
-            <a:r>
-              <a:rPr lang="zh-CN" altLang="en-US" b="0" i="0" dirty="0">
-                <a:solidFill>
-                  <a:srgbClr val="1F2328"/>
-                </a:solidFill>
-                <a:effectLst/>
-                <a:latin typeface="-apple-system"/>
-              </a:rPr>
-              <a:t>，都会报这个错，但是安装</a:t>
-            </a:r>
-            <a:r>
-              <a:rPr lang="en-GB" altLang="zh-CN" b="0" i="0" dirty="0" err="1">
-                <a:solidFill>
-                  <a:srgbClr val="1F2328"/>
-                </a:solidFill>
-                <a:effectLst/>
-                <a:latin typeface="-apple-system"/>
-              </a:rPr>
-              <a:t>numpy</a:t>
-            </a:r>
-            <a:r>
-              <a:rPr lang="en-GB" altLang="zh-CN" b="0" i="0" dirty="0">
-                <a:solidFill>
-                  <a:srgbClr val="1F2328"/>
-                </a:solidFill>
-                <a:effectLst/>
-                <a:latin typeface="-apple-system"/>
-              </a:rPr>
-              <a:t>==</a:t>
-            </a:r>
-            <a:r>
-              <a:rPr lang="en-US" altLang="zh-CN" b="0" i="0" dirty="0">
-                <a:solidFill>
-                  <a:srgbClr val="1F2328"/>
-                </a:solidFill>
-                <a:effectLst/>
-                <a:latin typeface="-apple-system"/>
-              </a:rPr>
-              <a:t>1.23.2</a:t>
-            </a:r>
-            <a:r>
-              <a:rPr lang="zh-CN" altLang="en-US" b="0" i="0" dirty="0">
-                <a:solidFill>
-                  <a:srgbClr val="1F2328"/>
-                </a:solidFill>
-                <a:effectLst/>
-                <a:latin typeface="-apple-system"/>
-              </a:rPr>
-              <a:t>版本就能正常运行了</a:t>
-            </a:r>
-            <a:endParaRPr lang="en-GB" dirty="0"/>
+              <a:rPr lang="en-GB" altLang="zh-CN" sz="2000" dirty="0"/>
+              <a:t>Training</a:t>
+            </a:r>
+            <a:r>
+              <a:rPr lang="zh-CN" altLang="en-US" sz="2000" dirty="0"/>
+              <a:t>圖片所在的</a:t>
+            </a:r>
+            <a:r>
+              <a:rPr lang="en-GB" altLang="zh-CN" sz="2000" dirty="0"/>
+              <a:t>bounding box</a:t>
+            </a:r>
+          </a:p>
+          <a:p>
+            <a:endParaRPr lang="en-GB" sz="2000" dirty="0">
+              <a:latin typeface="Consolas" panose="020B0609020204030204" pitchFamily="49" charset="0"/>
+            </a:endParaRPr>
           </a:p>
         </p:txBody>
       </p:sp>
     </p:spTree>
     <p:extLst>
       <p:ext uri="{BB962C8B-B14F-4D97-AF65-F5344CB8AC3E}">
-        <p14:creationId xmlns:p14="http://schemas.microsoft.com/office/powerpoint/2010/main" val="2297757355"/>
+        <p14:creationId xmlns:p14="http://schemas.microsoft.com/office/powerpoint/2010/main" val="371359470"/>
       </p:ext>
     </p:extLst>
   </p:cSld>
@@ -4877,7 +7179,7 @@
           <p:cNvPr id="2" name="Title 1">
             <a:extLst>
               <a:ext uri="{FF2B5EF4-FFF2-40B4-BE49-F238E27FC236}">
-                <a16:creationId xmlns:a16="http://schemas.microsoft.com/office/drawing/2014/main" id="{129ED01F-5074-B08C-828E-F9E3BD65AFDD}"/>
+                <a16:creationId xmlns:a16="http://schemas.microsoft.com/office/drawing/2014/main" id="{CCF6ECC8-9FE0-41ED-C9DF-2916E1032EF0}"/>
               </a:ext>
             </a:extLst>
           </p:cNvPr>
@@ -4893,7 +7195,61 @@
           <a:bodyPr/>
           <a:lstStyle/>
           <a:p>
-            <a:endParaRPr lang="en-GB"/>
+            <a:r>
+              <a:rPr lang="en-GB" dirty="0"/>
+              <a:t>Data</a:t>
+            </a:r>
+            <a:r>
+              <a:rPr lang="en-US" altLang="zh-CN" dirty="0"/>
+              <a:t>L</a:t>
+            </a:r>
+            <a:r>
+              <a:rPr lang="en-GB" dirty="0" err="1"/>
+              <a:t>oader</a:t>
+            </a:r>
+            <a:r>
+              <a:rPr lang="en-GB" dirty="0"/>
+              <a:t>: </a:t>
+            </a:r>
+            <a:r>
+              <a:rPr lang="en-GB" sz="2800" b="1" dirty="0">
+                <a:latin typeface="Courier New" panose="02070309020205020404" pitchFamily="49" charset="0"/>
+                <a:cs typeface="Courier New" panose="02070309020205020404" pitchFamily="49" charset="0"/>
+              </a:rPr>
+              <a:t>model\data\</a:t>
+            </a:r>
+            <a:r>
+              <a:rPr lang="en-US" altLang="zh-CN" sz="2800" b="1" dirty="0" err="1">
+                <a:latin typeface="Courier New" panose="02070309020205020404" pitchFamily="49" charset="0"/>
+                <a:cs typeface="Courier New" panose="02070309020205020404" pitchFamily="49" charset="0"/>
+              </a:rPr>
+              <a:t>simple_dataset</a:t>
+            </a:r>
+            <a:r>
+              <a:rPr lang="en-GB" sz="2800" b="1" dirty="0">
+                <a:latin typeface="Courier New" panose="02070309020205020404" pitchFamily="49" charset="0"/>
+                <a:cs typeface="Courier New" panose="02070309020205020404" pitchFamily="49" charset="0"/>
+              </a:rPr>
+              <a:t>.</a:t>
+            </a:r>
+            <a:r>
+              <a:rPr lang="en-GB" sz="2800" b="1" dirty="0" err="1">
+                <a:latin typeface="Courier New" panose="02070309020205020404" pitchFamily="49" charset="0"/>
+                <a:cs typeface="Courier New" panose="02070309020205020404" pitchFamily="49" charset="0"/>
+              </a:rPr>
+              <a:t>py</a:t>
+            </a:r>
+            <a:r>
+              <a:rPr lang="en-GB" sz="2800" b="1" dirty="0">
+                <a:latin typeface="Courier New" panose="02070309020205020404" pitchFamily="49" charset="0"/>
+                <a:cs typeface="Courier New" panose="02070309020205020404" pitchFamily="49" charset="0"/>
+              </a:rPr>
+              <a:t> </a:t>
+            </a:r>
+            <a:endParaRPr lang="en-GB" b="1" dirty="0">
+              <a:latin typeface="Courier New" panose="02070309020205020404" pitchFamily="49" charset="0"/>
+              <a:cs typeface="Courier New" panose="02070309020205020404" pitchFamily="49" charset="0"/>
+            </a:endParaRPr>
           </a:p>
         </p:txBody>
       </p:sp>
@@ -4902,7 +7258,7 @@
           <p:cNvPr id="3" name="Content Placeholder 2">
             <a:extLst>
               <a:ext uri="{FF2B5EF4-FFF2-40B4-BE49-F238E27FC236}">
-                <a16:creationId xmlns:a16="http://schemas.microsoft.com/office/drawing/2014/main" id="{2C5FE571-7C50-C311-2D4B-3E40ABB6F952}"/>
+                <a16:creationId xmlns:a16="http://schemas.microsoft.com/office/drawing/2014/main" id="{B3EF509E-5709-38FE-5D68-03FD8CFCBD80}"/>
               </a:ext>
             </a:extLst>
           </p:cNvPr>
@@ -4913,10 +7269,508 @@
             <p:ph idx="1"/>
           </p:nvPr>
         </p:nvSpPr>
-        <p:spPr/>
+        <p:spPr>
+          <a:xfrm>
+            <a:off x="546755" y="1825625"/>
+            <a:ext cx="11067068" cy="4351338"/>
+          </a:xfrm>
+        </p:spPr>
         <p:txBody>
           <a:bodyPr/>
           <a:lstStyle/>
+          <a:p>
+            <a:r>
+              <a:rPr lang="en-US" altLang="zh-CN" sz="2400" dirty="0" err="1"/>
+              <a:t>simple_dataset</a:t>
+            </a:r>
+            <a:r>
+              <a:rPr lang="en-GB" sz="2400" dirty="0"/>
+              <a:t>.</a:t>
+            </a:r>
+            <a:r>
+              <a:rPr lang="en-GB" sz="2400" dirty="0" err="1"/>
+              <a:t>py</a:t>
+            </a:r>
+            <a:r>
+              <a:rPr lang="en-GB" sz="2400" dirty="0"/>
+              <a:t> </a:t>
+            </a:r>
+            <a:r>
+              <a:rPr lang="zh-CN" altLang="en-US" sz="2400" dirty="0"/>
+              <a:t>中， </a:t>
+            </a:r>
+            <a:r>
+              <a:rPr lang="en-GB" sz="2000" b="0" dirty="0">
+                <a:solidFill>
+                  <a:srgbClr val="569CD6"/>
+                </a:solidFill>
+                <a:effectLst/>
+                <a:latin typeface="Consolas" panose="020B0609020204030204" pitchFamily="49" charset="0"/>
+              </a:rPr>
+              <a:t>def</a:t>
+            </a:r>
+            <a:r>
+              <a:rPr lang="en-GB" sz="2000" b="0" dirty="0">
+                <a:solidFill>
+                  <a:srgbClr val="CCCCCC"/>
+                </a:solidFill>
+                <a:effectLst/>
+                <a:latin typeface="Consolas" panose="020B0609020204030204" pitchFamily="49" charset="0"/>
+              </a:rPr>
+              <a:t> </a:t>
+            </a:r>
+            <a:r>
+              <a:rPr lang="en-GB" sz="2000" b="0" dirty="0" err="1">
+                <a:solidFill>
+                  <a:srgbClr val="DCDCAA"/>
+                </a:solidFill>
+                <a:effectLst/>
+                <a:latin typeface="Consolas" panose="020B0609020204030204" pitchFamily="49" charset="0"/>
+              </a:rPr>
+              <a:t>get_image_info_list</a:t>
+            </a:r>
+            <a:r>
+              <a:rPr lang="en-GB" sz="2000" b="0" dirty="0">
+                <a:solidFill>
+                  <a:srgbClr val="CCCCCC"/>
+                </a:solidFill>
+                <a:effectLst/>
+                <a:latin typeface="Consolas" panose="020B0609020204030204" pitchFamily="49" charset="0"/>
+              </a:rPr>
+              <a:t>(</a:t>
+            </a:r>
+            <a:r>
+              <a:rPr lang="en-GB" sz="2000" dirty="0">
+                <a:solidFill>
+                  <a:srgbClr val="CCCCCC"/>
+                </a:solidFill>
+                <a:latin typeface="Consolas" panose="020B0609020204030204" pitchFamily="49" charset="0"/>
+              </a:rPr>
+              <a:t>)</a:t>
+            </a:r>
+            <a:r>
+              <a:rPr lang="zh-CN" altLang="en-US" sz="2400" dirty="0">
+                <a:latin typeface="Consolas" panose="020B0609020204030204" pitchFamily="49" charset="0"/>
+              </a:rPr>
+              <a:t>讀取</a:t>
+            </a:r>
+            <a:r>
+              <a:rPr lang="en-US" altLang="zh-CN" sz="2400" dirty="0">
+                <a:latin typeface="Consolas" panose="020B0609020204030204" pitchFamily="49" charset="0"/>
+              </a:rPr>
+              <a:t>configs/</a:t>
+            </a:r>
+            <a:r>
+              <a:rPr lang="en-GB" altLang="zh-CN" sz="2400" dirty="0">
+                <a:latin typeface="Consolas" panose="020B0609020204030204" pitchFamily="49" charset="0"/>
+              </a:rPr>
+              <a:t>.</a:t>
+            </a:r>
+            <a:r>
+              <a:rPr lang="en-GB" altLang="zh-CN" sz="2400" dirty="0" err="1">
+                <a:latin typeface="Consolas" panose="020B0609020204030204" pitchFamily="49" charset="0"/>
+              </a:rPr>
+              <a:t>yml</a:t>
+            </a:r>
+            <a:r>
+              <a:rPr lang="zh-CN" altLang="en-US" sz="2400" dirty="0">
+                <a:latin typeface="Consolas" panose="020B0609020204030204" pitchFamily="49" charset="0"/>
+              </a:rPr>
+              <a:t> 所</a:t>
+            </a:r>
+            <a:r>
+              <a:rPr lang="zh-CN" altLang="en-US" sz="2400" dirty="0"/>
+              <a:t>設定的路徑：</a:t>
+            </a:r>
+            <a:endParaRPr lang="en-GB" altLang="zh-CN" sz="2400" dirty="0"/>
+          </a:p>
+          <a:p>
+            <a:pPr marL="0" indent="0">
+              <a:buNone/>
+            </a:pPr>
+            <a:r>
+              <a:rPr lang="en-GB" sz="1800" b="0" dirty="0" err="1">
+                <a:solidFill>
+                  <a:srgbClr val="569CD6"/>
+                </a:solidFill>
+                <a:effectLst/>
+                <a:latin typeface="Consolas" panose="020B0609020204030204" pitchFamily="49" charset="0"/>
+              </a:rPr>
+              <a:t>label_file_list</a:t>
+            </a:r>
+            <a:r>
+              <a:rPr lang="en-GB" sz="1800" b="0" dirty="0">
+                <a:solidFill>
+                  <a:srgbClr val="CCCCCC"/>
+                </a:solidFill>
+                <a:effectLst/>
+                <a:latin typeface="Consolas" panose="020B0609020204030204" pitchFamily="49" charset="0"/>
+              </a:rPr>
+              <a:t>:</a:t>
+            </a:r>
+            <a:r>
+              <a:rPr lang="en-GB" sz="1800" b="0" dirty="0">
+                <a:solidFill>
+                  <a:srgbClr val="CE9178"/>
+                </a:solidFill>
+                <a:effectLst/>
+                <a:latin typeface="Consolas" panose="020B0609020204030204" pitchFamily="49" charset="0"/>
+              </a:rPr>
+              <a:t>./dataset/icdar2015/</a:t>
+            </a:r>
+            <a:r>
+              <a:rPr lang="en-GB" sz="1800" b="0" dirty="0" err="1">
+                <a:solidFill>
+                  <a:srgbClr val="CE9178"/>
+                </a:solidFill>
+                <a:effectLst/>
+                <a:latin typeface="Consolas" panose="020B0609020204030204" pitchFamily="49" charset="0"/>
+              </a:rPr>
+              <a:t>text_localization</a:t>
+            </a:r>
+            <a:r>
+              <a:rPr lang="en-GB" sz="1800" b="0" dirty="0">
+                <a:solidFill>
+                  <a:srgbClr val="CE9178"/>
+                </a:solidFill>
+                <a:effectLst/>
+                <a:latin typeface="Consolas" panose="020B0609020204030204" pitchFamily="49" charset="0"/>
+              </a:rPr>
+              <a:t>/train_icdar2015_label.txt </a:t>
+            </a:r>
+            <a:endParaRPr lang="en-GB" altLang="zh-CN" sz="1800" dirty="0"/>
+          </a:p>
+          <a:p>
+            <a:pPr marL="0" indent="0">
+              <a:buNone/>
+            </a:pPr>
+            <a:endParaRPr lang="en-GB" altLang="zh-CN" sz="2000" dirty="0">
+              <a:latin typeface="Consolas" panose="020B0609020204030204" pitchFamily="49" charset="0"/>
+            </a:endParaRPr>
+          </a:p>
+          <a:p>
+            <a:r>
+              <a:rPr lang="zh-CN" altLang="en-US" sz="2400" dirty="0"/>
+              <a:t>用</a:t>
+            </a:r>
+            <a:r>
+              <a:rPr lang="en-GB" sz="2000" b="0" dirty="0">
+                <a:solidFill>
+                  <a:srgbClr val="DCDCAA"/>
+                </a:solidFill>
+                <a:effectLst/>
+                <a:latin typeface="Consolas" panose="020B0609020204030204" pitchFamily="49" charset="0"/>
+              </a:rPr>
+              <a:t>__</a:t>
+            </a:r>
+            <a:r>
+              <a:rPr lang="en-GB" sz="2000" b="0" dirty="0" err="1">
+                <a:solidFill>
+                  <a:srgbClr val="DCDCAA"/>
+                </a:solidFill>
+                <a:effectLst/>
+                <a:latin typeface="Consolas" panose="020B0609020204030204" pitchFamily="49" charset="0"/>
+              </a:rPr>
+              <a:t>getitem</a:t>
+            </a:r>
+            <a:r>
+              <a:rPr lang="en-GB" sz="2000" b="0" dirty="0">
+                <a:solidFill>
+                  <a:srgbClr val="DCDCAA"/>
+                </a:solidFill>
+                <a:effectLst/>
+                <a:latin typeface="Consolas" panose="020B0609020204030204" pitchFamily="49" charset="0"/>
+              </a:rPr>
+              <a:t>__()</a:t>
+            </a:r>
+            <a:r>
+              <a:rPr lang="zh-CN" altLang="en-US" sz="2000" dirty="0"/>
+              <a:t> </a:t>
+            </a:r>
+            <a:r>
+              <a:rPr lang="zh-CN" altLang="en-US" sz="2400" dirty="0"/>
+              <a:t>查看圖片路徑和</a:t>
+            </a:r>
+            <a:r>
+              <a:rPr lang="en-GB" altLang="zh-CN" sz="2400" dirty="0"/>
+              <a:t>label</a:t>
+            </a:r>
+            <a:r>
+              <a:rPr lang="zh-CN" altLang="en-US" sz="2400" dirty="0"/>
+              <a:t>：</a:t>
+            </a:r>
+            <a:r>
+              <a:rPr lang="en-GB" sz="1600" b="0" dirty="0">
+                <a:solidFill>
+                  <a:srgbClr val="9CDCFE"/>
+                </a:solidFill>
+                <a:effectLst/>
+                <a:latin typeface="Consolas" panose="020B0609020204030204" pitchFamily="49" charset="0"/>
+              </a:rPr>
+              <a:t>data</a:t>
+            </a:r>
+            <a:r>
+              <a:rPr lang="en-GB" sz="1600" b="0" dirty="0">
+                <a:solidFill>
+                  <a:srgbClr val="CCCCCC"/>
+                </a:solidFill>
+                <a:effectLst/>
+                <a:latin typeface="Consolas" panose="020B0609020204030204" pitchFamily="49" charset="0"/>
+              </a:rPr>
+              <a:t> </a:t>
+            </a:r>
+            <a:r>
+              <a:rPr lang="en-GB" sz="1600" b="0" dirty="0">
+                <a:solidFill>
+                  <a:srgbClr val="D4D4D4"/>
+                </a:solidFill>
+                <a:effectLst/>
+                <a:latin typeface="Consolas" panose="020B0609020204030204" pitchFamily="49" charset="0"/>
+              </a:rPr>
+              <a:t>=</a:t>
+            </a:r>
+            <a:r>
+              <a:rPr lang="en-GB" sz="1600" b="0" dirty="0">
+                <a:solidFill>
+                  <a:srgbClr val="CCCCCC"/>
+                </a:solidFill>
+                <a:effectLst/>
+                <a:latin typeface="Consolas" panose="020B0609020204030204" pitchFamily="49" charset="0"/>
+              </a:rPr>
+              <a:t> {</a:t>
+            </a:r>
+            <a:r>
+              <a:rPr lang="en-GB" sz="1600" b="0" dirty="0">
+                <a:solidFill>
+                  <a:srgbClr val="CE9178"/>
+                </a:solidFill>
+                <a:effectLst/>
+                <a:latin typeface="Consolas" panose="020B0609020204030204" pitchFamily="49" charset="0"/>
+              </a:rPr>
+              <a:t>'</a:t>
+            </a:r>
+            <a:r>
+              <a:rPr lang="en-GB" sz="1600" b="0" dirty="0" err="1">
+                <a:solidFill>
+                  <a:srgbClr val="CE9178"/>
+                </a:solidFill>
+                <a:effectLst/>
+                <a:latin typeface="Consolas" panose="020B0609020204030204" pitchFamily="49" charset="0"/>
+              </a:rPr>
+              <a:t>img_path</a:t>
+            </a:r>
+            <a:r>
+              <a:rPr lang="en-GB" sz="1600" b="0" dirty="0">
+                <a:solidFill>
+                  <a:srgbClr val="CE9178"/>
+                </a:solidFill>
+                <a:effectLst/>
+                <a:latin typeface="Consolas" panose="020B0609020204030204" pitchFamily="49" charset="0"/>
+              </a:rPr>
+              <a:t>'</a:t>
+            </a:r>
+            <a:r>
+              <a:rPr lang="en-GB" sz="1600" b="0" dirty="0">
+                <a:solidFill>
+                  <a:srgbClr val="CCCCCC"/>
+                </a:solidFill>
+                <a:effectLst/>
+                <a:latin typeface="Consolas" panose="020B0609020204030204" pitchFamily="49" charset="0"/>
+              </a:rPr>
+              <a:t>: </a:t>
+            </a:r>
+            <a:r>
+              <a:rPr lang="en-GB" sz="1600" b="0" dirty="0" err="1">
+                <a:solidFill>
+                  <a:srgbClr val="9CDCFE"/>
+                </a:solidFill>
+                <a:effectLst/>
+                <a:latin typeface="Consolas" panose="020B0609020204030204" pitchFamily="49" charset="0"/>
+              </a:rPr>
+              <a:t>img_path</a:t>
+            </a:r>
+            <a:r>
+              <a:rPr lang="en-GB" sz="1600" b="0" dirty="0">
+                <a:solidFill>
+                  <a:srgbClr val="CCCCCC"/>
+                </a:solidFill>
+                <a:effectLst/>
+                <a:latin typeface="Consolas" panose="020B0609020204030204" pitchFamily="49" charset="0"/>
+              </a:rPr>
+              <a:t>, </a:t>
+            </a:r>
+            <a:r>
+              <a:rPr lang="en-GB" sz="1600" b="0" dirty="0">
+                <a:solidFill>
+                  <a:srgbClr val="CE9178"/>
+                </a:solidFill>
+                <a:effectLst/>
+                <a:latin typeface="Consolas" panose="020B0609020204030204" pitchFamily="49" charset="0"/>
+              </a:rPr>
+              <a:t>'label'</a:t>
+            </a:r>
+            <a:r>
+              <a:rPr lang="en-GB" sz="1600" b="0" dirty="0">
+                <a:solidFill>
+                  <a:srgbClr val="CCCCCC"/>
+                </a:solidFill>
+                <a:effectLst/>
+                <a:latin typeface="Consolas" panose="020B0609020204030204" pitchFamily="49" charset="0"/>
+              </a:rPr>
+              <a:t>: </a:t>
+            </a:r>
+            <a:r>
+              <a:rPr lang="en-GB" sz="1600" b="0" dirty="0">
+                <a:solidFill>
+                  <a:srgbClr val="9CDCFE"/>
+                </a:solidFill>
+                <a:effectLst/>
+                <a:latin typeface="Consolas" panose="020B0609020204030204" pitchFamily="49" charset="0"/>
+              </a:rPr>
+              <a:t>label</a:t>
+            </a:r>
+            <a:r>
+              <a:rPr lang="en-GB" sz="1600" b="0" dirty="0">
+                <a:solidFill>
+                  <a:srgbClr val="CCCCCC"/>
+                </a:solidFill>
+                <a:effectLst/>
+                <a:latin typeface="Consolas" panose="020B0609020204030204" pitchFamily="49" charset="0"/>
+              </a:rPr>
+              <a:t>}</a:t>
+            </a:r>
+          </a:p>
+          <a:p>
+            <a:endParaRPr lang="en-GB" sz="2000" dirty="0"/>
+          </a:p>
+          <a:p>
+            <a:r>
+              <a:rPr lang="en-US" altLang="zh-CN" sz="2000" b="1" dirty="0">
+                <a:latin typeface="Courier New" panose="02070309020205020404" pitchFamily="49" charset="0"/>
+                <a:ea typeface="+mj-ea"/>
+                <a:cs typeface="Courier New" panose="02070309020205020404" pitchFamily="49" charset="0"/>
+              </a:rPr>
+              <a:t>m</a:t>
+            </a:r>
+            <a:r>
+              <a:rPr lang="en-GB" sz="2000" b="1" dirty="0">
+                <a:latin typeface="Courier New" panose="02070309020205020404" pitchFamily="49" charset="0"/>
+                <a:ea typeface="+mj-ea"/>
+                <a:cs typeface="Courier New" panose="02070309020205020404" pitchFamily="49" charset="0"/>
+              </a:rPr>
+              <a:t>odel\data\__init__.py</a:t>
+            </a:r>
+            <a:r>
+              <a:rPr lang="zh-CN" altLang="en-US" sz="2000" b="1" dirty="0">
+                <a:latin typeface="Courier New" panose="02070309020205020404" pitchFamily="49" charset="0"/>
+                <a:ea typeface="+mj-ea"/>
+                <a:cs typeface="Courier New" panose="02070309020205020404" pitchFamily="49" charset="0"/>
+              </a:rPr>
+              <a:t> </a:t>
+            </a:r>
+            <a:r>
+              <a:rPr lang="zh-CN" altLang="en-US" sz="2000" dirty="0"/>
+              <a:t>有一個</a:t>
+            </a:r>
+            <a:r>
+              <a:rPr lang="en-GB" sz="2000" dirty="0"/>
+              <a:t> </a:t>
+            </a:r>
+            <a:r>
+              <a:rPr lang="en-GB" sz="2000" dirty="0">
+                <a:solidFill>
+                  <a:srgbClr val="569CD6"/>
+                </a:solidFill>
+                <a:latin typeface="Consolas" panose="020B0609020204030204" pitchFamily="49" charset="0"/>
+              </a:rPr>
+              <a:t>def </a:t>
+            </a:r>
+            <a:r>
+              <a:rPr lang="en-GB" sz="2000" dirty="0" err="1">
+                <a:solidFill>
+                  <a:srgbClr val="DCDCAA"/>
+                </a:solidFill>
+                <a:latin typeface="Consolas" panose="020B0609020204030204" pitchFamily="49" charset="0"/>
+              </a:rPr>
+              <a:t>build_dataloader</a:t>
+            </a:r>
+            <a:r>
+              <a:rPr lang="en-GB" sz="2000" dirty="0">
+                <a:solidFill>
+                  <a:srgbClr val="DCDCAA"/>
+                </a:solidFill>
+                <a:latin typeface="Consolas" panose="020B0609020204030204" pitchFamily="49" charset="0"/>
+              </a:rPr>
+              <a:t>()</a:t>
+            </a:r>
+            <a:r>
+              <a:rPr lang="zh-CN" altLang="en-US" sz="2000" dirty="0">
+                <a:solidFill>
+                  <a:srgbClr val="DCDCAA"/>
+                </a:solidFill>
+                <a:latin typeface="Consolas" panose="020B0609020204030204" pitchFamily="49" charset="0"/>
+              </a:rPr>
+              <a:t> </a:t>
+            </a:r>
+            <a:r>
+              <a:rPr lang="zh-CN" altLang="en-US" sz="2000" dirty="0"/>
+              <a:t>構建了 </a:t>
+            </a:r>
+            <a:r>
+              <a:rPr lang="en-US" altLang="zh-CN" sz="2000" dirty="0"/>
+              <a:t>train </a:t>
+            </a:r>
+            <a:r>
+              <a:rPr lang="zh-CN" altLang="en-US" sz="2000" dirty="0"/>
+              <a:t>和</a:t>
+            </a:r>
+            <a:r>
+              <a:rPr lang="en-GB" altLang="zh-CN" sz="2000" dirty="0"/>
+              <a:t>eval </a:t>
+            </a:r>
+            <a:r>
+              <a:rPr lang="zh-CN" altLang="en-US" sz="2000" dirty="0"/>
+              <a:t>的 </a:t>
+            </a:r>
+            <a:r>
+              <a:rPr lang="en-GB" altLang="zh-CN" sz="2000" dirty="0"/>
+              <a:t>dataset. </a:t>
+            </a:r>
+            <a:r>
+              <a:rPr lang="zh-CN" altLang="en-US" sz="2000" dirty="0"/>
+              <a:t>所有參數都是從 </a:t>
+            </a:r>
+            <a:r>
+              <a:rPr lang="en-GB" altLang="zh-CN" sz="2000" dirty="0"/>
+              <a:t>config</a:t>
+            </a:r>
+            <a:r>
+              <a:rPr lang="zh-CN" altLang="en-US" sz="2000" dirty="0"/>
+              <a:t>中獲取</a:t>
+            </a:r>
+            <a:endParaRPr lang="en-GB" sz="2000" dirty="0"/>
+          </a:p>
+          <a:p>
+            <a:endParaRPr lang="en-GB" sz="1600" b="0" dirty="0">
+              <a:solidFill>
+                <a:srgbClr val="CCCCCC"/>
+              </a:solidFill>
+              <a:effectLst/>
+              <a:latin typeface="Consolas" panose="020B0609020204030204" pitchFamily="49" charset="0"/>
+            </a:endParaRPr>
+          </a:p>
+          <a:p>
+            <a:endParaRPr lang="en-GB" b="0" dirty="0">
+              <a:solidFill>
+                <a:srgbClr val="CCCCCC"/>
+              </a:solidFill>
+              <a:effectLst/>
+              <a:latin typeface="Consolas" panose="020B0609020204030204" pitchFamily="49" charset="0"/>
+            </a:endParaRPr>
+          </a:p>
+          <a:p>
+            <a:endParaRPr lang="en-GB" dirty="0"/>
+          </a:p>
           <a:p>
             <a:endParaRPr lang="en-GB" dirty="0"/>
           </a:p>
@@ -4925,7 +7779,1293 @@
     </p:spTree>
     <p:extLst>
       <p:ext uri="{BB962C8B-B14F-4D97-AF65-F5344CB8AC3E}">
-        <p14:creationId xmlns:p14="http://schemas.microsoft.com/office/powerpoint/2010/main" val="2610538483"/>
+        <p14:creationId xmlns:p14="http://schemas.microsoft.com/office/powerpoint/2010/main" val="2183267626"/>
+      </p:ext>
+    </p:extLst>
+  </p:cSld>
+  <p:clrMapOvr>
+    <a:masterClrMapping/>
+  </p:clrMapOvr>
+</p:sld>
+</file>
+
+<file path=ppt/slides/slide6.xml><?xml version="1.0" encoding="utf-8"?>
+<p:sld xmlns:a="http://schemas.openxmlformats.org/drawingml/2006/main" xmlns:r="http://schemas.openxmlformats.org/officeDocument/2006/relationships" xmlns:p="http://schemas.openxmlformats.org/presentationml/2006/main">
+  <p:cSld>
+    <p:spTree>
+      <p:nvGrpSpPr>
+        <p:cNvPr id="1" name=""/>
+        <p:cNvGrpSpPr/>
+        <p:nvPr/>
+      </p:nvGrpSpPr>
+      <p:grpSpPr>
+        <a:xfrm>
+          <a:off x="0" y="0"/>
+          <a:ext cx="0" cy="0"/>
+          <a:chOff x="0" y="0"/>
+          <a:chExt cx="0" cy="0"/>
+        </a:xfrm>
+      </p:grpSpPr>
+      <p:sp>
+        <p:nvSpPr>
+          <p:cNvPr id="3" name="Content Placeholder 2">
+            <a:extLst>
+              <a:ext uri="{FF2B5EF4-FFF2-40B4-BE49-F238E27FC236}">
+                <a16:creationId xmlns:a16="http://schemas.microsoft.com/office/drawing/2014/main" id="{6AC390CD-6F28-79EB-F645-076A48D720C9}"/>
+              </a:ext>
+            </a:extLst>
+          </p:cNvPr>
+          <p:cNvSpPr>
+            <a:spLocks noGrp="1"/>
+          </p:cNvSpPr>
+          <p:nvPr>
+            <p:ph idx="1"/>
+          </p:nvPr>
+        </p:nvSpPr>
+        <p:spPr>
+          <a:xfrm>
+            <a:off x="577176" y="3893875"/>
+            <a:ext cx="11614824" cy="2334638"/>
+          </a:xfrm>
+        </p:spPr>
+        <p:txBody>
+          <a:bodyPr>
+            <a:normAutofit fontScale="70000" lnSpcReduction="20000"/>
+          </a:bodyPr>
+          <a:lstStyle/>
+          <a:p>
+            <a:r>
+              <a:rPr lang="en-GB" dirty="0"/>
+              <a:t>icdar_c4_train_imgs/img_61.jpg	[{"transcription": "###", "points": [[427, 293], [469, 293], [468, 315], [425, 314]]}, {"transcription": "###", "points": [[480, 291], [651, 289], [650, 311], [479, 313]]}, {"transcription": "Ave", "points": [[655, 287], [698, 287], [696, 309], [652, 309]]}, {"transcription": "West", "points": [[701, 285], [759, 285], [759, 308], [701, 308]]}, {"transcription": "YOU", "points": [[1044, 531], [1074, 536], [1076, 585], [1046, 579]]}, {"transcription": "CAN", "points": [[1077, 535], [1114, 539], [1117, 595], [1079, 585]]}, {"transcription": "PAY", "points": [[1119, 539], [1160, 543], [1158, 601], [1120, 593]]}, {"transcription": "LESS?", "points": [[1164, 542], [1252, 545], [1253, 624], [1166, 602]]}, {"transcription": "Singapore's", "points": [[1032, 177], [1185, 73], [1191, 143], [1038, 223]]}, {"transcription": "no.1", "points": [[1190, 73], [1270, 19], [1278, 91], [1194, 133]]}]</a:t>
+            </a:r>
+          </a:p>
+          <a:p>
+            <a:endParaRPr lang="en-GB" dirty="0"/>
+          </a:p>
+        </p:txBody>
+      </p:sp>
+      <p:pic>
+        <p:nvPicPr>
+          <p:cNvPr id="5" name="Picture 4" descr="People waiting at a train station&#10;&#10;Description automatically generated">
+            <a:extLst>
+              <a:ext uri="{FF2B5EF4-FFF2-40B4-BE49-F238E27FC236}">
+                <a16:creationId xmlns:a16="http://schemas.microsoft.com/office/drawing/2014/main" id="{2198812A-D181-6EF7-789F-B0E96A49D8BC}"/>
+              </a:ext>
+            </a:extLst>
+          </p:cNvPr>
+          <p:cNvPicPr>
+            <a:picLocks noChangeAspect="1"/>
+          </p:cNvPicPr>
+          <p:nvPr/>
+        </p:nvPicPr>
+        <p:blipFill>
+          <a:blip r:embed="rId2">
+            <a:extLst>
+              <a:ext uri="{28A0092B-C50C-407E-A947-70E740481C1C}">
+                <a14:useLocalDpi xmlns:a14="http://schemas.microsoft.com/office/drawing/2010/main" val="0"/>
+              </a:ext>
+            </a:extLst>
+          </a:blip>
+          <a:stretch>
+            <a:fillRect/>
+          </a:stretch>
+        </p:blipFill>
+        <p:spPr>
+          <a:xfrm>
+            <a:off x="3773748" y="188095"/>
+            <a:ext cx="5221680" cy="2937195"/>
+          </a:xfrm>
+          <a:prstGeom prst="rect">
+            <a:avLst/>
+          </a:prstGeom>
+        </p:spPr>
+      </p:pic>
+      <p:sp>
+        <p:nvSpPr>
+          <p:cNvPr id="6" name="TextBox 5">
+            <a:extLst>
+              <a:ext uri="{FF2B5EF4-FFF2-40B4-BE49-F238E27FC236}">
+                <a16:creationId xmlns:a16="http://schemas.microsoft.com/office/drawing/2014/main" id="{2ECF0473-6383-6296-A7E8-7876952F3663}"/>
+              </a:ext>
+            </a:extLst>
+          </p:cNvPr>
+          <p:cNvSpPr txBox="1"/>
+          <p:nvPr/>
+        </p:nvSpPr>
+        <p:spPr>
+          <a:xfrm>
+            <a:off x="835710" y="3164251"/>
+            <a:ext cx="11356290" cy="646331"/>
+          </a:xfrm>
+          <a:prstGeom prst="rect">
+            <a:avLst/>
+          </a:prstGeom>
+          <a:noFill/>
+        </p:spPr>
+        <p:txBody>
+          <a:bodyPr wrap="square" rtlCol="0">
+            <a:spAutoFit/>
+          </a:bodyPr>
+          <a:lstStyle/>
+          <a:p>
+            <a:r>
+              <a:rPr lang="zh-CN" altLang="en-US" sz="1800" b="0" dirty="0">
+                <a:effectLst/>
+                <a:latin typeface="Consolas" panose="020B0609020204030204" pitchFamily="49" charset="0"/>
+              </a:rPr>
+              <a:t>由</a:t>
+            </a:r>
+            <a:r>
+              <a:rPr lang="en-GB" sz="1800" b="0" dirty="0" err="1">
+                <a:solidFill>
+                  <a:srgbClr val="569CD6"/>
+                </a:solidFill>
+                <a:effectLst/>
+                <a:latin typeface="Consolas" panose="020B0609020204030204" pitchFamily="49" charset="0"/>
+              </a:rPr>
+              <a:t>label_file_list</a:t>
+            </a:r>
+            <a:r>
+              <a:rPr lang="en-GB" sz="1800" b="0" dirty="0">
+                <a:solidFill>
+                  <a:srgbClr val="CCCCCC"/>
+                </a:solidFill>
+                <a:effectLst/>
+                <a:latin typeface="Consolas" panose="020B0609020204030204" pitchFamily="49" charset="0"/>
+              </a:rPr>
+              <a:t>:</a:t>
+            </a:r>
+            <a:r>
+              <a:rPr lang="en-GB" sz="1800" b="0" dirty="0">
+                <a:solidFill>
+                  <a:srgbClr val="CE9178"/>
+                </a:solidFill>
+                <a:effectLst/>
+                <a:latin typeface="Consolas" panose="020B0609020204030204" pitchFamily="49" charset="0"/>
+              </a:rPr>
+              <a:t>./dataset/icdar2015/</a:t>
+            </a:r>
+            <a:r>
+              <a:rPr lang="en-GB" sz="1800" b="0" dirty="0" err="1">
+                <a:solidFill>
+                  <a:srgbClr val="CE9178"/>
+                </a:solidFill>
+                <a:effectLst/>
+                <a:latin typeface="Consolas" panose="020B0609020204030204" pitchFamily="49" charset="0"/>
+              </a:rPr>
+              <a:t>text_localization</a:t>
+            </a:r>
+            <a:r>
+              <a:rPr lang="en-GB" sz="1800" b="0" dirty="0">
+                <a:solidFill>
+                  <a:srgbClr val="CE9178"/>
+                </a:solidFill>
+                <a:effectLst/>
+                <a:latin typeface="Consolas" panose="020B0609020204030204" pitchFamily="49" charset="0"/>
+              </a:rPr>
+              <a:t>/train_icdar2015_label.txt</a:t>
+            </a:r>
+            <a:r>
+              <a:rPr lang="zh-CN" altLang="en-US" sz="1800" b="0" dirty="0">
+                <a:effectLst/>
+                <a:latin typeface="Consolas" panose="020B0609020204030204" pitchFamily="49" charset="0"/>
+              </a:rPr>
+              <a:t>得知：</a:t>
+            </a:r>
+            <a:endParaRPr lang="en-GB" sz="1800" b="0" dirty="0">
+              <a:effectLst/>
+              <a:latin typeface="Consolas" panose="020B0609020204030204" pitchFamily="49" charset="0"/>
+            </a:endParaRPr>
+          </a:p>
+          <a:p>
+            <a:r>
+              <a:rPr lang="en-GB" sz="1800" b="0" dirty="0">
+                <a:solidFill>
+                  <a:srgbClr val="CE9178"/>
+                </a:solidFill>
+                <a:effectLst/>
+                <a:latin typeface="Consolas" panose="020B0609020204030204" pitchFamily="49" charset="0"/>
+              </a:rPr>
+              <a:t>train_icdar2015_label.txt </a:t>
+            </a:r>
+            <a:r>
+              <a:rPr lang="zh-CN" altLang="en-US" dirty="0"/>
+              <a:t>同时儲存</a:t>
+            </a:r>
+            <a:r>
+              <a:rPr lang="zh-CN" altLang="en-US" b="1" dirty="0"/>
+              <a:t>图片路径</a:t>
+            </a:r>
+            <a:r>
+              <a:rPr lang="zh-CN" altLang="en-US" dirty="0"/>
+              <a:t>和 </a:t>
+            </a:r>
+            <a:r>
+              <a:rPr lang="zh-CN" altLang="en-US" b="1" dirty="0"/>
+              <a:t>文字</a:t>
+            </a:r>
+            <a:r>
+              <a:rPr lang="en-GB" altLang="zh-CN" b="1" dirty="0"/>
+              <a:t>+</a:t>
+            </a:r>
+            <a:r>
+              <a:rPr lang="en-US" altLang="zh-CN" b="1" dirty="0" err="1"/>
+              <a:t>boundingbox</a:t>
+            </a:r>
+            <a:r>
+              <a:rPr lang="en-US" altLang="zh-CN" b="1" dirty="0"/>
+              <a:t> </a:t>
+            </a:r>
+            <a:r>
+              <a:rPr lang="en-GB" altLang="zh-CN" dirty="0"/>
+              <a:t>, </a:t>
+            </a:r>
+            <a:r>
+              <a:rPr lang="zh-CN" altLang="en-US" dirty="0"/>
+              <a:t>举</a:t>
+            </a:r>
+            <a:r>
+              <a:rPr lang="en-GB" altLang="zh-CN" dirty="0"/>
+              <a:t>img_61</a:t>
+            </a:r>
+            <a:r>
+              <a:rPr lang="zh-CN" altLang="en-US" dirty="0"/>
+              <a:t>为例：</a:t>
+            </a:r>
+            <a:endParaRPr lang="en-GB" dirty="0"/>
+          </a:p>
+        </p:txBody>
+      </p:sp>
+      <p:sp>
+        <p:nvSpPr>
+          <p:cNvPr id="7" name="TextBox 6">
+            <a:extLst>
+              <a:ext uri="{FF2B5EF4-FFF2-40B4-BE49-F238E27FC236}">
+                <a16:creationId xmlns:a16="http://schemas.microsoft.com/office/drawing/2014/main" id="{3F68A69D-C7AC-37D4-C2F9-B5C7D7F0E1C8}"/>
+              </a:ext>
+            </a:extLst>
+          </p:cNvPr>
+          <p:cNvSpPr txBox="1"/>
+          <p:nvPr/>
+        </p:nvSpPr>
+        <p:spPr>
+          <a:xfrm>
+            <a:off x="835710" y="5905347"/>
+            <a:ext cx="10821971" cy="646331"/>
+          </a:xfrm>
+          <a:prstGeom prst="rect">
+            <a:avLst/>
+          </a:prstGeom>
+          <a:noFill/>
+        </p:spPr>
+        <p:txBody>
+          <a:bodyPr wrap="square" rtlCol="0">
+            <a:spAutoFit/>
+          </a:bodyPr>
+          <a:lstStyle/>
+          <a:p>
+            <a:r>
+              <a:rPr lang="zh-CN" altLang="en-US" dirty="0"/>
+              <a:t>一張圖在 </a:t>
+            </a:r>
+            <a:r>
+              <a:rPr lang="en-GB" altLang="zh-CN" dirty="0"/>
+              <a:t>label.txt</a:t>
+            </a:r>
+            <a:r>
+              <a:rPr lang="zh-CN" altLang="en-US" dirty="0"/>
+              <a:t>中的格式</a:t>
+            </a:r>
+            <a:endParaRPr lang="en-GB" altLang="zh-CN" dirty="0"/>
+          </a:p>
+          <a:p>
+            <a:r>
+              <a:rPr lang="zh-CN" altLang="en-US" dirty="0"/>
+              <a:t>首先是</a:t>
+            </a:r>
+            <a:r>
+              <a:rPr lang="en-GB" dirty="0" err="1">
+                <a:highlight>
+                  <a:srgbClr val="FFFF00"/>
+                </a:highlight>
+              </a:rPr>
+              <a:t>relative_img_path</a:t>
+            </a:r>
+            <a:r>
+              <a:rPr lang="en-GB" dirty="0">
+                <a:highlight>
+                  <a:srgbClr val="FFFF00"/>
+                </a:highlight>
+              </a:rPr>
+              <a:t> </a:t>
+            </a:r>
+            <a:r>
+              <a:rPr lang="zh-CN" altLang="en-US" dirty="0"/>
+              <a:t>（空格）</a:t>
+            </a:r>
+            <a:r>
+              <a:rPr lang="en-US" altLang="zh-CN" dirty="0"/>
+              <a:t>[</a:t>
+            </a:r>
+            <a:r>
+              <a:rPr lang="zh-CN" altLang="en-US" dirty="0"/>
+              <a:t>圖片中文字識別</a:t>
+            </a:r>
+            <a:r>
+              <a:rPr lang="en-GB" altLang="zh-CN" dirty="0">
+                <a:highlight>
+                  <a:srgbClr val="FFFF00"/>
+                </a:highlight>
+              </a:rPr>
+              <a:t>(rec)</a:t>
+            </a:r>
+            <a:r>
+              <a:rPr lang="zh-CN" altLang="en-US" dirty="0"/>
+              <a:t>結果</a:t>
+            </a:r>
+            <a:r>
+              <a:rPr lang="en-GB" altLang="zh-CN" dirty="0"/>
+              <a:t>+</a:t>
+            </a:r>
+            <a:r>
+              <a:rPr lang="zh-CN" altLang="en-US" dirty="0"/>
+              <a:t>文字</a:t>
+            </a:r>
+            <a:r>
+              <a:rPr lang="en-GB" altLang="zh-CN" dirty="0"/>
+              <a:t>bounding box </a:t>
+            </a:r>
+            <a:r>
+              <a:rPr lang="en-GB" altLang="zh-CN" dirty="0">
+                <a:highlight>
+                  <a:srgbClr val="FFFF00"/>
+                </a:highlight>
+              </a:rPr>
+              <a:t>(det)</a:t>
+            </a:r>
+            <a:r>
+              <a:rPr lang="zh-CN" altLang="en-US" dirty="0"/>
+              <a:t>的</a:t>
+            </a:r>
+            <a:r>
+              <a:rPr lang="en-GB" altLang="zh-CN" dirty="0"/>
+              <a:t>4</a:t>
+            </a:r>
+            <a:r>
+              <a:rPr lang="zh-CN" altLang="en-US" dirty="0"/>
+              <a:t>個坐標點</a:t>
+            </a:r>
+            <a:r>
+              <a:rPr lang="en-GB" altLang="zh-CN" dirty="0"/>
+              <a:t>]</a:t>
+            </a:r>
+            <a:endParaRPr lang="en-GB" dirty="0"/>
+          </a:p>
+        </p:txBody>
+      </p:sp>
+      <p:sp>
+        <p:nvSpPr>
+          <p:cNvPr id="9" name="TextBox 8">
+            <a:extLst>
+              <a:ext uri="{FF2B5EF4-FFF2-40B4-BE49-F238E27FC236}">
+                <a16:creationId xmlns:a16="http://schemas.microsoft.com/office/drawing/2014/main" id="{02116025-8657-943C-945E-A9B248BFA3AE}"/>
+              </a:ext>
+            </a:extLst>
+          </p:cNvPr>
+          <p:cNvSpPr txBox="1"/>
+          <p:nvPr/>
+        </p:nvSpPr>
+        <p:spPr>
+          <a:xfrm>
+            <a:off x="4653590" y="-125794"/>
+            <a:ext cx="3461995" cy="369332"/>
+          </a:xfrm>
+          <a:prstGeom prst="rect">
+            <a:avLst/>
+          </a:prstGeom>
+          <a:noFill/>
+        </p:spPr>
+        <p:txBody>
+          <a:bodyPr wrap="square">
+            <a:spAutoFit/>
+          </a:bodyPr>
+          <a:lstStyle/>
+          <a:p>
+            <a:r>
+              <a:rPr lang="en-GB" dirty="0"/>
+              <a:t>icdar_c4_train_imgs/img_61.jpg</a:t>
+            </a:r>
+          </a:p>
+        </p:txBody>
+      </p:sp>
+      <p:sp>
+        <p:nvSpPr>
+          <p:cNvPr id="11" name="TextBox 10">
+            <a:extLst>
+              <a:ext uri="{FF2B5EF4-FFF2-40B4-BE49-F238E27FC236}">
+                <a16:creationId xmlns:a16="http://schemas.microsoft.com/office/drawing/2014/main" id="{8AA26319-6F97-4CA7-1B6A-EF97614E2F8D}"/>
+              </a:ext>
+            </a:extLst>
+          </p:cNvPr>
+          <p:cNvSpPr txBox="1"/>
+          <p:nvPr/>
+        </p:nvSpPr>
+        <p:spPr>
+          <a:xfrm>
+            <a:off x="0" y="75489"/>
+            <a:ext cx="3649260" cy="461665"/>
+          </a:xfrm>
+          <a:prstGeom prst="rect">
+            <a:avLst/>
+          </a:prstGeom>
+          <a:noFill/>
+        </p:spPr>
+        <p:txBody>
+          <a:bodyPr wrap="square">
+            <a:spAutoFit/>
+          </a:bodyPr>
+          <a:lstStyle/>
+          <a:p>
+            <a:r>
+              <a:rPr lang="zh-CN" altLang="en-US" sz="2400" b="1" dirty="0"/>
+              <a:t>查看</a:t>
+            </a:r>
+            <a:r>
+              <a:rPr lang="en-GB" altLang="zh-CN" sz="2400" b="1" dirty="0"/>
+              <a:t>label.txt</a:t>
+            </a:r>
+            <a:r>
+              <a:rPr lang="zh-CN" altLang="en-US" sz="2400" b="1" dirty="0"/>
+              <a:t>一幅圖格式</a:t>
+            </a:r>
+            <a:endParaRPr lang="en-GB" altLang="zh-CN" sz="2400" b="1" dirty="0"/>
+          </a:p>
+        </p:txBody>
+      </p:sp>
+    </p:spTree>
+    <p:extLst>
+      <p:ext uri="{BB962C8B-B14F-4D97-AF65-F5344CB8AC3E}">
+        <p14:creationId xmlns:p14="http://schemas.microsoft.com/office/powerpoint/2010/main" val="2862589000"/>
+      </p:ext>
+    </p:extLst>
+  </p:cSld>
+  <p:clrMapOvr>
+    <a:masterClrMapping/>
+  </p:clrMapOvr>
+</p:sld>
+</file>
+
+<file path=ppt/slides/slide7.xml><?xml version="1.0" encoding="utf-8"?>
+<p:sld xmlns:a="http://schemas.openxmlformats.org/drawingml/2006/main" xmlns:r="http://schemas.openxmlformats.org/officeDocument/2006/relationships" xmlns:p="http://schemas.openxmlformats.org/presentationml/2006/main">
+  <p:cSld>
+    <p:spTree>
+      <p:nvGrpSpPr>
+        <p:cNvPr id="1" name=""/>
+        <p:cNvGrpSpPr/>
+        <p:nvPr/>
+      </p:nvGrpSpPr>
+      <p:grpSpPr>
+        <a:xfrm>
+          <a:off x="0" y="0"/>
+          <a:ext cx="0" cy="0"/>
+          <a:chOff x="0" y="0"/>
+          <a:chExt cx="0" cy="0"/>
+        </a:xfrm>
+      </p:grpSpPr>
+      <p:sp>
+        <p:nvSpPr>
+          <p:cNvPr id="5" name="TextBox 4">
+            <a:extLst>
+              <a:ext uri="{FF2B5EF4-FFF2-40B4-BE49-F238E27FC236}">
+                <a16:creationId xmlns:a16="http://schemas.microsoft.com/office/drawing/2014/main" id="{B53AC89F-2CA3-57AB-A75B-9F8B19EC0AEB}"/>
+              </a:ext>
+            </a:extLst>
+          </p:cNvPr>
+          <p:cNvSpPr txBox="1"/>
+          <p:nvPr/>
+        </p:nvSpPr>
+        <p:spPr>
+          <a:xfrm>
+            <a:off x="685014" y="1910699"/>
+            <a:ext cx="6094428" cy="461665"/>
+          </a:xfrm>
+          <a:prstGeom prst="rect">
+            <a:avLst/>
+          </a:prstGeom>
+          <a:noFill/>
+        </p:spPr>
+        <p:txBody>
+          <a:bodyPr wrap="square">
+            <a:spAutoFit/>
+          </a:bodyPr>
+          <a:lstStyle/>
+          <a:p>
+            <a:r>
+              <a:rPr lang="en-GB" altLang="zh-CN" sz="2400" b="1" dirty="0"/>
+              <a:t>label.txt </a:t>
+            </a:r>
+            <a:r>
+              <a:rPr lang="en-US" altLang="zh-CN" sz="2400" b="1" dirty="0"/>
+              <a:t>N</a:t>
+            </a:r>
+            <a:r>
+              <a:rPr lang="zh-CN" altLang="en-US" sz="2400" b="1" dirty="0"/>
+              <a:t>幅圖格式</a:t>
+            </a:r>
+            <a:endParaRPr lang="en-GB" altLang="zh-CN" sz="2400" b="1" dirty="0"/>
+          </a:p>
+        </p:txBody>
+      </p:sp>
+      <p:sp>
+        <p:nvSpPr>
+          <p:cNvPr id="6" name="TextBox 5">
+            <a:extLst>
+              <a:ext uri="{FF2B5EF4-FFF2-40B4-BE49-F238E27FC236}">
+                <a16:creationId xmlns:a16="http://schemas.microsoft.com/office/drawing/2014/main" id="{AF6D762A-26E5-A1B4-B46E-E64CBC08786E}"/>
+              </a:ext>
+            </a:extLst>
+          </p:cNvPr>
+          <p:cNvSpPr txBox="1"/>
+          <p:nvPr/>
+        </p:nvSpPr>
+        <p:spPr>
+          <a:xfrm>
+            <a:off x="685014" y="2782669"/>
+            <a:ext cx="10821971" cy="1754326"/>
+          </a:xfrm>
+          <a:prstGeom prst="rect">
+            <a:avLst/>
+          </a:prstGeom>
+          <a:noFill/>
+        </p:spPr>
+        <p:txBody>
+          <a:bodyPr wrap="square" rtlCol="0">
+            <a:spAutoFit/>
+          </a:bodyPr>
+          <a:lstStyle/>
+          <a:p>
+            <a:r>
+              <a:rPr lang="en-GB" dirty="0">
+                <a:highlight>
+                  <a:srgbClr val="FFFF00"/>
+                </a:highlight>
+              </a:rPr>
+              <a:t>relative_img1_path </a:t>
+            </a:r>
+            <a:r>
+              <a:rPr lang="zh-CN" altLang="en-US" dirty="0"/>
+              <a:t>（空格）</a:t>
+            </a:r>
+            <a:r>
+              <a:rPr lang="en-US" altLang="zh-CN" dirty="0"/>
+              <a:t>[</a:t>
+            </a:r>
+            <a:r>
+              <a:rPr lang="zh-CN" altLang="en-US" dirty="0"/>
+              <a:t>圖片中文字識別</a:t>
+            </a:r>
+            <a:r>
+              <a:rPr lang="en-GB" altLang="zh-CN" dirty="0">
+                <a:highlight>
+                  <a:srgbClr val="FFFF00"/>
+                </a:highlight>
+              </a:rPr>
+              <a:t>(rec)</a:t>
+            </a:r>
+            <a:r>
+              <a:rPr lang="zh-CN" altLang="en-US" dirty="0"/>
+              <a:t>結果</a:t>
+            </a:r>
+            <a:r>
+              <a:rPr lang="en-GB" altLang="zh-CN" dirty="0"/>
+              <a:t>+</a:t>
+            </a:r>
+            <a:r>
+              <a:rPr lang="zh-CN" altLang="en-US" dirty="0"/>
+              <a:t>文字</a:t>
+            </a:r>
+            <a:r>
+              <a:rPr lang="en-GB" altLang="zh-CN" dirty="0"/>
+              <a:t>bounding box </a:t>
+            </a:r>
+            <a:r>
+              <a:rPr lang="en-GB" altLang="zh-CN" dirty="0">
+                <a:highlight>
+                  <a:srgbClr val="FFFF00"/>
+                </a:highlight>
+              </a:rPr>
+              <a:t>(det)</a:t>
+            </a:r>
+            <a:r>
+              <a:rPr lang="zh-CN" altLang="en-US" dirty="0"/>
+              <a:t>的</a:t>
+            </a:r>
+            <a:r>
+              <a:rPr lang="en-GB" altLang="zh-CN" dirty="0"/>
+              <a:t>4</a:t>
+            </a:r>
+            <a:r>
+              <a:rPr lang="zh-CN" altLang="en-US" dirty="0"/>
+              <a:t>個坐標點</a:t>
+            </a:r>
+            <a:r>
+              <a:rPr lang="en-GB" altLang="zh-CN" dirty="0"/>
+              <a:t>]</a:t>
+            </a:r>
+          </a:p>
+          <a:p>
+            <a:r>
+              <a:rPr lang="en-GB" dirty="0">
+                <a:highlight>
+                  <a:srgbClr val="FFFF00"/>
+                </a:highlight>
+              </a:rPr>
+              <a:t>relative_img2_path </a:t>
+            </a:r>
+            <a:r>
+              <a:rPr lang="zh-CN" altLang="en-US" dirty="0"/>
+              <a:t>（空格）</a:t>
+            </a:r>
+            <a:r>
+              <a:rPr lang="en-US" altLang="zh-CN" dirty="0"/>
+              <a:t>[</a:t>
+            </a:r>
+            <a:r>
+              <a:rPr lang="zh-CN" altLang="en-US" dirty="0"/>
+              <a:t>圖片中文字識別</a:t>
+            </a:r>
+            <a:r>
+              <a:rPr lang="en-GB" altLang="zh-CN" dirty="0">
+                <a:highlight>
+                  <a:srgbClr val="FFFF00"/>
+                </a:highlight>
+              </a:rPr>
+              <a:t>(rec)</a:t>
+            </a:r>
+            <a:r>
+              <a:rPr lang="zh-CN" altLang="en-US" dirty="0"/>
+              <a:t>結果</a:t>
+            </a:r>
+            <a:r>
+              <a:rPr lang="en-GB" altLang="zh-CN" dirty="0"/>
+              <a:t>+</a:t>
+            </a:r>
+            <a:r>
+              <a:rPr lang="zh-CN" altLang="en-US" dirty="0"/>
+              <a:t>文字</a:t>
+            </a:r>
+            <a:r>
+              <a:rPr lang="en-GB" altLang="zh-CN" dirty="0"/>
+              <a:t>bounding box </a:t>
+            </a:r>
+            <a:r>
+              <a:rPr lang="en-GB" altLang="zh-CN" dirty="0">
+                <a:highlight>
+                  <a:srgbClr val="FFFF00"/>
+                </a:highlight>
+              </a:rPr>
+              <a:t>(det)</a:t>
+            </a:r>
+            <a:r>
+              <a:rPr lang="zh-CN" altLang="en-US" dirty="0"/>
+              <a:t>的</a:t>
+            </a:r>
+            <a:r>
+              <a:rPr lang="en-GB" altLang="zh-CN" dirty="0"/>
+              <a:t>4</a:t>
+            </a:r>
+            <a:r>
+              <a:rPr lang="zh-CN" altLang="en-US" dirty="0"/>
+              <a:t>個坐標點</a:t>
+            </a:r>
+            <a:r>
+              <a:rPr lang="en-GB" altLang="zh-CN" dirty="0"/>
+              <a:t>]</a:t>
+            </a:r>
+            <a:endParaRPr lang="en-GB" dirty="0"/>
+          </a:p>
+          <a:p>
+            <a:r>
+              <a:rPr lang="en-GB" dirty="0">
+                <a:highlight>
+                  <a:srgbClr val="FFFF00"/>
+                </a:highlight>
+              </a:rPr>
+              <a:t>relative_img3_path </a:t>
+            </a:r>
+            <a:r>
+              <a:rPr lang="zh-CN" altLang="en-US" dirty="0"/>
+              <a:t>（空格）</a:t>
+            </a:r>
+            <a:r>
+              <a:rPr lang="en-US" altLang="zh-CN" dirty="0"/>
+              <a:t>[</a:t>
+            </a:r>
+            <a:r>
+              <a:rPr lang="zh-CN" altLang="en-US" dirty="0"/>
+              <a:t>圖片中文字識別</a:t>
+            </a:r>
+            <a:r>
+              <a:rPr lang="en-GB" altLang="zh-CN" dirty="0">
+                <a:highlight>
+                  <a:srgbClr val="FFFF00"/>
+                </a:highlight>
+              </a:rPr>
+              <a:t>(rec)</a:t>
+            </a:r>
+            <a:r>
+              <a:rPr lang="zh-CN" altLang="en-US" dirty="0"/>
+              <a:t>結果</a:t>
+            </a:r>
+            <a:r>
+              <a:rPr lang="en-GB" altLang="zh-CN" dirty="0"/>
+              <a:t>+</a:t>
+            </a:r>
+            <a:r>
+              <a:rPr lang="zh-CN" altLang="en-US" dirty="0"/>
+              <a:t>文字</a:t>
+            </a:r>
+            <a:r>
+              <a:rPr lang="en-GB" altLang="zh-CN" dirty="0"/>
+              <a:t>bounding box </a:t>
+            </a:r>
+            <a:r>
+              <a:rPr lang="en-GB" altLang="zh-CN" dirty="0">
+                <a:highlight>
+                  <a:srgbClr val="FFFF00"/>
+                </a:highlight>
+              </a:rPr>
+              <a:t>(det)</a:t>
+            </a:r>
+            <a:r>
+              <a:rPr lang="zh-CN" altLang="en-US" dirty="0"/>
+              <a:t>的</a:t>
+            </a:r>
+            <a:r>
+              <a:rPr lang="en-GB" altLang="zh-CN" dirty="0"/>
+              <a:t>4</a:t>
+            </a:r>
+            <a:r>
+              <a:rPr lang="zh-CN" altLang="en-US" dirty="0"/>
+              <a:t>個坐標點</a:t>
+            </a:r>
+            <a:r>
+              <a:rPr lang="en-GB" altLang="zh-CN" dirty="0"/>
+              <a:t>]</a:t>
+            </a:r>
+            <a:endParaRPr lang="en-GB" dirty="0"/>
+          </a:p>
+          <a:p>
+            <a:r>
+              <a:rPr lang="en-GB" dirty="0">
+                <a:highlight>
+                  <a:srgbClr val="FFFF00"/>
+                </a:highlight>
+              </a:rPr>
+              <a:t>relative_img4_path </a:t>
+            </a:r>
+            <a:r>
+              <a:rPr lang="zh-CN" altLang="en-US" dirty="0"/>
+              <a:t>（空格）</a:t>
+            </a:r>
+            <a:r>
+              <a:rPr lang="en-US" altLang="zh-CN" dirty="0"/>
+              <a:t>[</a:t>
+            </a:r>
+            <a:r>
+              <a:rPr lang="zh-CN" altLang="en-US" dirty="0"/>
+              <a:t>圖片中文字識別</a:t>
+            </a:r>
+            <a:r>
+              <a:rPr lang="en-GB" altLang="zh-CN" dirty="0">
+                <a:highlight>
+                  <a:srgbClr val="FFFF00"/>
+                </a:highlight>
+              </a:rPr>
+              <a:t>(rec)</a:t>
+            </a:r>
+            <a:r>
+              <a:rPr lang="zh-CN" altLang="en-US" dirty="0"/>
+              <a:t>結果</a:t>
+            </a:r>
+            <a:r>
+              <a:rPr lang="en-GB" altLang="zh-CN" dirty="0"/>
+              <a:t>+</a:t>
+            </a:r>
+            <a:r>
+              <a:rPr lang="zh-CN" altLang="en-US" dirty="0"/>
+              <a:t>文字</a:t>
+            </a:r>
+            <a:r>
+              <a:rPr lang="en-GB" altLang="zh-CN" dirty="0"/>
+              <a:t>bounding box </a:t>
+            </a:r>
+            <a:r>
+              <a:rPr lang="en-GB" altLang="zh-CN" dirty="0">
+                <a:highlight>
+                  <a:srgbClr val="FFFF00"/>
+                </a:highlight>
+              </a:rPr>
+              <a:t>(det)</a:t>
+            </a:r>
+            <a:r>
+              <a:rPr lang="zh-CN" altLang="en-US" dirty="0"/>
+              <a:t>的</a:t>
+            </a:r>
+            <a:r>
+              <a:rPr lang="en-GB" altLang="zh-CN" dirty="0"/>
+              <a:t>4</a:t>
+            </a:r>
+            <a:r>
+              <a:rPr lang="zh-CN" altLang="en-US" dirty="0"/>
+              <a:t>個坐標點</a:t>
+            </a:r>
+            <a:r>
+              <a:rPr lang="en-GB" altLang="zh-CN" dirty="0"/>
+              <a:t>]</a:t>
+            </a:r>
+            <a:endParaRPr lang="en-GB" dirty="0"/>
+          </a:p>
+          <a:p>
+            <a:r>
+              <a:rPr lang="en-GB" dirty="0"/>
+              <a:t>…</a:t>
+            </a:r>
+          </a:p>
+          <a:p>
+            <a:r>
+              <a:rPr lang="en-GB" dirty="0" err="1">
+                <a:highlight>
+                  <a:srgbClr val="FFFF00"/>
+                </a:highlight>
+              </a:rPr>
+              <a:t>relative_imgN_path</a:t>
+            </a:r>
+            <a:r>
+              <a:rPr lang="en-GB" dirty="0">
+                <a:highlight>
+                  <a:srgbClr val="FFFF00"/>
+                </a:highlight>
+              </a:rPr>
+              <a:t> </a:t>
+            </a:r>
+            <a:r>
+              <a:rPr lang="zh-CN" altLang="en-US" dirty="0"/>
+              <a:t>（空格）</a:t>
+            </a:r>
+            <a:r>
+              <a:rPr lang="en-US" altLang="zh-CN" dirty="0"/>
+              <a:t>[</a:t>
+            </a:r>
+            <a:r>
+              <a:rPr lang="zh-CN" altLang="en-US" dirty="0"/>
+              <a:t>圖片中文字識別</a:t>
+            </a:r>
+            <a:r>
+              <a:rPr lang="en-GB" altLang="zh-CN" dirty="0">
+                <a:highlight>
+                  <a:srgbClr val="FFFF00"/>
+                </a:highlight>
+              </a:rPr>
+              <a:t>(rec)</a:t>
+            </a:r>
+            <a:r>
+              <a:rPr lang="zh-CN" altLang="en-US" dirty="0"/>
+              <a:t>結果</a:t>
+            </a:r>
+            <a:r>
+              <a:rPr lang="en-GB" altLang="zh-CN" dirty="0"/>
+              <a:t>+</a:t>
+            </a:r>
+            <a:r>
+              <a:rPr lang="zh-CN" altLang="en-US" dirty="0"/>
+              <a:t>文字</a:t>
+            </a:r>
+            <a:r>
+              <a:rPr lang="en-GB" altLang="zh-CN" dirty="0"/>
+              <a:t>bounding box </a:t>
+            </a:r>
+            <a:r>
+              <a:rPr lang="en-GB" altLang="zh-CN" dirty="0">
+                <a:highlight>
+                  <a:srgbClr val="FFFF00"/>
+                </a:highlight>
+              </a:rPr>
+              <a:t>(det)</a:t>
+            </a:r>
+            <a:r>
+              <a:rPr lang="zh-CN" altLang="en-US" dirty="0"/>
+              <a:t>的</a:t>
+            </a:r>
+            <a:r>
+              <a:rPr lang="en-GB" altLang="zh-CN" dirty="0"/>
+              <a:t>4</a:t>
+            </a:r>
+            <a:r>
+              <a:rPr lang="zh-CN" altLang="en-US" dirty="0"/>
+              <a:t>個坐標點</a:t>
+            </a:r>
+            <a:r>
+              <a:rPr lang="en-GB" altLang="zh-CN" dirty="0"/>
+              <a:t>]</a:t>
+            </a:r>
+            <a:endParaRPr lang="en-GB" dirty="0"/>
+          </a:p>
+        </p:txBody>
+      </p:sp>
+      <p:sp>
+        <p:nvSpPr>
+          <p:cNvPr id="8" name="Title 1">
+            <a:extLst>
+              <a:ext uri="{FF2B5EF4-FFF2-40B4-BE49-F238E27FC236}">
+                <a16:creationId xmlns:a16="http://schemas.microsoft.com/office/drawing/2014/main" id="{F2BDC199-810A-8C7B-1D5D-F62037F12FDB}"/>
+              </a:ext>
+            </a:extLst>
+          </p:cNvPr>
+          <p:cNvSpPr>
+            <a:spLocks noGrp="1"/>
+          </p:cNvSpPr>
+          <p:nvPr>
+            <p:ph type="title"/>
+          </p:nvPr>
+        </p:nvSpPr>
+        <p:spPr>
+          <a:xfrm>
+            <a:off x="321689" y="379983"/>
+            <a:ext cx="11793718" cy="1325563"/>
+          </a:xfrm>
+        </p:spPr>
+        <p:txBody>
+          <a:bodyPr/>
+          <a:lstStyle/>
+          <a:p>
+            <a:r>
+              <a:rPr lang="en-GB" altLang="zh-CN" dirty="0"/>
+              <a:t>Training</a:t>
+            </a:r>
+            <a:r>
+              <a:rPr lang="zh-CN" altLang="en-US" dirty="0"/>
+              <a:t>自定義</a:t>
+            </a:r>
+            <a:r>
+              <a:rPr lang="en-GB" altLang="zh-CN" dirty="0"/>
+              <a:t>Dataset</a:t>
+            </a:r>
+            <a:r>
+              <a:rPr lang="zh-CN" altLang="en-US" dirty="0"/>
+              <a:t>需要特別準備</a:t>
+            </a:r>
+            <a:r>
+              <a:rPr lang="en-GB" altLang="zh-CN" dirty="0"/>
+              <a:t>Label.txt</a:t>
+            </a:r>
+            <a:endParaRPr lang="en-GB" dirty="0"/>
+          </a:p>
+        </p:txBody>
+      </p:sp>
+      <p:sp>
+        <p:nvSpPr>
+          <p:cNvPr id="10" name="TextBox 9">
+            <a:extLst>
+              <a:ext uri="{FF2B5EF4-FFF2-40B4-BE49-F238E27FC236}">
+                <a16:creationId xmlns:a16="http://schemas.microsoft.com/office/drawing/2014/main" id="{64F5AC59-E475-49C0-FDDD-FD9D9E62E900}"/>
+              </a:ext>
+            </a:extLst>
+          </p:cNvPr>
+          <p:cNvSpPr txBox="1"/>
+          <p:nvPr/>
+        </p:nvSpPr>
+        <p:spPr>
+          <a:xfrm>
+            <a:off x="685014" y="5707086"/>
+            <a:ext cx="6094428" cy="369332"/>
+          </a:xfrm>
+          <a:prstGeom prst="rect">
+            <a:avLst/>
+          </a:prstGeom>
+          <a:noFill/>
+        </p:spPr>
+        <p:txBody>
+          <a:bodyPr wrap="square">
+            <a:spAutoFit/>
+          </a:bodyPr>
+          <a:lstStyle/>
+          <a:p>
+            <a:r>
+              <a:rPr lang="zh-CN" altLang="en-US" dirty="0"/>
+              <a:t>無法識別</a:t>
+            </a:r>
+            <a:r>
+              <a:rPr lang="en-GB" altLang="zh-CN" dirty="0"/>
+              <a:t>(rec)</a:t>
+            </a:r>
+            <a:r>
+              <a:rPr lang="zh-CN" altLang="en-US" dirty="0"/>
+              <a:t>的文字 用 </a:t>
+            </a:r>
+            <a:r>
+              <a:rPr lang="en-US" altLang="zh-CN" dirty="0"/>
+              <a:t>“###”  </a:t>
+            </a:r>
+            <a:r>
+              <a:rPr lang="zh-CN" altLang="en-US" dirty="0"/>
+              <a:t>表示</a:t>
+            </a:r>
+            <a:endParaRPr lang="en-GB" dirty="0"/>
+          </a:p>
+        </p:txBody>
+      </p:sp>
+    </p:spTree>
+    <p:extLst>
+      <p:ext uri="{BB962C8B-B14F-4D97-AF65-F5344CB8AC3E}">
+        <p14:creationId xmlns:p14="http://schemas.microsoft.com/office/powerpoint/2010/main" val="3802818259"/>
+      </p:ext>
+    </p:extLst>
+  </p:cSld>
+  <p:clrMapOvr>
+    <a:masterClrMapping/>
+  </p:clrMapOvr>
+</p:sld>
+</file>
+
+<file path=ppt/slides/slide8.xml><?xml version="1.0" encoding="utf-8"?>
+<p:sld xmlns:a="http://schemas.openxmlformats.org/drawingml/2006/main" xmlns:r="http://schemas.openxmlformats.org/officeDocument/2006/relationships" xmlns:p="http://schemas.openxmlformats.org/presentationml/2006/main">
+  <p:cSld>
+    <p:spTree>
+      <p:nvGrpSpPr>
+        <p:cNvPr id="1" name=""/>
+        <p:cNvGrpSpPr/>
+        <p:nvPr/>
+      </p:nvGrpSpPr>
+      <p:grpSpPr>
+        <a:xfrm>
+          <a:off x="0" y="0"/>
+          <a:ext cx="0" cy="0"/>
+          <a:chOff x="0" y="0"/>
+          <a:chExt cx="0" cy="0"/>
+        </a:xfrm>
+      </p:grpSpPr>
+      <p:sp>
+        <p:nvSpPr>
+          <p:cNvPr id="2" name="Title 1">
+            <a:extLst>
+              <a:ext uri="{FF2B5EF4-FFF2-40B4-BE49-F238E27FC236}">
+                <a16:creationId xmlns:a16="http://schemas.microsoft.com/office/drawing/2014/main" id="{FF4D931A-BC70-4EAE-2669-4214A8888910}"/>
+              </a:ext>
+            </a:extLst>
+          </p:cNvPr>
+          <p:cNvSpPr>
+            <a:spLocks noGrp="1"/>
+          </p:cNvSpPr>
+          <p:nvPr>
+            <p:ph type="title"/>
+          </p:nvPr>
+        </p:nvSpPr>
+        <p:spPr/>
+        <p:txBody>
+          <a:bodyPr/>
+          <a:lstStyle/>
+          <a:p>
+            <a:r>
+              <a:rPr lang="zh-CN" altLang="en-US" dirty="0"/>
+              <a:t>獲取</a:t>
+            </a:r>
+            <a:r>
+              <a:rPr lang="en-GB" altLang="zh-CN" dirty="0"/>
+              <a:t>training </a:t>
+            </a:r>
+            <a:r>
+              <a:rPr lang="en-GB" altLang="zh-CN" dirty="0" err="1"/>
+              <a:t>img</a:t>
+            </a:r>
+            <a:r>
+              <a:rPr lang="zh-CN" altLang="en-US" dirty="0"/>
+              <a:t>的</a:t>
+            </a:r>
+            <a:r>
+              <a:rPr lang="en-GB" altLang="zh-CN" dirty="0"/>
+              <a:t>bounding box</a:t>
+            </a:r>
+            <a:r>
+              <a:rPr lang="zh-CN" altLang="en-US" dirty="0"/>
+              <a:t>坐標</a:t>
+            </a:r>
+            <a:r>
+              <a:rPr lang="en-GB" altLang="zh-CN" dirty="0"/>
+              <a:t>?</a:t>
+            </a:r>
+            <a:endParaRPr lang="en-GB" dirty="0"/>
+          </a:p>
+        </p:txBody>
+      </p:sp>
+      <p:sp>
+        <p:nvSpPr>
+          <p:cNvPr id="3" name="Content Placeholder 2">
+            <a:extLst>
+              <a:ext uri="{FF2B5EF4-FFF2-40B4-BE49-F238E27FC236}">
+                <a16:creationId xmlns:a16="http://schemas.microsoft.com/office/drawing/2014/main" id="{FD9F5CF4-6F95-28BF-E32A-98518604DDE0}"/>
+              </a:ext>
+            </a:extLst>
+          </p:cNvPr>
+          <p:cNvSpPr>
+            <a:spLocks noGrp="1"/>
+          </p:cNvSpPr>
+          <p:nvPr>
+            <p:ph idx="1"/>
+          </p:nvPr>
+        </p:nvSpPr>
+        <p:spPr/>
+        <p:txBody>
+          <a:bodyPr/>
+          <a:lstStyle/>
+          <a:p>
+            <a:r>
+              <a:rPr lang="en-GB" dirty="0"/>
+              <a:t>Solution 1: </a:t>
+            </a:r>
+            <a:r>
+              <a:rPr lang="zh-CN" altLang="en-US" dirty="0"/>
+              <a:t>透過</a:t>
+            </a:r>
+            <a:r>
+              <a:rPr lang="en-GB" altLang="zh-CN" dirty="0"/>
+              <a:t>inference paddle pretrain</a:t>
+            </a:r>
+            <a:r>
+              <a:rPr lang="zh-CN" altLang="en-US" dirty="0"/>
+              <a:t> </a:t>
+            </a:r>
+            <a:r>
+              <a:rPr lang="en-GB" altLang="zh-CN" dirty="0"/>
+              <a:t>model</a:t>
+            </a:r>
+            <a:r>
+              <a:rPr lang="zh-CN" altLang="en-US" dirty="0"/>
+              <a:t>來輸出</a:t>
+            </a:r>
+            <a:r>
+              <a:rPr lang="en-GB" altLang="zh-CN" dirty="0"/>
+              <a:t>GT</a:t>
+            </a:r>
+          </a:p>
+          <a:p>
+            <a:r>
+              <a:rPr lang="en-US" altLang="zh-CN" dirty="0"/>
+              <a:t>Solution 2: </a:t>
+            </a:r>
+            <a:r>
+              <a:rPr lang="zh-CN" altLang="en-US" dirty="0"/>
+              <a:t>手動標記</a:t>
+            </a:r>
+            <a:endParaRPr lang="en-GB" altLang="zh-CN" dirty="0"/>
+          </a:p>
+          <a:p>
+            <a:r>
+              <a:rPr lang="en-GB" dirty="0"/>
+              <a:t>…</a:t>
+            </a:r>
+          </a:p>
+        </p:txBody>
+      </p:sp>
+    </p:spTree>
+    <p:extLst>
+      <p:ext uri="{BB962C8B-B14F-4D97-AF65-F5344CB8AC3E}">
+        <p14:creationId xmlns:p14="http://schemas.microsoft.com/office/powerpoint/2010/main" val="3431139991"/>
+      </p:ext>
+    </p:extLst>
+  </p:cSld>
+  <p:clrMapOvr>
+    <a:masterClrMapping/>
+  </p:clrMapOvr>
+</p:sld>
+</file>
+
+<file path=ppt/slides/slide9.xml><?xml version="1.0" encoding="utf-8"?>
+<p:sld xmlns:a="http://schemas.openxmlformats.org/drawingml/2006/main" xmlns:r="http://schemas.openxmlformats.org/officeDocument/2006/relationships" xmlns:p="http://schemas.openxmlformats.org/presentationml/2006/main">
+  <p:cSld>
+    <p:spTree>
+      <p:nvGrpSpPr>
+        <p:cNvPr id="1" name=""/>
+        <p:cNvGrpSpPr/>
+        <p:nvPr/>
+      </p:nvGrpSpPr>
+      <p:grpSpPr>
+        <a:xfrm>
+          <a:off x="0" y="0"/>
+          <a:ext cx="0" cy="0"/>
+          <a:chOff x="0" y="0"/>
+          <a:chExt cx="0" cy="0"/>
+        </a:xfrm>
+      </p:grpSpPr>
+      <p:sp>
+        <p:nvSpPr>
+          <p:cNvPr id="2" name="Title 1">
+            <a:extLst>
+              <a:ext uri="{FF2B5EF4-FFF2-40B4-BE49-F238E27FC236}">
+                <a16:creationId xmlns:a16="http://schemas.microsoft.com/office/drawing/2014/main" id="{E0CE3A65-3FD8-F76A-CADB-D4431626095D}"/>
+              </a:ext>
+            </a:extLst>
+          </p:cNvPr>
+          <p:cNvSpPr>
+            <a:spLocks noGrp="1"/>
+          </p:cNvSpPr>
+          <p:nvPr>
+            <p:ph type="title"/>
+          </p:nvPr>
+        </p:nvSpPr>
+        <p:spPr/>
+        <p:txBody>
+          <a:bodyPr/>
+          <a:lstStyle/>
+          <a:p>
+            <a:endParaRPr lang="en-GB"/>
+          </a:p>
+        </p:txBody>
+      </p:sp>
+      <p:sp>
+        <p:nvSpPr>
+          <p:cNvPr id="3" name="Content Placeholder 2">
+            <a:extLst>
+              <a:ext uri="{FF2B5EF4-FFF2-40B4-BE49-F238E27FC236}">
+                <a16:creationId xmlns:a16="http://schemas.microsoft.com/office/drawing/2014/main" id="{C6462362-EF96-D3D9-45E3-E66E4EA0FCFE}"/>
+              </a:ext>
+            </a:extLst>
+          </p:cNvPr>
+          <p:cNvSpPr>
+            <a:spLocks noGrp="1"/>
+          </p:cNvSpPr>
+          <p:nvPr>
+            <p:ph idx="1"/>
+          </p:nvPr>
+        </p:nvSpPr>
+        <p:spPr/>
+        <p:txBody>
+          <a:bodyPr/>
+          <a:lstStyle/>
+          <a:p>
+            <a:pPr marL="0" indent="0">
+              <a:buNone/>
+            </a:pPr>
+            <a:r>
+              <a:rPr lang="zh-CN" altLang="en-US" dirty="0"/>
+              <a:t>接下來是針對會計模型的新理解， 之後選擇</a:t>
+            </a:r>
+            <a:r>
+              <a:rPr lang="en-GB" altLang="zh-CN" dirty="0"/>
+              <a:t>pretrain model</a:t>
+            </a:r>
+            <a:r>
+              <a:rPr lang="zh-CN" altLang="en-US" dirty="0"/>
+              <a:t>的方向</a:t>
+            </a:r>
+            <a:endParaRPr lang="en-GB" dirty="0"/>
+          </a:p>
+        </p:txBody>
+      </p:sp>
+    </p:spTree>
+    <p:extLst>
+      <p:ext uri="{BB962C8B-B14F-4D97-AF65-F5344CB8AC3E}">
+        <p14:creationId xmlns:p14="http://schemas.microsoft.com/office/powerpoint/2010/main" val="1086669505"/>
       </p:ext>
     </p:extLst>
   </p:cSld>

--- a/Torch_train.pptx
+++ b/Torch_train.pptx
@@ -5,7 +5,7 @@
     <p:sldMasterId id="2147483648" r:id="rId1"/>
   </p:sldMasterIdLst>
   <p:notesMasterIdLst>
-    <p:notesMasterId r:id="rId18"/>
+    <p:notesMasterId r:id="rId21"/>
   </p:notesMasterIdLst>
   <p:sldIdLst>
     <p:sldId id="256" r:id="rId2"/>
@@ -16,14 +16,17 @@
     <p:sldId id="267" r:id="rId7"/>
     <p:sldId id="268" r:id="rId8"/>
     <p:sldId id="269" r:id="rId9"/>
-    <p:sldId id="273" r:id="rId10"/>
-    <p:sldId id="260" r:id="rId11"/>
-    <p:sldId id="272" r:id="rId12"/>
-    <p:sldId id="263" r:id="rId13"/>
-    <p:sldId id="262" r:id="rId14"/>
-    <p:sldId id="258" r:id="rId15"/>
-    <p:sldId id="259" r:id="rId16"/>
-    <p:sldId id="257" r:id="rId17"/>
+    <p:sldId id="276" r:id="rId10"/>
+    <p:sldId id="273" r:id="rId11"/>
+    <p:sldId id="260" r:id="rId12"/>
+    <p:sldId id="272" r:id="rId13"/>
+    <p:sldId id="263" r:id="rId14"/>
+    <p:sldId id="262" r:id="rId15"/>
+    <p:sldId id="258" r:id="rId16"/>
+    <p:sldId id="259" r:id="rId17"/>
+    <p:sldId id="257" r:id="rId18"/>
+    <p:sldId id="274" r:id="rId19"/>
+    <p:sldId id="275" r:id="rId20"/>
   </p:sldIdLst>
   <p:sldSz cx="12192000" cy="6858000"/>
   <p:notesSz cx="6858000" cy="9144000"/>
@@ -143,7 +146,7 @@
   <pc:docChgLst>
     <pc:chgData name="Tsai, Ping-Chen" userId="9132b96a-ba54-4186-bc65-f286b02f1bb4" providerId="ADAL" clId="{2C7D7F79-AD93-4ED7-BCDF-8616907FA700}"/>
     <pc:docChg chg="undo custSel addSld delSld modSld sldOrd">
-      <pc:chgData name="Tsai, Ping-Chen" userId="9132b96a-ba54-4186-bc65-f286b02f1bb4" providerId="ADAL" clId="{2C7D7F79-AD93-4ED7-BCDF-8616907FA700}" dt="2024-05-11T01:38:45.258" v="4192" actId="47"/>
+      <pc:chgData name="Tsai, Ping-Chen" userId="9132b96a-ba54-4186-bc65-f286b02f1bb4" providerId="ADAL" clId="{2C7D7F79-AD93-4ED7-BCDF-8616907FA700}" dt="2024-05-17T00:19:26.868" v="4423" actId="20577"/>
       <pc:docMkLst>
         <pc:docMk/>
       </pc:docMkLst>
@@ -656,6 +659,75 @@
           </ac:spMkLst>
         </pc:spChg>
       </pc:sldChg>
+      <pc:sldChg chg="modSp new mod">
+        <pc:chgData name="Tsai, Ping-Chen" userId="9132b96a-ba54-4186-bc65-f286b02f1bb4" providerId="ADAL" clId="{2C7D7F79-AD93-4ED7-BCDF-8616907FA700}" dt="2024-05-16T23:27:29.559" v="4256" actId="20577"/>
+        <pc:sldMkLst>
+          <pc:docMk/>
+          <pc:sldMk cId="3388768162" sldId="274"/>
+        </pc:sldMkLst>
+        <pc:spChg chg="mod">
+          <ac:chgData name="Tsai, Ping-Chen" userId="9132b96a-ba54-4186-bc65-f286b02f1bb4" providerId="ADAL" clId="{2C7D7F79-AD93-4ED7-BCDF-8616907FA700}" dt="2024-05-16T23:27:29.559" v="4256" actId="20577"/>
+          <ac:spMkLst>
+            <pc:docMk/>
+            <pc:sldMk cId="3388768162" sldId="274"/>
+            <ac:spMk id="2" creationId="{BEE0F620-552A-DA4A-2C3A-2664F6AC6B2F}"/>
+          </ac:spMkLst>
+        </pc:spChg>
+        <pc:spChg chg="mod">
+          <ac:chgData name="Tsai, Ping-Chen" userId="9132b96a-ba54-4186-bc65-f286b02f1bb4" providerId="ADAL" clId="{2C7D7F79-AD93-4ED7-BCDF-8616907FA700}" dt="2024-05-16T13:02:37.952" v="4194"/>
+          <ac:spMkLst>
+            <pc:docMk/>
+            <pc:sldMk cId="3388768162" sldId="274"/>
+            <ac:spMk id="3" creationId="{4CBCAD23-C501-5F7D-EF88-491044C0E9C1}"/>
+          </ac:spMkLst>
+        </pc:spChg>
+      </pc:sldChg>
+      <pc:sldChg chg="modSp new mod">
+        <pc:chgData name="Tsai, Ping-Chen" userId="9132b96a-ba54-4186-bc65-f286b02f1bb4" providerId="ADAL" clId="{2C7D7F79-AD93-4ED7-BCDF-8616907FA700}" dt="2024-05-17T00:19:26.868" v="4423" actId="20577"/>
+        <pc:sldMkLst>
+          <pc:docMk/>
+          <pc:sldMk cId="799057516" sldId="275"/>
+        </pc:sldMkLst>
+        <pc:spChg chg="mod">
+          <ac:chgData name="Tsai, Ping-Chen" userId="9132b96a-ba54-4186-bc65-f286b02f1bb4" providerId="ADAL" clId="{2C7D7F79-AD93-4ED7-BCDF-8616907FA700}" dt="2024-05-16T23:29:53.151" v="4272" actId="20577"/>
+          <ac:spMkLst>
+            <pc:docMk/>
+            <pc:sldMk cId="799057516" sldId="275"/>
+            <ac:spMk id="2" creationId="{EB16C9B9-4BF3-9062-E84F-A4CAC817943F}"/>
+          </ac:spMkLst>
+        </pc:spChg>
+        <pc:spChg chg="mod">
+          <ac:chgData name="Tsai, Ping-Chen" userId="9132b96a-ba54-4186-bc65-f286b02f1bb4" providerId="ADAL" clId="{2C7D7F79-AD93-4ED7-BCDF-8616907FA700}" dt="2024-05-17T00:19:26.868" v="4423" actId="20577"/>
+          <ac:spMkLst>
+            <pc:docMk/>
+            <pc:sldMk cId="799057516" sldId="275"/>
+            <ac:spMk id="3" creationId="{86B5C663-647B-7DFA-2853-D20B6F37872E}"/>
+          </ac:spMkLst>
+        </pc:spChg>
+      </pc:sldChg>
+      <pc:sldChg chg="modSp new mod">
+        <pc:chgData name="Tsai, Ping-Chen" userId="9132b96a-ba54-4186-bc65-f286b02f1bb4" providerId="ADAL" clId="{2C7D7F79-AD93-4ED7-BCDF-8616907FA700}" dt="2024-05-17T00:18:42.905" v="4376" actId="20577"/>
+        <pc:sldMkLst>
+          <pc:docMk/>
+          <pc:sldMk cId="946307909" sldId="276"/>
+        </pc:sldMkLst>
+        <pc:spChg chg="mod">
+          <ac:chgData name="Tsai, Ping-Chen" userId="9132b96a-ba54-4186-bc65-f286b02f1bb4" providerId="ADAL" clId="{2C7D7F79-AD93-4ED7-BCDF-8616907FA700}" dt="2024-05-17T00:18:36.923" v="4356" actId="20577"/>
+          <ac:spMkLst>
+            <pc:docMk/>
+            <pc:sldMk cId="946307909" sldId="276"/>
+            <ac:spMk id="2" creationId="{47EC095D-FC71-34C0-0D6F-8A76CD9CC283}"/>
+          </ac:spMkLst>
+        </pc:spChg>
+        <pc:spChg chg="mod">
+          <ac:chgData name="Tsai, Ping-Chen" userId="9132b96a-ba54-4186-bc65-f286b02f1bb4" providerId="ADAL" clId="{2C7D7F79-AD93-4ED7-BCDF-8616907FA700}" dt="2024-05-17T00:18:42.905" v="4376" actId="20577"/>
+          <ac:spMkLst>
+            <pc:docMk/>
+            <pc:sldMk cId="946307909" sldId="276"/>
+            <ac:spMk id="3" creationId="{C4625852-F318-2C3C-CB5E-D10A8A4B16FB}"/>
+          </ac:spMkLst>
+        </pc:spChg>
+      </pc:sldChg>
     </pc:docChg>
   </pc:docChgLst>
 </pc:chgInfo>
@@ -743,7 +815,7 @@
           <a:p>
             <a:fld id="{A6298B40-4180-456B-A5CA-A0ABF6427B13}" type="datetimeFigureOut">
               <a:rPr lang="en-GB" smtClean="0"/>
-              <a:t>10/05/2024</a:t>
+              <a:t>17/05/2024</a:t>
             </a:fld>
             <a:endParaRPr lang="en-GB"/>
           </a:p>
@@ -1110,7 +1182,7 @@
           <a:p>
             <a:fld id="{EEB4BD81-C856-4760-9842-D621A7A4E6F7}" type="slidenum">
               <a:rPr lang="en-GB" smtClean="0"/>
-              <a:t>16</a:t>
+              <a:t>17</a:t>
             </a:fld>
             <a:endParaRPr lang="en-GB"/>
           </a:p>
@@ -1278,7 +1350,7 @@
           <a:p>
             <a:fld id="{E5ACA199-D8D1-4546-831D-8EFC18AA6159}" type="datetimeFigureOut">
               <a:rPr lang="en-GB" smtClean="0"/>
-              <a:t>10/05/2024</a:t>
+              <a:t>17/05/2024</a:t>
             </a:fld>
             <a:endParaRPr lang="en-GB"/>
           </a:p>
@@ -1478,7 +1550,7 @@
           <a:p>
             <a:fld id="{E5ACA199-D8D1-4546-831D-8EFC18AA6159}" type="datetimeFigureOut">
               <a:rPr lang="en-GB" smtClean="0"/>
-              <a:t>10/05/2024</a:t>
+              <a:t>17/05/2024</a:t>
             </a:fld>
             <a:endParaRPr lang="en-GB"/>
           </a:p>
@@ -1688,7 +1760,7 @@
           <a:p>
             <a:fld id="{E5ACA199-D8D1-4546-831D-8EFC18AA6159}" type="datetimeFigureOut">
               <a:rPr lang="en-GB" smtClean="0"/>
-              <a:t>10/05/2024</a:t>
+              <a:t>17/05/2024</a:t>
             </a:fld>
             <a:endParaRPr lang="en-GB"/>
           </a:p>
@@ -1888,7 +1960,7 @@
           <a:p>
             <a:fld id="{E5ACA199-D8D1-4546-831D-8EFC18AA6159}" type="datetimeFigureOut">
               <a:rPr lang="en-GB" smtClean="0"/>
-              <a:t>10/05/2024</a:t>
+              <a:t>17/05/2024</a:t>
             </a:fld>
             <a:endParaRPr lang="en-GB"/>
           </a:p>
@@ -2164,7 +2236,7 @@
           <a:p>
             <a:fld id="{E5ACA199-D8D1-4546-831D-8EFC18AA6159}" type="datetimeFigureOut">
               <a:rPr lang="en-GB" smtClean="0"/>
-              <a:t>10/05/2024</a:t>
+              <a:t>17/05/2024</a:t>
             </a:fld>
             <a:endParaRPr lang="en-GB"/>
           </a:p>
@@ -2432,7 +2504,7 @@
           <a:p>
             <a:fld id="{E5ACA199-D8D1-4546-831D-8EFC18AA6159}" type="datetimeFigureOut">
               <a:rPr lang="en-GB" smtClean="0"/>
-              <a:t>10/05/2024</a:t>
+              <a:t>17/05/2024</a:t>
             </a:fld>
             <a:endParaRPr lang="en-GB"/>
           </a:p>
@@ -2847,7 +2919,7 @@
           <a:p>
             <a:fld id="{E5ACA199-D8D1-4546-831D-8EFC18AA6159}" type="datetimeFigureOut">
               <a:rPr lang="en-GB" smtClean="0"/>
-              <a:t>10/05/2024</a:t>
+              <a:t>17/05/2024</a:t>
             </a:fld>
             <a:endParaRPr lang="en-GB"/>
           </a:p>
@@ -2989,7 +3061,7 @@
           <a:p>
             <a:fld id="{E5ACA199-D8D1-4546-831D-8EFC18AA6159}" type="datetimeFigureOut">
               <a:rPr lang="en-GB" smtClean="0"/>
-              <a:t>10/05/2024</a:t>
+              <a:t>17/05/2024</a:t>
             </a:fld>
             <a:endParaRPr lang="en-GB"/>
           </a:p>
@@ -3102,7 +3174,7 @@
           <a:p>
             <a:fld id="{E5ACA199-D8D1-4546-831D-8EFC18AA6159}" type="datetimeFigureOut">
               <a:rPr lang="en-GB" smtClean="0"/>
-              <a:t>10/05/2024</a:t>
+              <a:t>17/05/2024</a:t>
             </a:fld>
             <a:endParaRPr lang="en-GB"/>
           </a:p>
@@ -3415,7 +3487,7 @@
           <a:p>
             <a:fld id="{E5ACA199-D8D1-4546-831D-8EFC18AA6159}" type="datetimeFigureOut">
               <a:rPr lang="en-GB" smtClean="0"/>
-              <a:t>10/05/2024</a:t>
+              <a:t>17/05/2024</a:t>
             </a:fld>
             <a:endParaRPr lang="en-GB"/>
           </a:p>
@@ -3704,7 +3776,7 @@
           <a:p>
             <a:fld id="{E5ACA199-D8D1-4546-831D-8EFC18AA6159}" type="datetimeFigureOut">
               <a:rPr lang="en-GB" smtClean="0"/>
-              <a:t>10/05/2024</a:t>
+              <a:t>17/05/2024</a:t>
             </a:fld>
             <a:endParaRPr lang="en-GB"/>
           </a:p>
@@ -3947,7 +4019,7 @@
           <a:p>
             <a:fld id="{E5ACA199-D8D1-4546-831D-8EFC18AA6159}" type="datetimeFigureOut">
               <a:rPr lang="en-GB" smtClean="0"/>
-              <a:t>10/05/2024</a:t>
+              <a:t>17/05/2024</a:t>
             </a:fld>
             <a:endParaRPr lang="en-GB"/>
           </a:p>
@@ -4553,7 +4625,7 @@
           <p:cNvPr id="2" name="Title 1">
             <a:extLst>
               <a:ext uri="{FF2B5EF4-FFF2-40B4-BE49-F238E27FC236}">
-                <a16:creationId xmlns:a16="http://schemas.microsoft.com/office/drawing/2014/main" id="{129ED01F-5074-B08C-828E-F9E3BD65AFDD}"/>
+                <a16:creationId xmlns:a16="http://schemas.microsoft.com/office/drawing/2014/main" id="{E0CE3A65-3FD8-F76A-CADB-D4431626095D}"/>
               </a:ext>
             </a:extLst>
           </p:cNvPr>
@@ -4569,599 +4641,46 @@
           <a:bodyPr/>
           <a:lstStyle/>
           <a:p>
+            <a:endParaRPr lang="en-GB"/>
+          </a:p>
+        </p:txBody>
+      </p:sp>
+      <p:sp>
+        <p:nvSpPr>
+          <p:cNvPr id="3" name="Content Placeholder 2">
+            <a:extLst>
+              <a:ext uri="{FF2B5EF4-FFF2-40B4-BE49-F238E27FC236}">
+                <a16:creationId xmlns:a16="http://schemas.microsoft.com/office/drawing/2014/main" id="{C6462362-EF96-D3D9-45E3-E66E4EA0FCFE}"/>
+              </a:ext>
+            </a:extLst>
+          </p:cNvPr>
+          <p:cNvSpPr>
+            <a:spLocks noGrp="1"/>
+          </p:cNvSpPr>
+          <p:nvPr>
+            <p:ph idx="1"/>
+          </p:nvPr>
+        </p:nvSpPr>
+        <p:spPr/>
+        <p:txBody>
+          <a:bodyPr/>
+          <a:lstStyle/>
+          <a:p>
+            <a:pPr marL="0" indent="0">
+              <a:buNone/>
+            </a:pPr>
             <a:r>
               <a:rPr lang="zh-CN" altLang="en-US" dirty="0"/>
-              <a:t>會計</a:t>
+              <a:t>接下來是針對會計模型的新理解， 之後選擇</a:t>
             </a:r>
             <a:r>
               <a:rPr lang="en-GB" altLang="zh-CN" dirty="0"/>
-              <a:t>OCR Pretrain model</a:t>
-            </a:r>
-            <a:endParaRPr lang="en-GB" dirty="0"/>
-          </a:p>
-        </p:txBody>
-      </p:sp>
-      <p:sp>
-        <p:nvSpPr>
-          <p:cNvPr id="3" name="Content Placeholder 2">
-            <a:extLst>
-              <a:ext uri="{FF2B5EF4-FFF2-40B4-BE49-F238E27FC236}">
-                <a16:creationId xmlns:a16="http://schemas.microsoft.com/office/drawing/2014/main" id="{2C5FE571-7C50-C311-2D4B-3E40ABB6F952}"/>
-              </a:ext>
-            </a:extLst>
-          </p:cNvPr>
-          <p:cNvSpPr>
-            <a:spLocks noGrp="1"/>
-          </p:cNvSpPr>
-          <p:nvPr>
-            <p:ph idx="1"/>
-          </p:nvPr>
-        </p:nvSpPr>
-        <p:spPr>
-          <a:xfrm>
-            <a:off x="838200" y="1825624"/>
-            <a:ext cx="10879318" cy="4791992"/>
-          </a:xfrm>
-        </p:spPr>
-        <p:txBody>
-          <a:bodyPr>
-            <a:normAutofit fontScale="92500" lnSpcReduction="10000"/>
-          </a:bodyPr>
-          <a:lstStyle/>
-          <a:p>
-            <a:r>
-              <a:rPr lang="en-GB" altLang="zh-CN" b="1" dirty="0">
-                <a:solidFill>
-                  <a:srgbClr val="1F2328"/>
-                </a:solidFill>
-                <a:latin typeface="-apple-system"/>
-              </a:rPr>
-              <a:t>Dataset</a:t>
-            </a:r>
-            <a:r>
-              <a:rPr lang="zh-CN" altLang="en-US" b="1" dirty="0">
-                <a:solidFill>
-                  <a:srgbClr val="1F2328"/>
-                </a:solidFill>
-                <a:latin typeface="-apple-system"/>
-              </a:rPr>
-              <a:t>關鍵詞：</a:t>
-            </a:r>
-            <a:r>
-              <a:rPr lang="en-GB" altLang="zh-CN" b="1" dirty="0">
-                <a:solidFill>
-                  <a:srgbClr val="1F2328"/>
-                </a:solidFill>
-                <a:latin typeface="-apple-system"/>
-                <a:hlinkClick r:id="rId2"/>
-              </a:rPr>
-              <a:t>Key Information Extraction (KIE)</a:t>
-            </a:r>
-            <a:r>
-              <a:rPr lang="en-GB" altLang="zh-CN" b="1" dirty="0">
-                <a:solidFill>
-                  <a:srgbClr val="1F2328"/>
-                </a:solidFill>
-                <a:latin typeface="-apple-system"/>
-              </a:rPr>
-              <a:t> from </a:t>
-            </a:r>
-            <a:r>
-              <a:rPr lang="en-GB" altLang="zh-CN" b="1" dirty="0" err="1">
-                <a:solidFill>
-                  <a:srgbClr val="1F2328"/>
-                </a:solidFill>
-                <a:latin typeface="-apple-system"/>
-              </a:rPr>
-              <a:t>Ppstructure</a:t>
-            </a:r>
-            <a:endParaRPr lang="en-GB" altLang="zh-CN" b="1" dirty="0">
-              <a:solidFill>
-                <a:srgbClr val="1F2328"/>
-              </a:solidFill>
-              <a:latin typeface="-apple-system"/>
-            </a:endParaRPr>
-          </a:p>
-          <a:p>
-            <a:r>
-              <a:rPr lang="zh-CN" altLang="en-US" dirty="0">
-                <a:solidFill>
-                  <a:srgbClr val="1F2328"/>
-                </a:solidFill>
-                <a:latin typeface="-apple-system"/>
-              </a:rPr>
-              <a:t>目標：</a:t>
-            </a:r>
-            <a:r>
-              <a:rPr lang="zh-CN" altLang="en-US" b="0" i="0" dirty="0">
-                <a:solidFill>
-                  <a:srgbClr val="1F2328"/>
-                </a:solidFill>
-                <a:effectLst/>
-                <a:latin typeface="-apple-system"/>
-              </a:rPr>
-              <a:t>語義識別</a:t>
-            </a:r>
-            <a:r>
-              <a:rPr lang="zh-TW" altLang="en-US" b="0" i="0" dirty="0">
-                <a:solidFill>
-                  <a:srgbClr val="1F2328"/>
-                </a:solidFill>
-                <a:effectLst/>
-                <a:latin typeface="-apple-system"/>
-              </a:rPr>
-              <a:t> </a:t>
-            </a:r>
-            <a:r>
-              <a:rPr lang="en-US" altLang="zh-TW" b="0" i="0" dirty="0">
-                <a:solidFill>
-                  <a:srgbClr val="1F2328"/>
-                </a:solidFill>
-                <a:effectLst/>
-                <a:latin typeface="-apple-system"/>
-              </a:rPr>
-              <a:t>(</a:t>
-            </a:r>
-            <a:r>
-              <a:rPr lang="en-GB" b="0" i="0" dirty="0">
-                <a:solidFill>
-                  <a:srgbClr val="1F2328"/>
-                </a:solidFill>
-                <a:effectLst/>
-                <a:latin typeface="-apple-system"/>
-              </a:rPr>
-              <a:t>Semantic Entity Recognition, SER) </a:t>
-            </a:r>
-            <a:r>
-              <a:rPr lang="zh-CN" altLang="en-US" dirty="0">
-                <a:solidFill>
-                  <a:srgbClr val="1F2328"/>
-                </a:solidFill>
-                <a:latin typeface="-apple-system"/>
-              </a:rPr>
-              <a:t>以及</a:t>
-            </a:r>
-            <a:r>
-              <a:rPr lang="zh-CN" altLang="en-US" b="0" i="0" dirty="0">
-                <a:solidFill>
-                  <a:srgbClr val="1F2328"/>
-                </a:solidFill>
-                <a:effectLst/>
-                <a:latin typeface="-apple-system"/>
-              </a:rPr>
-              <a:t>關係抽取</a:t>
-            </a:r>
-            <a:r>
-              <a:rPr lang="en-US" altLang="zh-TW" b="0" i="0" dirty="0">
-                <a:solidFill>
-                  <a:srgbClr val="1F2328"/>
-                </a:solidFill>
-                <a:effectLst/>
-                <a:latin typeface="-apple-system"/>
-              </a:rPr>
-              <a:t>(</a:t>
-            </a:r>
-            <a:r>
-              <a:rPr lang="en-GB" b="0" i="0" dirty="0">
-                <a:solidFill>
-                  <a:srgbClr val="1F2328"/>
-                </a:solidFill>
-                <a:effectLst/>
-                <a:latin typeface="-apple-system"/>
-              </a:rPr>
-              <a:t>Relation Extraction, RE) </a:t>
-            </a:r>
-          </a:p>
-          <a:p>
-            <a:pPr lvl="1"/>
-            <a:r>
-              <a:rPr lang="zh-TW" altLang="en-US" dirty="0">
-                <a:solidFill>
-                  <a:srgbClr val="1F2328"/>
-                </a:solidFill>
-                <a:latin typeface="-apple-system"/>
-              </a:rPr>
-              <a:t>基於 </a:t>
-            </a:r>
-            <a:r>
-              <a:rPr lang="en-US" altLang="zh-TW" dirty="0">
-                <a:solidFill>
-                  <a:srgbClr val="1F2328"/>
-                </a:solidFill>
-                <a:latin typeface="-apple-system"/>
-              </a:rPr>
-              <a:t>SER </a:t>
-            </a:r>
-            <a:r>
-              <a:rPr lang="zh-TW" altLang="en-US" dirty="0">
-                <a:solidFill>
-                  <a:srgbClr val="1F2328"/>
-                </a:solidFill>
-                <a:latin typeface="-apple-system"/>
-              </a:rPr>
-              <a:t>任務，可以完成對圖像中的文本</a:t>
-            </a:r>
-            <a:r>
-              <a:rPr lang="zh-CN" altLang="en-US" dirty="0">
-                <a:solidFill>
-                  <a:srgbClr val="1F2328"/>
-                </a:solidFill>
-                <a:latin typeface="-apple-system"/>
-              </a:rPr>
-              <a:t>識別</a:t>
-            </a:r>
-            <a:r>
-              <a:rPr lang="zh-TW" altLang="en-US" dirty="0">
-                <a:solidFill>
-                  <a:srgbClr val="1F2328"/>
-                </a:solidFill>
-                <a:latin typeface="-apple-system"/>
-              </a:rPr>
-              <a:t>與</a:t>
-            </a:r>
-            <a:r>
-              <a:rPr lang="zh-CN" altLang="en-US" dirty="0">
-                <a:solidFill>
-                  <a:srgbClr val="1F2328"/>
-                </a:solidFill>
-                <a:latin typeface="-apple-system"/>
-              </a:rPr>
-              <a:t>分類</a:t>
-            </a:r>
-            <a:r>
-              <a:rPr lang="zh-TW" altLang="en-US" dirty="0">
-                <a:solidFill>
-                  <a:srgbClr val="1F2328"/>
-                </a:solidFill>
-                <a:latin typeface="-apple-system"/>
-              </a:rPr>
-              <a:t>；</a:t>
-            </a:r>
-            <a:endParaRPr lang="en-GB" altLang="zh-TW" dirty="0">
-              <a:solidFill>
-                <a:srgbClr val="1F2328"/>
-              </a:solidFill>
-              <a:latin typeface="-apple-system"/>
-            </a:endParaRPr>
-          </a:p>
-          <a:p>
-            <a:pPr lvl="1"/>
-            <a:r>
-              <a:rPr lang="zh-TW" altLang="en-US" dirty="0">
-                <a:solidFill>
-                  <a:srgbClr val="1F2328"/>
-                </a:solidFill>
-                <a:latin typeface="-apple-system"/>
-              </a:rPr>
-              <a:t>基於 </a:t>
-            </a:r>
-            <a:r>
-              <a:rPr lang="en-US" altLang="zh-TW" dirty="0">
-                <a:solidFill>
-                  <a:srgbClr val="1F2328"/>
-                </a:solidFill>
-                <a:latin typeface="-apple-system"/>
-              </a:rPr>
-              <a:t>RE </a:t>
-            </a:r>
-            <a:r>
-              <a:rPr lang="zh-TW" altLang="en-US" dirty="0">
-                <a:solidFill>
-                  <a:srgbClr val="1F2328"/>
-                </a:solidFill>
-                <a:latin typeface="-apple-system"/>
-              </a:rPr>
-              <a:t>任務，可以完成對圖象中的文本內容的關繫提取，如判斷問題對</a:t>
-            </a:r>
-            <a:r>
-              <a:rPr lang="en-US" altLang="zh-TW" dirty="0">
-                <a:solidFill>
-                  <a:srgbClr val="1F2328"/>
-                </a:solidFill>
-                <a:latin typeface="-apple-system"/>
-              </a:rPr>
-              <a:t>(problem pair)</a:t>
-            </a:r>
-            <a:r>
-              <a:rPr lang="zh-TW" altLang="en-US" dirty="0">
-                <a:solidFill>
-                  <a:srgbClr val="1F2328"/>
-                </a:solidFill>
-                <a:latin typeface="-apple-system"/>
-              </a:rPr>
-              <a:t>。</a:t>
-            </a:r>
-            <a:endParaRPr lang="en-GB" dirty="0">
-              <a:solidFill>
-                <a:srgbClr val="1F2328"/>
-              </a:solidFill>
-              <a:latin typeface="-apple-system"/>
-            </a:endParaRPr>
-          </a:p>
-          <a:p>
-            <a:r>
-              <a:rPr lang="zh-CN" altLang="en-US" dirty="0">
-                <a:solidFill>
-                  <a:srgbClr val="1F2328"/>
-                </a:solidFill>
-                <a:latin typeface="-apple-system"/>
-              </a:rPr>
-              <a:t>實現方法：</a:t>
-            </a:r>
-            <a:r>
-              <a:rPr lang="en-GB" dirty="0">
-                <a:solidFill>
-                  <a:srgbClr val="1F2328"/>
-                </a:solidFill>
-                <a:latin typeface="-apple-system"/>
-              </a:rPr>
-              <a:t>M</a:t>
-            </a:r>
-            <a:r>
-              <a:rPr lang="en-GB" b="0" i="0" dirty="0">
-                <a:solidFill>
-                  <a:srgbClr val="1F2328"/>
-                </a:solidFill>
-                <a:effectLst/>
-                <a:latin typeface="-apple-system"/>
-              </a:rPr>
-              <a:t>ulti-modal methods such as </a:t>
-            </a:r>
-            <a:r>
-              <a:rPr lang="en-GB" b="0" i="0" u="sng" dirty="0" err="1">
-                <a:solidFill>
-                  <a:srgbClr val="1F2328"/>
-                </a:solidFill>
-                <a:effectLst/>
-                <a:latin typeface="-apple-system"/>
-                <a:hlinkClick r:id="rId3"/>
-              </a:rPr>
-              <a:t>LayoutXLM</a:t>
-            </a:r>
-            <a:r>
-              <a:rPr lang="en-GB" b="0" i="0" dirty="0">
-                <a:solidFill>
-                  <a:srgbClr val="1F2328"/>
-                </a:solidFill>
-                <a:effectLst/>
-                <a:latin typeface="-apple-system"/>
-              </a:rPr>
-              <a:t>, VI-</a:t>
-            </a:r>
-            <a:r>
-              <a:rPr lang="en-GB" b="0" i="0" dirty="0" err="1">
-                <a:solidFill>
-                  <a:srgbClr val="1F2328"/>
-                </a:solidFill>
-                <a:effectLst/>
-                <a:latin typeface="-apple-system"/>
-              </a:rPr>
-              <a:t>LayoutXLM</a:t>
-            </a:r>
-            <a:r>
-              <a:rPr lang="en-GB" b="0" i="0" dirty="0">
-                <a:solidFill>
-                  <a:srgbClr val="1F2328"/>
-                </a:solidFill>
-                <a:effectLst/>
-                <a:latin typeface="-apple-system"/>
-              </a:rPr>
-              <a:t>, and PP-OCR inference engine</a:t>
-            </a:r>
-          </a:p>
-          <a:p>
-            <a:r>
-              <a:rPr lang="en-GB" altLang="zh-CN" dirty="0">
-                <a:solidFill>
-                  <a:srgbClr val="1F2328"/>
-                </a:solidFill>
-                <a:latin typeface="-apple-system"/>
-              </a:rPr>
-              <a:t>Inference</a:t>
-            </a:r>
-            <a:r>
-              <a:rPr lang="zh-CN" altLang="en-US" dirty="0">
-                <a:solidFill>
-                  <a:srgbClr val="1F2328"/>
-                </a:solidFill>
-                <a:latin typeface="-apple-system"/>
-              </a:rPr>
-              <a:t>案例：</a:t>
-            </a:r>
-            <a:r>
-              <a:rPr lang="en-US" altLang="zh-CN" dirty="0" err="1">
-                <a:solidFill>
-                  <a:srgbClr val="1F2328"/>
-                </a:solidFill>
-                <a:latin typeface="-apple-system"/>
-              </a:rPr>
-              <a:t>LayoutXLM</a:t>
-            </a:r>
-            <a:r>
-              <a:rPr lang="en-US" altLang="zh-CN" dirty="0">
-                <a:solidFill>
-                  <a:srgbClr val="1F2328"/>
-                </a:solidFill>
-                <a:latin typeface="-apple-system"/>
-              </a:rPr>
-              <a:t>  </a:t>
-            </a:r>
-            <a:r>
-              <a:rPr lang="en-US" altLang="zh-CN" dirty="0">
-                <a:solidFill>
-                  <a:srgbClr val="1F2328"/>
-                </a:solidFill>
-                <a:latin typeface="-apple-system"/>
-                <a:hlinkClick r:id="rId4"/>
-              </a:rPr>
-              <a:t>Torch inference tutorial</a:t>
-            </a:r>
-            <a:endParaRPr lang="en-US" altLang="zh-CN" dirty="0">
-              <a:solidFill>
-                <a:srgbClr val="1F2328"/>
-              </a:solidFill>
-              <a:latin typeface="-apple-system"/>
-            </a:endParaRPr>
-          </a:p>
-          <a:p>
-            <a:r>
-              <a:rPr lang="zh-CN" altLang="en-US" dirty="0">
-                <a:solidFill>
-                  <a:srgbClr val="1F2328"/>
-                </a:solidFill>
-                <a:latin typeface="-apple-system"/>
-              </a:rPr>
-              <a:t>配置文檔</a:t>
-            </a:r>
-            <a:r>
-              <a:rPr lang="en-GB" altLang="zh-CN" dirty="0">
-                <a:solidFill>
-                  <a:srgbClr val="1F2328"/>
-                </a:solidFill>
-                <a:latin typeface="-apple-system"/>
-              </a:rPr>
-              <a:t>(.</a:t>
-            </a:r>
-            <a:r>
-              <a:rPr lang="en-GB" altLang="zh-CN" dirty="0" err="1">
-                <a:solidFill>
-                  <a:srgbClr val="1F2328"/>
-                </a:solidFill>
-                <a:latin typeface="-apple-system"/>
-              </a:rPr>
-              <a:t>yml</a:t>
-            </a:r>
-            <a:r>
-              <a:rPr lang="en-GB" altLang="zh-CN" dirty="0">
-                <a:solidFill>
-                  <a:srgbClr val="1F2328"/>
-                </a:solidFill>
-                <a:latin typeface="-apple-system"/>
-              </a:rPr>
-              <a:t>)</a:t>
-            </a:r>
-            <a:r>
-              <a:rPr lang="zh-CN" altLang="en-US" dirty="0">
-                <a:solidFill>
-                  <a:srgbClr val="1F2328"/>
-                </a:solidFill>
-                <a:latin typeface="-apple-system"/>
-              </a:rPr>
-              <a:t>： </a:t>
-            </a:r>
-            <a:r>
-              <a:rPr lang="en-US" altLang="zh-CN" dirty="0" err="1">
-                <a:solidFill>
-                  <a:srgbClr val="1F2328"/>
-                </a:solidFill>
-                <a:latin typeface="-apple-system"/>
-                <a:hlinkClick r:id="rId5"/>
-              </a:rPr>
-              <a:t>LayoutXLM.yml</a:t>
-            </a:r>
-            <a:endParaRPr lang="en-US" altLang="zh-CN" dirty="0">
-              <a:solidFill>
-                <a:srgbClr val="1F2328"/>
-              </a:solidFill>
-              <a:latin typeface="-apple-system"/>
-            </a:endParaRPr>
-          </a:p>
-          <a:p>
-            <a:r>
-              <a:rPr lang="zh-CN" altLang="en-US" b="0" i="0" dirty="0">
-                <a:solidFill>
-                  <a:srgbClr val="1F2328"/>
-                </a:solidFill>
-                <a:effectLst/>
-                <a:latin typeface="-apple-system"/>
-              </a:rPr>
-              <a:t>開心：從</a:t>
-            </a:r>
-            <a:r>
-              <a:rPr lang="en-US" altLang="zh-CN" dirty="0" err="1">
-                <a:solidFill>
-                  <a:srgbClr val="1F2328"/>
-                </a:solidFill>
-                <a:latin typeface="-apple-system"/>
-              </a:rPr>
-              <a:t>LayoutXLM.yml</a:t>
-            </a:r>
-            <a:r>
-              <a:rPr lang="zh-CN" altLang="en-US" dirty="0">
-                <a:solidFill>
-                  <a:srgbClr val="1F2328"/>
-                </a:solidFill>
-                <a:latin typeface="-apple-system"/>
-              </a:rPr>
-              <a:t>可得知，</a:t>
-            </a:r>
-            <a:r>
-              <a:rPr lang="en-GB" altLang="zh-CN" dirty="0">
-                <a:solidFill>
-                  <a:srgbClr val="1F2328"/>
-                </a:solidFill>
-                <a:latin typeface="-apple-system"/>
-              </a:rPr>
-              <a:t>training</a:t>
-            </a:r>
-            <a:r>
-              <a:rPr lang="zh-CN" altLang="en-US" dirty="0">
-                <a:solidFill>
-                  <a:srgbClr val="1F2328"/>
-                </a:solidFill>
-                <a:latin typeface="-apple-system"/>
-              </a:rPr>
-              <a:t>的時候也是</a:t>
-            </a:r>
-            <a:r>
-              <a:rPr lang="en-US" altLang="zh-CN" dirty="0" err="1"/>
-              <a:t>simple_dataset</a:t>
-            </a:r>
-            <a:r>
-              <a:rPr lang="en-GB" dirty="0"/>
-              <a:t>.</a:t>
-            </a:r>
-            <a:r>
-              <a:rPr lang="en-GB" dirty="0" err="1"/>
-              <a:t>py</a:t>
-            </a:r>
-            <a:r>
-              <a:rPr lang="en-GB" dirty="0"/>
-              <a:t> </a:t>
+              <a:t>pretrain model</a:t>
             </a:r>
             <a:r>
               <a:rPr lang="zh-CN" altLang="en-US" dirty="0"/>
-              <a:t>作爲</a:t>
-            </a:r>
-            <a:r>
-              <a:rPr lang="en-GB" altLang="zh-CN" dirty="0" err="1"/>
-              <a:t>DataLoader</a:t>
-            </a:r>
-            <a:endParaRPr lang="en-GB" altLang="zh-CN" b="1" dirty="0">
-              <a:solidFill>
-                <a:srgbClr val="1F2328"/>
-              </a:solidFill>
-              <a:latin typeface="-apple-system"/>
-            </a:endParaRPr>
-          </a:p>
-          <a:p>
-            <a:endParaRPr lang="en-GB" altLang="zh-CN" b="1" dirty="0">
-              <a:solidFill>
-                <a:srgbClr val="1F2328"/>
-              </a:solidFill>
-              <a:latin typeface="-apple-system"/>
-            </a:endParaRPr>
-          </a:p>
-          <a:p>
-            <a:endParaRPr lang="en-GB" i="0" dirty="0">
-              <a:solidFill>
-                <a:srgbClr val="1F2328"/>
-              </a:solidFill>
-              <a:effectLst/>
-              <a:latin typeface="-apple-system"/>
-            </a:endParaRPr>
-          </a:p>
-          <a:p>
+              <a:t>的方向</a:t>
+            </a:r>
             <a:endParaRPr lang="en-GB" dirty="0"/>
           </a:p>
         </p:txBody>
@@ -5169,7 +4688,7 @@
     </p:spTree>
     <p:extLst>
       <p:ext uri="{BB962C8B-B14F-4D97-AF65-F5344CB8AC3E}">
-        <p14:creationId xmlns:p14="http://schemas.microsoft.com/office/powerpoint/2010/main" val="2610538483"/>
+        <p14:creationId xmlns:p14="http://schemas.microsoft.com/office/powerpoint/2010/main" val="1086669505"/>
       </p:ext>
     </p:extLst>
   </p:cSld>
@@ -5201,7 +4720,7 @@
           <p:cNvPr id="2" name="Title 1">
             <a:extLst>
               <a:ext uri="{FF2B5EF4-FFF2-40B4-BE49-F238E27FC236}">
-                <a16:creationId xmlns:a16="http://schemas.microsoft.com/office/drawing/2014/main" id="{E23118D8-302B-41C5-F1FB-93C395C6A417}"/>
+                <a16:creationId xmlns:a16="http://schemas.microsoft.com/office/drawing/2014/main" id="{129ED01F-5074-B08C-828E-F9E3BD65AFDD}"/>
               </a:ext>
             </a:extLst>
           </p:cNvPr>
@@ -5217,7 +4736,15 @@
           <a:bodyPr/>
           <a:lstStyle/>
           <a:p>
-            <a:endParaRPr lang="en-GB"/>
+            <a:r>
+              <a:rPr lang="zh-CN" altLang="en-US" dirty="0"/>
+              <a:t>會計</a:t>
+            </a:r>
+            <a:r>
+              <a:rPr lang="en-GB" altLang="zh-CN" dirty="0"/>
+              <a:t>OCR Pretrain model</a:t>
+            </a:r>
+            <a:endParaRPr lang="en-GB" dirty="0"/>
           </a:p>
         </p:txBody>
       </p:sp>
@@ -5226,7 +4753,7 @@
           <p:cNvPr id="3" name="Content Placeholder 2">
             <a:extLst>
               <a:ext uri="{FF2B5EF4-FFF2-40B4-BE49-F238E27FC236}">
-                <a16:creationId xmlns:a16="http://schemas.microsoft.com/office/drawing/2014/main" id="{9304DB25-E5F9-653F-DCED-76344490A4BE}"/>
+                <a16:creationId xmlns:a16="http://schemas.microsoft.com/office/drawing/2014/main" id="{2C5FE571-7C50-C311-2D4B-3E40ABB6F952}"/>
               </a:ext>
             </a:extLst>
           </p:cNvPr>
@@ -5237,32 +4764,579 @@
             <p:ph idx="1"/>
           </p:nvPr>
         </p:nvSpPr>
-        <p:spPr/>
+        <p:spPr>
+          <a:xfrm>
+            <a:off x="838200" y="1825624"/>
+            <a:ext cx="10879318" cy="4791992"/>
+          </a:xfrm>
+        </p:spPr>
         <p:txBody>
           <a:bodyPr>
-            <a:normAutofit/>
+            <a:normAutofit fontScale="92500" lnSpcReduction="10000"/>
           </a:bodyPr>
           <a:lstStyle/>
           <a:p>
-            <a:pPr marL="0" indent="0" algn="ctr">
-              <a:buNone/>
-            </a:pPr>
-            <a:r>
-              <a:rPr lang="zh-CN" altLang="en-US" sz="4800" dirty="0"/>
-              <a:t>接下來只是一些幫助理解的</a:t>
-            </a:r>
-            <a:r>
-              <a:rPr lang="en-GB" altLang="zh-CN" sz="4800" dirty="0"/>
-              <a:t>notes</a:t>
-            </a:r>
-            <a:endParaRPr lang="en-GB" sz="4800" dirty="0"/>
+            <a:r>
+              <a:rPr lang="en-GB" altLang="zh-CN" b="1" dirty="0">
+                <a:solidFill>
+                  <a:srgbClr val="1F2328"/>
+                </a:solidFill>
+                <a:latin typeface="-apple-system"/>
+              </a:rPr>
+              <a:t>Dataset</a:t>
+            </a:r>
+            <a:r>
+              <a:rPr lang="zh-CN" altLang="en-US" b="1" dirty="0">
+                <a:solidFill>
+                  <a:srgbClr val="1F2328"/>
+                </a:solidFill>
+                <a:latin typeface="-apple-system"/>
+              </a:rPr>
+              <a:t>關鍵詞：</a:t>
+            </a:r>
+            <a:r>
+              <a:rPr lang="en-GB" altLang="zh-CN" b="1" dirty="0">
+                <a:solidFill>
+                  <a:srgbClr val="1F2328"/>
+                </a:solidFill>
+                <a:latin typeface="-apple-system"/>
+                <a:hlinkClick r:id="rId2"/>
+              </a:rPr>
+              <a:t>Key Information Extraction (KIE)</a:t>
+            </a:r>
+            <a:r>
+              <a:rPr lang="en-GB" altLang="zh-CN" b="1" dirty="0">
+                <a:solidFill>
+                  <a:srgbClr val="1F2328"/>
+                </a:solidFill>
+                <a:latin typeface="-apple-system"/>
+              </a:rPr>
+              <a:t> from </a:t>
+            </a:r>
+            <a:r>
+              <a:rPr lang="en-GB" altLang="zh-CN" b="1" dirty="0" err="1">
+                <a:solidFill>
+                  <a:srgbClr val="1F2328"/>
+                </a:solidFill>
+                <a:latin typeface="-apple-system"/>
+              </a:rPr>
+              <a:t>Ppstructure</a:t>
+            </a:r>
+            <a:endParaRPr lang="en-GB" altLang="zh-CN" b="1" dirty="0">
+              <a:solidFill>
+                <a:srgbClr val="1F2328"/>
+              </a:solidFill>
+              <a:latin typeface="-apple-system"/>
+            </a:endParaRPr>
+          </a:p>
+          <a:p>
+            <a:r>
+              <a:rPr lang="zh-CN" altLang="en-US" dirty="0">
+                <a:solidFill>
+                  <a:srgbClr val="1F2328"/>
+                </a:solidFill>
+                <a:latin typeface="-apple-system"/>
+              </a:rPr>
+              <a:t>目標：</a:t>
+            </a:r>
+            <a:r>
+              <a:rPr lang="zh-CN" altLang="en-US" b="0" i="0" dirty="0">
+                <a:solidFill>
+                  <a:srgbClr val="1F2328"/>
+                </a:solidFill>
+                <a:effectLst/>
+                <a:latin typeface="-apple-system"/>
+              </a:rPr>
+              <a:t>語義識別</a:t>
+            </a:r>
+            <a:r>
+              <a:rPr lang="zh-TW" altLang="en-US" b="0" i="0" dirty="0">
+                <a:solidFill>
+                  <a:srgbClr val="1F2328"/>
+                </a:solidFill>
+                <a:effectLst/>
+                <a:latin typeface="-apple-system"/>
+              </a:rPr>
+              <a:t> </a:t>
+            </a:r>
+            <a:r>
+              <a:rPr lang="en-US" altLang="zh-TW" b="0" i="0" dirty="0">
+                <a:solidFill>
+                  <a:srgbClr val="1F2328"/>
+                </a:solidFill>
+                <a:effectLst/>
+                <a:latin typeface="-apple-system"/>
+              </a:rPr>
+              <a:t>(</a:t>
+            </a:r>
+            <a:r>
+              <a:rPr lang="en-GB" b="0" i="0" dirty="0">
+                <a:solidFill>
+                  <a:srgbClr val="1F2328"/>
+                </a:solidFill>
+                <a:effectLst/>
+                <a:latin typeface="-apple-system"/>
+              </a:rPr>
+              <a:t>Semantic Entity Recognition, SER) </a:t>
+            </a:r>
+            <a:r>
+              <a:rPr lang="zh-CN" altLang="en-US" dirty="0">
+                <a:solidFill>
+                  <a:srgbClr val="1F2328"/>
+                </a:solidFill>
+                <a:latin typeface="-apple-system"/>
+              </a:rPr>
+              <a:t>以及</a:t>
+            </a:r>
+            <a:r>
+              <a:rPr lang="zh-CN" altLang="en-US" b="0" i="0" dirty="0">
+                <a:solidFill>
+                  <a:srgbClr val="1F2328"/>
+                </a:solidFill>
+                <a:effectLst/>
+                <a:latin typeface="-apple-system"/>
+              </a:rPr>
+              <a:t>關係抽取</a:t>
+            </a:r>
+            <a:r>
+              <a:rPr lang="en-US" altLang="zh-TW" b="0" i="0" dirty="0">
+                <a:solidFill>
+                  <a:srgbClr val="1F2328"/>
+                </a:solidFill>
+                <a:effectLst/>
+                <a:latin typeface="-apple-system"/>
+              </a:rPr>
+              <a:t>(</a:t>
+            </a:r>
+            <a:r>
+              <a:rPr lang="en-GB" b="0" i="0" dirty="0">
+                <a:solidFill>
+                  <a:srgbClr val="1F2328"/>
+                </a:solidFill>
+                <a:effectLst/>
+                <a:latin typeface="-apple-system"/>
+              </a:rPr>
+              <a:t>Relation Extraction, RE) </a:t>
+            </a:r>
+          </a:p>
+          <a:p>
+            <a:pPr lvl="1"/>
+            <a:r>
+              <a:rPr lang="zh-TW" altLang="en-US" dirty="0">
+                <a:solidFill>
+                  <a:srgbClr val="1F2328"/>
+                </a:solidFill>
+                <a:latin typeface="-apple-system"/>
+              </a:rPr>
+              <a:t>基於 </a:t>
+            </a:r>
+            <a:r>
+              <a:rPr lang="en-US" altLang="zh-TW" dirty="0">
+                <a:solidFill>
+                  <a:srgbClr val="1F2328"/>
+                </a:solidFill>
+                <a:latin typeface="-apple-system"/>
+              </a:rPr>
+              <a:t>SER </a:t>
+            </a:r>
+            <a:r>
+              <a:rPr lang="zh-TW" altLang="en-US" dirty="0">
+                <a:solidFill>
+                  <a:srgbClr val="1F2328"/>
+                </a:solidFill>
+                <a:latin typeface="-apple-system"/>
+              </a:rPr>
+              <a:t>任務，可以完成對圖像中的文本</a:t>
+            </a:r>
+            <a:r>
+              <a:rPr lang="zh-CN" altLang="en-US" dirty="0">
+                <a:solidFill>
+                  <a:srgbClr val="1F2328"/>
+                </a:solidFill>
+                <a:latin typeface="-apple-system"/>
+              </a:rPr>
+              <a:t>識別</a:t>
+            </a:r>
+            <a:r>
+              <a:rPr lang="zh-TW" altLang="en-US" dirty="0">
+                <a:solidFill>
+                  <a:srgbClr val="1F2328"/>
+                </a:solidFill>
+                <a:latin typeface="-apple-system"/>
+              </a:rPr>
+              <a:t>與</a:t>
+            </a:r>
+            <a:r>
+              <a:rPr lang="zh-CN" altLang="en-US" dirty="0">
+                <a:solidFill>
+                  <a:srgbClr val="1F2328"/>
+                </a:solidFill>
+                <a:latin typeface="-apple-system"/>
+              </a:rPr>
+              <a:t>分類</a:t>
+            </a:r>
+            <a:r>
+              <a:rPr lang="zh-TW" altLang="en-US" dirty="0">
+                <a:solidFill>
+                  <a:srgbClr val="1F2328"/>
+                </a:solidFill>
+                <a:latin typeface="-apple-system"/>
+              </a:rPr>
+              <a:t>；</a:t>
+            </a:r>
+            <a:endParaRPr lang="en-GB" altLang="zh-TW" dirty="0">
+              <a:solidFill>
+                <a:srgbClr val="1F2328"/>
+              </a:solidFill>
+              <a:latin typeface="-apple-system"/>
+            </a:endParaRPr>
+          </a:p>
+          <a:p>
+            <a:pPr lvl="1"/>
+            <a:r>
+              <a:rPr lang="zh-TW" altLang="en-US" dirty="0">
+                <a:solidFill>
+                  <a:srgbClr val="1F2328"/>
+                </a:solidFill>
+                <a:latin typeface="-apple-system"/>
+              </a:rPr>
+              <a:t>基於 </a:t>
+            </a:r>
+            <a:r>
+              <a:rPr lang="en-US" altLang="zh-TW" dirty="0">
+                <a:solidFill>
+                  <a:srgbClr val="1F2328"/>
+                </a:solidFill>
+                <a:latin typeface="-apple-system"/>
+              </a:rPr>
+              <a:t>RE </a:t>
+            </a:r>
+            <a:r>
+              <a:rPr lang="zh-TW" altLang="en-US" dirty="0">
+                <a:solidFill>
+                  <a:srgbClr val="1F2328"/>
+                </a:solidFill>
+                <a:latin typeface="-apple-system"/>
+              </a:rPr>
+              <a:t>任務，可以完成對圖象中的文本內容的關繫提取，如判斷問題對</a:t>
+            </a:r>
+            <a:r>
+              <a:rPr lang="en-US" altLang="zh-TW" dirty="0">
+                <a:solidFill>
+                  <a:srgbClr val="1F2328"/>
+                </a:solidFill>
+                <a:latin typeface="-apple-system"/>
+              </a:rPr>
+              <a:t>(problem pair)</a:t>
+            </a:r>
+            <a:r>
+              <a:rPr lang="zh-TW" altLang="en-US" dirty="0">
+                <a:solidFill>
+                  <a:srgbClr val="1F2328"/>
+                </a:solidFill>
+                <a:latin typeface="-apple-system"/>
+              </a:rPr>
+              <a:t>。</a:t>
+            </a:r>
+            <a:endParaRPr lang="en-GB" dirty="0">
+              <a:solidFill>
+                <a:srgbClr val="1F2328"/>
+              </a:solidFill>
+              <a:latin typeface="-apple-system"/>
+            </a:endParaRPr>
+          </a:p>
+          <a:p>
+            <a:r>
+              <a:rPr lang="zh-CN" altLang="en-US" dirty="0">
+                <a:solidFill>
+                  <a:srgbClr val="1F2328"/>
+                </a:solidFill>
+                <a:latin typeface="-apple-system"/>
+              </a:rPr>
+              <a:t>實現方法：</a:t>
+            </a:r>
+            <a:r>
+              <a:rPr lang="en-GB" dirty="0">
+                <a:solidFill>
+                  <a:srgbClr val="1F2328"/>
+                </a:solidFill>
+                <a:latin typeface="-apple-system"/>
+              </a:rPr>
+              <a:t>M</a:t>
+            </a:r>
+            <a:r>
+              <a:rPr lang="en-GB" b="0" i="0" dirty="0">
+                <a:solidFill>
+                  <a:srgbClr val="1F2328"/>
+                </a:solidFill>
+                <a:effectLst/>
+                <a:latin typeface="-apple-system"/>
+              </a:rPr>
+              <a:t>ulti-modal methods such as </a:t>
+            </a:r>
+            <a:r>
+              <a:rPr lang="en-GB" b="0" i="0" u="sng" dirty="0" err="1">
+                <a:solidFill>
+                  <a:srgbClr val="1F2328"/>
+                </a:solidFill>
+                <a:effectLst/>
+                <a:latin typeface="-apple-system"/>
+                <a:hlinkClick r:id="rId3"/>
+              </a:rPr>
+              <a:t>LayoutXLM</a:t>
+            </a:r>
+            <a:r>
+              <a:rPr lang="en-GB" b="0" i="0" dirty="0">
+                <a:solidFill>
+                  <a:srgbClr val="1F2328"/>
+                </a:solidFill>
+                <a:effectLst/>
+                <a:latin typeface="-apple-system"/>
+              </a:rPr>
+              <a:t>, VI-</a:t>
+            </a:r>
+            <a:r>
+              <a:rPr lang="en-GB" b="0" i="0" dirty="0" err="1">
+                <a:solidFill>
+                  <a:srgbClr val="1F2328"/>
+                </a:solidFill>
+                <a:effectLst/>
+                <a:latin typeface="-apple-system"/>
+              </a:rPr>
+              <a:t>LayoutXLM</a:t>
+            </a:r>
+            <a:r>
+              <a:rPr lang="en-GB" b="0" i="0" dirty="0">
+                <a:solidFill>
+                  <a:srgbClr val="1F2328"/>
+                </a:solidFill>
+                <a:effectLst/>
+                <a:latin typeface="-apple-system"/>
+              </a:rPr>
+              <a:t>, and PP-OCR inference engine</a:t>
+            </a:r>
+          </a:p>
+          <a:p>
+            <a:r>
+              <a:rPr lang="en-GB" altLang="zh-CN" dirty="0">
+                <a:solidFill>
+                  <a:srgbClr val="1F2328"/>
+                </a:solidFill>
+                <a:latin typeface="-apple-system"/>
+              </a:rPr>
+              <a:t>Inference</a:t>
+            </a:r>
+            <a:r>
+              <a:rPr lang="zh-CN" altLang="en-US" dirty="0">
+                <a:solidFill>
+                  <a:srgbClr val="1F2328"/>
+                </a:solidFill>
+                <a:latin typeface="-apple-system"/>
+              </a:rPr>
+              <a:t>案例：</a:t>
+            </a:r>
+            <a:r>
+              <a:rPr lang="en-US" altLang="zh-CN" dirty="0" err="1">
+                <a:solidFill>
+                  <a:srgbClr val="1F2328"/>
+                </a:solidFill>
+                <a:latin typeface="-apple-system"/>
+              </a:rPr>
+              <a:t>LayoutXLM</a:t>
+            </a:r>
+            <a:r>
+              <a:rPr lang="en-US" altLang="zh-CN" dirty="0">
+                <a:solidFill>
+                  <a:srgbClr val="1F2328"/>
+                </a:solidFill>
+                <a:latin typeface="-apple-system"/>
+              </a:rPr>
+              <a:t>  </a:t>
+            </a:r>
+            <a:r>
+              <a:rPr lang="en-US" altLang="zh-CN" dirty="0">
+                <a:solidFill>
+                  <a:srgbClr val="1F2328"/>
+                </a:solidFill>
+                <a:latin typeface="-apple-system"/>
+                <a:hlinkClick r:id="rId4"/>
+              </a:rPr>
+              <a:t>Torch inference tutorial</a:t>
+            </a:r>
+            <a:endParaRPr lang="en-US" altLang="zh-CN" dirty="0">
+              <a:solidFill>
+                <a:srgbClr val="1F2328"/>
+              </a:solidFill>
+              <a:latin typeface="-apple-system"/>
+            </a:endParaRPr>
+          </a:p>
+          <a:p>
+            <a:r>
+              <a:rPr lang="zh-CN" altLang="en-US" dirty="0">
+                <a:solidFill>
+                  <a:srgbClr val="1F2328"/>
+                </a:solidFill>
+                <a:latin typeface="-apple-system"/>
+              </a:rPr>
+              <a:t>配置文檔</a:t>
+            </a:r>
+            <a:r>
+              <a:rPr lang="en-GB" altLang="zh-CN" dirty="0">
+                <a:solidFill>
+                  <a:srgbClr val="1F2328"/>
+                </a:solidFill>
+                <a:latin typeface="-apple-system"/>
+              </a:rPr>
+              <a:t>(.</a:t>
+            </a:r>
+            <a:r>
+              <a:rPr lang="en-GB" altLang="zh-CN" dirty="0" err="1">
+                <a:solidFill>
+                  <a:srgbClr val="1F2328"/>
+                </a:solidFill>
+                <a:latin typeface="-apple-system"/>
+              </a:rPr>
+              <a:t>yml</a:t>
+            </a:r>
+            <a:r>
+              <a:rPr lang="en-GB" altLang="zh-CN" dirty="0">
+                <a:solidFill>
+                  <a:srgbClr val="1F2328"/>
+                </a:solidFill>
+                <a:latin typeface="-apple-system"/>
+              </a:rPr>
+              <a:t>)</a:t>
+            </a:r>
+            <a:r>
+              <a:rPr lang="zh-CN" altLang="en-US" dirty="0">
+                <a:solidFill>
+                  <a:srgbClr val="1F2328"/>
+                </a:solidFill>
+                <a:latin typeface="-apple-system"/>
+              </a:rPr>
+              <a:t>： </a:t>
+            </a:r>
+            <a:r>
+              <a:rPr lang="en-US" altLang="zh-CN" dirty="0" err="1">
+                <a:solidFill>
+                  <a:srgbClr val="1F2328"/>
+                </a:solidFill>
+                <a:latin typeface="-apple-system"/>
+                <a:hlinkClick r:id="rId5"/>
+              </a:rPr>
+              <a:t>LayoutXLM.yml</a:t>
+            </a:r>
+            <a:endParaRPr lang="en-US" altLang="zh-CN" dirty="0">
+              <a:solidFill>
+                <a:srgbClr val="1F2328"/>
+              </a:solidFill>
+              <a:latin typeface="-apple-system"/>
+            </a:endParaRPr>
+          </a:p>
+          <a:p>
+            <a:r>
+              <a:rPr lang="zh-CN" altLang="en-US" b="0" i="0" dirty="0">
+                <a:solidFill>
+                  <a:srgbClr val="1F2328"/>
+                </a:solidFill>
+                <a:effectLst/>
+                <a:latin typeface="-apple-system"/>
+              </a:rPr>
+              <a:t>開心：從</a:t>
+            </a:r>
+            <a:r>
+              <a:rPr lang="en-US" altLang="zh-CN" dirty="0" err="1">
+                <a:solidFill>
+                  <a:srgbClr val="1F2328"/>
+                </a:solidFill>
+                <a:latin typeface="-apple-system"/>
+              </a:rPr>
+              <a:t>LayoutXLM.yml</a:t>
+            </a:r>
+            <a:r>
+              <a:rPr lang="zh-CN" altLang="en-US" dirty="0">
+                <a:solidFill>
+                  <a:srgbClr val="1F2328"/>
+                </a:solidFill>
+                <a:latin typeface="-apple-system"/>
+              </a:rPr>
+              <a:t>可得知，</a:t>
+            </a:r>
+            <a:r>
+              <a:rPr lang="en-GB" altLang="zh-CN" dirty="0">
+                <a:solidFill>
+                  <a:srgbClr val="1F2328"/>
+                </a:solidFill>
+                <a:latin typeface="-apple-system"/>
+              </a:rPr>
+              <a:t>training</a:t>
+            </a:r>
+            <a:r>
+              <a:rPr lang="zh-CN" altLang="en-US" dirty="0">
+                <a:solidFill>
+                  <a:srgbClr val="1F2328"/>
+                </a:solidFill>
+                <a:latin typeface="-apple-system"/>
+              </a:rPr>
+              <a:t>的時候也是</a:t>
+            </a:r>
+            <a:r>
+              <a:rPr lang="en-US" altLang="zh-CN" dirty="0" err="1"/>
+              <a:t>simple_dataset</a:t>
+            </a:r>
+            <a:r>
+              <a:rPr lang="en-GB" dirty="0"/>
+              <a:t>.</a:t>
+            </a:r>
+            <a:r>
+              <a:rPr lang="en-GB" dirty="0" err="1"/>
+              <a:t>py</a:t>
+            </a:r>
+            <a:r>
+              <a:rPr lang="en-GB" dirty="0"/>
+              <a:t> </a:t>
+            </a:r>
+            <a:r>
+              <a:rPr lang="zh-CN" altLang="en-US" dirty="0"/>
+              <a:t>作爲</a:t>
+            </a:r>
+            <a:r>
+              <a:rPr lang="en-GB" altLang="zh-CN" dirty="0" err="1"/>
+              <a:t>DataLoader</a:t>
+            </a:r>
+            <a:endParaRPr lang="en-GB" altLang="zh-CN" b="1" dirty="0">
+              <a:solidFill>
+                <a:srgbClr val="1F2328"/>
+              </a:solidFill>
+              <a:latin typeface="-apple-system"/>
+            </a:endParaRPr>
+          </a:p>
+          <a:p>
+            <a:endParaRPr lang="en-GB" altLang="zh-CN" b="1" dirty="0">
+              <a:solidFill>
+                <a:srgbClr val="1F2328"/>
+              </a:solidFill>
+              <a:latin typeface="-apple-system"/>
+            </a:endParaRPr>
+          </a:p>
+          <a:p>
+            <a:endParaRPr lang="en-GB" i="0" dirty="0">
+              <a:solidFill>
+                <a:srgbClr val="1F2328"/>
+              </a:solidFill>
+              <a:effectLst/>
+              <a:latin typeface="-apple-system"/>
+            </a:endParaRPr>
+          </a:p>
+          <a:p>
+            <a:endParaRPr lang="en-GB" dirty="0"/>
           </a:p>
         </p:txBody>
       </p:sp>
     </p:spTree>
     <p:extLst>
       <p:ext uri="{BB962C8B-B14F-4D97-AF65-F5344CB8AC3E}">
-        <p14:creationId xmlns:p14="http://schemas.microsoft.com/office/powerpoint/2010/main" val="4047682127"/>
+        <p14:creationId xmlns:p14="http://schemas.microsoft.com/office/powerpoint/2010/main" val="2610538483"/>
       </p:ext>
     </p:extLst>
   </p:cSld>
@@ -5294,7 +5368,7 @@
           <p:cNvPr id="2" name="Title 1">
             <a:extLst>
               <a:ext uri="{FF2B5EF4-FFF2-40B4-BE49-F238E27FC236}">
-                <a16:creationId xmlns:a16="http://schemas.microsoft.com/office/drawing/2014/main" id="{D62AF5D3-4CFF-9BE6-EBBF-60D0371E041B}"/>
+                <a16:creationId xmlns:a16="http://schemas.microsoft.com/office/drawing/2014/main" id="{E23118D8-302B-41C5-F1FB-93C395C6A417}"/>
               </a:ext>
             </a:extLst>
           </p:cNvPr>
@@ -5310,35 +5384,7 @@
           <a:bodyPr/>
           <a:lstStyle/>
           <a:p>
-            <a:r>
-              <a:rPr lang="en-GB" dirty="0"/>
-              <a:t>base_model.py</a:t>
-            </a:r>
-            <a:r>
-              <a:rPr lang="zh-CN" altLang="en-US" dirty="0"/>
-              <a:t>讀</a:t>
-            </a:r>
-            <a:r>
-              <a:rPr lang="en-GB" altLang="zh-CN" dirty="0"/>
-              <a:t>.</a:t>
-            </a:r>
-            <a:r>
-              <a:rPr lang="en-GB" altLang="zh-CN" dirty="0" err="1"/>
-              <a:t>yml</a:t>
-            </a:r>
-            <a:r>
-              <a:rPr lang="en-GB" altLang="zh-CN" dirty="0"/>
-              <a:t> </a:t>
-            </a:r>
-            <a:r>
-              <a:rPr lang="zh-CN" altLang="en-US" dirty="0"/>
-              <a:t>文檔，轉成</a:t>
-            </a:r>
-            <a:r>
-              <a:rPr lang="en-GB" altLang="zh-CN" dirty="0" err="1"/>
-              <a:t>pytorch</a:t>
-            </a:r>
-            <a:endParaRPr lang="en-GB" dirty="0"/>
+            <a:endParaRPr lang="en-GB"/>
           </a:p>
         </p:txBody>
       </p:sp>
@@ -5347,7 +5393,7 @@
           <p:cNvPr id="3" name="Content Placeholder 2">
             <a:extLst>
               <a:ext uri="{FF2B5EF4-FFF2-40B4-BE49-F238E27FC236}">
-                <a16:creationId xmlns:a16="http://schemas.microsoft.com/office/drawing/2014/main" id="{F575F9DD-B0FF-6DA0-4F8D-DEDEE0D73877}"/>
+                <a16:creationId xmlns:a16="http://schemas.microsoft.com/office/drawing/2014/main" id="{9304DB25-E5F9-653F-DCED-76344490A4BE}"/>
               </a:ext>
             </a:extLst>
           </p:cNvPr>
@@ -5360,176 +5406,8 @@
         </p:nvSpPr>
         <p:spPr/>
         <p:txBody>
-          <a:bodyPr/>
-          <a:lstStyle/>
-          <a:p>
-            <a:r>
-              <a:rPr lang="en-GB" dirty="0"/>
-              <a:t>model\modeling\architectures\base_model.py </a:t>
-            </a:r>
-            <a:r>
-              <a:rPr lang="zh-CN" altLang="en-US" dirty="0"/>
-              <a:t>缺少 </a:t>
-            </a:r>
-            <a:r>
-              <a:rPr lang="en-GB" sz="2000" b="0" dirty="0">
-                <a:effectLst/>
-                <a:latin typeface="Consolas" panose="020B0609020204030204" pitchFamily="49" charset="0"/>
-              </a:rPr>
-              <a:t>self._</a:t>
-            </a:r>
-            <a:r>
-              <a:rPr lang="en-GB" sz="2000" b="0" dirty="0" err="1">
-                <a:effectLst/>
-                <a:latin typeface="Consolas" panose="020B0609020204030204" pitchFamily="49" charset="0"/>
-              </a:rPr>
-              <a:t>initialize_weights</a:t>
-            </a:r>
-            <a:r>
-              <a:rPr lang="en-GB" sz="2000" b="0" dirty="0">
-                <a:effectLst/>
-                <a:latin typeface="Consolas" panose="020B0609020204030204" pitchFamily="49" charset="0"/>
-              </a:rPr>
-              <a:t>()</a:t>
-            </a:r>
-            <a:r>
-              <a:rPr lang="zh-CN" altLang="en-US" sz="2000" b="0" dirty="0">
-                <a:effectLst/>
-                <a:latin typeface="Consolas" panose="020B0609020204030204" pitchFamily="49" charset="0"/>
-              </a:rPr>
-              <a:t>， </a:t>
-            </a:r>
-            <a:endParaRPr lang="en-GB" altLang="zh-CN" sz="2000" b="0" dirty="0">
-              <a:effectLst/>
-              <a:latin typeface="Consolas" panose="020B0609020204030204" pitchFamily="49" charset="0"/>
-            </a:endParaRPr>
-          </a:p>
-          <a:p>
-            <a:pPr marL="0" indent="0">
-              <a:buNone/>
-            </a:pPr>
-            <a:r>
-              <a:rPr lang="zh-CN" altLang="en-US" sz="2000" dirty="0">
-                <a:latin typeface="Consolas" panose="020B0609020204030204" pitchFamily="49" charset="0"/>
-              </a:rPr>
-              <a:t>以及</a:t>
-            </a:r>
-            <a:r>
-              <a:rPr lang="en-GB" sz="2000" b="0" dirty="0">
-                <a:effectLst/>
-                <a:latin typeface="Consolas" panose="020B0609020204030204" pitchFamily="49" charset="0"/>
-              </a:rPr>
-              <a:t>if </a:t>
-            </a:r>
-            <a:r>
-              <a:rPr lang="en-GB" sz="2000" b="0" dirty="0" err="1">
-                <a:effectLst/>
-                <a:latin typeface="Consolas" panose="020B0609020204030204" pitchFamily="49" charset="0"/>
-              </a:rPr>
-              <a:t>self.use_transform</a:t>
-            </a:r>
-            <a:r>
-              <a:rPr lang="en-GB" sz="2000" b="0" dirty="0">
-                <a:effectLst/>
-                <a:latin typeface="Consolas" panose="020B0609020204030204" pitchFamily="49" charset="0"/>
-              </a:rPr>
-              <a:t>:</a:t>
-            </a:r>
-          </a:p>
-          <a:p>
-            <a:pPr marL="0" indent="0">
-              <a:buNone/>
-            </a:pPr>
-            <a:r>
-              <a:rPr lang="en-GB" sz="2000" b="0" dirty="0">
-                <a:effectLst/>
-                <a:latin typeface="Consolas" panose="020B0609020204030204" pitchFamily="49" charset="0"/>
-              </a:rPr>
-              <a:t>        x = </a:t>
-            </a:r>
-            <a:r>
-              <a:rPr lang="en-GB" sz="2000" b="0" dirty="0" err="1">
-                <a:effectLst/>
-                <a:latin typeface="Consolas" panose="020B0609020204030204" pitchFamily="49" charset="0"/>
-              </a:rPr>
-              <a:t>self.transform</a:t>
-            </a:r>
-            <a:r>
-              <a:rPr lang="en-GB" sz="2000" b="0" dirty="0">
-                <a:effectLst/>
-                <a:latin typeface="Consolas" panose="020B0609020204030204" pitchFamily="49" charset="0"/>
-              </a:rPr>
-              <a:t>(x)</a:t>
-            </a:r>
-          </a:p>
-          <a:p>
-            <a:endParaRPr lang="en-GB" altLang="zh-CN" sz="2000" dirty="0">
-              <a:latin typeface="Consolas" panose="020B0609020204030204" pitchFamily="49" charset="0"/>
-            </a:endParaRPr>
-          </a:p>
-          <a:p>
-            <a:r>
-              <a:rPr lang="zh-CN" altLang="en-US" dirty="0"/>
-              <a:t>剩下的和</a:t>
-            </a:r>
-            <a:r>
-              <a:rPr lang="en-US" altLang="zh-CN" dirty="0" err="1"/>
-              <a:t>OCR_infer</a:t>
-            </a:r>
-            <a:r>
-              <a:rPr lang="en-US" altLang="zh-CN" dirty="0"/>
-              <a:t> </a:t>
-            </a:r>
-            <a:r>
-              <a:rPr lang="zh-CN" altLang="en-US" dirty="0"/>
-              <a:t>的</a:t>
-            </a:r>
-            <a:r>
-              <a:rPr lang="en-GB" dirty="0"/>
-              <a:t>base_model.py</a:t>
-            </a:r>
-            <a:r>
-              <a:rPr lang="zh-CN" altLang="en-US" dirty="0"/>
-              <a:t>一致</a:t>
-            </a:r>
-            <a:endParaRPr lang="en-GB" altLang="zh-CN" dirty="0"/>
-          </a:p>
-          <a:p>
-            <a:endParaRPr lang="en-GB" dirty="0"/>
-          </a:p>
-          <a:p>
-            <a:pPr marL="0" indent="0">
-              <a:buNone/>
-            </a:pPr>
-            <a:endParaRPr lang="en-GB" dirty="0"/>
-          </a:p>
-        </p:txBody>
-      </p:sp>
-      <p:sp>
-        <p:nvSpPr>
-          <p:cNvPr id="5" name="TextBox 4">
-            <a:extLst>
-              <a:ext uri="{FF2B5EF4-FFF2-40B4-BE49-F238E27FC236}">
-                <a16:creationId xmlns:a16="http://schemas.microsoft.com/office/drawing/2014/main" id="{D5649CB6-8B67-26E0-DB6B-F8BC150A1DAB}"/>
-              </a:ext>
-            </a:extLst>
-          </p:cNvPr>
-          <p:cNvSpPr txBox="1"/>
-          <p:nvPr/>
-        </p:nvSpPr>
-        <p:spPr>
-          <a:xfrm>
-            <a:off x="4845377" y="6488668"/>
-            <a:ext cx="3146196" cy="369332"/>
-          </a:xfrm>
-          <a:prstGeom prst="rect">
-            <a:avLst/>
-          </a:prstGeom>
-          <a:noFill/>
-        </p:spPr>
-        <p:txBody>
-          <a:bodyPr wrap="square">
-            <a:spAutoFit/>
+          <a:bodyPr>
+            <a:normAutofit/>
           </a:bodyPr>
           <a:lstStyle/>
           <a:p>
@@ -5537,16 +5415,21 @@
               <a:buNone/>
             </a:pPr>
             <a:r>
-              <a:rPr lang="en-GB" sz="1800" dirty="0"/>
-              <a:t>Appendix</a:t>
-            </a:r>
+              <a:rPr lang="zh-CN" altLang="en-US" sz="4800" dirty="0"/>
+              <a:t>接下來只是一些幫助理解的</a:t>
+            </a:r>
+            <a:r>
+              <a:rPr lang="en-GB" altLang="zh-CN" sz="4800" dirty="0"/>
+              <a:t>notes</a:t>
+            </a:r>
+            <a:endParaRPr lang="en-GB" sz="4800" dirty="0"/>
           </a:p>
         </p:txBody>
       </p:sp>
     </p:spTree>
     <p:extLst>
       <p:ext uri="{BB962C8B-B14F-4D97-AF65-F5344CB8AC3E}">
-        <p14:creationId xmlns:p14="http://schemas.microsoft.com/office/powerpoint/2010/main" val="968647826"/>
+        <p14:creationId xmlns:p14="http://schemas.microsoft.com/office/powerpoint/2010/main" val="4047682127"/>
       </p:ext>
     </p:extLst>
   </p:cSld>
@@ -5578,7 +5461,7 @@
           <p:cNvPr id="2" name="Title 1">
             <a:extLst>
               <a:ext uri="{FF2B5EF4-FFF2-40B4-BE49-F238E27FC236}">
-                <a16:creationId xmlns:a16="http://schemas.microsoft.com/office/drawing/2014/main" id="{8706B172-D1F2-E81F-961C-B2BED6F26838}"/>
+                <a16:creationId xmlns:a16="http://schemas.microsoft.com/office/drawing/2014/main" id="{D62AF5D3-4CFF-9BE6-EBBF-60D0371E041B}"/>
               </a:ext>
             </a:extLst>
           </p:cNvPr>
@@ -5595,8 +5478,32 @@
           <a:lstStyle/>
           <a:p>
             <a:r>
-              <a:rPr lang="it-IT" dirty="0"/>
-              <a:t>Dataloader: model\data\simple_dataset.py </a:t>
+              <a:rPr lang="en-GB" dirty="0"/>
+              <a:t>base_model.py</a:t>
+            </a:r>
+            <a:r>
+              <a:rPr lang="zh-CN" altLang="en-US" dirty="0"/>
+              <a:t>讀</a:t>
+            </a:r>
+            <a:r>
+              <a:rPr lang="en-GB" altLang="zh-CN" dirty="0"/>
+              <a:t>.</a:t>
+            </a:r>
+            <a:r>
+              <a:rPr lang="en-GB" altLang="zh-CN" dirty="0" err="1"/>
+              <a:t>yml</a:t>
+            </a:r>
+            <a:r>
+              <a:rPr lang="en-GB" altLang="zh-CN" dirty="0"/>
+              <a:t> </a:t>
+            </a:r>
+            <a:r>
+              <a:rPr lang="zh-CN" altLang="en-US" dirty="0"/>
+              <a:t>文檔，轉成</a:t>
+            </a:r>
+            <a:r>
+              <a:rPr lang="en-GB" altLang="zh-CN" dirty="0" err="1"/>
+              <a:t>pytorch</a:t>
             </a:r>
             <a:endParaRPr lang="en-GB" dirty="0"/>
           </a:p>
@@ -5607,7 +5514,7 @@
           <p:cNvPr id="3" name="Content Placeholder 2">
             <a:extLst>
               <a:ext uri="{FF2B5EF4-FFF2-40B4-BE49-F238E27FC236}">
-                <a16:creationId xmlns:a16="http://schemas.microsoft.com/office/drawing/2014/main" id="{C87B8EF7-CFF7-CE79-40F7-D4D779973D7B}"/>
+                <a16:creationId xmlns:a16="http://schemas.microsoft.com/office/drawing/2014/main" id="{F575F9DD-B0FF-6DA0-4F8D-DEDEE0D73877}"/>
               </a:ext>
             </a:extLst>
           </p:cNvPr>
@@ -5620,98 +5527,157 @@
         </p:nvSpPr>
         <p:spPr/>
         <p:txBody>
-          <a:bodyPr>
-            <a:normAutofit/>
-          </a:bodyPr>
+          <a:bodyPr/>
           <a:lstStyle/>
           <a:p>
             <a:r>
-              <a:rPr lang="it-IT" dirty="0"/>
-              <a:t>model\data\simple_dataset.py line 56:</a:t>
-            </a:r>
-          </a:p>
-          <a:p>
-            <a:endParaRPr lang="it-IT" dirty="0"/>
-          </a:p>
-          <a:p>
-            <a:r>
-              <a:rPr lang="en-GB" b="0" dirty="0">
-                <a:solidFill>
-                  <a:srgbClr val="569CD6"/>
-                </a:solidFill>
-                <a:effectLst/>
-                <a:latin typeface="Consolas" panose="020B0609020204030204" pitchFamily="49" charset="0"/>
-              </a:rPr>
-              <a:t>class</a:t>
-            </a:r>
-            <a:r>
-              <a:rPr lang="en-GB" b="0" dirty="0">
-                <a:solidFill>
-                  <a:srgbClr val="CCCCCC"/>
-                </a:solidFill>
-                <a:effectLst/>
-                <a:latin typeface="Consolas" panose="020B0609020204030204" pitchFamily="49" charset="0"/>
-              </a:rPr>
-              <a:t> </a:t>
-            </a:r>
-            <a:r>
-              <a:rPr lang="en-GB" b="0" dirty="0" err="1">
-                <a:solidFill>
-                  <a:srgbClr val="4EC9B0"/>
-                </a:solidFill>
-                <a:effectLst/>
-                <a:latin typeface="Consolas" panose="020B0609020204030204" pitchFamily="49" charset="0"/>
-              </a:rPr>
-              <a:t>SimpleDataSet</a:t>
-            </a:r>
-            <a:r>
-              <a:rPr lang="en-GB" b="0" dirty="0">
-                <a:solidFill>
-                  <a:srgbClr val="CCCCCC"/>
-                </a:solidFill>
-                <a:effectLst/>
-                <a:latin typeface="Consolas" panose="020B0609020204030204" pitchFamily="49" charset="0"/>
-              </a:rPr>
-              <a:t>(</a:t>
-            </a:r>
-            <a:r>
-              <a:rPr lang="en-GB" b="0" dirty="0">
-                <a:solidFill>
-                  <a:srgbClr val="4EC9B0"/>
-                </a:solidFill>
-                <a:effectLst/>
-                <a:latin typeface="Consolas" panose="020B0609020204030204" pitchFamily="49" charset="0"/>
-              </a:rPr>
-              <a:t>Dataset</a:t>
-            </a:r>
-            <a:r>
-              <a:rPr lang="en-GB" b="0" dirty="0">
-                <a:solidFill>
-                  <a:srgbClr val="CCCCCC"/>
-                </a:solidFill>
-                <a:effectLst/>
-                <a:latin typeface="Consolas" panose="020B0609020204030204" pitchFamily="49" charset="0"/>
-              </a:rPr>
-              <a:t>)</a:t>
-            </a:r>
-          </a:p>
-          <a:p>
-            <a:endParaRPr lang="en-GB" b="0" dirty="0">
-              <a:solidFill>
-                <a:srgbClr val="CCCCCC"/>
-              </a:solidFill>
+              <a:rPr lang="en-GB" dirty="0"/>
+              <a:t>model\modeling\architectures\base_model.py </a:t>
+            </a:r>
+            <a:r>
+              <a:rPr lang="zh-CN" altLang="en-US" dirty="0"/>
+              <a:t>缺少 </a:t>
+            </a:r>
+            <a:r>
+              <a:rPr lang="en-GB" sz="2000" b="0" dirty="0">
+                <a:effectLst/>
+                <a:latin typeface="Consolas" panose="020B0609020204030204" pitchFamily="49" charset="0"/>
+              </a:rPr>
+              <a:t>self._</a:t>
+            </a:r>
+            <a:r>
+              <a:rPr lang="en-GB" sz="2000" b="0" dirty="0" err="1">
+                <a:effectLst/>
+                <a:latin typeface="Consolas" panose="020B0609020204030204" pitchFamily="49" charset="0"/>
+              </a:rPr>
+              <a:t>initialize_weights</a:t>
+            </a:r>
+            <a:r>
+              <a:rPr lang="en-GB" sz="2000" b="0" dirty="0">
+                <a:effectLst/>
+                <a:latin typeface="Consolas" panose="020B0609020204030204" pitchFamily="49" charset="0"/>
+              </a:rPr>
+              <a:t>()</a:t>
+            </a:r>
+            <a:r>
+              <a:rPr lang="zh-CN" altLang="en-US" sz="2000" b="0" dirty="0">
+                <a:effectLst/>
+                <a:latin typeface="Consolas" panose="020B0609020204030204" pitchFamily="49" charset="0"/>
+              </a:rPr>
+              <a:t>， </a:t>
+            </a:r>
+            <a:endParaRPr lang="en-GB" altLang="zh-CN" sz="2000" b="0" dirty="0">
               <a:effectLst/>
               <a:latin typeface="Consolas" panose="020B0609020204030204" pitchFamily="49" charset="0"/>
             </a:endParaRPr>
           </a:p>
-        </p:txBody>
-      </p:sp>
-      <p:sp>
-        <p:nvSpPr>
-          <p:cNvPr id="4" name="TextBox 3">
-            <a:extLst>
-              <a:ext uri="{FF2B5EF4-FFF2-40B4-BE49-F238E27FC236}">
-                <a16:creationId xmlns:a16="http://schemas.microsoft.com/office/drawing/2014/main" id="{3A345E18-69D3-1B1F-AE56-C4ACDC08428C}"/>
+          <a:p>
+            <a:pPr marL="0" indent="0">
+              <a:buNone/>
+            </a:pPr>
+            <a:r>
+              <a:rPr lang="zh-CN" altLang="en-US" sz="2000" dirty="0">
+                <a:latin typeface="Consolas" panose="020B0609020204030204" pitchFamily="49" charset="0"/>
+              </a:rPr>
+              <a:t>以及</a:t>
+            </a:r>
+            <a:r>
+              <a:rPr lang="en-GB" sz="2000" b="0" dirty="0">
+                <a:effectLst/>
+                <a:latin typeface="Consolas" panose="020B0609020204030204" pitchFamily="49" charset="0"/>
+              </a:rPr>
+              <a:t>if </a:t>
+            </a:r>
+            <a:r>
+              <a:rPr lang="en-GB" sz="2000" b="0" dirty="0" err="1">
+                <a:effectLst/>
+                <a:latin typeface="Consolas" panose="020B0609020204030204" pitchFamily="49" charset="0"/>
+              </a:rPr>
+              <a:t>self.use_transform</a:t>
+            </a:r>
+            <a:r>
+              <a:rPr lang="en-GB" sz="2000" b="0" dirty="0">
+                <a:effectLst/>
+                <a:latin typeface="Consolas" panose="020B0609020204030204" pitchFamily="49" charset="0"/>
+              </a:rPr>
+              <a:t>:</a:t>
+            </a:r>
+          </a:p>
+          <a:p>
+            <a:pPr marL="0" indent="0">
+              <a:buNone/>
+            </a:pPr>
+            <a:r>
+              <a:rPr lang="en-GB" sz="2000" b="0" dirty="0">
+                <a:effectLst/>
+                <a:latin typeface="Consolas" panose="020B0609020204030204" pitchFamily="49" charset="0"/>
+              </a:rPr>
+              <a:t>        x = </a:t>
+            </a:r>
+            <a:r>
+              <a:rPr lang="en-GB" sz="2000" b="0" dirty="0" err="1">
+                <a:effectLst/>
+                <a:latin typeface="Consolas" panose="020B0609020204030204" pitchFamily="49" charset="0"/>
+              </a:rPr>
+              <a:t>self.transform</a:t>
+            </a:r>
+            <a:r>
+              <a:rPr lang="en-GB" sz="2000" b="0" dirty="0">
+                <a:effectLst/>
+                <a:latin typeface="Consolas" panose="020B0609020204030204" pitchFamily="49" charset="0"/>
+              </a:rPr>
+              <a:t>(x)</a:t>
+            </a:r>
+          </a:p>
+          <a:p>
+            <a:endParaRPr lang="en-GB" altLang="zh-CN" sz="2000" dirty="0">
+              <a:latin typeface="Consolas" panose="020B0609020204030204" pitchFamily="49" charset="0"/>
+            </a:endParaRPr>
+          </a:p>
+          <a:p>
+            <a:r>
+              <a:rPr lang="zh-CN" altLang="en-US" dirty="0"/>
+              <a:t>剩下的和</a:t>
+            </a:r>
+            <a:r>
+              <a:rPr lang="en-US" altLang="zh-CN" dirty="0" err="1"/>
+              <a:t>OCR_infer</a:t>
+            </a:r>
+            <a:r>
+              <a:rPr lang="en-US" altLang="zh-CN" dirty="0"/>
+              <a:t> </a:t>
+            </a:r>
+            <a:r>
+              <a:rPr lang="zh-CN" altLang="en-US" dirty="0"/>
+              <a:t>的</a:t>
+            </a:r>
+            <a:r>
+              <a:rPr lang="en-GB" dirty="0"/>
+              <a:t>base_model.py</a:t>
+            </a:r>
+            <a:r>
+              <a:rPr lang="zh-CN" altLang="en-US" dirty="0"/>
+              <a:t>一致</a:t>
+            </a:r>
+            <a:endParaRPr lang="en-GB" altLang="zh-CN" dirty="0"/>
+          </a:p>
+          <a:p>
+            <a:endParaRPr lang="en-GB" dirty="0"/>
+          </a:p>
+          <a:p>
+            <a:pPr marL="0" indent="0">
+              <a:buNone/>
+            </a:pPr>
+            <a:endParaRPr lang="en-GB" dirty="0"/>
+          </a:p>
+        </p:txBody>
+      </p:sp>
+      <p:sp>
+        <p:nvSpPr>
+          <p:cNvPr id="5" name="TextBox 4">
+            <a:extLst>
+              <a:ext uri="{FF2B5EF4-FFF2-40B4-BE49-F238E27FC236}">
+                <a16:creationId xmlns:a16="http://schemas.microsoft.com/office/drawing/2014/main" id="{D5649CB6-8B67-26E0-DB6B-F8BC150A1DAB}"/>
               </a:ext>
             </a:extLst>
           </p:cNvPr>
@@ -5747,7 +5713,7 @@
     </p:spTree>
     <p:extLst>
       <p:ext uri="{BB962C8B-B14F-4D97-AF65-F5344CB8AC3E}">
-        <p14:creationId xmlns:p14="http://schemas.microsoft.com/office/powerpoint/2010/main" val="809864632"/>
+        <p14:creationId xmlns:p14="http://schemas.microsoft.com/office/powerpoint/2010/main" val="968647826"/>
       </p:ext>
     </p:extLst>
   </p:cSld>
@@ -5779,7 +5745,7 @@
           <p:cNvPr id="2" name="Title 1">
             <a:extLst>
               <a:ext uri="{FF2B5EF4-FFF2-40B4-BE49-F238E27FC236}">
-                <a16:creationId xmlns:a16="http://schemas.microsoft.com/office/drawing/2014/main" id="{EFB87CE2-FA5B-B2F3-7F32-6B7D316B86D1}"/>
+                <a16:creationId xmlns:a16="http://schemas.microsoft.com/office/drawing/2014/main" id="{8706B172-D1F2-E81F-961C-B2BED6F26838}"/>
               </a:ext>
             </a:extLst>
           </p:cNvPr>
@@ -5796,24 +5762,8 @@
           <a:lstStyle/>
           <a:p>
             <a:r>
-              <a:rPr lang="zh-CN" altLang="en-US" dirty="0"/>
-              <a:t>使用</a:t>
-            </a:r>
-            <a:r>
-              <a:rPr lang="en-US" altLang="zh-CN" dirty="0"/>
-              <a:t>CPU</a:t>
-            </a:r>
-            <a:r>
-              <a:rPr lang="zh-CN" altLang="en-US" dirty="0"/>
-              <a:t>所以我把</a:t>
-            </a:r>
-            <a:r>
-              <a:rPr lang="en-GB" altLang="zh-CN" dirty="0" err="1"/>
-              <a:t>cuda</a:t>
-            </a:r>
-            <a:r>
-              <a:rPr lang="zh-CN" altLang="en-US" dirty="0"/>
-              <a:t>這行改了</a:t>
+              <a:rPr lang="it-IT" dirty="0"/>
+              <a:t>Dataloader: model\data\simple_dataset.py </a:t>
             </a:r>
             <a:endParaRPr lang="en-GB" dirty="0"/>
           </a:p>
@@ -5824,7 +5774,7 @@
           <p:cNvPr id="3" name="Content Placeholder 2">
             <a:extLst>
               <a:ext uri="{FF2B5EF4-FFF2-40B4-BE49-F238E27FC236}">
-                <a16:creationId xmlns:a16="http://schemas.microsoft.com/office/drawing/2014/main" id="{A3B0312F-1931-6E9B-AC14-4A8345F9949C}"/>
+                <a16:creationId xmlns:a16="http://schemas.microsoft.com/office/drawing/2014/main" id="{C87B8EF7-CFF7-CE79-40F7-D4D779973D7B}"/>
               </a:ext>
             </a:extLst>
           </p:cNvPr>
@@ -5837,106 +5787,83 @@
         </p:nvSpPr>
         <p:spPr/>
         <p:txBody>
-          <a:bodyPr/>
+          <a:bodyPr>
+            <a:normAutofit/>
+          </a:bodyPr>
           <a:lstStyle/>
           <a:p>
             <a:r>
-              <a:rPr lang="en-GB" dirty="0"/>
-              <a:t>Program.py line 98 </a:t>
-            </a:r>
-          </a:p>
-          <a:p>
-            <a:r>
-              <a:rPr lang="en-GB" sz="2000" b="0" dirty="0">
-                <a:solidFill>
-                  <a:srgbClr val="6A9955"/>
-                </a:solidFill>
-                <a:effectLst/>
-                <a:latin typeface="Consolas" panose="020B0609020204030204" pitchFamily="49" charset="0"/>
-              </a:rPr>
-              <a:t># device = '</a:t>
-            </a:r>
-            <a:r>
-              <a:rPr lang="en-GB" sz="2000" b="0" dirty="0" err="1">
-                <a:solidFill>
-                  <a:srgbClr val="6A9955"/>
-                </a:solidFill>
-                <a:effectLst/>
-                <a:latin typeface="Consolas" panose="020B0609020204030204" pitchFamily="49" charset="0"/>
-              </a:rPr>
-              <a:t>cuda</a:t>
-            </a:r>
-            <a:r>
-              <a:rPr lang="en-GB" sz="2000" b="0" dirty="0">
-                <a:solidFill>
-                  <a:srgbClr val="6A9955"/>
-                </a:solidFill>
-                <a:effectLst/>
-                <a:latin typeface="Consolas" panose="020B0609020204030204" pitchFamily="49" charset="0"/>
-              </a:rPr>
-              <a:t>:{}'.format(config['Global']['</a:t>
-            </a:r>
-            <a:r>
-              <a:rPr lang="en-GB" sz="2000" b="0" dirty="0" err="1">
-                <a:solidFill>
-                  <a:srgbClr val="6A9955"/>
-                </a:solidFill>
-                <a:effectLst/>
-                <a:latin typeface="Consolas" panose="020B0609020204030204" pitchFamily="49" charset="0"/>
-              </a:rPr>
-              <a:t>gpu_id</a:t>
-            </a:r>
-            <a:r>
-              <a:rPr lang="en-GB" sz="2000" b="0" dirty="0">
-                <a:solidFill>
-                  <a:srgbClr val="6A9955"/>
-                </a:solidFill>
-                <a:effectLst/>
-                <a:latin typeface="Consolas" panose="020B0609020204030204" pitchFamily="49" charset="0"/>
-              </a:rPr>
-              <a:t>']) if </a:t>
-            </a:r>
-            <a:r>
-              <a:rPr lang="en-GB" sz="2000" b="0" dirty="0" err="1">
-                <a:solidFill>
-                  <a:srgbClr val="6A9955"/>
-                </a:solidFill>
-                <a:effectLst/>
-                <a:latin typeface="Consolas" panose="020B0609020204030204" pitchFamily="49" charset="0"/>
-              </a:rPr>
-              <a:t>use_gpu</a:t>
-            </a:r>
-            <a:r>
-              <a:rPr lang="en-GB" sz="2000" b="0" dirty="0">
-                <a:solidFill>
-                  <a:srgbClr val="6A9955"/>
-                </a:solidFill>
-                <a:effectLst/>
-                <a:latin typeface="Consolas" panose="020B0609020204030204" pitchFamily="49" charset="0"/>
-              </a:rPr>
-              <a:t> else '</a:t>
-            </a:r>
-            <a:r>
-              <a:rPr lang="en-GB" sz="2000" b="0" dirty="0" err="1">
-                <a:solidFill>
-                  <a:srgbClr val="6A9955"/>
-                </a:solidFill>
-                <a:effectLst/>
-                <a:latin typeface="Consolas" panose="020B0609020204030204" pitchFamily="49" charset="0"/>
-              </a:rPr>
-              <a:t>cpu</a:t>
-            </a:r>
-            <a:r>
-              <a:rPr lang="en-GB" sz="2000" b="0" dirty="0">
-                <a:solidFill>
-                  <a:srgbClr val="6A9955"/>
-                </a:solidFill>
-                <a:effectLst/>
-                <a:latin typeface="Consolas" panose="020B0609020204030204" pitchFamily="49" charset="0"/>
-              </a:rPr>
-              <a:t>'</a:t>
-            </a:r>
-            <a:endParaRPr lang="en-GB" sz="2000" b="0" dirty="0">
+              <a:rPr lang="it-IT" dirty="0"/>
+              <a:t>model\data\simple_dataset.py line 56:</a:t>
+            </a:r>
+          </a:p>
+          <a:p>
+            <a:endParaRPr lang="it-IT" dirty="0"/>
+          </a:p>
+          <a:p>
+            <a:r>
+              <a:rPr lang="en-GB" b="0" dirty="0">
+                <a:solidFill>
+                  <a:srgbClr val="569CD6"/>
+                </a:solidFill>
+                <a:effectLst/>
+                <a:latin typeface="Consolas" panose="020B0609020204030204" pitchFamily="49" charset="0"/>
+              </a:rPr>
+              <a:t>class</a:t>
+            </a:r>
+            <a:r>
+              <a:rPr lang="en-GB" b="0" dirty="0">
+                <a:solidFill>
+                  <a:srgbClr val="CCCCCC"/>
+                </a:solidFill>
+                <a:effectLst/>
+                <a:latin typeface="Consolas" panose="020B0609020204030204" pitchFamily="49" charset="0"/>
+              </a:rPr>
+              <a:t> </a:t>
+            </a:r>
+            <a:r>
+              <a:rPr lang="en-GB" b="0" dirty="0" err="1">
+                <a:solidFill>
+                  <a:srgbClr val="4EC9B0"/>
+                </a:solidFill>
+                <a:effectLst/>
+                <a:latin typeface="Consolas" panose="020B0609020204030204" pitchFamily="49" charset="0"/>
+              </a:rPr>
+              <a:t>SimpleDataSet</a:t>
+            </a:r>
+            <a:r>
+              <a:rPr lang="en-GB" b="0" dirty="0">
+                <a:solidFill>
+                  <a:srgbClr val="CCCCCC"/>
+                </a:solidFill>
+                <a:effectLst/>
+                <a:latin typeface="Consolas" panose="020B0609020204030204" pitchFamily="49" charset="0"/>
+              </a:rPr>
+              <a:t>(</a:t>
+            </a:r>
+            <a:r>
+              <a:rPr lang="en-GB" b="0" dirty="0">
+                <a:solidFill>
+                  <a:srgbClr val="4EC9B0"/>
+                </a:solidFill>
+                <a:effectLst/>
+                <a:latin typeface="Consolas" panose="020B0609020204030204" pitchFamily="49" charset="0"/>
+              </a:rPr>
+              <a:t>Dataset</a:t>
+            </a:r>
+            <a:r>
+              <a:rPr lang="en-GB" b="0" dirty="0">
+                <a:solidFill>
+                  <a:srgbClr val="CCCCCC"/>
+                </a:solidFill>
+                <a:effectLst/>
+                <a:latin typeface="Consolas" panose="020B0609020204030204" pitchFamily="49" charset="0"/>
+              </a:rPr>
+              <a:t>)</a:t>
+            </a:r>
+          </a:p>
+          <a:p>
+            <a:endParaRPr lang="en-GB" b="0" dirty="0">
               <a:solidFill>
                 <a:srgbClr val="CCCCCC"/>
               </a:solidFill>
@@ -5944,15 +5871,50 @@
               <a:latin typeface="Consolas" panose="020B0609020204030204" pitchFamily="49" charset="0"/>
             </a:endParaRPr>
           </a:p>
-          <a:p>
-            <a:endParaRPr lang="en-GB" dirty="0"/>
+        </p:txBody>
+      </p:sp>
+      <p:sp>
+        <p:nvSpPr>
+          <p:cNvPr id="4" name="TextBox 3">
+            <a:extLst>
+              <a:ext uri="{FF2B5EF4-FFF2-40B4-BE49-F238E27FC236}">
+                <a16:creationId xmlns:a16="http://schemas.microsoft.com/office/drawing/2014/main" id="{3A345E18-69D3-1B1F-AE56-C4ACDC08428C}"/>
+              </a:ext>
+            </a:extLst>
+          </p:cNvPr>
+          <p:cNvSpPr txBox="1"/>
+          <p:nvPr/>
+        </p:nvSpPr>
+        <p:spPr>
+          <a:xfrm>
+            <a:off x="4845377" y="6488668"/>
+            <a:ext cx="3146196" cy="369332"/>
+          </a:xfrm>
+          <a:prstGeom prst="rect">
+            <a:avLst/>
+          </a:prstGeom>
+          <a:noFill/>
+        </p:spPr>
+        <p:txBody>
+          <a:bodyPr wrap="square">
+            <a:spAutoFit/>
+          </a:bodyPr>
+          <a:lstStyle/>
+          <a:p>
+            <a:pPr marL="0" indent="0" algn="ctr">
+              <a:buNone/>
+            </a:pPr>
+            <a:r>
+              <a:rPr lang="en-GB" sz="1800" dirty="0"/>
+              <a:t>Appendix</a:t>
+            </a:r>
           </a:p>
         </p:txBody>
       </p:sp>
     </p:spTree>
     <p:extLst>
       <p:ext uri="{BB962C8B-B14F-4D97-AF65-F5344CB8AC3E}">
-        <p14:creationId xmlns:p14="http://schemas.microsoft.com/office/powerpoint/2010/main" val="2806469842"/>
+        <p14:creationId xmlns:p14="http://schemas.microsoft.com/office/powerpoint/2010/main" val="809864632"/>
       </p:ext>
     </p:extLst>
   </p:cSld>
@@ -5984,7 +5946,7 @@
           <p:cNvPr id="2" name="Title 1">
             <a:extLst>
               <a:ext uri="{FF2B5EF4-FFF2-40B4-BE49-F238E27FC236}">
-                <a16:creationId xmlns:a16="http://schemas.microsoft.com/office/drawing/2014/main" id="{E670ECF5-BF7E-982E-A0B9-0C138C4DDA53}"/>
+                <a16:creationId xmlns:a16="http://schemas.microsoft.com/office/drawing/2014/main" id="{EFB87CE2-FA5B-B2F3-7F32-6B7D316B86D1}"/>
               </a:ext>
             </a:extLst>
           </p:cNvPr>
@@ -6001,444 +5963,155 @@
           <a:lstStyle/>
           <a:p>
             <a:r>
+              <a:rPr lang="zh-CN" altLang="en-US" dirty="0"/>
+              <a:t>使用</a:t>
+            </a:r>
+            <a:r>
+              <a:rPr lang="en-US" altLang="zh-CN" dirty="0"/>
+              <a:t>CPU</a:t>
+            </a:r>
+            <a:r>
+              <a:rPr lang="zh-CN" altLang="en-US" dirty="0"/>
+              <a:t>所以我把</a:t>
+            </a:r>
+            <a:r>
+              <a:rPr lang="en-GB" altLang="zh-CN" dirty="0" err="1"/>
+              <a:t>cuda</a:t>
+            </a:r>
+            <a:r>
+              <a:rPr lang="zh-CN" altLang="en-US" dirty="0"/>
+              <a:t>這行改了</a:t>
+            </a:r>
+            <a:endParaRPr lang="en-GB" dirty="0"/>
+          </a:p>
+        </p:txBody>
+      </p:sp>
+      <p:sp>
+        <p:nvSpPr>
+          <p:cNvPr id="3" name="Content Placeholder 2">
+            <a:extLst>
+              <a:ext uri="{FF2B5EF4-FFF2-40B4-BE49-F238E27FC236}">
+                <a16:creationId xmlns:a16="http://schemas.microsoft.com/office/drawing/2014/main" id="{A3B0312F-1931-6E9B-AC14-4A8345F9949C}"/>
+              </a:ext>
+            </a:extLst>
+          </p:cNvPr>
+          <p:cNvSpPr>
+            <a:spLocks noGrp="1"/>
+          </p:cNvSpPr>
+          <p:nvPr>
+            <p:ph idx="1"/>
+          </p:nvPr>
+        </p:nvSpPr>
+        <p:spPr/>
+        <p:txBody>
+          <a:bodyPr/>
+          <a:lstStyle/>
+          <a:p>
+            <a:r>
               <a:rPr lang="en-GB" dirty="0"/>
-              <a:t>Error when parsing</a:t>
-            </a:r>
-          </a:p>
-        </p:txBody>
-      </p:sp>
-      <p:sp>
-        <p:nvSpPr>
-          <p:cNvPr id="3" name="Content Placeholder 2">
-            <a:extLst>
-              <a:ext uri="{FF2B5EF4-FFF2-40B4-BE49-F238E27FC236}">
-                <a16:creationId xmlns:a16="http://schemas.microsoft.com/office/drawing/2014/main" id="{EDF3AB5E-2C63-BA19-0C9C-B9205C55DB31}"/>
-              </a:ext>
-            </a:extLst>
-          </p:cNvPr>
-          <p:cNvSpPr>
-            <a:spLocks noGrp="1"/>
-          </p:cNvSpPr>
-          <p:nvPr>
-            <p:ph idx="1"/>
-          </p:nvPr>
-        </p:nvSpPr>
-        <p:spPr>
-          <a:xfrm>
-            <a:off x="403860" y="1825625"/>
-            <a:ext cx="11597640" cy="4072255"/>
-          </a:xfrm>
-        </p:spPr>
-        <p:txBody>
-          <a:bodyPr>
-            <a:noAutofit/>
-          </a:bodyPr>
-          <a:lstStyle/>
-          <a:p>
-            <a:pPr marL="0" indent="0">
-              <a:buNone/>
-            </a:pPr>
-            <a:r>
-              <a:rPr lang="en-GB" sz="1500" b="1" dirty="0"/>
-              <a:t> error happened with </a:t>
-            </a:r>
-            <a:r>
-              <a:rPr lang="en-GB" sz="1500" b="1" dirty="0" err="1"/>
-              <a:t>msg:Traceback</a:t>
-            </a:r>
-            <a:r>
-              <a:rPr lang="en-GB" sz="1500" b="1" dirty="0"/>
-              <a:t> (most recent call last):</a:t>
-            </a:r>
-          </a:p>
-          <a:p>
-            <a:pPr marL="0" indent="0">
-              <a:buNone/>
-            </a:pPr>
-            <a:r>
-              <a:rPr lang="en-GB" sz="1500" b="1" dirty="0"/>
-              <a:t>  File "C:\Users\PingChen\OneDrive - The University of Liverpool\Desktop\KYC </a:t>
-            </a:r>
-            <a:r>
-              <a:rPr lang="zh-TW" altLang="en-US" sz="1500" b="1" dirty="0"/>
-              <a:t>副業</a:t>
-            </a:r>
-            <a:r>
-              <a:rPr lang="en-US" altLang="zh-TW" sz="1500" b="1" dirty="0"/>
-              <a:t>\</a:t>
-            </a:r>
-            <a:r>
-              <a:rPr lang="en-GB" sz="1500" b="1" dirty="0"/>
-              <a:t>OCR\</a:t>
-            </a:r>
-            <a:r>
-              <a:rPr lang="en-GB" sz="1500" b="1" dirty="0" err="1"/>
-              <a:t>ocr_training_det</a:t>
-            </a:r>
-            <a:r>
-              <a:rPr lang="en-GB" sz="1500" b="1" dirty="0"/>
-              <a:t>\model\data\simple_dataset.py", line 131, in __</a:t>
-            </a:r>
-            <a:r>
-              <a:rPr lang="en-GB" sz="1500" b="1" dirty="0" err="1"/>
-              <a:t>getitem</a:t>
-            </a:r>
-            <a:r>
-              <a:rPr lang="en-GB" sz="1500" b="1" dirty="0"/>
-              <a:t>__</a:t>
-            </a:r>
-          </a:p>
-          <a:p>
-            <a:pPr marL="0" indent="0">
-              <a:buNone/>
-            </a:pPr>
-            <a:r>
-              <a:rPr lang="en-GB" sz="1500" b="1" dirty="0"/>
-              <a:t>    outs = transform(data, </a:t>
-            </a:r>
-            <a:r>
-              <a:rPr lang="en-GB" sz="1500" b="1" dirty="0" err="1"/>
-              <a:t>self.ops</a:t>
-            </a:r>
-            <a:r>
-              <a:rPr lang="en-GB" sz="1500" b="1" dirty="0"/>
-              <a:t>)</a:t>
-            </a:r>
-          </a:p>
-          <a:p>
-            <a:pPr marL="0" indent="0">
-              <a:buNone/>
-            </a:pPr>
-            <a:r>
-              <a:rPr lang="en-GB" sz="1500" b="1" dirty="0"/>
-              <a:t>  File "C:\Users\PingChen\OneDrive - The University of Liverpool\Desktop\KYC </a:t>
-            </a:r>
-            <a:r>
-              <a:rPr lang="zh-TW" altLang="en-US" sz="1500" b="1" dirty="0"/>
-              <a:t>副業</a:t>
-            </a:r>
-            <a:r>
-              <a:rPr lang="en-US" altLang="zh-TW" sz="1500" b="1" dirty="0"/>
-              <a:t>\</a:t>
-            </a:r>
-            <a:r>
-              <a:rPr lang="en-GB" sz="1500" b="1" dirty="0"/>
-              <a:t>OCR\</a:t>
-            </a:r>
-            <a:r>
-              <a:rPr lang="en-GB" sz="1500" b="1" dirty="0" err="1"/>
-              <a:t>ocr_training_det</a:t>
-            </a:r>
-            <a:r>
-              <a:rPr lang="en-GB" sz="1500" b="1" dirty="0"/>
-              <a:t>\model\data\</a:t>
-            </a:r>
-            <a:r>
-              <a:rPr lang="en-GB" sz="1500" b="1" dirty="0" err="1"/>
-              <a:t>imaug</a:t>
-            </a:r>
-            <a:r>
-              <a:rPr lang="en-GB" sz="1500" b="1" dirty="0"/>
-              <a:t>\__init__.py", line 13, in transform</a:t>
-            </a:r>
-          </a:p>
-          <a:p>
-            <a:pPr marL="0" indent="0">
-              <a:buNone/>
-            </a:pPr>
-            <a:r>
-              <a:rPr lang="en-GB" sz="1500" b="1" dirty="0"/>
-              <a:t>    data = op(data)</a:t>
-            </a:r>
-          </a:p>
-          <a:p>
-            <a:pPr marL="0" indent="0">
-              <a:buNone/>
-            </a:pPr>
-            <a:r>
-              <a:rPr lang="en-GB" sz="1500" b="1" dirty="0"/>
-              <a:t>  File "C:\Users\PingChen\OneDrive - The University of Liverpool\Desktop\KYC </a:t>
-            </a:r>
-            <a:r>
-              <a:rPr lang="zh-TW" altLang="en-US" sz="1500" b="1" dirty="0"/>
-              <a:t>副業</a:t>
-            </a:r>
-            <a:r>
-              <a:rPr lang="en-US" altLang="zh-TW" sz="1500" b="1" dirty="0"/>
-              <a:t>\</a:t>
-            </a:r>
-            <a:r>
-              <a:rPr lang="en-GB" sz="1500" b="1" dirty="0"/>
-              <a:t>OCR\</a:t>
-            </a:r>
-            <a:r>
-              <a:rPr lang="en-GB" sz="1500" b="1" dirty="0" err="1"/>
-              <a:t>ocr_training_det</a:t>
-            </a:r>
-            <a:r>
-              <a:rPr lang="en-GB" sz="1500" b="1" dirty="0"/>
-              <a:t>\model\data\</a:t>
-            </a:r>
-            <a:r>
-              <a:rPr lang="en-GB" sz="1500" b="1" dirty="0" err="1"/>
-              <a:t>imaug</a:t>
-            </a:r>
-            <a:r>
-              <a:rPr lang="en-GB" sz="1500" b="1" dirty="0"/>
-              <a:t>\label_ops.py", line 28, in __call__</a:t>
-            </a:r>
-          </a:p>
-          <a:p>
-            <a:pPr marL="0" indent="0">
-              <a:buNone/>
-            </a:pPr>
-            <a:r>
-              <a:rPr lang="en-GB" sz="1500" b="1" dirty="0"/>
-              <a:t>    </a:t>
-            </a:r>
-            <a:r>
-              <a:rPr lang="en-GB" sz="1500" b="1" dirty="0" err="1"/>
-              <a:t>txt_tags</a:t>
-            </a:r>
-            <a:r>
-              <a:rPr lang="en-GB" sz="1500" b="1" dirty="0"/>
-              <a:t> = </a:t>
-            </a:r>
-            <a:r>
-              <a:rPr lang="en-GB" sz="1500" b="1" dirty="0" err="1"/>
-              <a:t>np.array</a:t>
-            </a:r>
-            <a:r>
-              <a:rPr lang="en-GB" sz="1500" b="1" dirty="0"/>
-              <a:t>(</a:t>
-            </a:r>
-            <a:r>
-              <a:rPr lang="en-GB" sz="1500" b="1" dirty="0" err="1"/>
-              <a:t>txt_tags,dtype</a:t>
-            </a:r>
-            <a:r>
-              <a:rPr lang="en-GB" sz="1500" b="1" dirty="0"/>
-              <a:t>=</a:t>
-            </a:r>
-            <a:r>
-              <a:rPr lang="en-GB" sz="1500" b="1" dirty="0" err="1"/>
-              <a:t>np.bool</a:t>
-            </a:r>
-            <a:r>
-              <a:rPr lang="en-GB" sz="1500" b="1" dirty="0"/>
-              <a:t>)</a:t>
-            </a:r>
-          </a:p>
-          <a:p>
-            <a:pPr marL="0" indent="0">
-              <a:buNone/>
-            </a:pPr>
-            <a:r>
-              <a:rPr lang="en-GB" sz="1500" b="1" dirty="0"/>
-              <a:t>  File "C:\Users\PingChen\AppData\Local\anaconda3\envs\OCR_test\lib\site-packages\numpy\__init__.py", line 305, in __</a:t>
-            </a:r>
-            <a:r>
-              <a:rPr lang="en-GB" sz="1500" b="1" dirty="0" err="1"/>
-              <a:t>getattr</a:t>
-            </a:r>
-            <a:r>
-              <a:rPr lang="en-GB" sz="1500" b="1" dirty="0"/>
-              <a:t>__</a:t>
-            </a:r>
-          </a:p>
-          <a:p>
-            <a:pPr marL="0" indent="0">
-              <a:buNone/>
-            </a:pPr>
-            <a:r>
-              <a:rPr lang="en-GB" sz="1500" b="1" dirty="0"/>
-              <a:t>    raise </a:t>
-            </a:r>
-            <a:r>
-              <a:rPr lang="en-GB" sz="1500" b="1" dirty="0" err="1"/>
-              <a:t>AttributeError</a:t>
-            </a:r>
-            <a:r>
-              <a:rPr lang="en-GB" sz="1500" b="1" dirty="0"/>
-              <a:t>(__</a:t>
-            </a:r>
-            <a:r>
-              <a:rPr lang="en-GB" sz="1500" b="1" dirty="0" err="1"/>
-              <a:t>former_attrs</a:t>
-            </a:r>
-            <a:r>
-              <a:rPr lang="en-GB" sz="1500" b="1" dirty="0"/>
-              <a:t>__[</a:t>
-            </a:r>
-            <a:r>
-              <a:rPr lang="en-GB" sz="1500" b="1" dirty="0" err="1"/>
-              <a:t>attr</a:t>
-            </a:r>
-            <a:r>
-              <a:rPr lang="en-GB" sz="1500" b="1" dirty="0"/>
-              <a:t>])</a:t>
-            </a:r>
-          </a:p>
-          <a:p>
-            <a:pPr marL="0" indent="0">
-              <a:buNone/>
-            </a:pPr>
-            <a:r>
-              <a:rPr lang="en-GB" sz="1500" b="1" dirty="0" err="1"/>
-              <a:t>AttributeError</a:t>
-            </a:r>
-            <a:r>
-              <a:rPr lang="en-GB" sz="1500" b="1" dirty="0"/>
-              <a:t>: module '</a:t>
-            </a:r>
-            <a:r>
-              <a:rPr lang="en-GB" sz="1500" b="1" dirty="0" err="1"/>
-              <a:t>numpy</a:t>
-            </a:r>
-            <a:r>
-              <a:rPr lang="en-GB" sz="1500" b="1" dirty="0"/>
-              <a:t>' has no attribute 'bool'.</a:t>
-            </a:r>
-          </a:p>
-          <a:p>
-            <a:pPr marL="0" indent="0">
-              <a:buNone/>
-            </a:pPr>
-            <a:r>
-              <a:rPr lang="en-GB" sz="1500" b="1" dirty="0"/>
-              <a:t>https://numpy.org/devdocs/release/1.20.0-notes.html#deprecations</a:t>
-            </a:r>
-          </a:p>
-        </p:txBody>
-      </p:sp>
-      <p:sp>
-        <p:nvSpPr>
-          <p:cNvPr id="4" name="TextBox 3">
-            <a:extLst>
-              <a:ext uri="{FF2B5EF4-FFF2-40B4-BE49-F238E27FC236}">
-                <a16:creationId xmlns:a16="http://schemas.microsoft.com/office/drawing/2014/main" id="{7CE2F764-0241-072F-CBFC-06F8C3161EA4}"/>
-              </a:ext>
-            </a:extLst>
-          </p:cNvPr>
-          <p:cNvSpPr txBox="1"/>
-          <p:nvPr/>
-        </p:nvSpPr>
-        <p:spPr>
-          <a:xfrm>
-            <a:off x="1836420" y="6256020"/>
-            <a:ext cx="9281160" cy="646331"/>
-          </a:xfrm>
-          <a:prstGeom prst="rect">
-            <a:avLst/>
-          </a:prstGeom>
-          <a:noFill/>
-        </p:spPr>
-        <p:txBody>
-          <a:bodyPr wrap="square" rtlCol="0">
-            <a:spAutoFit/>
-          </a:bodyPr>
-          <a:lstStyle/>
-          <a:p>
-            <a:r>
-              <a:rPr lang="en-US" altLang="zh-CN" b="0" i="0" dirty="0" err="1">
-                <a:solidFill>
-                  <a:srgbClr val="1F2328"/>
-                </a:solidFill>
-                <a:effectLst/>
-                <a:latin typeface="-apple-system"/>
-              </a:rPr>
-              <a:t>numpy</a:t>
-            </a:r>
-            <a:r>
-              <a:rPr lang="zh-CN" altLang="en-US" b="0" i="0" dirty="0">
-                <a:solidFill>
-                  <a:srgbClr val="1F2328"/>
-                </a:solidFill>
-                <a:effectLst/>
-                <a:latin typeface="-apple-system"/>
-              </a:rPr>
-              <a:t>版本尝试了</a:t>
-            </a:r>
-            <a:r>
-              <a:rPr lang="en-US" altLang="zh-CN" b="0" i="0" dirty="0">
-                <a:solidFill>
-                  <a:srgbClr val="1F2328"/>
-                </a:solidFill>
-                <a:effectLst/>
-                <a:latin typeface="-apple-system"/>
-              </a:rPr>
-              <a:t>1.24.4</a:t>
-            </a:r>
-            <a:r>
-              <a:rPr lang="zh-CN" altLang="en-US" b="0" i="0" dirty="0">
-                <a:solidFill>
-                  <a:srgbClr val="1F2328"/>
-                </a:solidFill>
-                <a:effectLst/>
-                <a:latin typeface="-apple-system"/>
-              </a:rPr>
-              <a:t>和</a:t>
-            </a:r>
-            <a:r>
-              <a:rPr lang="en-US" altLang="zh-CN" b="0" i="0" dirty="0">
-                <a:solidFill>
-                  <a:srgbClr val="1F2328"/>
-                </a:solidFill>
-                <a:effectLst/>
-                <a:latin typeface="-apple-system"/>
-              </a:rPr>
-              <a:t>1.24.3</a:t>
-            </a:r>
-            <a:r>
-              <a:rPr lang="zh-CN" altLang="en-US" b="0" i="0" dirty="0">
-                <a:solidFill>
-                  <a:srgbClr val="1F2328"/>
-                </a:solidFill>
-                <a:effectLst/>
-                <a:latin typeface="-apple-system"/>
-              </a:rPr>
-              <a:t>，都会报这个错，但是安装</a:t>
-            </a:r>
-            <a:r>
-              <a:rPr lang="en-GB" altLang="zh-CN" b="0" i="0" dirty="0" err="1">
-                <a:solidFill>
-                  <a:srgbClr val="1F2328"/>
-                </a:solidFill>
-                <a:effectLst/>
-                <a:latin typeface="-apple-system"/>
-              </a:rPr>
-              <a:t>numpy</a:t>
-            </a:r>
-            <a:r>
-              <a:rPr lang="en-GB" altLang="zh-CN" b="0" i="0" dirty="0">
-                <a:solidFill>
-                  <a:srgbClr val="1F2328"/>
-                </a:solidFill>
-                <a:effectLst/>
-                <a:latin typeface="-apple-system"/>
-              </a:rPr>
-              <a:t>==</a:t>
-            </a:r>
-            <a:r>
-              <a:rPr lang="en-US" altLang="zh-CN" b="0" i="0" dirty="0">
-                <a:solidFill>
-                  <a:srgbClr val="1F2328"/>
-                </a:solidFill>
-                <a:effectLst/>
-                <a:latin typeface="-apple-system"/>
-              </a:rPr>
-              <a:t>1.23.2</a:t>
-            </a:r>
-            <a:r>
-              <a:rPr lang="zh-CN" altLang="en-US" b="0" i="0" dirty="0">
-                <a:solidFill>
-                  <a:srgbClr val="1F2328"/>
-                </a:solidFill>
-                <a:effectLst/>
-                <a:latin typeface="-apple-system"/>
-              </a:rPr>
-              <a:t>版本就能正常运行了</a:t>
-            </a:r>
+              <a:t>Program.py line 98 </a:t>
+            </a:r>
+          </a:p>
+          <a:p>
+            <a:r>
+              <a:rPr lang="en-GB" sz="2000" b="0" dirty="0">
+                <a:solidFill>
+                  <a:srgbClr val="6A9955"/>
+                </a:solidFill>
+                <a:effectLst/>
+                <a:latin typeface="Consolas" panose="020B0609020204030204" pitchFamily="49" charset="0"/>
+              </a:rPr>
+              <a:t># device = '</a:t>
+            </a:r>
+            <a:r>
+              <a:rPr lang="en-GB" sz="2000" b="0" dirty="0" err="1">
+                <a:solidFill>
+                  <a:srgbClr val="6A9955"/>
+                </a:solidFill>
+                <a:effectLst/>
+                <a:latin typeface="Consolas" panose="020B0609020204030204" pitchFamily="49" charset="0"/>
+              </a:rPr>
+              <a:t>cuda</a:t>
+            </a:r>
+            <a:r>
+              <a:rPr lang="en-GB" sz="2000" b="0" dirty="0">
+                <a:solidFill>
+                  <a:srgbClr val="6A9955"/>
+                </a:solidFill>
+                <a:effectLst/>
+                <a:latin typeface="Consolas" panose="020B0609020204030204" pitchFamily="49" charset="0"/>
+              </a:rPr>
+              <a:t>:{}'.format(config['Global']['</a:t>
+            </a:r>
+            <a:r>
+              <a:rPr lang="en-GB" sz="2000" b="0" dirty="0" err="1">
+                <a:solidFill>
+                  <a:srgbClr val="6A9955"/>
+                </a:solidFill>
+                <a:effectLst/>
+                <a:latin typeface="Consolas" panose="020B0609020204030204" pitchFamily="49" charset="0"/>
+              </a:rPr>
+              <a:t>gpu_id</a:t>
+            </a:r>
+            <a:r>
+              <a:rPr lang="en-GB" sz="2000" b="0" dirty="0">
+                <a:solidFill>
+                  <a:srgbClr val="6A9955"/>
+                </a:solidFill>
+                <a:effectLst/>
+                <a:latin typeface="Consolas" panose="020B0609020204030204" pitchFamily="49" charset="0"/>
+              </a:rPr>
+              <a:t>']) if </a:t>
+            </a:r>
+            <a:r>
+              <a:rPr lang="en-GB" sz="2000" b="0" dirty="0" err="1">
+                <a:solidFill>
+                  <a:srgbClr val="6A9955"/>
+                </a:solidFill>
+                <a:effectLst/>
+                <a:latin typeface="Consolas" panose="020B0609020204030204" pitchFamily="49" charset="0"/>
+              </a:rPr>
+              <a:t>use_gpu</a:t>
+            </a:r>
+            <a:r>
+              <a:rPr lang="en-GB" sz="2000" b="0" dirty="0">
+                <a:solidFill>
+                  <a:srgbClr val="6A9955"/>
+                </a:solidFill>
+                <a:effectLst/>
+                <a:latin typeface="Consolas" panose="020B0609020204030204" pitchFamily="49" charset="0"/>
+              </a:rPr>
+              <a:t> else '</a:t>
+            </a:r>
+            <a:r>
+              <a:rPr lang="en-GB" sz="2000" b="0" dirty="0" err="1">
+                <a:solidFill>
+                  <a:srgbClr val="6A9955"/>
+                </a:solidFill>
+                <a:effectLst/>
+                <a:latin typeface="Consolas" panose="020B0609020204030204" pitchFamily="49" charset="0"/>
+              </a:rPr>
+              <a:t>cpu</a:t>
+            </a:r>
+            <a:r>
+              <a:rPr lang="en-GB" sz="2000" b="0" dirty="0">
+                <a:solidFill>
+                  <a:srgbClr val="6A9955"/>
+                </a:solidFill>
+                <a:effectLst/>
+                <a:latin typeface="Consolas" panose="020B0609020204030204" pitchFamily="49" charset="0"/>
+              </a:rPr>
+              <a:t>'</a:t>
+            </a:r>
+            <a:endParaRPr lang="en-GB" sz="2000" b="0" dirty="0">
+              <a:solidFill>
+                <a:srgbClr val="CCCCCC"/>
+              </a:solidFill>
+              <a:effectLst/>
+              <a:latin typeface="Consolas" panose="020B0609020204030204" pitchFamily="49" charset="0"/>
+            </a:endParaRPr>
+          </a:p>
+          <a:p>
             <a:endParaRPr lang="en-GB" dirty="0"/>
           </a:p>
         </p:txBody>
@@ -6446,7 +6119,7 @@
     </p:spTree>
     <p:extLst>
       <p:ext uri="{BB962C8B-B14F-4D97-AF65-F5344CB8AC3E}">
-        <p14:creationId xmlns:p14="http://schemas.microsoft.com/office/powerpoint/2010/main" val="2297757355"/>
+        <p14:creationId xmlns:p14="http://schemas.microsoft.com/office/powerpoint/2010/main" val="2806469842"/>
       </p:ext>
     </p:extLst>
   </p:cSld>
@@ -6478,6 +6151,500 @@
           <p:cNvPr id="2" name="Title 1">
             <a:extLst>
               <a:ext uri="{FF2B5EF4-FFF2-40B4-BE49-F238E27FC236}">
+                <a16:creationId xmlns:a16="http://schemas.microsoft.com/office/drawing/2014/main" id="{E670ECF5-BF7E-982E-A0B9-0C138C4DDA53}"/>
+              </a:ext>
+            </a:extLst>
+          </p:cNvPr>
+          <p:cNvSpPr>
+            <a:spLocks noGrp="1"/>
+          </p:cNvSpPr>
+          <p:nvPr>
+            <p:ph type="title"/>
+          </p:nvPr>
+        </p:nvSpPr>
+        <p:spPr/>
+        <p:txBody>
+          <a:bodyPr/>
+          <a:lstStyle/>
+          <a:p>
+            <a:r>
+              <a:rPr lang="en-GB" dirty="0"/>
+              <a:t>Error when parsing</a:t>
+            </a:r>
+          </a:p>
+        </p:txBody>
+      </p:sp>
+      <p:sp>
+        <p:nvSpPr>
+          <p:cNvPr id="3" name="Content Placeholder 2">
+            <a:extLst>
+              <a:ext uri="{FF2B5EF4-FFF2-40B4-BE49-F238E27FC236}">
+                <a16:creationId xmlns:a16="http://schemas.microsoft.com/office/drawing/2014/main" id="{EDF3AB5E-2C63-BA19-0C9C-B9205C55DB31}"/>
+              </a:ext>
+            </a:extLst>
+          </p:cNvPr>
+          <p:cNvSpPr>
+            <a:spLocks noGrp="1"/>
+          </p:cNvSpPr>
+          <p:nvPr>
+            <p:ph idx="1"/>
+          </p:nvPr>
+        </p:nvSpPr>
+        <p:spPr>
+          <a:xfrm>
+            <a:off x="403860" y="1825625"/>
+            <a:ext cx="11597640" cy="4072255"/>
+          </a:xfrm>
+        </p:spPr>
+        <p:txBody>
+          <a:bodyPr>
+            <a:noAutofit/>
+          </a:bodyPr>
+          <a:lstStyle/>
+          <a:p>
+            <a:pPr marL="0" indent="0">
+              <a:buNone/>
+            </a:pPr>
+            <a:r>
+              <a:rPr lang="en-GB" sz="1500" b="1" dirty="0"/>
+              <a:t> error happened with </a:t>
+            </a:r>
+            <a:r>
+              <a:rPr lang="en-GB" sz="1500" b="1" dirty="0" err="1"/>
+              <a:t>msg:Traceback</a:t>
+            </a:r>
+            <a:r>
+              <a:rPr lang="en-GB" sz="1500" b="1" dirty="0"/>
+              <a:t> (most recent call last):</a:t>
+            </a:r>
+          </a:p>
+          <a:p>
+            <a:pPr marL="0" indent="0">
+              <a:buNone/>
+            </a:pPr>
+            <a:r>
+              <a:rPr lang="en-GB" sz="1500" b="1" dirty="0"/>
+              <a:t>  File "C:\Users\PingChen\OneDrive - The University of Liverpool\Desktop\KYC </a:t>
+            </a:r>
+            <a:r>
+              <a:rPr lang="zh-TW" altLang="en-US" sz="1500" b="1" dirty="0"/>
+              <a:t>副業</a:t>
+            </a:r>
+            <a:r>
+              <a:rPr lang="en-US" altLang="zh-TW" sz="1500" b="1" dirty="0"/>
+              <a:t>\</a:t>
+            </a:r>
+            <a:r>
+              <a:rPr lang="en-GB" sz="1500" b="1" dirty="0"/>
+              <a:t>OCR\</a:t>
+            </a:r>
+            <a:r>
+              <a:rPr lang="en-GB" sz="1500" b="1" dirty="0" err="1"/>
+              <a:t>ocr_training_det</a:t>
+            </a:r>
+            <a:r>
+              <a:rPr lang="en-GB" sz="1500" b="1" dirty="0"/>
+              <a:t>\model\data\simple_dataset.py", line 131, in __</a:t>
+            </a:r>
+            <a:r>
+              <a:rPr lang="en-GB" sz="1500" b="1" dirty="0" err="1"/>
+              <a:t>getitem</a:t>
+            </a:r>
+            <a:r>
+              <a:rPr lang="en-GB" sz="1500" b="1" dirty="0"/>
+              <a:t>__</a:t>
+            </a:r>
+          </a:p>
+          <a:p>
+            <a:pPr marL="0" indent="0">
+              <a:buNone/>
+            </a:pPr>
+            <a:r>
+              <a:rPr lang="en-GB" sz="1500" b="1" dirty="0"/>
+              <a:t>    outs = transform(data, </a:t>
+            </a:r>
+            <a:r>
+              <a:rPr lang="en-GB" sz="1500" b="1" dirty="0" err="1"/>
+              <a:t>self.ops</a:t>
+            </a:r>
+            <a:r>
+              <a:rPr lang="en-GB" sz="1500" b="1" dirty="0"/>
+              <a:t>)</a:t>
+            </a:r>
+          </a:p>
+          <a:p>
+            <a:pPr marL="0" indent="0">
+              <a:buNone/>
+            </a:pPr>
+            <a:r>
+              <a:rPr lang="en-GB" sz="1500" b="1" dirty="0"/>
+              <a:t>  File "C:\Users\PingChen\OneDrive - The University of Liverpool\Desktop\KYC </a:t>
+            </a:r>
+            <a:r>
+              <a:rPr lang="zh-TW" altLang="en-US" sz="1500" b="1" dirty="0"/>
+              <a:t>副業</a:t>
+            </a:r>
+            <a:r>
+              <a:rPr lang="en-US" altLang="zh-TW" sz="1500" b="1" dirty="0"/>
+              <a:t>\</a:t>
+            </a:r>
+            <a:r>
+              <a:rPr lang="en-GB" sz="1500" b="1" dirty="0"/>
+              <a:t>OCR\</a:t>
+            </a:r>
+            <a:r>
+              <a:rPr lang="en-GB" sz="1500" b="1" dirty="0" err="1"/>
+              <a:t>ocr_training_det</a:t>
+            </a:r>
+            <a:r>
+              <a:rPr lang="en-GB" sz="1500" b="1" dirty="0"/>
+              <a:t>\model\data\</a:t>
+            </a:r>
+            <a:r>
+              <a:rPr lang="en-GB" sz="1500" b="1" dirty="0" err="1"/>
+              <a:t>imaug</a:t>
+            </a:r>
+            <a:r>
+              <a:rPr lang="en-GB" sz="1500" b="1" dirty="0"/>
+              <a:t>\__init__.py", line 13, in transform</a:t>
+            </a:r>
+          </a:p>
+          <a:p>
+            <a:pPr marL="0" indent="0">
+              <a:buNone/>
+            </a:pPr>
+            <a:r>
+              <a:rPr lang="en-GB" sz="1500" b="1" dirty="0"/>
+              <a:t>    data = op(data)</a:t>
+            </a:r>
+          </a:p>
+          <a:p>
+            <a:pPr marL="0" indent="0">
+              <a:buNone/>
+            </a:pPr>
+            <a:r>
+              <a:rPr lang="en-GB" sz="1500" b="1" dirty="0"/>
+              <a:t>  File "C:\Users\PingChen\OneDrive - The University of Liverpool\Desktop\KYC </a:t>
+            </a:r>
+            <a:r>
+              <a:rPr lang="zh-TW" altLang="en-US" sz="1500" b="1" dirty="0"/>
+              <a:t>副業</a:t>
+            </a:r>
+            <a:r>
+              <a:rPr lang="en-US" altLang="zh-TW" sz="1500" b="1" dirty="0"/>
+              <a:t>\</a:t>
+            </a:r>
+            <a:r>
+              <a:rPr lang="en-GB" sz="1500" b="1" dirty="0"/>
+              <a:t>OCR\</a:t>
+            </a:r>
+            <a:r>
+              <a:rPr lang="en-GB" sz="1500" b="1" dirty="0" err="1"/>
+              <a:t>ocr_training_det</a:t>
+            </a:r>
+            <a:r>
+              <a:rPr lang="en-GB" sz="1500" b="1" dirty="0"/>
+              <a:t>\model\data\</a:t>
+            </a:r>
+            <a:r>
+              <a:rPr lang="en-GB" sz="1500" b="1" dirty="0" err="1"/>
+              <a:t>imaug</a:t>
+            </a:r>
+            <a:r>
+              <a:rPr lang="en-GB" sz="1500" b="1" dirty="0"/>
+              <a:t>\label_ops.py", line 28, in __call__</a:t>
+            </a:r>
+          </a:p>
+          <a:p>
+            <a:pPr marL="0" indent="0">
+              <a:buNone/>
+            </a:pPr>
+            <a:r>
+              <a:rPr lang="en-GB" sz="1500" b="1" dirty="0"/>
+              <a:t>    </a:t>
+            </a:r>
+            <a:r>
+              <a:rPr lang="en-GB" sz="1500" b="1" dirty="0" err="1"/>
+              <a:t>txt_tags</a:t>
+            </a:r>
+            <a:r>
+              <a:rPr lang="en-GB" sz="1500" b="1" dirty="0"/>
+              <a:t> = </a:t>
+            </a:r>
+            <a:r>
+              <a:rPr lang="en-GB" sz="1500" b="1" dirty="0" err="1"/>
+              <a:t>np.array</a:t>
+            </a:r>
+            <a:r>
+              <a:rPr lang="en-GB" sz="1500" b="1" dirty="0"/>
+              <a:t>(</a:t>
+            </a:r>
+            <a:r>
+              <a:rPr lang="en-GB" sz="1500" b="1" dirty="0" err="1"/>
+              <a:t>txt_tags,dtype</a:t>
+            </a:r>
+            <a:r>
+              <a:rPr lang="en-GB" sz="1500" b="1" dirty="0"/>
+              <a:t>=</a:t>
+            </a:r>
+            <a:r>
+              <a:rPr lang="en-GB" sz="1500" b="1" dirty="0" err="1"/>
+              <a:t>np.bool</a:t>
+            </a:r>
+            <a:r>
+              <a:rPr lang="en-GB" sz="1500" b="1" dirty="0"/>
+              <a:t>)</a:t>
+            </a:r>
+          </a:p>
+          <a:p>
+            <a:pPr marL="0" indent="0">
+              <a:buNone/>
+            </a:pPr>
+            <a:r>
+              <a:rPr lang="en-GB" sz="1500" b="1" dirty="0"/>
+              <a:t>  File "C:\Users\PingChen\AppData\Local\anaconda3\envs\OCR_test\lib\site-packages\numpy\__init__.py", line 305, in __</a:t>
+            </a:r>
+            <a:r>
+              <a:rPr lang="en-GB" sz="1500" b="1" dirty="0" err="1"/>
+              <a:t>getattr</a:t>
+            </a:r>
+            <a:r>
+              <a:rPr lang="en-GB" sz="1500" b="1" dirty="0"/>
+              <a:t>__</a:t>
+            </a:r>
+          </a:p>
+          <a:p>
+            <a:pPr marL="0" indent="0">
+              <a:buNone/>
+            </a:pPr>
+            <a:r>
+              <a:rPr lang="en-GB" sz="1500" b="1" dirty="0"/>
+              <a:t>    raise </a:t>
+            </a:r>
+            <a:r>
+              <a:rPr lang="en-GB" sz="1500" b="1" dirty="0" err="1"/>
+              <a:t>AttributeError</a:t>
+            </a:r>
+            <a:r>
+              <a:rPr lang="en-GB" sz="1500" b="1" dirty="0"/>
+              <a:t>(__</a:t>
+            </a:r>
+            <a:r>
+              <a:rPr lang="en-GB" sz="1500" b="1" dirty="0" err="1"/>
+              <a:t>former_attrs</a:t>
+            </a:r>
+            <a:r>
+              <a:rPr lang="en-GB" sz="1500" b="1" dirty="0"/>
+              <a:t>__[</a:t>
+            </a:r>
+            <a:r>
+              <a:rPr lang="en-GB" sz="1500" b="1" dirty="0" err="1"/>
+              <a:t>attr</a:t>
+            </a:r>
+            <a:r>
+              <a:rPr lang="en-GB" sz="1500" b="1" dirty="0"/>
+              <a:t>])</a:t>
+            </a:r>
+          </a:p>
+          <a:p>
+            <a:pPr marL="0" indent="0">
+              <a:buNone/>
+            </a:pPr>
+            <a:r>
+              <a:rPr lang="en-GB" sz="1500" b="1" dirty="0" err="1"/>
+              <a:t>AttributeError</a:t>
+            </a:r>
+            <a:r>
+              <a:rPr lang="en-GB" sz="1500" b="1" dirty="0"/>
+              <a:t>: module '</a:t>
+            </a:r>
+            <a:r>
+              <a:rPr lang="en-GB" sz="1500" b="1" dirty="0" err="1"/>
+              <a:t>numpy</a:t>
+            </a:r>
+            <a:r>
+              <a:rPr lang="en-GB" sz="1500" b="1" dirty="0"/>
+              <a:t>' has no attribute 'bool'.</a:t>
+            </a:r>
+          </a:p>
+          <a:p>
+            <a:pPr marL="0" indent="0">
+              <a:buNone/>
+            </a:pPr>
+            <a:r>
+              <a:rPr lang="en-GB" sz="1500" b="1" dirty="0"/>
+              <a:t>https://numpy.org/devdocs/release/1.20.0-notes.html#deprecations</a:t>
+            </a:r>
+          </a:p>
+        </p:txBody>
+      </p:sp>
+      <p:sp>
+        <p:nvSpPr>
+          <p:cNvPr id="4" name="TextBox 3">
+            <a:extLst>
+              <a:ext uri="{FF2B5EF4-FFF2-40B4-BE49-F238E27FC236}">
+                <a16:creationId xmlns:a16="http://schemas.microsoft.com/office/drawing/2014/main" id="{7CE2F764-0241-072F-CBFC-06F8C3161EA4}"/>
+              </a:ext>
+            </a:extLst>
+          </p:cNvPr>
+          <p:cNvSpPr txBox="1"/>
+          <p:nvPr/>
+        </p:nvSpPr>
+        <p:spPr>
+          <a:xfrm>
+            <a:off x="1836420" y="6256020"/>
+            <a:ext cx="9281160" cy="646331"/>
+          </a:xfrm>
+          <a:prstGeom prst="rect">
+            <a:avLst/>
+          </a:prstGeom>
+          <a:noFill/>
+        </p:spPr>
+        <p:txBody>
+          <a:bodyPr wrap="square" rtlCol="0">
+            <a:spAutoFit/>
+          </a:bodyPr>
+          <a:lstStyle/>
+          <a:p>
+            <a:r>
+              <a:rPr lang="en-US" altLang="zh-CN" b="0" i="0" dirty="0" err="1">
+                <a:solidFill>
+                  <a:srgbClr val="1F2328"/>
+                </a:solidFill>
+                <a:effectLst/>
+                <a:latin typeface="-apple-system"/>
+              </a:rPr>
+              <a:t>numpy</a:t>
+            </a:r>
+            <a:r>
+              <a:rPr lang="zh-CN" altLang="en-US" b="0" i="0" dirty="0">
+                <a:solidFill>
+                  <a:srgbClr val="1F2328"/>
+                </a:solidFill>
+                <a:effectLst/>
+                <a:latin typeface="-apple-system"/>
+              </a:rPr>
+              <a:t>版本尝试了</a:t>
+            </a:r>
+            <a:r>
+              <a:rPr lang="en-US" altLang="zh-CN" b="0" i="0" dirty="0">
+                <a:solidFill>
+                  <a:srgbClr val="1F2328"/>
+                </a:solidFill>
+                <a:effectLst/>
+                <a:latin typeface="-apple-system"/>
+              </a:rPr>
+              <a:t>1.24.4</a:t>
+            </a:r>
+            <a:r>
+              <a:rPr lang="zh-CN" altLang="en-US" b="0" i="0" dirty="0">
+                <a:solidFill>
+                  <a:srgbClr val="1F2328"/>
+                </a:solidFill>
+                <a:effectLst/>
+                <a:latin typeface="-apple-system"/>
+              </a:rPr>
+              <a:t>和</a:t>
+            </a:r>
+            <a:r>
+              <a:rPr lang="en-US" altLang="zh-CN" b="0" i="0" dirty="0">
+                <a:solidFill>
+                  <a:srgbClr val="1F2328"/>
+                </a:solidFill>
+                <a:effectLst/>
+                <a:latin typeface="-apple-system"/>
+              </a:rPr>
+              <a:t>1.24.3</a:t>
+            </a:r>
+            <a:r>
+              <a:rPr lang="zh-CN" altLang="en-US" b="0" i="0" dirty="0">
+                <a:solidFill>
+                  <a:srgbClr val="1F2328"/>
+                </a:solidFill>
+                <a:effectLst/>
+                <a:latin typeface="-apple-system"/>
+              </a:rPr>
+              <a:t>，都会报这个错，但是安装</a:t>
+            </a:r>
+            <a:r>
+              <a:rPr lang="en-GB" altLang="zh-CN" b="0" i="0" dirty="0" err="1">
+                <a:solidFill>
+                  <a:srgbClr val="1F2328"/>
+                </a:solidFill>
+                <a:effectLst/>
+                <a:latin typeface="-apple-system"/>
+              </a:rPr>
+              <a:t>numpy</a:t>
+            </a:r>
+            <a:r>
+              <a:rPr lang="en-GB" altLang="zh-CN" b="0" i="0" dirty="0">
+                <a:solidFill>
+                  <a:srgbClr val="1F2328"/>
+                </a:solidFill>
+                <a:effectLst/>
+                <a:latin typeface="-apple-system"/>
+              </a:rPr>
+              <a:t>==</a:t>
+            </a:r>
+            <a:r>
+              <a:rPr lang="en-US" altLang="zh-CN" b="0" i="0" dirty="0">
+                <a:solidFill>
+                  <a:srgbClr val="1F2328"/>
+                </a:solidFill>
+                <a:effectLst/>
+                <a:latin typeface="-apple-system"/>
+              </a:rPr>
+              <a:t>1.23.2</a:t>
+            </a:r>
+            <a:r>
+              <a:rPr lang="zh-CN" altLang="en-US" b="0" i="0" dirty="0">
+                <a:solidFill>
+                  <a:srgbClr val="1F2328"/>
+                </a:solidFill>
+                <a:effectLst/>
+                <a:latin typeface="-apple-system"/>
+              </a:rPr>
+              <a:t>版本就能正常运行了</a:t>
+            </a:r>
+            <a:endParaRPr lang="en-GB" dirty="0"/>
+          </a:p>
+        </p:txBody>
+      </p:sp>
+    </p:spTree>
+    <p:extLst>
+      <p:ext uri="{BB962C8B-B14F-4D97-AF65-F5344CB8AC3E}">
+        <p14:creationId xmlns:p14="http://schemas.microsoft.com/office/powerpoint/2010/main" val="2297757355"/>
+      </p:ext>
+    </p:extLst>
+  </p:cSld>
+  <p:clrMapOvr>
+    <a:masterClrMapping/>
+  </p:clrMapOvr>
+</p:sld>
+</file>
+
+<file path=ppt/slides/slide17.xml><?xml version="1.0" encoding="utf-8"?>
+<p:sld xmlns:a="http://schemas.openxmlformats.org/drawingml/2006/main" xmlns:r="http://schemas.openxmlformats.org/officeDocument/2006/relationships" xmlns:p="http://schemas.openxmlformats.org/presentationml/2006/main">
+  <p:cSld>
+    <p:spTree>
+      <p:nvGrpSpPr>
+        <p:cNvPr id="1" name=""/>
+        <p:cNvGrpSpPr/>
+        <p:nvPr/>
+      </p:nvGrpSpPr>
+      <p:grpSpPr>
+        <a:xfrm>
+          <a:off x="0" y="0"/>
+          <a:ext cx="0" cy="0"/>
+          <a:chOff x="0" y="0"/>
+          <a:chExt cx="0" cy="0"/>
+        </a:xfrm>
+      </p:grpSpPr>
+      <p:sp>
+        <p:nvSpPr>
+          <p:cNvPr id="2" name="Title 1">
+            <a:extLst>
+              <a:ext uri="{FF2B5EF4-FFF2-40B4-BE49-F238E27FC236}">
                 <a16:creationId xmlns:a16="http://schemas.microsoft.com/office/drawing/2014/main" id="{06286F4E-223A-02FE-50C3-1511941728ED}"/>
               </a:ext>
             </a:extLst>
@@ -6617,6 +6784,499 @@
     <p:extLst>
       <p:ext uri="{BB962C8B-B14F-4D97-AF65-F5344CB8AC3E}">
         <p14:creationId xmlns:p14="http://schemas.microsoft.com/office/powerpoint/2010/main" val="1563633422"/>
+      </p:ext>
+    </p:extLst>
+  </p:cSld>
+  <p:clrMapOvr>
+    <a:masterClrMapping/>
+  </p:clrMapOvr>
+</p:sld>
+</file>
+
+<file path=ppt/slides/slide18.xml><?xml version="1.0" encoding="utf-8"?>
+<p:sld xmlns:a="http://schemas.openxmlformats.org/drawingml/2006/main" xmlns:r="http://schemas.openxmlformats.org/officeDocument/2006/relationships" xmlns:p="http://schemas.openxmlformats.org/presentationml/2006/main">
+  <p:cSld>
+    <p:spTree>
+      <p:nvGrpSpPr>
+        <p:cNvPr id="1" name=""/>
+        <p:cNvGrpSpPr/>
+        <p:nvPr/>
+      </p:nvGrpSpPr>
+      <p:grpSpPr>
+        <a:xfrm>
+          <a:off x="0" y="0"/>
+          <a:ext cx="0" cy="0"/>
+          <a:chOff x="0" y="0"/>
+          <a:chExt cx="0" cy="0"/>
+        </a:xfrm>
+      </p:grpSpPr>
+      <p:sp>
+        <p:nvSpPr>
+          <p:cNvPr id="2" name="Title 1">
+            <a:extLst>
+              <a:ext uri="{FF2B5EF4-FFF2-40B4-BE49-F238E27FC236}">
+                <a16:creationId xmlns:a16="http://schemas.microsoft.com/office/drawing/2014/main" id="{BEE0F620-552A-DA4A-2C3A-2664F6AC6B2F}"/>
+              </a:ext>
+            </a:extLst>
+          </p:cNvPr>
+          <p:cNvSpPr>
+            <a:spLocks noGrp="1"/>
+          </p:cNvSpPr>
+          <p:nvPr>
+            <p:ph type="title"/>
+          </p:nvPr>
+        </p:nvSpPr>
+        <p:spPr/>
+        <p:txBody>
+          <a:bodyPr/>
+          <a:lstStyle/>
+          <a:p>
+            <a:r>
+              <a:rPr lang="en-US" altLang="zh-CN" dirty="0"/>
+              <a:t>Training error: weight cannot be loaded to </a:t>
+            </a:r>
+            <a:r>
+              <a:rPr lang="en-US" altLang="zh-CN" dirty="0" err="1"/>
+              <a:t>cuda</a:t>
+            </a:r>
+            <a:endParaRPr lang="en-GB" dirty="0"/>
+          </a:p>
+        </p:txBody>
+      </p:sp>
+      <p:sp>
+        <p:nvSpPr>
+          <p:cNvPr id="3" name="Content Placeholder 2">
+            <a:extLst>
+              <a:ext uri="{FF2B5EF4-FFF2-40B4-BE49-F238E27FC236}">
+                <a16:creationId xmlns:a16="http://schemas.microsoft.com/office/drawing/2014/main" id="{4CBCAD23-C501-5F7D-EF88-491044C0E9C1}"/>
+              </a:ext>
+            </a:extLst>
+          </p:cNvPr>
+          <p:cNvSpPr>
+            <a:spLocks noGrp="1"/>
+          </p:cNvSpPr>
+          <p:nvPr>
+            <p:ph idx="1"/>
+          </p:nvPr>
+        </p:nvSpPr>
+        <p:spPr/>
+        <p:txBody>
+          <a:bodyPr/>
+          <a:lstStyle/>
+          <a:p>
+            <a:r>
+              <a:rPr lang="en-GB" b="0" i="0" dirty="0" err="1">
+                <a:solidFill>
+                  <a:srgbClr val="202124"/>
+                </a:solidFill>
+                <a:effectLst/>
+                <a:latin typeface="Roboto" panose="02000000000000000000" pitchFamily="2" charset="0"/>
+              </a:rPr>
+              <a:t>RuntimeError</a:t>
+            </a:r>
+            <a:r>
+              <a:rPr lang="en-GB" b="0" i="0" dirty="0">
+                <a:solidFill>
+                  <a:srgbClr val="202124"/>
+                </a:solidFill>
+                <a:effectLst/>
+                <a:latin typeface="Roboto" panose="02000000000000000000" pitchFamily="2" charset="0"/>
+              </a:rPr>
+              <a:t>: Input type (</a:t>
+            </a:r>
+            <a:r>
+              <a:rPr lang="en-GB" b="0" i="0" dirty="0" err="1">
+                <a:solidFill>
+                  <a:srgbClr val="202124"/>
+                </a:solidFill>
+                <a:effectLst/>
+                <a:latin typeface="Roboto" panose="02000000000000000000" pitchFamily="2" charset="0"/>
+              </a:rPr>
+              <a:t>torch.cuda.FloatTensor</a:t>
+            </a:r>
+            <a:r>
+              <a:rPr lang="en-GB" b="0" i="0" dirty="0">
+                <a:solidFill>
+                  <a:srgbClr val="202124"/>
+                </a:solidFill>
+                <a:effectLst/>
+                <a:latin typeface="Roboto" panose="02000000000000000000" pitchFamily="2" charset="0"/>
+              </a:rPr>
+              <a:t>) and weight type (</a:t>
+            </a:r>
+            <a:r>
+              <a:rPr lang="en-GB" b="0" i="0" dirty="0" err="1">
+                <a:solidFill>
+                  <a:srgbClr val="202124"/>
+                </a:solidFill>
+                <a:effectLst/>
+                <a:latin typeface="Roboto" panose="02000000000000000000" pitchFamily="2" charset="0"/>
+              </a:rPr>
+              <a:t>torch.FloatTensor</a:t>
+            </a:r>
+            <a:r>
+              <a:rPr lang="en-GB" b="0" i="0">
+                <a:solidFill>
+                  <a:srgbClr val="202124"/>
+                </a:solidFill>
+                <a:effectLst/>
+                <a:latin typeface="Roboto" panose="02000000000000000000" pitchFamily="2" charset="0"/>
+              </a:rPr>
+              <a:t>) should be the same</a:t>
+            </a:r>
+            <a:endParaRPr lang="en-GB"/>
+          </a:p>
+        </p:txBody>
+      </p:sp>
+    </p:spTree>
+    <p:extLst>
+      <p:ext uri="{BB962C8B-B14F-4D97-AF65-F5344CB8AC3E}">
+        <p14:creationId xmlns:p14="http://schemas.microsoft.com/office/powerpoint/2010/main" val="3388768162"/>
+      </p:ext>
+    </p:extLst>
+  </p:cSld>
+  <p:clrMapOvr>
+    <a:masterClrMapping/>
+  </p:clrMapOvr>
+</p:sld>
+</file>
+
+<file path=ppt/slides/slide19.xml><?xml version="1.0" encoding="utf-8"?>
+<p:sld xmlns:a="http://schemas.openxmlformats.org/drawingml/2006/main" xmlns:r="http://schemas.openxmlformats.org/officeDocument/2006/relationships" xmlns:p="http://schemas.openxmlformats.org/presentationml/2006/main">
+  <p:cSld>
+    <p:spTree>
+      <p:nvGrpSpPr>
+        <p:cNvPr id="1" name=""/>
+        <p:cNvGrpSpPr/>
+        <p:nvPr/>
+      </p:nvGrpSpPr>
+      <p:grpSpPr>
+        <a:xfrm>
+          <a:off x="0" y="0"/>
+          <a:ext cx="0" cy="0"/>
+          <a:chOff x="0" y="0"/>
+          <a:chExt cx="0" cy="0"/>
+        </a:xfrm>
+      </p:grpSpPr>
+      <p:sp>
+        <p:nvSpPr>
+          <p:cNvPr id="2" name="Title 1">
+            <a:extLst>
+              <a:ext uri="{FF2B5EF4-FFF2-40B4-BE49-F238E27FC236}">
+                <a16:creationId xmlns:a16="http://schemas.microsoft.com/office/drawing/2014/main" id="{EB16C9B9-4BF3-9062-E84F-A4CAC817943F}"/>
+              </a:ext>
+            </a:extLst>
+          </p:cNvPr>
+          <p:cNvSpPr>
+            <a:spLocks noGrp="1"/>
+          </p:cNvSpPr>
+          <p:nvPr>
+            <p:ph type="title"/>
+          </p:nvPr>
+        </p:nvSpPr>
+        <p:spPr/>
+        <p:txBody>
+          <a:bodyPr/>
+          <a:lstStyle/>
+          <a:p>
+            <a:r>
+              <a:rPr lang="en-GB" dirty="0"/>
+              <a:t>OCR_INFER</a:t>
+            </a:r>
+          </a:p>
+        </p:txBody>
+      </p:sp>
+      <p:sp>
+        <p:nvSpPr>
+          <p:cNvPr id="3" name="Content Placeholder 2">
+            <a:extLst>
+              <a:ext uri="{FF2B5EF4-FFF2-40B4-BE49-F238E27FC236}">
+                <a16:creationId xmlns:a16="http://schemas.microsoft.com/office/drawing/2014/main" id="{86B5C663-647B-7DFA-2853-D20B6F37872E}"/>
+              </a:ext>
+            </a:extLst>
+          </p:cNvPr>
+          <p:cNvSpPr>
+            <a:spLocks noGrp="1"/>
+          </p:cNvSpPr>
+          <p:nvPr>
+            <p:ph idx="1"/>
+          </p:nvPr>
+        </p:nvSpPr>
+        <p:spPr/>
+        <p:txBody>
+          <a:bodyPr/>
+          <a:lstStyle/>
+          <a:p>
+            <a:r>
+              <a:rPr lang="en-US" altLang="zh-CN" sz="1800" dirty="0">
+                <a:latin typeface="Consolas" panose="020B0609020204030204" pitchFamily="49" charset="0"/>
+              </a:rPr>
+              <a:t>tools\infer\</a:t>
+            </a:r>
+            <a:r>
+              <a:rPr lang="en-US" altLang="zh-CN" sz="1800" b="0" dirty="0">
+                <a:effectLst/>
+                <a:latin typeface="Consolas" panose="020B0609020204030204" pitchFamily="49" charset="0"/>
+              </a:rPr>
+              <a:t>predict_det.py</a:t>
+            </a:r>
+            <a:r>
+              <a:rPr lang="zh-CN" altLang="en-US" sz="1800" b="0" dirty="0">
+                <a:effectLst/>
+                <a:latin typeface="Consolas" panose="020B0609020204030204" pitchFamily="49" charset="0"/>
+              </a:rPr>
+              <a:t>中</a:t>
+            </a:r>
+            <a:endParaRPr lang="en-GB" sz="1800" b="0" dirty="0">
+              <a:effectLst/>
+              <a:latin typeface="Consolas" panose="020B0609020204030204" pitchFamily="49" charset="0"/>
+            </a:endParaRPr>
+          </a:p>
+          <a:p>
+            <a:r>
+              <a:rPr lang="en-GB" sz="1800" b="0" dirty="0">
+                <a:solidFill>
+                  <a:srgbClr val="C586C0"/>
+                </a:solidFill>
+                <a:effectLst/>
+                <a:latin typeface="Consolas" panose="020B0609020204030204" pitchFamily="49" charset="0"/>
+              </a:rPr>
+              <a:t>from</a:t>
+            </a:r>
+            <a:r>
+              <a:rPr lang="en-GB" sz="1800" b="0" dirty="0">
+                <a:solidFill>
+                  <a:srgbClr val="CCCCCC"/>
+                </a:solidFill>
+                <a:effectLst/>
+                <a:latin typeface="Consolas" panose="020B0609020204030204" pitchFamily="49" charset="0"/>
+              </a:rPr>
+              <a:t> </a:t>
+            </a:r>
+            <a:r>
+              <a:rPr lang="en-GB" sz="1800" b="0" dirty="0" err="1">
+                <a:solidFill>
+                  <a:srgbClr val="4EC9B0"/>
+                </a:solidFill>
+                <a:effectLst/>
+                <a:latin typeface="Consolas" panose="020B0609020204030204" pitchFamily="49" charset="0"/>
+              </a:rPr>
+              <a:t>pytorchocr</a:t>
+            </a:r>
+            <a:r>
+              <a:rPr lang="en-GB" sz="1800" b="0" dirty="0" err="1">
+                <a:solidFill>
+                  <a:srgbClr val="CCCCCC"/>
+                </a:solidFill>
+                <a:effectLst/>
+                <a:latin typeface="Consolas" panose="020B0609020204030204" pitchFamily="49" charset="0"/>
+              </a:rPr>
+              <a:t>.</a:t>
+            </a:r>
+            <a:r>
+              <a:rPr lang="en-GB" sz="1800" b="0" dirty="0" err="1">
+                <a:solidFill>
+                  <a:srgbClr val="4EC9B0"/>
+                </a:solidFill>
+                <a:effectLst/>
+                <a:latin typeface="Consolas" panose="020B0609020204030204" pitchFamily="49" charset="0"/>
+              </a:rPr>
+              <a:t>utils</a:t>
+            </a:r>
+            <a:r>
+              <a:rPr lang="en-GB" sz="1800" b="0" dirty="0" err="1">
+                <a:solidFill>
+                  <a:srgbClr val="CCCCCC"/>
+                </a:solidFill>
+                <a:effectLst/>
+                <a:latin typeface="Consolas" panose="020B0609020204030204" pitchFamily="49" charset="0"/>
+              </a:rPr>
+              <a:t>.</a:t>
+            </a:r>
+            <a:r>
+              <a:rPr lang="en-GB" sz="1800" b="0" dirty="0" err="1">
+                <a:solidFill>
+                  <a:srgbClr val="4EC9B0"/>
+                </a:solidFill>
+                <a:effectLst/>
+                <a:latin typeface="Consolas" panose="020B0609020204030204" pitchFamily="49" charset="0"/>
+              </a:rPr>
+              <a:t>utility</a:t>
+            </a:r>
+            <a:r>
+              <a:rPr lang="en-GB" sz="1800" b="0" dirty="0">
+                <a:solidFill>
+                  <a:srgbClr val="CCCCCC"/>
+                </a:solidFill>
+                <a:effectLst/>
+                <a:latin typeface="Consolas" panose="020B0609020204030204" pitchFamily="49" charset="0"/>
+              </a:rPr>
+              <a:t> </a:t>
+            </a:r>
+            <a:r>
+              <a:rPr lang="en-GB" sz="1800" b="0" dirty="0">
+                <a:solidFill>
+                  <a:srgbClr val="C586C0"/>
+                </a:solidFill>
+                <a:effectLst/>
+                <a:latin typeface="Consolas" panose="020B0609020204030204" pitchFamily="49" charset="0"/>
+              </a:rPr>
+              <a:t>import</a:t>
+            </a:r>
+            <a:r>
+              <a:rPr lang="en-GB" sz="1800" b="0" dirty="0">
+                <a:solidFill>
+                  <a:srgbClr val="CCCCCC"/>
+                </a:solidFill>
+                <a:effectLst/>
+                <a:latin typeface="Consolas" panose="020B0609020204030204" pitchFamily="49" charset="0"/>
+              </a:rPr>
+              <a:t> </a:t>
+            </a:r>
+            <a:r>
+              <a:rPr lang="en-GB" sz="1800" b="0" dirty="0" err="1">
+                <a:solidFill>
+                  <a:srgbClr val="DCDCAA"/>
+                </a:solidFill>
+                <a:effectLst/>
+                <a:latin typeface="Consolas" panose="020B0609020204030204" pitchFamily="49" charset="0"/>
+              </a:rPr>
+              <a:t>get_image_file_list</a:t>
+            </a:r>
+            <a:r>
+              <a:rPr lang="en-GB" sz="1800" b="0" dirty="0">
+                <a:solidFill>
+                  <a:srgbClr val="CCCCCC"/>
+                </a:solidFill>
+                <a:effectLst/>
+                <a:latin typeface="Consolas" panose="020B0609020204030204" pitchFamily="49" charset="0"/>
+              </a:rPr>
+              <a:t>, </a:t>
+            </a:r>
+            <a:r>
+              <a:rPr lang="en-GB" sz="1800" b="0" dirty="0" err="1">
+                <a:solidFill>
+                  <a:srgbClr val="DCDCAA"/>
+                </a:solidFill>
+                <a:effectLst/>
+                <a:latin typeface="Consolas" panose="020B0609020204030204" pitchFamily="49" charset="0"/>
+              </a:rPr>
+              <a:t>check_and_read_gif</a:t>
+            </a:r>
+            <a:endParaRPr lang="en-GB" sz="1800" b="0" dirty="0">
+              <a:solidFill>
+                <a:srgbClr val="DCDCAA"/>
+              </a:solidFill>
+              <a:effectLst/>
+              <a:latin typeface="Consolas" panose="020B0609020204030204" pitchFamily="49" charset="0"/>
+            </a:endParaRPr>
+          </a:p>
+          <a:p>
+            <a:r>
+              <a:rPr lang="zh-CN" altLang="en-US" sz="1800" b="0" dirty="0">
+                <a:solidFill>
+                  <a:srgbClr val="4EC9B0"/>
+                </a:solidFill>
+                <a:effectLst/>
+                <a:latin typeface="Consolas" panose="020B0609020204030204" pitchFamily="49" charset="0"/>
+              </a:rPr>
+              <a:t>把</a:t>
+            </a:r>
+            <a:r>
+              <a:rPr lang="en-GB" sz="1800" b="0" dirty="0" err="1">
+                <a:solidFill>
+                  <a:srgbClr val="4EC9B0"/>
+                </a:solidFill>
+                <a:effectLst/>
+                <a:latin typeface="Consolas" panose="020B0609020204030204" pitchFamily="49" charset="0"/>
+              </a:rPr>
+              <a:t>pytorchocr</a:t>
+            </a:r>
+            <a:r>
+              <a:rPr lang="en-GB" sz="1800" b="0" dirty="0" err="1">
+                <a:solidFill>
+                  <a:srgbClr val="CCCCCC"/>
+                </a:solidFill>
+                <a:effectLst/>
+                <a:latin typeface="Consolas" panose="020B0609020204030204" pitchFamily="49" charset="0"/>
+              </a:rPr>
+              <a:t>.</a:t>
+            </a:r>
+            <a:r>
+              <a:rPr lang="en-GB" sz="1800" b="0" dirty="0" err="1">
+                <a:solidFill>
+                  <a:srgbClr val="4EC9B0"/>
+                </a:solidFill>
+                <a:effectLst/>
+                <a:latin typeface="Consolas" panose="020B0609020204030204" pitchFamily="49" charset="0"/>
+              </a:rPr>
+              <a:t>utils</a:t>
+            </a:r>
+            <a:r>
+              <a:rPr lang="en-GB" sz="1800" b="0" dirty="0" err="1">
+                <a:solidFill>
+                  <a:srgbClr val="CCCCCC"/>
+                </a:solidFill>
+                <a:effectLst/>
+                <a:latin typeface="Consolas" panose="020B0609020204030204" pitchFamily="49" charset="0"/>
+              </a:rPr>
+              <a:t>.</a:t>
+            </a:r>
+            <a:r>
+              <a:rPr lang="en-GB" sz="1800" b="0" dirty="0" err="1">
+                <a:solidFill>
+                  <a:srgbClr val="4EC9B0"/>
+                </a:solidFill>
+                <a:effectLst/>
+                <a:latin typeface="Consolas" panose="020B0609020204030204" pitchFamily="49" charset="0"/>
+              </a:rPr>
+              <a:t>utility</a:t>
+            </a:r>
+            <a:r>
+              <a:rPr lang="zh-CN" altLang="en-US" sz="1800" b="0" dirty="0">
+                <a:solidFill>
+                  <a:srgbClr val="4EC9B0"/>
+                </a:solidFill>
+                <a:effectLst/>
+                <a:latin typeface="Consolas" panose="020B0609020204030204" pitchFamily="49" charset="0"/>
+              </a:rPr>
+              <a:t>一些</a:t>
+            </a:r>
+            <a:r>
+              <a:rPr lang="en-US" altLang="zh-CN" sz="1800" dirty="0">
+                <a:solidFill>
+                  <a:srgbClr val="4EC9B0"/>
+                </a:solidFill>
+                <a:latin typeface="Consolas" panose="020B0609020204030204" pitchFamily="49" charset="0"/>
+              </a:rPr>
+              <a:t>inference</a:t>
+            </a:r>
+            <a:r>
+              <a:rPr lang="zh-CN" altLang="en-US" sz="1800">
+                <a:solidFill>
+                  <a:srgbClr val="4EC9B0"/>
+                </a:solidFill>
+                <a:latin typeface="Consolas" panose="020B0609020204030204" pitchFamily="49" charset="0"/>
+              </a:rPr>
+              <a:t>細節抄起來就可以了</a:t>
+            </a:r>
+            <a:endParaRPr lang="en-GB" sz="1800" b="0" dirty="0">
+              <a:solidFill>
+                <a:srgbClr val="CCCCCC"/>
+              </a:solidFill>
+              <a:effectLst/>
+              <a:latin typeface="Consolas" panose="020B0609020204030204" pitchFamily="49" charset="0"/>
+            </a:endParaRPr>
+          </a:p>
+          <a:p>
+            <a:endParaRPr lang="en-GB" dirty="0"/>
+          </a:p>
+        </p:txBody>
+      </p:sp>
+    </p:spTree>
+    <p:extLst>
+      <p:ext uri="{BB962C8B-B14F-4D97-AF65-F5344CB8AC3E}">
+        <p14:creationId xmlns:p14="http://schemas.microsoft.com/office/powerpoint/2010/main" val="799057516"/>
       </p:ext>
     </p:extLst>
   </p:cSld>
@@ -9002,7 +9662,7 @@
           <p:cNvPr id="2" name="Title 1">
             <a:extLst>
               <a:ext uri="{FF2B5EF4-FFF2-40B4-BE49-F238E27FC236}">
-                <a16:creationId xmlns:a16="http://schemas.microsoft.com/office/drawing/2014/main" id="{E0CE3A65-3FD8-F76A-CADB-D4431626095D}"/>
+                <a16:creationId xmlns:a16="http://schemas.microsoft.com/office/drawing/2014/main" id="{47EC095D-FC71-34C0-0D6F-8A76CD9CC283}"/>
               </a:ext>
             </a:extLst>
           </p:cNvPr>
@@ -9018,7 +9678,15 @@
           <a:bodyPr/>
           <a:lstStyle/>
           <a:p>
-            <a:endParaRPr lang="en-GB"/>
+            <a:r>
+              <a:rPr lang="zh-CN" altLang="en-US" dirty="0"/>
+              <a:t>儲存</a:t>
+            </a:r>
+            <a:r>
+              <a:rPr lang="en-GB" altLang="zh-CN" dirty="0" err="1"/>
+              <a:t>pth</a:t>
+            </a:r>
+            <a:endParaRPr lang="en-GB" dirty="0"/>
           </a:p>
         </p:txBody>
       </p:sp>
@@ -9027,7 +9695,7 @@
           <p:cNvPr id="3" name="Content Placeholder 2">
             <a:extLst>
               <a:ext uri="{FF2B5EF4-FFF2-40B4-BE49-F238E27FC236}">
-                <a16:creationId xmlns:a16="http://schemas.microsoft.com/office/drawing/2014/main" id="{C6462362-EF96-D3D9-45E3-E66E4EA0FCFE}"/>
+                <a16:creationId xmlns:a16="http://schemas.microsoft.com/office/drawing/2014/main" id="{C4625852-F318-2C3C-CB5E-D10A8A4B16FB}"/>
               </a:ext>
             </a:extLst>
           </p:cNvPr>
@@ -9043,20 +9711,13 @@
           <a:bodyPr/>
           <a:lstStyle/>
           <a:p>
-            <a:pPr marL="0" indent="0">
-              <a:buNone/>
-            </a:pPr>
             <a:r>
               <a:rPr lang="zh-CN" altLang="en-US" dirty="0"/>
-              <a:t>接下來是針對會計模型的新理解， 之後選擇</a:t>
-            </a:r>
-            <a:r>
-              <a:rPr lang="en-GB" altLang="zh-CN" dirty="0"/>
-              <a:t>pretrain model</a:t>
-            </a:r>
-            <a:r>
-              <a:rPr lang="zh-CN" altLang="en-US" dirty="0"/>
-              <a:t>的方向</a:t>
+              <a:t>改</a:t>
+            </a:r>
+            <a:r>
+              <a:rPr lang="en-GB" altLang="zh-CN" dirty="0" err="1"/>
+              <a:t>chekcpoint</a:t>
             </a:r>
             <a:endParaRPr lang="en-GB" dirty="0"/>
           </a:p>
@@ -9065,7 +9726,7 @@
     </p:spTree>
     <p:extLst>
       <p:ext uri="{BB962C8B-B14F-4D97-AF65-F5344CB8AC3E}">
-        <p14:creationId xmlns:p14="http://schemas.microsoft.com/office/powerpoint/2010/main" val="1086669505"/>
+        <p14:creationId xmlns:p14="http://schemas.microsoft.com/office/powerpoint/2010/main" val="946307909"/>
       </p:ext>
     </p:extLst>
   </p:cSld>

--- a/Torch_train.pptx
+++ b/Torch_train.pptx
@@ -5,7 +5,7 @@
     <p:sldMasterId id="2147483648" r:id="rId1"/>
   </p:sldMasterIdLst>
   <p:notesMasterIdLst>
-    <p:notesMasterId r:id="rId21"/>
+    <p:notesMasterId r:id="rId25"/>
   </p:notesMasterIdLst>
   <p:sldIdLst>
     <p:sldId id="256" r:id="rId2"/>
@@ -17,16 +17,20 @@
     <p:sldId id="268" r:id="rId8"/>
     <p:sldId id="269" r:id="rId9"/>
     <p:sldId id="276" r:id="rId10"/>
-    <p:sldId id="273" r:id="rId11"/>
-    <p:sldId id="260" r:id="rId12"/>
-    <p:sldId id="272" r:id="rId13"/>
-    <p:sldId id="263" r:id="rId14"/>
-    <p:sldId id="262" r:id="rId15"/>
-    <p:sldId id="258" r:id="rId16"/>
-    <p:sldId id="259" r:id="rId17"/>
-    <p:sldId id="257" r:id="rId18"/>
-    <p:sldId id="274" r:id="rId19"/>
-    <p:sldId id="275" r:id="rId20"/>
+    <p:sldId id="277" r:id="rId11"/>
+    <p:sldId id="278" r:id="rId12"/>
+    <p:sldId id="279" r:id="rId13"/>
+    <p:sldId id="273" r:id="rId14"/>
+    <p:sldId id="260" r:id="rId15"/>
+    <p:sldId id="272" r:id="rId16"/>
+    <p:sldId id="263" r:id="rId17"/>
+    <p:sldId id="262" r:id="rId18"/>
+    <p:sldId id="258" r:id="rId19"/>
+    <p:sldId id="259" r:id="rId20"/>
+    <p:sldId id="257" r:id="rId21"/>
+    <p:sldId id="274" r:id="rId22"/>
+    <p:sldId id="275" r:id="rId23"/>
+    <p:sldId id="280" r:id="rId24"/>
   </p:sldIdLst>
   <p:sldSz cx="12192000" cy="6858000"/>
   <p:notesSz cx="6858000" cy="9144000"/>
@@ -136,7 +140,7 @@
 <file path=ppt/revisionInfo.xml><?xml version="1.0" encoding="utf-8"?>
 <p1510:revInfo xmlns:a="http://schemas.openxmlformats.org/drawingml/2006/main" xmlns:r="http://schemas.openxmlformats.org/officeDocument/2006/relationships" xmlns:p1510="http://schemas.microsoft.com/office/powerpoint/2015/10/main">
   <p1510:revLst>
-    <p1510:client id="{2C7D7F79-AD93-4ED7-BCDF-8616907FA700}" v="17" dt="2024-05-11T01:25:46.254"/>
+    <p1510:client id="{2C7D7F79-AD93-4ED7-BCDF-8616907FA700}" v="19" dt="2024-05-18T02:28:39.305"/>
   </p1510:revLst>
 </p1510:revInfo>
 </file>
@@ -146,7 +150,7 @@
   <pc:docChgLst>
     <pc:chgData name="Tsai, Ping-Chen" userId="9132b96a-ba54-4186-bc65-f286b02f1bb4" providerId="ADAL" clId="{2C7D7F79-AD93-4ED7-BCDF-8616907FA700}"/>
     <pc:docChg chg="undo custSel addSld delSld modSld sldOrd">
-      <pc:chgData name="Tsai, Ping-Chen" userId="9132b96a-ba54-4186-bc65-f286b02f1bb4" providerId="ADAL" clId="{2C7D7F79-AD93-4ED7-BCDF-8616907FA700}" dt="2024-05-17T00:19:26.868" v="4423" actId="20577"/>
+      <pc:chgData name="Tsai, Ping-Chen" userId="9132b96a-ba54-4186-bc65-f286b02f1bb4" providerId="ADAL" clId="{2C7D7F79-AD93-4ED7-BCDF-8616907FA700}" dt="2024-05-18T13:13:18.586" v="5227" actId="1076"/>
       <pc:docMkLst>
         <pc:docMk/>
       </pc:docMkLst>
@@ -706,7 +710,7 @@
         </pc:spChg>
       </pc:sldChg>
       <pc:sldChg chg="modSp new mod">
-        <pc:chgData name="Tsai, Ping-Chen" userId="9132b96a-ba54-4186-bc65-f286b02f1bb4" providerId="ADAL" clId="{2C7D7F79-AD93-4ED7-BCDF-8616907FA700}" dt="2024-05-17T00:18:42.905" v="4376" actId="20577"/>
+        <pc:chgData name="Tsai, Ping-Chen" userId="9132b96a-ba54-4186-bc65-f286b02f1bb4" providerId="ADAL" clId="{2C7D7F79-AD93-4ED7-BCDF-8616907FA700}" dt="2024-05-18T02:36:21.772" v="4919" actId="20577"/>
         <pc:sldMkLst>
           <pc:docMk/>
           <pc:sldMk cId="946307909" sldId="276"/>
@@ -720,13 +724,105 @@
           </ac:spMkLst>
         </pc:spChg>
         <pc:spChg chg="mod">
-          <ac:chgData name="Tsai, Ping-Chen" userId="9132b96a-ba54-4186-bc65-f286b02f1bb4" providerId="ADAL" clId="{2C7D7F79-AD93-4ED7-BCDF-8616907FA700}" dt="2024-05-17T00:18:42.905" v="4376" actId="20577"/>
+          <ac:chgData name="Tsai, Ping-Chen" userId="9132b96a-ba54-4186-bc65-f286b02f1bb4" providerId="ADAL" clId="{2C7D7F79-AD93-4ED7-BCDF-8616907FA700}" dt="2024-05-18T02:36:21.772" v="4919" actId="20577"/>
           <ac:spMkLst>
             <pc:docMk/>
             <pc:sldMk cId="946307909" sldId="276"/>
             <ac:spMk id="3" creationId="{C4625852-F318-2C3C-CB5E-D10A8A4B16FB}"/>
           </ac:spMkLst>
         </pc:spChg>
+      </pc:sldChg>
+      <pc:sldChg chg="delSp modSp new mod">
+        <pc:chgData name="Tsai, Ping-Chen" userId="9132b96a-ba54-4186-bc65-f286b02f1bb4" providerId="ADAL" clId="{2C7D7F79-AD93-4ED7-BCDF-8616907FA700}" dt="2024-05-18T02:28:54.282" v="4445" actId="403"/>
+        <pc:sldMkLst>
+          <pc:docMk/>
+          <pc:sldMk cId="2515180816" sldId="277"/>
+        </pc:sldMkLst>
+        <pc:spChg chg="mod">
+          <ac:chgData name="Tsai, Ping-Chen" userId="9132b96a-ba54-4186-bc65-f286b02f1bb4" providerId="ADAL" clId="{2C7D7F79-AD93-4ED7-BCDF-8616907FA700}" dt="2024-05-18T02:28:54.282" v="4445" actId="403"/>
+          <ac:spMkLst>
+            <pc:docMk/>
+            <pc:sldMk cId="2515180816" sldId="277"/>
+            <ac:spMk id="2" creationId="{3361E44B-8C18-0705-5C1F-F48C78A02444}"/>
+          </ac:spMkLst>
+        </pc:spChg>
+        <pc:spChg chg="del">
+          <ac:chgData name="Tsai, Ping-Chen" userId="9132b96a-ba54-4186-bc65-f286b02f1bb4" providerId="ADAL" clId="{2C7D7F79-AD93-4ED7-BCDF-8616907FA700}" dt="2024-05-18T02:28:43.073" v="4437" actId="478"/>
+          <ac:spMkLst>
+            <pc:docMk/>
+            <pc:sldMk cId="2515180816" sldId="277"/>
+            <ac:spMk id="3" creationId="{ED3AAA7A-A34E-6DAF-1295-B093F80B1AB6}"/>
+          </ac:spMkLst>
+        </pc:spChg>
+      </pc:sldChg>
+      <pc:sldChg chg="modSp new mod">
+        <pc:chgData name="Tsai, Ping-Chen" userId="9132b96a-ba54-4186-bc65-f286b02f1bb4" providerId="ADAL" clId="{2C7D7F79-AD93-4ED7-BCDF-8616907FA700}" dt="2024-05-18T02:37:56.649" v="4988" actId="21"/>
+        <pc:sldMkLst>
+          <pc:docMk/>
+          <pc:sldMk cId="2051112644" sldId="278"/>
+        </pc:sldMkLst>
+        <pc:spChg chg="mod">
+          <ac:chgData name="Tsai, Ping-Chen" userId="9132b96a-ba54-4186-bc65-f286b02f1bb4" providerId="ADAL" clId="{2C7D7F79-AD93-4ED7-BCDF-8616907FA700}" dt="2024-05-18T02:29:16.693" v="4480" actId="20577"/>
+          <ac:spMkLst>
+            <pc:docMk/>
+            <pc:sldMk cId="2051112644" sldId="278"/>
+            <ac:spMk id="2" creationId="{FD76EAAD-C87C-CBB4-46AD-8EFFD055320B}"/>
+          </ac:spMkLst>
+        </pc:spChg>
+        <pc:spChg chg="mod">
+          <ac:chgData name="Tsai, Ping-Chen" userId="9132b96a-ba54-4186-bc65-f286b02f1bb4" providerId="ADAL" clId="{2C7D7F79-AD93-4ED7-BCDF-8616907FA700}" dt="2024-05-18T02:37:56.649" v="4988" actId="21"/>
+          <ac:spMkLst>
+            <pc:docMk/>
+            <pc:sldMk cId="2051112644" sldId="278"/>
+            <ac:spMk id="3" creationId="{6B023E20-8905-BDCE-C1DC-BFFE206E71F5}"/>
+          </ac:spMkLst>
+        </pc:spChg>
+      </pc:sldChg>
+      <pc:sldChg chg="modSp new mod">
+        <pc:chgData name="Tsai, Ping-Chen" userId="9132b96a-ba54-4186-bc65-f286b02f1bb4" providerId="ADAL" clId="{2C7D7F79-AD93-4ED7-BCDF-8616907FA700}" dt="2024-05-18T02:39:25.905" v="5113" actId="20577"/>
+        <pc:sldMkLst>
+          <pc:docMk/>
+          <pc:sldMk cId="1982158850" sldId="279"/>
+        </pc:sldMkLst>
+        <pc:spChg chg="mod">
+          <ac:chgData name="Tsai, Ping-Chen" userId="9132b96a-ba54-4186-bc65-f286b02f1bb4" providerId="ADAL" clId="{2C7D7F79-AD93-4ED7-BCDF-8616907FA700}" dt="2024-05-18T02:38:08.269" v="5005" actId="20577"/>
+          <ac:spMkLst>
+            <pc:docMk/>
+            <pc:sldMk cId="1982158850" sldId="279"/>
+            <ac:spMk id="2" creationId="{FDADF31C-23B4-D6F8-40D7-1D27908B8498}"/>
+          </ac:spMkLst>
+        </pc:spChg>
+        <pc:spChg chg="mod">
+          <ac:chgData name="Tsai, Ping-Chen" userId="9132b96a-ba54-4186-bc65-f286b02f1bb4" providerId="ADAL" clId="{2C7D7F79-AD93-4ED7-BCDF-8616907FA700}" dt="2024-05-18T02:39:25.905" v="5113" actId="20577"/>
+          <ac:spMkLst>
+            <pc:docMk/>
+            <pc:sldMk cId="1982158850" sldId="279"/>
+            <ac:spMk id="3" creationId="{62C40376-9860-097B-5D9B-314BBC245E51}"/>
+          </ac:spMkLst>
+        </pc:spChg>
+      </pc:sldChg>
+      <pc:sldChg chg="addSp modSp new mod">
+        <pc:chgData name="Tsai, Ping-Chen" userId="9132b96a-ba54-4186-bc65-f286b02f1bb4" providerId="ADAL" clId="{2C7D7F79-AD93-4ED7-BCDF-8616907FA700}" dt="2024-05-18T13:13:18.586" v="5227" actId="1076"/>
+        <pc:sldMkLst>
+          <pc:docMk/>
+          <pc:sldMk cId="4142995315" sldId="280"/>
+        </pc:sldMkLst>
+        <pc:spChg chg="mod">
+          <ac:chgData name="Tsai, Ping-Chen" userId="9132b96a-ba54-4186-bc65-f286b02f1bb4" providerId="ADAL" clId="{2C7D7F79-AD93-4ED7-BCDF-8616907FA700}" dt="2024-05-18T13:13:16.291" v="5226" actId="14100"/>
+          <ac:spMkLst>
+            <pc:docMk/>
+            <pc:sldMk cId="4142995315" sldId="280"/>
+            <ac:spMk id="3" creationId="{E533BD1D-B8F0-A0E0-B60A-0FCBBE8832CB}"/>
+          </ac:spMkLst>
+        </pc:spChg>
+        <pc:picChg chg="add mod">
+          <ac:chgData name="Tsai, Ping-Chen" userId="9132b96a-ba54-4186-bc65-f286b02f1bb4" providerId="ADAL" clId="{2C7D7F79-AD93-4ED7-BCDF-8616907FA700}" dt="2024-05-18T13:13:18.586" v="5227" actId="1076"/>
+          <ac:picMkLst>
+            <pc:docMk/>
+            <pc:sldMk cId="4142995315" sldId="280"/>
+            <ac:picMk id="5" creationId="{36207A26-01DE-5D33-6CCA-A176A5DB403F}"/>
+          </ac:picMkLst>
+        </pc:picChg>
       </pc:sldChg>
     </pc:docChg>
   </pc:docChgLst>
@@ -815,7 +911,7 @@
           <a:p>
             <a:fld id="{A6298B40-4180-456B-A5CA-A0ABF6427B13}" type="datetimeFigureOut">
               <a:rPr lang="en-GB" smtClean="0"/>
-              <a:t>17/05/2024</a:t>
+              <a:t>18/05/2024</a:t>
             </a:fld>
             <a:endParaRPr lang="en-GB"/>
           </a:p>
@@ -1182,7 +1278,7 @@
           <a:p>
             <a:fld id="{EEB4BD81-C856-4760-9842-D621A7A4E6F7}" type="slidenum">
               <a:rPr lang="en-GB" smtClean="0"/>
-              <a:t>17</a:t>
+              <a:t>20</a:t>
             </a:fld>
             <a:endParaRPr lang="en-GB"/>
           </a:p>
@@ -1350,7 +1446,7 @@
           <a:p>
             <a:fld id="{E5ACA199-D8D1-4546-831D-8EFC18AA6159}" type="datetimeFigureOut">
               <a:rPr lang="en-GB" smtClean="0"/>
-              <a:t>17/05/2024</a:t>
+              <a:t>18/05/2024</a:t>
             </a:fld>
             <a:endParaRPr lang="en-GB"/>
           </a:p>
@@ -1550,7 +1646,7 @@
           <a:p>
             <a:fld id="{E5ACA199-D8D1-4546-831D-8EFC18AA6159}" type="datetimeFigureOut">
               <a:rPr lang="en-GB" smtClean="0"/>
-              <a:t>17/05/2024</a:t>
+              <a:t>18/05/2024</a:t>
             </a:fld>
             <a:endParaRPr lang="en-GB"/>
           </a:p>
@@ -1760,7 +1856,7 @@
           <a:p>
             <a:fld id="{E5ACA199-D8D1-4546-831D-8EFC18AA6159}" type="datetimeFigureOut">
               <a:rPr lang="en-GB" smtClean="0"/>
-              <a:t>17/05/2024</a:t>
+              <a:t>18/05/2024</a:t>
             </a:fld>
             <a:endParaRPr lang="en-GB"/>
           </a:p>
@@ -1960,7 +2056,7 @@
           <a:p>
             <a:fld id="{E5ACA199-D8D1-4546-831D-8EFC18AA6159}" type="datetimeFigureOut">
               <a:rPr lang="en-GB" smtClean="0"/>
-              <a:t>17/05/2024</a:t>
+              <a:t>18/05/2024</a:t>
             </a:fld>
             <a:endParaRPr lang="en-GB"/>
           </a:p>
@@ -2236,7 +2332,7 @@
           <a:p>
             <a:fld id="{E5ACA199-D8D1-4546-831D-8EFC18AA6159}" type="datetimeFigureOut">
               <a:rPr lang="en-GB" smtClean="0"/>
-              <a:t>17/05/2024</a:t>
+              <a:t>18/05/2024</a:t>
             </a:fld>
             <a:endParaRPr lang="en-GB"/>
           </a:p>
@@ -2504,7 +2600,7 @@
           <a:p>
             <a:fld id="{E5ACA199-D8D1-4546-831D-8EFC18AA6159}" type="datetimeFigureOut">
               <a:rPr lang="en-GB" smtClean="0"/>
-              <a:t>17/05/2024</a:t>
+              <a:t>18/05/2024</a:t>
             </a:fld>
             <a:endParaRPr lang="en-GB"/>
           </a:p>
@@ -2919,7 +3015,7 @@
           <a:p>
             <a:fld id="{E5ACA199-D8D1-4546-831D-8EFC18AA6159}" type="datetimeFigureOut">
               <a:rPr lang="en-GB" smtClean="0"/>
-              <a:t>17/05/2024</a:t>
+              <a:t>18/05/2024</a:t>
             </a:fld>
             <a:endParaRPr lang="en-GB"/>
           </a:p>
@@ -3061,7 +3157,7 @@
           <a:p>
             <a:fld id="{E5ACA199-D8D1-4546-831D-8EFC18AA6159}" type="datetimeFigureOut">
               <a:rPr lang="en-GB" smtClean="0"/>
-              <a:t>17/05/2024</a:t>
+              <a:t>18/05/2024</a:t>
             </a:fld>
             <a:endParaRPr lang="en-GB"/>
           </a:p>
@@ -3174,7 +3270,7 @@
           <a:p>
             <a:fld id="{E5ACA199-D8D1-4546-831D-8EFC18AA6159}" type="datetimeFigureOut">
               <a:rPr lang="en-GB" smtClean="0"/>
-              <a:t>17/05/2024</a:t>
+              <a:t>18/05/2024</a:t>
             </a:fld>
             <a:endParaRPr lang="en-GB"/>
           </a:p>
@@ -3487,7 +3583,7 @@
           <a:p>
             <a:fld id="{E5ACA199-D8D1-4546-831D-8EFC18AA6159}" type="datetimeFigureOut">
               <a:rPr lang="en-GB" smtClean="0"/>
-              <a:t>17/05/2024</a:t>
+              <a:t>18/05/2024</a:t>
             </a:fld>
             <a:endParaRPr lang="en-GB"/>
           </a:p>
@@ -3776,7 +3872,7 @@
           <a:p>
             <a:fld id="{E5ACA199-D8D1-4546-831D-8EFC18AA6159}" type="datetimeFigureOut">
               <a:rPr lang="en-GB" smtClean="0"/>
-              <a:t>17/05/2024</a:t>
+              <a:t>18/05/2024</a:t>
             </a:fld>
             <a:endParaRPr lang="en-GB"/>
           </a:p>
@@ -4019,7 +4115,7 @@
           <a:p>
             <a:fld id="{E5ACA199-D8D1-4546-831D-8EFC18AA6159}" type="datetimeFigureOut">
               <a:rPr lang="en-GB" smtClean="0"/>
-              <a:t>17/05/2024</a:t>
+              <a:t>18/05/2024</a:t>
             </a:fld>
             <a:endParaRPr lang="en-GB"/>
           </a:p>
@@ -4625,7 +4721,7 @@
           <p:cNvPr id="2" name="Title 1">
             <a:extLst>
               <a:ext uri="{FF2B5EF4-FFF2-40B4-BE49-F238E27FC236}">
-                <a16:creationId xmlns:a16="http://schemas.microsoft.com/office/drawing/2014/main" id="{E0CE3A65-3FD8-F76A-CADB-D4431626095D}"/>
+                <a16:creationId xmlns:a16="http://schemas.microsoft.com/office/drawing/2014/main" id="{3361E44B-8C18-0705-5C1F-F48C78A02444}"/>
               </a:ext>
             </a:extLst>
           </p:cNvPr>
@@ -4636,59 +4732,31 @@
             <p:ph type="title"/>
           </p:nvPr>
         </p:nvSpPr>
-        <p:spPr/>
-        <p:txBody>
-          <a:bodyPr/>
+        <p:spPr>
+          <a:xfrm>
+            <a:off x="838200" y="2342205"/>
+            <a:ext cx="10515600" cy="1325563"/>
+          </a:xfrm>
+        </p:spPr>
+        <p:txBody>
+          <a:bodyPr>
+            <a:normAutofit/>
+          </a:bodyPr>
           <a:lstStyle/>
           <a:p>
-            <a:endParaRPr lang="en-GB"/>
-          </a:p>
-        </p:txBody>
-      </p:sp>
-      <p:sp>
-        <p:nvSpPr>
-          <p:cNvPr id="3" name="Content Placeholder 2">
-            <a:extLst>
-              <a:ext uri="{FF2B5EF4-FFF2-40B4-BE49-F238E27FC236}">
-                <a16:creationId xmlns:a16="http://schemas.microsoft.com/office/drawing/2014/main" id="{C6462362-EF96-D3D9-45E3-E66E4EA0FCFE}"/>
-              </a:ext>
-            </a:extLst>
-          </p:cNvPr>
-          <p:cNvSpPr>
-            <a:spLocks noGrp="1"/>
-          </p:cNvSpPr>
-          <p:nvPr>
-            <p:ph idx="1"/>
-          </p:nvPr>
-        </p:nvSpPr>
-        <p:spPr/>
-        <p:txBody>
-          <a:bodyPr/>
-          <a:lstStyle/>
-          <a:p>
-            <a:pPr marL="0" indent="0">
-              <a:buNone/>
-            </a:pPr>
-            <a:r>
-              <a:rPr lang="zh-CN" altLang="en-US" dirty="0"/>
-              <a:t>接下來是針對會計模型的新理解， 之後選擇</a:t>
-            </a:r>
-            <a:r>
-              <a:rPr lang="en-GB" altLang="zh-CN" dirty="0"/>
-              <a:t>pretrain model</a:t>
-            </a:r>
-            <a:r>
-              <a:rPr lang="zh-CN" altLang="en-US" dirty="0"/>
-              <a:t>的方向</a:t>
-            </a:r>
-            <a:endParaRPr lang="en-GB" dirty="0"/>
+            <a:pPr algn="ctr"/>
+            <a:r>
+              <a:rPr lang="en-US" altLang="zh-CN" sz="6600" b="1" dirty="0"/>
+              <a:t>Inference</a:t>
+            </a:r>
+            <a:endParaRPr lang="en-GB" sz="6600" b="1" dirty="0"/>
           </a:p>
         </p:txBody>
       </p:sp>
     </p:spTree>
     <p:extLst>
       <p:ext uri="{BB962C8B-B14F-4D97-AF65-F5344CB8AC3E}">
-        <p14:creationId xmlns:p14="http://schemas.microsoft.com/office/powerpoint/2010/main" val="1086669505"/>
+        <p14:creationId xmlns:p14="http://schemas.microsoft.com/office/powerpoint/2010/main" val="2515180816"/>
       </p:ext>
     </p:extLst>
   </p:cSld>
@@ -4720,7 +4788,7 @@
           <p:cNvPr id="2" name="Title 1">
             <a:extLst>
               <a:ext uri="{FF2B5EF4-FFF2-40B4-BE49-F238E27FC236}">
-                <a16:creationId xmlns:a16="http://schemas.microsoft.com/office/drawing/2014/main" id="{129ED01F-5074-B08C-828E-F9E3BD65AFDD}"/>
+                <a16:creationId xmlns:a16="http://schemas.microsoft.com/office/drawing/2014/main" id="{FD76EAAD-C87C-CBB4-46AD-8EFFD055320B}"/>
               </a:ext>
             </a:extLst>
           </p:cNvPr>
@@ -4737,12 +4805,12 @@
           <a:lstStyle/>
           <a:p>
             <a:r>
+              <a:rPr lang="en-US" altLang="zh-CN" dirty="0"/>
+              <a:t>Inference 1</a:t>
+            </a:r>
+            <a:r>
               <a:rPr lang="zh-CN" altLang="en-US" dirty="0"/>
-              <a:t>會計</a:t>
-            </a:r>
-            <a:r>
-              <a:rPr lang="en-GB" altLang="zh-CN" dirty="0"/>
-              <a:t>OCR Pretrain model</a:t>
+              <a:t>幅圖</a:t>
             </a:r>
             <a:endParaRPr lang="en-GB" dirty="0"/>
           </a:p>
@@ -4753,7 +4821,7 @@
           <p:cNvPr id="3" name="Content Placeholder 2">
             <a:extLst>
               <a:ext uri="{FF2B5EF4-FFF2-40B4-BE49-F238E27FC236}">
-                <a16:creationId xmlns:a16="http://schemas.microsoft.com/office/drawing/2014/main" id="{2C5FE571-7C50-C311-2D4B-3E40ABB6F952}"/>
+                <a16:creationId xmlns:a16="http://schemas.microsoft.com/office/drawing/2014/main" id="{6B023E20-8905-BDCE-C1DC-BFFE206E71F5}"/>
               </a:ext>
             </a:extLst>
           </p:cNvPr>
@@ -4764,533 +4832,84 @@
             <p:ph idx="1"/>
           </p:nvPr>
         </p:nvSpPr>
-        <p:spPr>
-          <a:xfrm>
-            <a:off x="838200" y="1825624"/>
-            <a:ext cx="10879318" cy="4791992"/>
-          </a:xfrm>
-        </p:spPr>
-        <p:txBody>
-          <a:bodyPr>
-            <a:normAutofit fontScale="92500" lnSpcReduction="10000"/>
-          </a:bodyPr>
+        <p:spPr/>
+        <p:txBody>
+          <a:bodyPr/>
           <a:lstStyle/>
           <a:p>
             <a:r>
-              <a:rPr lang="en-GB" altLang="zh-CN" b="1" dirty="0">
-                <a:solidFill>
-                  <a:srgbClr val="1F2328"/>
-                </a:solidFill>
-                <a:latin typeface="-apple-system"/>
-              </a:rPr>
-              <a:t>Dataset</a:t>
-            </a:r>
-            <a:r>
-              <a:rPr lang="zh-CN" altLang="en-US" b="1" dirty="0">
-                <a:solidFill>
-                  <a:srgbClr val="1F2328"/>
-                </a:solidFill>
-                <a:latin typeface="-apple-system"/>
-              </a:rPr>
-              <a:t>關鍵詞：</a:t>
-            </a:r>
-            <a:r>
-              <a:rPr lang="en-GB" altLang="zh-CN" b="1" dirty="0">
-                <a:solidFill>
-                  <a:srgbClr val="1F2328"/>
-                </a:solidFill>
-                <a:latin typeface="-apple-system"/>
-                <a:hlinkClick r:id="rId2"/>
-              </a:rPr>
-              <a:t>Key Information Extraction (KIE)</a:t>
-            </a:r>
-            <a:r>
-              <a:rPr lang="en-GB" altLang="zh-CN" b="1" dirty="0">
-                <a:solidFill>
-                  <a:srgbClr val="1F2328"/>
-                </a:solidFill>
-                <a:latin typeface="-apple-system"/>
-              </a:rPr>
-              <a:t> from </a:t>
-            </a:r>
-            <a:r>
-              <a:rPr lang="en-GB" altLang="zh-CN" b="1" dirty="0" err="1">
-                <a:solidFill>
-                  <a:srgbClr val="1F2328"/>
-                </a:solidFill>
-                <a:latin typeface="-apple-system"/>
-              </a:rPr>
-              <a:t>Ppstructure</a:t>
-            </a:r>
-            <a:endParaRPr lang="en-GB" altLang="zh-CN" b="1" dirty="0">
-              <a:solidFill>
-                <a:srgbClr val="1F2328"/>
-              </a:solidFill>
-              <a:latin typeface="-apple-system"/>
-            </a:endParaRPr>
-          </a:p>
-          <a:p>
-            <a:r>
-              <a:rPr lang="zh-CN" altLang="en-US" dirty="0">
-                <a:solidFill>
-                  <a:srgbClr val="1F2328"/>
-                </a:solidFill>
-                <a:latin typeface="-apple-system"/>
-              </a:rPr>
-              <a:t>目標：</a:t>
-            </a:r>
-            <a:r>
-              <a:rPr lang="zh-CN" altLang="en-US" b="0" i="0" dirty="0">
-                <a:solidFill>
-                  <a:srgbClr val="1F2328"/>
-                </a:solidFill>
-                <a:effectLst/>
-                <a:latin typeface="-apple-system"/>
-              </a:rPr>
-              <a:t>語義識別</a:t>
-            </a:r>
-            <a:r>
-              <a:rPr lang="zh-TW" altLang="en-US" b="0" i="0" dirty="0">
-                <a:solidFill>
-                  <a:srgbClr val="1F2328"/>
-                </a:solidFill>
-                <a:effectLst/>
-                <a:latin typeface="-apple-system"/>
-              </a:rPr>
-              <a:t> </a:t>
-            </a:r>
-            <a:r>
-              <a:rPr lang="en-US" altLang="zh-TW" b="0" i="0" dirty="0">
-                <a:solidFill>
-                  <a:srgbClr val="1F2328"/>
-                </a:solidFill>
-                <a:effectLst/>
-                <a:latin typeface="-apple-system"/>
-              </a:rPr>
-              <a:t>(</a:t>
-            </a:r>
-            <a:r>
-              <a:rPr lang="en-GB" b="0" i="0" dirty="0">
-                <a:solidFill>
-                  <a:srgbClr val="1F2328"/>
-                </a:solidFill>
-                <a:effectLst/>
-                <a:latin typeface="-apple-system"/>
-              </a:rPr>
-              <a:t>Semantic Entity Recognition, SER) </a:t>
-            </a:r>
-            <a:r>
-              <a:rPr lang="zh-CN" altLang="en-US" dirty="0">
-                <a:solidFill>
-                  <a:srgbClr val="1F2328"/>
-                </a:solidFill>
-                <a:latin typeface="-apple-system"/>
-              </a:rPr>
-              <a:t>以及</a:t>
-            </a:r>
-            <a:r>
-              <a:rPr lang="zh-CN" altLang="en-US" b="0" i="0" dirty="0">
-                <a:solidFill>
-                  <a:srgbClr val="1F2328"/>
-                </a:solidFill>
-                <a:effectLst/>
-                <a:latin typeface="-apple-system"/>
-              </a:rPr>
-              <a:t>關係抽取</a:t>
-            </a:r>
-            <a:r>
-              <a:rPr lang="en-US" altLang="zh-TW" b="0" i="0" dirty="0">
-                <a:solidFill>
-                  <a:srgbClr val="1F2328"/>
-                </a:solidFill>
-                <a:effectLst/>
-                <a:latin typeface="-apple-system"/>
-              </a:rPr>
-              <a:t>(</a:t>
-            </a:r>
-            <a:r>
-              <a:rPr lang="en-GB" b="0" i="0" dirty="0">
-                <a:solidFill>
-                  <a:srgbClr val="1F2328"/>
-                </a:solidFill>
-                <a:effectLst/>
-                <a:latin typeface="-apple-system"/>
-              </a:rPr>
-              <a:t>Relation Extraction, RE) </a:t>
-            </a:r>
-          </a:p>
-          <a:p>
-            <a:pPr lvl="1"/>
-            <a:r>
-              <a:rPr lang="zh-TW" altLang="en-US" dirty="0">
-                <a:solidFill>
-                  <a:srgbClr val="1F2328"/>
-                </a:solidFill>
-                <a:latin typeface="-apple-system"/>
-              </a:rPr>
-              <a:t>基於 </a:t>
-            </a:r>
-            <a:r>
-              <a:rPr lang="en-US" altLang="zh-TW" dirty="0">
-                <a:solidFill>
-                  <a:srgbClr val="1F2328"/>
-                </a:solidFill>
-                <a:latin typeface="-apple-system"/>
-              </a:rPr>
-              <a:t>SER </a:t>
-            </a:r>
-            <a:r>
-              <a:rPr lang="zh-TW" altLang="en-US" dirty="0">
-                <a:solidFill>
-                  <a:srgbClr val="1F2328"/>
-                </a:solidFill>
-                <a:latin typeface="-apple-system"/>
-              </a:rPr>
-              <a:t>任務，可以完成對圖像中的文本</a:t>
-            </a:r>
-            <a:r>
-              <a:rPr lang="zh-CN" altLang="en-US" dirty="0">
-                <a:solidFill>
-                  <a:srgbClr val="1F2328"/>
-                </a:solidFill>
-                <a:latin typeface="-apple-system"/>
-              </a:rPr>
-              <a:t>識別</a:t>
-            </a:r>
-            <a:r>
-              <a:rPr lang="zh-TW" altLang="en-US" dirty="0">
-                <a:solidFill>
-                  <a:srgbClr val="1F2328"/>
-                </a:solidFill>
-                <a:latin typeface="-apple-system"/>
-              </a:rPr>
-              <a:t>與</a:t>
-            </a:r>
-            <a:r>
-              <a:rPr lang="zh-CN" altLang="en-US" dirty="0">
-                <a:solidFill>
-                  <a:srgbClr val="1F2328"/>
-                </a:solidFill>
-                <a:latin typeface="-apple-system"/>
-              </a:rPr>
-              <a:t>分類</a:t>
-            </a:r>
-            <a:r>
-              <a:rPr lang="zh-TW" altLang="en-US" dirty="0">
-                <a:solidFill>
-                  <a:srgbClr val="1F2328"/>
-                </a:solidFill>
-                <a:latin typeface="-apple-system"/>
-              </a:rPr>
-              <a:t>；</a:t>
-            </a:r>
-            <a:endParaRPr lang="en-GB" altLang="zh-TW" dirty="0">
-              <a:solidFill>
-                <a:srgbClr val="1F2328"/>
-              </a:solidFill>
-              <a:latin typeface="-apple-system"/>
-            </a:endParaRPr>
-          </a:p>
-          <a:p>
-            <a:pPr lvl="1"/>
-            <a:r>
-              <a:rPr lang="zh-TW" altLang="en-US" dirty="0">
-                <a:solidFill>
-                  <a:srgbClr val="1F2328"/>
-                </a:solidFill>
-                <a:latin typeface="-apple-system"/>
-              </a:rPr>
-              <a:t>基於 </a:t>
-            </a:r>
-            <a:r>
-              <a:rPr lang="en-US" altLang="zh-TW" dirty="0">
-                <a:solidFill>
-                  <a:srgbClr val="1F2328"/>
-                </a:solidFill>
-                <a:latin typeface="-apple-system"/>
-              </a:rPr>
-              <a:t>RE </a:t>
-            </a:r>
-            <a:r>
-              <a:rPr lang="zh-TW" altLang="en-US" dirty="0">
-                <a:solidFill>
-                  <a:srgbClr val="1F2328"/>
-                </a:solidFill>
-                <a:latin typeface="-apple-system"/>
-              </a:rPr>
-              <a:t>任務，可以完成對圖象中的文本內容的關繫提取，如判斷問題對</a:t>
-            </a:r>
-            <a:r>
-              <a:rPr lang="en-US" altLang="zh-TW" dirty="0">
-                <a:solidFill>
-                  <a:srgbClr val="1F2328"/>
-                </a:solidFill>
-                <a:latin typeface="-apple-system"/>
-              </a:rPr>
-              <a:t>(problem pair)</a:t>
-            </a:r>
-            <a:r>
-              <a:rPr lang="zh-TW" altLang="en-US" dirty="0">
-                <a:solidFill>
-                  <a:srgbClr val="1F2328"/>
-                </a:solidFill>
-                <a:latin typeface="-apple-system"/>
-              </a:rPr>
-              <a:t>。</a:t>
-            </a:r>
-            <a:endParaRPr lang="en-GB" dirty="0">
-              <a:solidFill>
-                <a:srgbClr val="1F2328"/>
-              </a:solidFill>
-              <a:latin typeface="-apple-system"/>
-            </a:endParaRPr>
-          </a:p>
-          <a:p>
-            <a:r>
-              <a:rPr lang="zh-CN" altLang="en-US" dirty="0">
-                <a:solidFill>
-                  <a:srgbClr val="1F2328"/>
-                </a:solidFill>
-                <a:latin typeface="-apple-system"/>
-              </a:rPr>
-              <a:t>實現方法：</a:t>
-            </a:r>
-            <a:r>
-              <a:rPr lang="en-GB" dirty="0">
-                <a:solidFill>
-                  <a:srgbClr val="1F2328"/>
-                </a:solidFill>
-                <a:latin typeface="-apple-system"/>
-              </a:rPr>
-              <a:t>M</a:t>
-            </a:r>
-            <a:r>
-              <a:rPr lang="en-GB" b="0" i="0" dirty="0">
-                <a:solidFill>
-                  <a:srgbClr val="1F2328"/>
-                </a:solidFill>
-                <a:effectLst/>
-                <a:latin typeface="-apple-system"/>
-              </a:rPr>
-              <a:t>ulti-modal methods such as </a:t>
-            </a:r>
-            <a:r>
-              <a:rPr lang="en-GB" b="0" i="0" u="sng" dirty="0" err="1">
-                <a:solidFill>
-                  <a:srgbClr val="1F2328"/>
-                </a:solidFill>
-                <a:effectLst/>
-                <a:latin typeface="-apple-system"/>
-                <a:hlinkClick r:id="rId3"/>
-              </a:rPr>
-              <a:t>LayoutXLM</a:t>
-            </a:r>
-            <a:r>
-              <a:rPr lang="en-GB" b="0" i="0" dirty="0">
-                <a:solidFill>
-                  <a:srgbClr val="1F2328"/>
-                </a:solidFill>
-                <a:effectLst/>
-                <a:latin typeface="-apple-system"/>
-              </a:rPr>
-              <a:t>, VI-</a:t>
-            </a:r>
-            <a:r>
-              <a:rPr lang="en-GB" b="0" i="0" dirty="0" err="1">
-                <a:solidFill>
-                  <a:srgbClr val="1F2328"/>
-                </a:solidFill>
-                <a:effectLst/>
-                <a:latin typeface="-apple-system"/>
-              </a:rPr>
-              <a:t>LayoutXLM</a:t>
-            </a:r>
-            <a:r>
-              <a:rPr lang="en-GB" b="0" i="0" dirty="0">
-                <a:solidFill>
-                  <a:srgbClr val="1F2328"/>
-                </a:solidFill>
-                <a:effectLst/>
-                <a:latin typeface="-apple-system"/>
-              </a:rPr>
-              <a:t>, and PP-OCR inference engine</a:t>
-            </a:r>
-          </a:p>
-          <a:p>
-            <a:r>
-              <a:rPr lang="en-GB" altLang="zh-CN" dirty="0">
-                <a:solidFill>
-                  <a:srgbClr val="1F2328"/>
-                </a:solidFill>
-                <a:latin typeface="-apple-system"/>
-              </a:rPr>
-              <a:t>Inference</a:t>
-            </a:r>
-            <a:r>
-              <a:rPr lang="zh-CN" altLang="en-US" dirty="0">
-                <a:solidFill>
-                  <a:srgbClr val="1F2328"/>
-                </a:solidFill>
-                <a:latin typeface="-apple-system"/>
-              </a:rPr>
-              <a:t>案例：</a:t>
-            </a:r>
-            <a:r>
-              <a:rPr lang="en-US" altLang="zh-CN" dirty="0" err="1">
-                <a:solidFill>
-                  <a:srgbClr val="1F2328"/>
-                </a:solidFill>
-                <a:latin typeface="-apple-system"/>
-              </a:rPr>
-              <a:t>LayoutXLM</a:t>
-            </a:r>
-            <a:r>
-              <a:rPr lang="en-US" altLang="zh-CN" dirty="0">
-                <a:solidFill>
-                  <a:srgbClr val="1F2328"/>
-                </a:solidFill>
-                <a:latin typeface="-apple-system"/>
-              </a:rPr>
-              <a:t>  </a:t>
-            </a:r>
-            <a:r>
-              <a:rPr lang="en-US" altLang="zh-CN" dirty="0">
-                <a:solidFill>
-                  <a:srgbClr val="1F2328"/>
-                </a:solidFill>
-                <a:latin typeface="-apple-system"/>
-                <a:hlinkClick r:id="rId4"/>
-              </a:rPr>
-              <a:t>Torch inference tutorial</a:t>
-            </a:r>
-            <a:endParaRPr lang="en-US" altLang="zh-CN" dirty="0">
-              <a:solidFill>
-                <a:srgbClr val="1F2328"/>
-              </a:solidFill>
-              <a:latin typeface="-apple-system"/>
-            </a:endParaRPr>
-          </a:p>
-          <a:p>
-            <a:r>
-              <a:rPr lang="zh-CN" altLang="en-US" dirty="0">
-                <a:solidFill>
-                  <a:srgbClr val="1F2328"/>
-                </a:solidFill>
-                <a:latin typeface="-apple-system"/>
-              </a:rPr>
-              <a:t>配置文檔</a:t>
-            </a:r>
-            <a:r>
-              <a:rPr lang="en-GB" altLang="zh-CN" dirty="0">
-                <a:solidFill>
-                  <a:srgbClr val="1F2328"/>
-                </a:solidFill>
-                <a:latin typeface="-apple-system"/>
-              </a:rPr>
-              <a:t>(.</a:t>
-            </a:r>
-            <a:r>
-              <a:rPr lang="en-GB" altLang="zh-CN" dirty="0" err="1">
-                <a:solidFill>
-                  <a:srgbClr val="1F2328"/>
-                </a:solidFill>
-                <a:latin typeface="-apple-system"/>
-              </a:rPr>
-              <a:t>yml</a:t>
-            </a:r>
-            <a:r>
-              <a:rPr lang="en-GB" altLang="zh-CN" dirty="0">
-                <a:solidFill>
-                  <a:srgbClr val="1F2328"/>
-                </a:solidFill>
-                <a:latin typeface="-apple-system"/>
-              </a:rPr>
-              <a:t>)</a:t>
-            </a:r>
-            <a:r>
-              <a:rPr lang="zh-CN" altLang="en-US" dirty="0">
-                <a:solidFill>
-                  <a:srgbClr val="1F2328"/>
-                </a:solidFill>
-                <a:latin typeface="-apple-system"/>
-              </a:rPr>
-              <a:t>： </a:t>
-            </a:r>
-            <a:r>
-              <a:rPr lang="en-US" altLang="zh-CN" dirty="0" err="1">
-                <a:solidFill>
-                  <a:srgbClr val="1F2328"/>
-                </a:solidFill>
-                <a:latin typeface="-apple-system"/>
-                <a:hlinkClick r:id="rId5"/>
-              </a:rPr>
-              <a:t>LayoutXLM.yml</a:t>
-            </a:r>
-            <a:endParaRPr lang="en-US" altLang="zh-CN" dirty="0">
-              <a:solidFill>
-                <a:srgbClr val="1F2328"/>
-              </a:solidFill>
-              <a:latin typeface="-apple-system"/>
-            </a:endParaRPr>
-          </a:p>
-          <a:p>
-            <a:r>
-              <a:rPr lang="zh-CN" altLang="en-US" b="0" i="0" dirty="0">
-                <a:solidFill>
-                  <a:srgbClr val="1F2328"/>
-                </a:solidFill>
-                <a:effectLst/>
-                <a:latin typeface="-apple-system"/>
-              </a:rPr>
-              <a:t>開心：從</a:t>
-            </a:r>
-            <a:r>
-              <a:rPr lang="en-US" altLang="zh-CN" dirty="0" err="1">
-                <a:solidFill>
-                  <a:srgbClr val="1F2328"/>
-                </a:solidFill>
-                <a:latin typeface="-apple-system"/>
-              </a:rPr>
-              <a:t>LayoutXLM.yml</a:t>
-            </a:r>
-            <a:r>
-              <a:rPr lang="zh-CN" altLang="en-US" dirty="0">
-                <a:solidFill>
-                  <a:srgbClr val="1F2328"/>
-                </a:solidFill>
-                <a:latin typeface="-apple-system"/>
-              </a:rPr>
-              <a:t>可得知，</a:t>
-            </a:r>
-            <a:r>
-              <a:rPr lang="en-GB" altLang="zh-CN" dirty="0">
-                <a:solidFill>
-                  <a:srgbClr val="1F2328"/>
-                </a:solidFill>
-                <a:latin typeface="-apple-system"/>
-              </a:rPr>
-              <a:t>training</a:t>
-            </a:r>
-            <a:r>
-              <a:rPr lang="zh-CN" altLang="en-US" dirty="0">
-                <a:solidFill>
-                  <a:srgbClr val="1F2328"/>
-                </a:solidFill>
-                <a:latin typeface="-apple-system"/>
-              </a:rPr>
-              <a:t>的時候也是</a:t>
-            </a:r>
-            <a:r>
-              <a:rPr lang="en-US" altLang="zh-CN" dirty="0" err="1"/>
-              <a:t>simple_dataset</a:t>
+              <a:rPr lang="zh-CN" altLang="en-US" dirty="0"/>
+              <a:t>指令</a:t>
+            </a:r>
+            <a:endParaRPr lang="en-GB" altLang="zh-CN" dirty="0"/>
+          </a:p>
+          <a:p>
+            <a:pPr marL="0" indent="0">
+              <a:buNone/>
+            </a:pPr>
+            <a:r>
+              <a:rPr lang="en-US" dirty="0"/>
+              <a:t>&gt;</a:t>
             </a:r>
             <a:r>
               <a:rPr lang="en-GB" dirty="0"/>
-              <a:t>.</a:t>
+              <a:t>python.exe ./tools/infer/predict_det.py --</a:t>
             </a:r>
             <a:r>
               <a:rPr lang="en-GB" dirty="0" err="1"/>
-              <a:t>py</a:t>
+              <a:t>image_dir</a:t>
+            </a:r>
+            <a:r>
+              <a:rPr lang="en-GB" dirty="0"/>
+              <a:t> ./dataset/icdar2015/</a:t>
+            </a:r>
+            <a:r>
+              <a:rPr lang="en-GB" dirty="0" err="1"/>
+              <a:t>text_localization</a:t>
+            </a:r>
+            <a:r>
+              <a:rPr lang="en-GB" dirty="0"/>
+              <a:t>/icdar_c4_train_imgs/img_967.jpg --</a:t>
+            </a:r>
+            <a:r>
+              <a:rPr lang="en-GB" dirty="0" err="1"/>
+              <a:t>det_model_path</a:t>
+            </a:r>
+            <a:r>
+              <a:rPr lang="en-GB" dirty="0"/>
+              <a:t> ./output/det_r50_vd/</a:t>
+            </a:r>
+            <a:r>
+              <a:rPr lang="en-GB" dirty="0" err="1"/>
+              <a:t>best_accuracy</a:t>
+            </a:r>
+            <a:r>
+              <a:rPr lang="en-GB" dirty="0"/>
+              <a:t>/Epoch_1_accOCR.pth --</a:t>
+            </a:r>
+            <a:r>
+              <a:rPr lang="en-GB" dirty="0" err="1"/>
+              <a:t>det_yaml_path</a:t>
+            </a:r>
+            <a:r>
+              <a:rPr lang="en-GB" dirty="0"/>
+              <a:t> ./configs/det/det_r50_vd_db.yml</a:t>
+            </a:r>
+          </a:p>
+          <a:p>
+            <a:pPr marL="0" indent="0">
+              <a:buNone/>
+            </a:pPr>
+            <a:endParaRPr lang="en-GB" dirty="0"/>
+          </a:p>
+          <a:p>
+            <a:r>
+              <a:rPr lang="en-GB" dirty="0"/>
+              <a:t>--</a:t>
+            </a:r>
+            <a:r>
+              <a:rPr lang="en-GB" dirty="0" err="1"/>
+              <a:t>det_model_path</a:t>
             </a:r>
             <a:r>
               <a:rPr lang="en-GB" dirty="0"/>
@@ -5298,35 +4917,21 @@
             </a:r>
             <a:r>
               <a:rPr lang="zh-CN" altLang="en-US" dirty="0"/>
-              <a:t>作爲</a:t>
+              <a:t>可以指定所使用的 </a:t>
+            </a:r>
+            <a:r>
+              <a:rPr lang="en-GB" altLang="zh-CN" dirty="0"/>
+              <a:t>.</a:t>
             </a:r>
             <a:r>
               <a:rPr lang="en-GB" altLang="zh-CN" dirty="0" err="1"/>
-              <a:t>DataLoader</a:t>
-            </a:r>
-            <a:endParaRPr lang="en-GB" altLang="zh-CN" b="1" dirty="0">
-              <a:solidFill>
-                <a:srgbClr val="1F2328"/>
-              </a:solidFill>
-              <a:latin typeface="-apple-system"/>
-            </a:endParaRPr>
-          </a:p>
-          <a:p>
-            <a:endParaRPr lang="en-GB" altLang="zh-CN" b="1" dirty="0">
-              <a:solidFill>
-                <a:srgbClr val="1F2328"/>
-              </a:solidFill>
-              <a:latin typeface="-apple-system"/>
-            </a:endParaRPr>
-          </a:p>
-          <a:p>
-            <a:endParaRPr lang="en-GB" i="0" dirty="0">
-              <a:solidFill>
-                <a:srgbClr val="1F2328"/>
-              </a:solidFill>
-              <a:effectLst/>
-              <a:latin typeface="-apple-system"/>
-            </a:endParaRPr>
+              <a:t>pth</a:t>
+            </a:r>
+            <a:r>
+              <a:rPr lang="zh-CN" altLang="en-US" dirty="0"/>
+              <a:t>路徑</a:t>
+            </a:r>
+            <a:endParaRPr lang="en-GB" dirty="0"/>
           </a:p>
           <a:p>
             <a:endParaRPr lang="en-GB" dirty="0"/>
@@ -5336,7 +4941,7 @@
     </p:spTree>
     <p:extLst>
       <p:ext uri="{BB962C8B-B14F-4D97-AF65-F5344CB8AC3E}">
-        <p14:creationId xmlns:p14="http://schemas.microsoft.com/office/powerpoint/2010/main" val="2610538483"/>
+        <p14:creationId xmlns:p14="http://schemas.microsoft.com/office/powerpoint/2010/main" val="2051112644"/>
       </p:ext>
     </p:extLst>
   </p:cSld>
@@ -5368,7 +4973,7 @@
           <p:cNvPr id="2" name="Title 1">
             <a:extLst>
               <a:ext uri="{FF2B5EF4-FFF2-40B4-BE49-F238E27FC236}">
-                <a16:creationId xmlns:a16="http://schemas.microsoft.com/office/drawing/2014/main" id="{E23118D8-302B-41C5-F1FB-93C395C6A417}"/>
+                <a16:creationId xmlns:a16="http://schemas.microsoft.com/office/drawing/2014/main" id="{FDADF31C-23B4-D6F8-40D7-1D27908B8498}"/>
               </a:ext>
             </a:extLst>
           </p:cNvPr>
@@ -5384,7 +4989,15 @@
           <a:bodyPr/>
           <a:lstStyle/>
           <a:p>
-            <a:endParaRPr lang="en-GB"/>
+            <a:r>
+              <a:rPr lang="en-GB" dirty="0"/>
+              <a:t>Inference </a:t>
+            </a:r>
+            <a:r>
+              <a:rPr lang="zh-CN" altLang="en-US" dirty="0"/>
+              <a:t>注意</a:t>
+            </a:r>
+            <a:endParaRPr lang="en-GB" dirty="0"/>
           </a:p>
         </p:txBody>
       </p:sp>
@@ -5393,7 +5006,7 @@
           <p:cNvPr id="3" name="Content Placeholder 2">
             <a:extLst>
               <a:ext uri="{FF2B5EF4-FFF2-40B4-BE49-F238E27FC236}">
-                <a16:creationId xmlns:a16="http://schemas.microsoft.com/office/drawing/2014/main" id="{9304DB25-E5F9-653F-DCED-76344490A4BE}"/>
+                <a16:creationId xmlns:a16="http://schemas.microsoft.com/office/drawing/2014/main" id="{62C40376-9860-097B-5D9B-314BBC245E51}"/>
               </a:ext>
             </a:extLst>
           </p:cNvPr>
@@ -5406,30 +5019,103 @@
         </p:nvSpPr>
         <p:spPr/>
         <p:txBody>
-          <a:bodyPr>
-            <a:normAutofit/>
-          </a:bodyPr>
+          <a:bodyPr/>
           <a:lstStyle/>
           <a:p>
-            <a:pPr marL="0" indent="0" algn="ctr">
-              <a:buNone/>
-            </a:pPr>
-            <a:r>
-              <a:rPr lang="zh-CN" altLang="en-US" sz="4800" dirty="0"/>
-              <a:t>接下來只是一些幫助理解的</a:t>
-            </a:r>
-            <a:r>
-              <a:rPr lang="en-GB" altLang="zh-CN" sz="4800" dirty="0"/>
-              <a:t>notes</a:t>
-            </a:r>
-            <a:endParaRPr lang="en-GB" sz="4800" dirty="0"/>
+            <a:r>
+              <a:rPr lang="en-GB" dirty="0"/>
+              <a:t>Epoch_1_accOCR.pth </a:t>
+            </a:r>
+            <a:r>
+              <a:rPr lang="zh-CN" altLang="en-US" dirty="0"/>
+              <a:t>是</a:t>
+            </a:r>
+            <a:r>
+              <a:rPr lang="en-GB" altLang="zh-CN" dirty="0"/>
+              <a:t>train </a:t>
+            </a:r>
+            <a:r>
+              <a:rPr lang="zh-CN" altLang="en-US" dirty="0"/>
+              <a:t>極少 幅官方圖（</a:t>
+            </a:r>
+            <a:r>
+              <a:rPr lang="en-US" altLang="zh-CN" dirty="0"/>
+              <a:t>&lt;15</a:t>
+            </a:r>
+            <a:r>
+              <a:rPr lang="zh-CN" altLang="en-US" dirty="0"/>
+              <a:t>）的模型結果， 尚未嘗試訓練會計 </a:t>
+            </a:r>
+            <a:r>
+              <a:rPr lang="en-GB" altLang="zh-CN" dirty="0"/>
+              <a:t>VAT dataset</a:t>
+            </a:r>
+          </a:p>
+          <a:p>
+            <a:endParaRPr lang="en-GB" altLang="zh-CN" dirty="0"/>
+          </a:p>
+          <a:p>
+            <a:r>
+              <a:rPr lang="en-US" altLang="zh-CN" dirty="0"/>
+              <a:t>Inference </a:t>
+            </a:r>
+            <a:r>
+              <a:rPr lang="zh-CN" altLang="en-US" dirty="0"/>
+              <a:t>結果在 </a:t>
+            </a:r>
+            <a:r>
+              <a:rPr lang="en-GB" b="0" dirty="0">
+                <a:solidFill>
+                  <a:srgbClr val="CE9178"/>
+                </a:solidFill>
+                <a:effectLst/>
+                <a:highlight>
+                  <a:srgbClr val="1F1F1F"/>
+                </a:highlight>
+                <a:latin typeface="Consolas" panose="020B0609020204030204" pitchFamily="49" charset="0"/>
+              </a:rPr>
+              <a:t>./</a:t>
+            </a:r>
+            <a:r>
+              <a:rPr lang="en-GB" b="0" dirty="0" err="1">
+                <a:solidFill>
+                  <a:srgbClr val="CE9178"/>
+                </a:solidFill>
+                <a:effectLst/>
+                <a:highlight>
+                  <a:srgbClr val="1F1F1F"/>
+                </a:highlight>
+                <a:latin typeface="Consolas" panose="020B0609020204030204" pitchFamily="49" charset="0"/>
+              </a:rPr>
+              <a:t>inference_results</a:t>
+            </a:r>
+            <a:r>
+              <a:rPr lang="en-GB" dirty="0">
+                <a:solidFill>
+                  <a:srgbClr val="CCCCCC"/>
+                </a:solidFill>
+                <a:highlight>
+                  <a:srgbClr val="1F1F1F"/>
+                </a:highlight>
+                <a:latin typeface="Consolas" panose="020B0609020204030204" pitchFamily="49" charset="0"/>
+              </a:rPr>
+              <a:t> </a:t>
+            </a:r>
+            <a:r>
+              <a:rPr lang="zh-CN" altLang="en-US" dirty="0"/>
+              <a:t>查看</a:t>
+            </a:r>
+            <a:endParaRPr lang="en-GB" altLang="zh-CN"/>
+          </a:p>
+          <a:p>
+            <a:endParaRPr lang="en-GB" dirty="0"/>
           </a:p>
         </p:txBody>
       </p:sp>
     </p:spTree>
     <p:extLst>
       <p:ext uri="{BB962C8B-B14F-4D97-AF65-F5344CB8AC3E}">
-        <p14:creationId xmlns:p14="http://schemas.microsoft.com/office/powerpoint/2010/main" val="4047682127"/>
+        <p14:creationId xmlns:p14="http://schemas.microsoft.com/office/powerpoint/2010/main" val="1982158850"/>
       </p:ext>
     </p:extLst>
   </p:cSld>
@@ -5461,7 +5147,7 @@
           <p:cNvPr id="2" name="Title 1">
             <a:extLst>
               <a:ext uri="{FF2B5EF4-FFF2-40B4-BE49-F238E27FC236}">
-                <a16:creationId xmlns:a16="http://schemas.microsoft.com/office/drawing/2014/main" id="{D62AF5D3-4CFF-9BE6-EBBF-60D0371E041B}"/>
+                <a16:creationId xmlns:a16="http://schemas.microsoft.com/office/drawing/2014/main" id="{E0CE3A65-3FD8-F76A-CADB-D4431626095D}"/>
               </a:ext>
             </a:extLst>
           </p:cNvPr>
@@ -5477,35 +5163,7 @@
           <a:bodyPr/>
           <a:lstStyle/>
           <a:p>
-            <a:r>
-              <a:rPr lang="en-GB" dirty="0"/>
-              <a:t>base_model.py</a:t>
-            </a:r>
-            <a:r>
-              <a:rPr lang="zh-CN" altLang="en-US" dirty="0"/>
-              <a:t>讀</a:t>
-            </a:r>
-            <a:r>
-              <a:rPr lang="en-GB" altLang="zh-CN" dirty="0"/>
-              <a:t>.</a:t>
-            </a:r>
-            <a:r>
-              <a:rPr lang="en-GB" altLang="zh-CN" dirty="0" err="1"/>
-              <a:t>yml</a:t>
-            </a:r>
-            <a:r>
-              <a:rPr lang="en-GB" altLang="zh-CN" dirty="0"/>
-              <a:t> </a:t>
-            </a:r>
-            <a:r>
-              <a:rPr lang="zh-CN" altLang="en-US" dirty="0"/>
-              <a:t>文檔，轉成</a:t>
-            </a:r>
-            <a:r>
-              <a:rPr lang="en-GB" altLang="zh-CN" dirty="0" err="1"/>
-              <a:t>pytorch</a:t>
-            </a:r>
-            <a:endParaRPr lang="en-GB" dirty="0"/>
+            <a:endParaRPr lang="en-GB"/>
           </a:p>
         </p:txBody>
       </p:sp>
@@ -5514,7 +5172,7 @@
           <p:cNvPr id="3" name="Content Placeholder 2">
             <a:extLst>
               <a:ext uri="{FF2B5EF4-FFF2-40B4-BE49-F238E27FC236}">
-                <a16:creationId xmlns:a16="http://schemas.microsoft.com/office/drawing/2014/main" id="{F575F9DD-B0FF-6DA0-4F8D-DEDEE0D73877}"/>
+                <a16:creationId xmlns:a16="http://schemas.microsoft.com/office/drawing/2014/main" id="{C6462362-EF96-D3D9-45E3-E66E4EA0FCFE}"/>
               </a:ext>
             </a:extLst>
           </p:cNvPr>
@@ -5529,191 +5187,30 @@
         <p:txBody>
           <a:bodyPr/>
           <a:lstStyle/>
-          <a:p>
-            <a:r>
-              <a:rPr lang="en-GB" dirty="0"/>
-              <a:t>model\modeling\architectures\base_model.py </a:t>
-            </a:r>
-            <a:r>
-              <a:rPr lang="zh-CN" altLang="en-US" dirty="0"/>
-              <a:t>缺少 </a:t>
-            </a:r>
-            <a:r>
-              <a:rPr lang="en-GB" sz="2000" b="0" dirty="0">
-                <a:effectLst/>
-                <a:latin typeface="Consolas" panose="020B0609020204030204" pitchFamily="49" charset="0"/>
-              </a:rPr>
-              <a:t>self._</a:t>
-            </a:r>
-            <a:r>
-              <a:rPr lang="en-GB" sz="2000" b="0" dirty="0" err="1">
-                <a:effectLst/>
-                <a:latin typeface="Consolas" panose="020B0609020204030204" pitchFamily="49" charset="0"/>
-              </a:rPr>
-              <a:t>initialize_weights</a:t>
-            </a:r>
-            <a:r>
-              <a:rPr lang="en-GB" sz="2000" b="0" dirty="0">
-                <a:effectLst/>
-                <a:latin typeface="Consolas" panose="020B0609020204030204" pitchFamily="49" charset="0"/>
-              </a:rPr>
-              <a:t>()</a:t>
-            </a:r>
-            <a:r>
-              <a:rPr lang="zh-CN" altLang="en-US" sz="2000" b="0" dirty="0">
-                <a:effectLst/>
-                <a:latin typeface="Consolas" panose="020B0609020204030204" pitchFamily="49" charset="0"/>
-              </a:rPr>
-              <a:t>， </a:t>
-            </a:r>
-            <a:endParaRPr lang="en-GB" altLang="zh-CN" sz="2000" b="0" dirty="0">
-              <a:effectLst/>
-              <a:latin typeface="Consolas" panose="020B0609020204030204" pitchFamily="49" charset="0"/>
-            </a:endParaRPr>
-          </a:p>
           <a:p>
             <a:pPr marL="0" indent="0">
               <a:buNone/>
             </a:pPr>
             <a:r>
-              <a:rPr lang="zh-CN" altLang="en-US" sz="2000" dirty="0">
-                <a:latin typeface="Consolas" panose="020B0609020204030204" pitchFamily="49" charset="0"/>
-              </a:rPr>
-              <a:t>以及</a:t>
-            </a:r>
-            <a:r>
-              <a:rPr lang="en-GB" sz="2000" b="0" dirty="0">
-                <a:effectLst/>
-                <a:latin typeface="Consolas" panose="020B0609020204030204" pitchFamily="49" charset="0"/>
-              </a:rPr>
-              <a:t>if </a:t>
-            </a:r>
-            <a:r>
-              <a:rPr lang="en-GB" sz="2000" b="0" dirty="0" err="1">
-                <a:effectLst/>
-                <a:latin typeface="Consolas" panose="020B0609020204030204" pitchFamily="49" charset="0"/>
-              </a:rPr>
-              <a:t>self.use_transform</a:t>
-            </a:r>
-            <a:r>
-              <a:rPr lang="en-GB" sz="2000" b="0" dirty="0">
-                <a:effectLst/>
-                <a:latin typeface="Consolas" panose="020B0609020204030204" pitchFamily="49" charset="0"/>
-              </a:rPr>
-              <a:t>:</a:t>
-            </a:r>
-          </a:p>
-          <a:p>
-            <a:pPr marL="0" indent="0">
-              <a:buNone/>
-            </a:pPr>
-            <a:r>
-              <a:rPr lang="en-GB" sz="2000" b="0" dirty="0">
-                <a:effectLst/>
-                <a:latin typeface="Consolas" panose="020B0609020204030204" pitchFamily="49" charset="0"/>
-              </a:rPr>
-              <a:t>        x = </a:t>
-            </a:r>
-            <a:r>
-              <a:rPr lang="en-GB" sz="2000" b="0" dirty="0" err="1">
-                <a:effectLst/>
-                <a:latin typeface="Consolas" panose="020B0609020204030204" pitchFamily="49" charset="0"/>
-              </a:rPr>
-              <a:t>self.transform</a:t>
-            </a:r>
-            <a:r>
-              <a:rPr lang="en-GB" sz="2000" b="0" dirty="0">
-                <a:effectLst/>
-                <a:latin typeface="Consolas" panose="020B0609020204030204" pitchFamily="49" charset="0"/>
-              </a:rPr>
-              <a:t>(x)</a:t>
-            </a:r>
-          </a:p>
-          <a:p>
-            <a:endParaRPr lang="en-GB" altLang="zh-CN" sz="2000" dirty="0">
-              <a:latin typeface="Consolas" panose="020B0609020204030204" pitchFamily="49" charset="0"/>
-            </a:endParaRPr>
-          </a:p>
-          <a:p>
-            <a:r>
               <a:rPr lang="zh-CN" altLang="en-US" dirty="0"/>
-              <a:t>剩下的和</a:t>
-            </a:r>
-            <a:r>
-              <a:rPr lang="en-US" altLang="zh-CN" dirty="0" err="1"/>
-              <a:t>OCR_infer</a:t>
-            </a:r>
-            <a:r>
-              <a:rPr lang="en-US" altLang="zh-CN" dirty="0"/>
-              <a:t> </a:t>
+              <a:t>接下來是針對會計模型的新理解， 之後選擇</a:t>
+            </a:r>
+            <a:r>
+              <a:rPr lang="en-GB" altLang="zh-CN" dirty="0"/>
+              <a:t>pretrain model</a:t>
             </a:r>
             <a:r>
               <a:rPr lang="zh-CN" altLang="en-US" dirty="0"/>
-              <a:t>的</a:t>
-            </a:r>
-            <a:r>
-              <a:rPr lang="en-GB" dirty="0"/>
-              <a:t>base_model.py</a:t>
-            </a:r>
-            <a:r>
-              <a:rPr lang="zh-CN" altLang="en-US" dirty="0"/>
-              <a:t>一致</a:t>
-            </a:r>
-            <a:endParaRPr lang="en-GB" altLang="zh-CN" dirty="0"/>
-          </a:p>
-          <a:p>
+              <a:t>的方向</a:t>
+            </a:r>
             <a:endParaRPr lang="en-GB" dirty="0"/>
-          </a:p>
-          <a:p>
-            <a:pPr marL="0" indent="0">
-              <a:buNone/>
-            </a:pPr>
-            <a:endParaRPr lang="en-GB" dirty="0"/>
-          </a:p>
-        </p:txBody>
-      </p:sp>
-      <p:sp>
-        <p:nvSpPr>
-          <p:cNvPr id="5" name="TextBox 4">
-            <a:extLst>
-              <a:ext uri="{FF2B5EF4-FFF2-40B4-BE49-F238E27FC236}">
-                <a16:creationId xmlns:a16="http://schemas.microsoft.com/office/drawing/2014/main" id="{D5649CB6-8B67-26E0-DB6B-F8BC150A1DAB}"/>
-              </a:ext>
-            </a:extLst>
-          </p:cNvPr>
-          <p:cNvSpPr txBox="1"/>
-          <p:nvPr/>
-        </p:nvSpPr>
-        <p:spPr>
-          <a:xfrm>
-            <a:off x="4845377" y="6488668"/>
-            <a:ext cx="3146196" cy="369332"/>
-          </a:xfrm>
-          <a:prstGeom prst="rect">
-            <a:avLst/>
-          </a:prstGeom>
-          <a:noFill/>
-        </p:spPr>
-        <p:txBody>
-          <a:bodyPr wrap="square">
-            <a:spAutoFit/>
-          </a:bodyPr>
-          <a:lstStyle/>
-          <a:p>
-            <a:pPr marL="0" indent="0" algn="ctr">
-              <a:buNone/>
-            </a:pPr>
-            <a:r>
-              <a:rPr lang="en-GB" sz="1800" dirty="0"/>
-              <a:t>Appendix</a:t>
-            </a:r>
           </a:p>
         </p:txBody>
       </p:sp>
     </p:spTree>
     <p:extLst>
       <p:ext uri="{BB962C8B-B14F-4D97-AF65-F5344CB8AC3E}">
-        <p14:creationId xmlns:p14="http://schemas.microsoft.com/office/powerpoint/2010/main" val="968647826"/>
+        <p14:creationId xmlns:p14="http://schemas.microsoft.com/office/powerpoint/2010/main" val="1086669505"/>
       </p:ext>
     </p:extLst>
   </p:cSld>
@@ -5745,7 +5242,7 @@
           <p:cNvPr id="2" name="Title 1">
             <a:extLst>
               <a:ext uri="{FF2B5EF4-FFF2-40B4-BE49-F238E27FC236}">
-                <a16:creationId xmlns:a16="http://schemas.microsoft.com/office/drawing/2014/main" id="{8706B172-D1F2-E81F-961C-B2BED6F26838}"/>
+                <a16:creationId xmlns:a16="http://schemas.microsoft.com/office/drawing/2014/main" id="{129ED01F-5074-B08C-828E-F9E3BD65AFDD}"/>
               </a:ext>
             </a:extLst>
           </p:cNvPr>
@@ -5762,8 +5259,12 @@
           <a:lstStyle/>
           <a:p>
             <a:r>
-              <a:rPr lang="it-IT" dirty="0"/>
-              <a:t>Dataloader: model\data\simple_dataset.py </a:t>
+              <a:rPr lang="zh-CN" altLang="en-US" dirty="0"/>
+              <a:t>會計</a:t>
+            </a:r>
+            <a:r>
+              <a:rPr lang="en-GB" altLang="zh-CN" dirty="0"/>
+              <a:t>OCR Pretrain model</a:t>
             </a:r>
             <a:endParaRPr lang="en-GB" dirty="0"/>
           </a:p>
@@ -5774,7 +5275,7 @@
           <p:cNvPr id="3" name="Content Placeholder 2">
             <a:extLst>
               <a:ext uri="{FF2B5EF4-FFF2-40B4-BE49-F238E27FC236}">
-                <a16:creationId xmlns:a16="http://schemas.microsoft.com/office/drawing/2014/main" id="{C87B8EF7-CFF7-CE79-40F7-D4D779973D7B}"/>
+                <a16:creationId xmlns:a16="http://schemas.microsoft.com/office/drawing/2014/main" id="{2C5FE571-7C50-C311-2D4B-3E40ABB6F952}"/>
               </a:ext>
             </a:extLst>
           </p:cNvPr>
@@ -5785,136 +5286,579 @@
             <p:ph idx="1"/>
           </p:nvPr>
         </p:nvSpPr>
-        <p:spPr/>
+        <p:spPr>
+          <a:xfrm>
+            <a:off x="838200" y="1825624"/>
+            <a:ext cx="10879318" cy="4791992"/>
+          </a:xfrm>
+        </p:spPr>
         <p:txBody>
           <a:bodyPr>
-            <a:normAutofit/>
+            <a:normAutofit fontScale="92500" lnSpcReduction="10000"/>
           </a:bodyPr>
           <a:lstStyle/>
           <a:p>
             <a:r>
-              <a:rPr lang="it-IT" dirty="0"/>
-              <a:t>model\data\simple_dataset.py line 56:</a:t>
-            </a:r>
-          </a:p>
-          <a:p>
-            <a:endParaRPr lang="it-IT" dirty="0"/>
-          </a:p>
-          <a:p>
-            <a:r>
-              <a:rPr lang="en-GB" b="0" dirty="0">
-                <a:solidFill>
-                  <a:srgbClr val="569CD6"/>
-                </a:solidFill>
-                <a:effectLst/>
-                <a:latin typeface="Consolas" panose="020B0609020204030204" pitchFamily="49" charset="0"/>
-              </a:rPr>
-              <a:t>class</a:t>
-            </a:r>
-            <a:r>
-              <a:rPr lang="en-GB" b="0" dirty="0">
-                <a:solidFill>
-                  <a:srgbClr val="CCCCCC"/>
-                </a:solidFill>
-                <a:effectLst/>
-                <a:latin typeface="Consolas" panose="020B0609020204030204" pitchFamily="49" charset="0"/>
+              <a:rPr lang="en-GB" altLang="zh-CN" b="1" dirty="0">
+                <a:solidFill>
+                  <a:srgbClr val="1F2328"/>
+                </a:solidFill>
+                <a:latin typeface="-apple-system"/>
+              </a:rPr>
+              <a:t>Dataset</a:t>
+            </a:r>
+            <a:r>
+              <a:rPr lang="zh-CN" altLang="en-US" b="1" dirty="0">
+                <a:solidFill>
+                  <a:srgbClr val="1F2328"/>
+                </a:solidFill>
+                <a:latin typeface="-apple-system"/>
+              </a:rPr>
+              <a:t>關鍵詞：</a:t>
+            </a:r>
+            <a:r>
+              <a:rPr lang="en-GB" altLang="zh-CN" b="1" dirty="0">
+                <a:solidFill>
+                  <a:srgbClr val="1F2328"/>
+                </a:solidFill>
+                <a:latin typeface="-apple-system"/>
+                <a:hlinkClick r:id="rId2"/>
+              </a:rPr>
+              <a:t>Key Information Extraction (KIE)</a:t>
+            </a:r>
+            <a:r>
+              <a:rPr lang="en-GB" altLang="zh-CN" b="1" dirty="0">
+                <a:solidFill>
+                  <a:srgbClr val="1F2328"/>
+                </a:solidFill>
+                <a:latin typeface="-apple-system"/>
+              </a:rPr>
+              <a:t> from </a:t>
+            </a:r>
+            <a:r>
+              <a:rPr lang="en-GB" altLang="zh-CN" b="1" dirty="0" err="1">
+                <a:solidFill>
+                  <a:srgbClr val="1F2328"/>
+                </a:solidFill>
+                <a:latin typeface="-apple-system"/>
+              </a:rPr>
+              <a:t>Ppstructure</a:t>
+            </a:r>
+            <a:endParaRPr lang="en-GB" altLang="zh-CN" b="1" dirty="0">
+              <a:solidFill>
+                <a:srgbClr val="1F2328"/>
+              </a:solidFill>
+              <a:latin typeface="-apple-system"/>
+            </a:endParaRPr>
+          </a:p>
+          <a:p>
+            <a:r>
+              <a:rPr lang="zh-CN" altLang="en-US" dirty="0">
+                <a:solidFill>
+                  <a:srgbClr val="1F2328"/>
+                </a:solidFill>
+                <a:latin typeface="-apple-system"/>
+              </a:rPr>
+              <a:t>目標：</a:t>
+            </a:r>
+            <a:r>
+              <a:rPr lang="zh-CN" altLang="en-US" b="0" i="0" dirty="0">
+                <a:solidFill>
+                  <a:srgbClr val="1F2328"/>
+                </a:solidFill>
+                <a:effectLst/>
+                <a:latin typeface="-apple-system"/>
+              </a:rPr>
+              <a:t>語義識別</a:t>
+            </a:r>
+            <a:r>
+              <a:rPr lang="zh-TW" altLang="en-US" b="0" i="0" dirty="0">
+                <a:solidFill>
+                  <a:srgbClr val="1F2328"/>
+                </a:solidFill>
+                <a:effectLst/>
+                <a:latin typeface="-apple-system"/>
               </a:rPr>
               <a:t> </a:t>
             </a:r>
             <a:r>
-              <a:rPr lang="en-GB" b="0" dirty="0" err="1">
-                <a:solidFill>
-                  <a:srgbClr val="4EC9B0"/>
-                </a:solidFill>
-                <a:effectLst/>
-                <a:latin typeface="Consolas" panose="020B0609020204030204" pitchFamily="49" charset="0"/>
-              </a:rPr>
-              <a:t>SimpleDataSet</a:t>
-            </a:r>
-            <a:r>
-              <a:rPr lang="en-GB" b="0" dirty="0">
-                <a:solidFill>
-                  <a:srgbClr val="CCCCCC"/>
-                </a:solidFill>
-                <a:effectLst/>
-                <a:latin typeface="Consolas" panose="020B0609020204030204" pitchFamily="49" charset="0"/>
+              <a:rPr lang="en-US" altLang="zh-TW" b="0" i="0" dirty="0">
+                <a:solidFill>
+                  <a:srgbClr val="1F2328"/>
+                </a:solidFill>
+                <a:effectLst/>
+                <a:latin typeface="-apple-system"/>
               </a:rPr>
               <a:t>(</a:t>
             </a:r>
             <a:r>
-              <a:rPr lang="en-GB" b="0" dirty="0">
-                <a:solidFill>
-                  <a:srgbClr val="4EC9B0"/>
-                </a:solidFill>
-                <a:effectLst/>
-                <a:latin typeface="Consolas" panose="020B0609020204030204" pitchFamily="49" charset="0"/>
-              </a:rPr>
-              <a:t>Dataset</a:t>
-            </a:r>
-            <a:r>
-              <a:rPr lang="en-GB" b="0" dirty="0">
-                <a:solidFill>
-                  <a:srgbClr val="CCCCCC"/>
-                </a:solidFill>
-                <a:effectLst/>
-                <a:latin typeface="Consolas" panose="020B0609020204030204" pitchFamily="49" charset="0"/>
+              <a:rPr lang="en-GB" b="0" i="0" dirty="0">
+                <a:solidFill>
+                  <a:srgbClr val="1F2328"/>
+                </a:solidFill>
+                <a:effectLst/>
+                <a:latin typeface="-apple-system"/>
+              </a:rPr>
+              <a:t>Semantic Entity Recognition, SER) </a:t>
+            </a:r>
+            <a:r>
+              <a:rPr lang="zh-CN" altLang="en-US" dirty="0">
+                <a:solidFill>
+                  <a:srgbClr val="1F2328"/>
+                </a:solidFill>
+                <a:latin typeface="-apple-system"/>
+              </a:rPr>
+              <a:t>以及</a:t>
+            </a:r>
+            <a:r>
+              <a:rPr lang="zh-CN" altLang="en-US" b="0" i="0" dirty="0">
+                <a:solidFill>
+                  <a:srgbClr val="1F2328"/>
+                </a:solidFill>
+                <a:effectLst/>
+                <a:latin typeface="-apple-system"/>
+              </a:rPr>
+              <a:t>關係抽取</a:t>
+            </a:r>
+            <a:r>
+              <a:rPr lang="en-US" altLang="zh-TW" b="0" i="0" dirty="0">
+                <a:solidFill>
+                  <a:srgbClr val="1F2328"/>
+                </a:solidFill>
+                <a:effectLst/>
+                <a:latin typeface="-apple-system"/>
+              </a:rPr>
+              <a:t>(</a:t>
+            </a:r>
+            <a:r>
+              <a:rPr lang="en-GB" b="0" i="0" dirty="0">
+                <a:solidFill>
+                  <a:srgbClr val="1F2328"/>
+                </a:solidFill>
+                <a:effectLst/>
+                <a:latin typeface="-apple-system"/>
+              </a:rPr>
+              <a:t>Relation Extraction, RE) </a:t>
+            </a:r>
+          </a:p>
+          <a:p>
+            <a:pPr lvl="1"/>
+            <a:r>
+              <a:rPr lang="zh-TW" altLang="en-US" dirty="0">
+                <a:solidFill>
+                  <a:srgbClr val="1F2328"/>
+                </a:solidFill>
+                <a:latin typeface="-apple-system"/>
+              </a:rPr>
+              <a:t>基於 </a:t>
+            </a:r>
+            <a:r>
+              <a:rPr lang="en-US" altLang="zh-TW" dirty="0">
+                <a:solidFill>
+                  <a:srgbClr val="1F2328"/>
+                </a:solidFill>
+                <a:latin typeface="-apple-system"/>
+              </a:rPr>
+              <a:t>SER </a:t>
+            </a:r>
+            <a:r>
+              <a:rPr lang="zh-TW" altLang="en-US" dirty="0">
+                <a:solidFill>
+                  <a:srgbClr val="1F2328"/>
+                </a:solidFill>
+                <a:latin typeface="-apple-system"/>
+              </a:rPr>
+              <a:t>任務，可以完成對圖像中的文本</a:t>
+            </a:r>
+            <a:r>
+              <a:rPr lang="zh-CN" altLang="en-US" dirty="0">
+                <a:solidFill>
+                  <a:srgbClr val="1F2328"/>
+                </a:solidFill>
+                <a:latin typeface="-apple-system"/>
+              </a:rPr>
+              <a:t>識別</a:t>
+            </a:r>
+            <a:r>
+              <a:rPr lang="zh-TW" altLang="en-US" dirty="0">
+                <a:solidFill>
+                  <a:srgbClr val="1F2328"/>
+                </a:solidFill>
+                <a:latin typeface="-apple-system"/>
+              </a:rPr>
+              <a:t>與</a:t>
+            </a:r>
+            <a:r>
+              <a:rPr lang="zh-CN" altLang="en-US" dirty="0">
+                <a:solidFill>
+                  <a:srgbClr val="1F2328"/>
+                </a:solidFill>
+                <a:latin typeface="-apple-system"/>
+              </a:rPr>
+              <a:t>分類</a:t>
+            </a:r>
+            <a:r>
+              <a:rPr lang="zh-TW" altLang="en-US" dirty="0">
+                <a:solidFill>
+                  <a:srgbClr val="1F2328"/>
+                </a:solidFill>
+                <a:latin typeface="-apple-system"/>
+              </a:rPr>
+              <a:t>；</a:t>
+            </a:r>
+            <a:endParaRPr lang="en-GB" altLang="zh-TW" dirty="0">
+              <a:solidFill>
+                <a:srgbClr val="1F2328"/>
+              </a:solidFill>
+              <a:latin typeface="-apple-system"/>
+            </a:endParaRPr>
+          </a:p>
+          <a:p>
+            <a:pPr lvl="1"/>
+            <a:r>
+              <a:rPr lang="zh-TW" altLang="en-US" dirty="0">
+                <a:solidFill>
+                  <a:srgbClr val="1F2328"/>
+                </a:solidFill>
+                <a:latin typeface="-apple-system"/>
+              </a:rPr>
+              <a:t>基於 </a:t>
+            </a:r>
+            <a:r>
+              <a:rPr lang="en-US" altLang="zh-TW" dirty="0">
+                <a:solidFill>
+                  <a:srgbClr val="1F2328"/>
+                </a:solidFill>
+                <a:latin typeface="-apple-system"/>
+              </a:rPr>
+              <a:t>RE </a:t>
+            </a:r>
+            <a:r>
+              <a:rPr lang="zh-TW" altLang="en-US" dirty="0">
+                <a:solidFill>
+                  <a:srgbClr val="1F2328"/>
+                </a:solidFill>
+                <a:latin typeface="-apple-system"/>
+              </a:rPr>
+              <a:t>任務，可以完成對圖象中的文本內容的關繫提取，如判斷問題對</a:t>
+            </a:r>
+            <a:r>
+              <a:rPr lang="en-US" altLang="zh-TW" dirty="0">
+                <a:solidFill>
+                  <a:srgbClr val="1F2328"/>
+                </a:solidFill>
+                <a:latin typeface="-apple-system"/>
+              </a:rPr>
+              <a:t>(problem pair)</a:t>
+            </a:r>
+            <a:r>
+              <a:rPr lang="zh-TW" altLang="en-US" dirty="0">
+                <a:solidFill>
+                  <a:srgbClr val="1F2328"/>
+                </a:solidFill>
+                <a:latin typeface="-apple-system"/>
+              </a:rPr>
+              <a:t>。</a:t>
+            </a:r>
+            <a:endParaRPr lang="en-GB" dirty="0">
+              <a:solidFill>
+                <a:srgbClr val="1F2328"/>
+              </a:solidFill>
+              <a:latin typeface="-apple-system"/>
+            </a:endParaRPr>
+          </a:p>
+          <a:p>
+            <a:r>
+              <a:rPr lang="zh-CN" altLang="en-US" dirty="0">
+                <a:solidFill>
+                  <a:srgbClr val="1F2328"/>
+                </a:solidFill>
+                <a:latin typeface="-apple-system"/>
+              </a:rPr>
+              <a:t>實現方法：</a:t>
+            </a:r>
+            <a:r>
+              <a:rPr lang="en-GB" dirty="0">
+                <a:solidFill>
+                  <a:srgbClr val="1F2328"/>
+                </a:solidFill>
+                <a:latin typeface="-apple-system"/>
+              </a:rPr>
+              <a:t>M</a:t>
+            </a:r>
+            <a:r>
+              <a:rPr lang="en-GB" b="0" i="0" dirty="0">
+                <a:solidFill>
+                  <a:srgbClr val="1F2328"/>
+                </a:solidFill>
+                <a:effectLst/>
+                <a:latin typeface="-apple-system"/>
+              </a:rPr>
+              <a:t>ulti-modal methods such as </a:t>
+            </a:r>
+            <a:r>
+              <a:rPr lang="en-GB" b="0" i="0" u="sng" dirty="0" err="1">
+                <a:solidFill>
+                  <a:srgbClr val="1F2328"/>
+                </a:solidFill>
+                <a:effectLst/>
+                <a:latin typeface="-apple-system"/>
+                <a:hlinkClick r:id="rId3"/>
+              </a:rPr>
+              <a:t>LayoutXLM</a:t>
+            </a:r>
+            <a:r>
+              <a:rPr lang="en-GB" b="0" i="0" dirty="0">
+                <a:solidFill>
+                  <a:srgbClr val="1F2328"/>
+                </a:solidFill>
+                <a:effectLst/>
+                <a:latin typeface="-apple-system"/>
+              </a:rPr>
+              <a:t>, VI-</a:t>
+            </a:r>
+            <a:r>
+              <a:rPr lang="en-GB" b="0" i="0" dirty="0" err="1">
+                <a:solidFill>
+                  <a:srgbClr val="1F2328"/>
+                </a:solidFill>
+                <a:effectLst/>
+                <a:latin typeface="-apple-system"/>
+              </a:rPr>
+              <a:t>LayoutXLM</a:t>
+            </a:r>
+            <a:r>
+              <a:rPr lang="en-GB" b="0" i="0" dirty="0">
+                <a:solidFill>
+                  <a:srgbClr val="1F2328"/>
+                </a:solidFill>
+                <a:effectLst/>
+                <a:latin typeface="-apple-system"/>
+              </a:rPr>
+              <a:t>, and PP-OCR inference engine</a:t>
+            </a:r>
+          </a:p>
+          <a:p>
+            <a:r>
+              <a:rPr lang="en-GB" altLang="zh-CN" dirty="0">
+                <a:solidFill>
+                  <a:srgbClr val="1F2328"/>
+                </a:solidFill>
+                <a:latin typeface="-apple-system"/>
+              </a:rPr>
+              <a:t>Inference</a:t>
+            </a:r>
+            <a:r>
+              <a:rPr lang="zh-CN" altLang="en-US" dirty="0">
+                <a:solidFill>
+                  <a:srgbClr val="1F2328"/>
+                </a:solidFill>
+                <a:latin typeface="-apple-system"/>
+              </a:rPr>
+              <a:t>案例：</a:t>
+            </a:r>
+            <a:r>
+              <a:rPr lang="en-US" altLang="zh-CN" dirty="0" err="1">
+                <a:solidFill>
+                  <a:srgbClr val="1F2328"/>
+                </a:solidFill>
+                <a:latin typeface="-apple-system"/>
+              </a:rPr>
+              <a:t>LayoutXLM</a:t>
+            </a:r>
+            <a:r>
+              <a:rPr lang="en-US" altLang="zh-CN" dirty="0">
+                <a:solidFill>
+                  <a:srgbClr val="1F2328"/>
+                </a:solidFill>
+                <a:latin typeface="-apple-system"/>
+              </a:rPr>
+              <a:t>  </a:t>
+            </a:r>
+            <a:r>
+              <a:rPr lang="en-US" altLang="zh-CN" dirty="0">
+                <a:solidFill>
+                  <a:srgbClr val="1F2328"/>
+                </a:solidFill>
+                <a:latin typeface="-apple-system"/>
+                <a:hlinkClick r:id="rId4"/>
+              </a:rPr>
+              <a:t>Torch inference tutorial</a:t>
+            </a:r>
+            <a:endParaRPr lang="en-US" altLang="zh-CN" dirty="0">
+              <a:solidFill>
+                <a:srgbClr val="1F2328"/>
+              </a:solidFill>
+              <a:latin typeface="-apple-system"/>
+            </a:endParaRPr>
+          </a:p>
+          <a:p>
+            <a:r>
+              <a:rPr lang="zh-CN" altLang="en-US" dirty="0">
+                <a:solidFill>
+                  <a:srgbClr val="1F2328"/>
+                </a:solidFill>
+                <a:latin typeface="-apple-system"/>
+              </a:rPr>
+              <a:t>配置文檔</a:t>
+            </a:r>
+            <a:r>
+              <a:rPr lang="en-GB" altLang="zh-CN" dirty="0">
+                <a:solidFill>
+                  <a:srgbClr val="1F2328"/>
+                </a:solidFill>
+                <a:latin typeface="-apple-system"/>
+              </a:rPr>
+              <a:t>(.</a:t>
+            </a:r>
+            <a:r>
+              <a:rPr lang="en-GB" altLang="zh-CN" dirty="0" err="1">
+                <a:solidFill>
+                  <a:srgbClr val="1F2328"/>
+                </a:solidFill>
+                <a:latin typeface="-apple-system"/>
+              </a:rPr>
+              <a:t>yml</a:t>
+            </a:r>
+            <a:r>
+              <a:rPr lang="en-GB" altLang="zh-CN" dirty="0">
+                <a:solidFill>
+                  <a:srgbClr val="1F2328"/>
+                </a:solidFill>
+                <a:latin typeface="-apple-system"/>
               </a:rPr>
               <a:t>)</a:t>
             </a:r>
-          </a:p>
-          <a:p>
-            <a:endParaRPr lang="en-GB" b="0" dirty="0">
+            <a:r>
+              <a:rPr lang="zh-CN" altLang="en-US" dirty="0">
+                <a:solidFill>
+                  <a:srgbClr val="1F2328"/>
+                </a:solidFill>
+                <a:latin typeface="-apple-system"/>
+              </a:rPr>
+              <a:t>： </a:t>
+            </a:r>
+            <a:r>
+              <a:rPr lang="en-US" altLang="zh-CN" dirty="0" err="1">
+                <a:solidFill>
+                  <a:srgbClr val="1F2328"/>
+                </a:solidFill>
+                <a:latin typeface="-apple-system"/>
+                <a:hlinkClick r:id="rId5"/>
+              </a:rPr>
+              <a:t>LayoutXLM.yml</a:t>
+            </a:r>
+            <a:endParaRPr lang="en-US" altLang="zh-CN" dirty="0">
               <a:solidFill>
-                <a:srgbClr val="CCCCCC"/>
+                <a:srgbClr val="1F2328"/>
+              </a:solidFill>
+              <a:latin typeface="-apple-system"/>
+            </a:endParaRPr>
+          </a:p>
+          <a:p>
+            <a:r>
+              <a:rPr lang="zh-CN" altLang="en-US" b="0" i="0" dirty="0">
+                <a:solidFill>
+                  <a:srgbClr val="1F2328"/>
+                </a:solidFill>
+                <a:effectLst/>
+                <a:latin typeface="-apple-system"/>
+              </a:rPr>
+              <a:t>開心：從</a:t>
+            </a:r>
+            <a:r>
+              <a:rPr lang="en-US" altLang="zh-CN" dirty="0" err="1">
+                <a:solidFill>
+                  <a:srgbClr val="1F2328"/>
+                </a:solidFill>
+                <a:latin typeface="-apple-system"/>
+              </a:rPr>
+              <a:t>LayoutXLM.yml</a:t>
+            </a:r>
+            <a:r>
+              <a:rPr lang="zh-CN" altLang="en-US" dirty="0">
+                <a:solidFill>
+                  <a:srgbClr val="1F2328"/>
+                </a:solidFill>
+                <a:latin typeface="-apple-system"/>
+              </a:rPr>
+              <a:t>可得知，</a:t>
+            </a:r>
+            <a:r>
+              <a:rPr lang="en-GB" altLang="zh-CN" dirty="0">
+                <a:solidFill>
+                  <a:srgbClr val="1F2328"/>
+                </a:solidFill>
+                <a:latin typeface="-apple-system"/>
+              </a:rPr>
+              <a:t>training</a:t>
+            </a:r>
+            <a:r>
+              <a:rPr lang="zh-CN" altLang="en-US" dirty="0">
+                <a:solidFill>
+                  <a:srgbClr val="1F2328"/>
+                </a:solidFill>
+                <a:latin typeface="-apple-system"/>
+              </a:rPr>
+              <a:t>的時候也是</a:t>
+            </a:r>
+            <a:r>
+              <a:rPr lang="en-US" altLang="zh-CN" dirty="0" err="1"/>
+              <a:t>simple_dataset</a:t>
+            </a:r>
+            <a:r>
+              <a:rPr lang="en-GB" dirty="0"/>
+              <a:t>.</a:t>
+            </a:r>
+            <a:r>
+              <a:rPr lang="en-GB" dirty="0" err="1"/>
+              <a:t>py</a:t>
+            </a:r>
+            <a:r>
+              <a:rPr lang="en-GB" dirty="0"/>
+              <a:t> </a:t>
+            </a:r>
+            <a:r>
+              <a:rPr lang="zh-CN" altLang="en-US" dirty="0"/>
+              <a:t>作爲</a:t>
+            </a:r>
+            <a:r>
+              <a:rPr lang="en-GB" altLang="zh-CN" dirty="0" err="1"/>
+              <a:t>DataLoader</a:t>
+            </a:r>
+            <a:endParaRPr lang="en-GB" altLang="zh-CN" b="1" dirty="0">
+              <a:solidFill>
+                <a:srgbClr val="1F2328"/>
+              </a:solidFill>
+              <a:latin typeface="-apple-system"/>
+            </a:endParaRPr>
+          </a:p>
+          <a:p>
+            <a:endParaRPr lang="en-GB" altLang="zh-CN" b="1" dirty="0">
+              <a:solidFill>
+                <a:srgbClr val="1F2328"/>
+              </a:solidFill>
+              <a:latin typeface="-apple-system"/>
+            </a:endParaRPr>
+          </a:p>
+          <a:p>
+            <a:endParaRPr lang="en-GB" i="0" dirty="0">
+              <a:solidFill>
+                <a:srgbClr val="1F2328"/>
               </a:solidFill>
               <a:effectLst/>
-              <a:latin typeface="Consolas" panose="020B0609020204030204" pitchFamily="49" charset="0"/>
+              <a:latin typeface="-apple-system"/>
             </a:endParaRPr>
           </a:p>
-        </p:txBody>
-      </p:sp>
-      <p:sp>
-        <p:nvSpPr>
-          <p:cNvPr id="4" name="TextBox 3">
-            <a:extLst>
-              <a:ext uri="{FF2B5EF4-FFF2-40B4-BE49-F238E27FC236}">
-                <a16:creationId xmlns:a16="http://schemas.microsoft.com/office/drawing/2014/main" id="{3A345E18-69D3-1B1F-AE56-C4ACDC08428C}"/>
-              </a:ext>
-            </a:extLst>
-          </p:cNvPr>
-          <p:cNvSpPr txBox="1"/>
-          <p:nvPr/>
-        </p:nvSpPr>
-        <p:spPr>
-          <a:xfrm>
-            <a:off x="4845377" y="6488668"/>
-            <a:ext cx="3146196" cy="369332"/>
-          </a:xfrm>
-          <a:prstGeom prst="rect">
-            <a:avLst/>
-          </a:prstGeom>
-          <a:noFill/>
-        </p:spPr>
-        <p:txBody>
-          <a:bodyPr wrap="square">
-            <a:spAutoFit/>
-          </a:bodyPr>
-          <a:lstStyle/>
-          <a:p>
-            <a:pPr marL="0" indent="0" algn="ctr">
-              <a:buNone/>
-            </a:pPr>
-            <a:r>
-              <a:rPr lang="en-GB" sz="1800" dirty="0"/>
-              <a:t>Appendix</a:t>
-            </a:r>
+          <a:p>
+            <a:endParaRPr lang="en-GB" dirty="0"/>
           </a:p>
         </p:txBody>
       </p:sp>
     </p:spTree>
     <p:extLst>
       <p:ext uri="{BB962C8B-B14F-4D97-AF65-F5344CB8AC3E}">
-        <p14:creationId xmlns:p14="http://schemas.microsoft.com/office/powerpoint/2010/main" val="809864632"/>
+        <p14:creationId xmlns:p14="http://schemas.microsoft.com/office/powerpoint/2010/main" val="2610538483"/>
       </p:ext>
     </p:extLst>
   </p:cSld>
@@ -5946,7 +5890,7 @@
           <p:cNvPr id="2" name="Title 1">
             <a:extLst>
               <a:ext uri="{FF2B5EF4-FFF2-40B4-BE49-F238E27FC236}">
-                <a16:creationId xmlns:a16="http://schemas.microsoft.com/office/drawing/2014/main" id="{EFB87CE2-FA5B-B2F3-7F32-6B7D316B86D1}"/>
+                <a16:creationId xmlns:a16="http://schemas.microsoft.com/office/drawing/2014/main" id="{E23118D8-302B-41C5-F1FB-93C395C6A417}"/>
               </a:ext>
             </a:extLst>
           </p:cNvPr>
@@ -5962,27 +5906,7 @@
           <a:bodyPr/>
           <a:lstStyle/>
           <a:p>
-            <a:r>
-              <a:rPr lang="zh-CN" altLang="en-US" dirty="0"/>
-              <a:t>使用</a:t>
-            </a:r>
-            <a:r>
-              <a:rPr lang="en-US" altLang="zh-CN" dirty="0"/>
-              <a:t>CPU</a:t>
-            </a:r>
-            <a:r>
-              <a:rPr lang="zh-CN" altLang="en-US" dirty="0"/>
-              <a:t>所以我把</a:t>
-            </a:r>
-            <a:r>
-              <a:rPr lang="en-GB" altLang="zh-CN" dirty="0" err="1"/>
-              <a:t>cuda</a:t>
-            </a:r>
-            <a:r>
-              <a:rPr lang="zh-CN" altLang="en-US" dirty="0"/>
-              <a:t>這行改了</a:t>
-            </a:r>
-            <a:endParaRPr lang="en-GB" dirty="0"/>
+            <a:endParaRPr lang="en-GB"/>
           </a:p>
         </p:txBody>
       </p:sp>
@@ -5991,7 +5915,7 @@
           <p:cNvPr id="3" name="Content Placeholder 2">
             <a:extLst>
               <a:ext uri="{FF2B5EF4-FFF2-40B4-BE49-F238E27FC236}">
-                <a16:creationId xmlns:a16="http://schemas.microsoft.com/office/drawing/2014/main" id="{A3B0312F-1931-6E9B-AC14-4A8345F9949C}"/>
+                <a16:creationId xmlns:a16="http://schemas.microsoft.com/office/drawing/2014/main" id="{9304DB25-E5F9-653F-DCED-76344490A4BE}"/>
               </a:ext>
             </a:extLst>
           </p:cNvPr>
@@ -6004,122 +5928,30 @@
         </p:nvSpPr>
         <p:spPr/>
         <p:txBody>
-          <a:bodyPr/>
+          <a:bodyPr>
+            <a:normAutofit/>
+          </a:bodyPr>
           <a:lstStyle/>
           <a:p>
-            <a:r>
-              <a:rPr lang="en-GB" dirty="0"/>
-              <a:t>Program.py line 98 </a:t>
-            </a:r>
-          </a:p>
-          <a:p>
-            <a:r>
-              <a:rPr lang="en-GB" sz="2000" b="0" dirty="0">
-                <a:solidFill>
-                  <a:srgbClr val="6A9955"/>
-                </a:solidFill>
-                <a:effectLst/>
-                <a:latin typeface="Consolas" panose="020B0609020204030204" pitchFamily="49" charset="0"/>
-              </a:rPr>
-              <a:t># device = '</a:t>
-            </a:r>
-            <a:r>
-              <a:rPr lang="en-GB" sz="2000" b="0" dirty="0" err="1">
-                <a:solidFill>
-                  <a:srgbClr val="6A9955"/>
-                </a:solidFill>
-                <a:effectLst/>
-                <a:latin typeface="Consolas" panose="020B0609020204030204" pitchFamily="49" charset="0"/>
-              </a:rPr>
-              <a:t>cuda</a:t>
-            </a:r>
-            <a:r>
-              <a:rPr lang="en-GB" sz="2000" b="0" dirty="0">
-                <a:solidFill>
-                  <a:srgbClr val="6A9955"/>
-                </a:solidFill>
-                <a:effectLst/>
-                <a:latin typeface="Consolas" panose="020B0609020204030204" pitchFamily="49" charset="0"/>
-              </a:rPr>
-              <a:t>:{}'.format(config['Global']['</a:t>
-            </a:r>
-            <a:r>
-              <a:rPr lang="en-GB" sz="2000" b="0" dirty="0" err="1">
-                <a:solidFill>
-                  <a:srgbClr val="6A9955"/>
-                </a:solidFill>
-                <a:effectLst/>
-                <a:latin typeface="Consolas" panose="020B0609020204030204" pitchFamily="49" charset="0"/>
-              </a:rPr>
-              <a:t>gpu_id</a:t>
-            </a:r>
-            <a:r>
-              <a:rPr lang="en-GB" sz="2000" b="0" dirty="0">
-                <a:solidFill>
-                  <a:srgbClr val="6A9955"/>
-                </a:solidFill>
-                <a:effectLst/>
-                <a:latin typeface="Consolas" panose="020B0609020204030204" pitchFamily="49" charset="0"/>
-              </a:rPr>
-              <a:t>']) if </a:t>
-            </a:r>
-            <a:r>
-              <a:rPr lang="en-GB" sz="2000" b="0" dirty="0" err="1">
-                <a:solidFill>
-                  <a:srgbClr val="6A9955"/>
-                </a:solidFill>
-                <a:effectLst/>
-                <a:latin typeface="Consolas" panose="020B0609020204030204" pitchFamily="49" charset="0"/>
-              </a:rPr>
-              <a:t>use_gpu</a:t>
-            </a:r>
-            <a:r>
-              <a:rPr lang="en-GB" sz="2000" b="0" dirty="0">
-                <a:solidFill>
-                  <a:srgbClr val="6A9955"/>
-                </a:solidFill>
-                <a:effectLst/>
-                <a:latin typeface="Consolas" panose="020B0609020204030204" pitchFamily="49" charset="0"/>
-              </a:rPr>
-              <a:t> else '</a:t>
-            </a:r>
-            <a:r>
-              <a:rPr lang="en-GB" sz="2000" b="0" dirty="0" err="1">
-                <a:solidFill>
-                  <a:srgbClr val="6A9955"/>
-                </a:solidFill>
-                <a:effectLst/>
-                <a:latin typeface="Consolas" panose="020B0609020204030204" pitchFamily="49" charset="0"/>
-              </a:rPr>
-              <a:t>cpu</a:t>
-            </a:r>
-            <a:r>
-              <a:rPr lang="en-GB" sz="2000" b="0" dirty="0">
-                <a:solidFill>
-                  <a:srgbClr val="6A9955"/>
-                </a:solidFill>
-                <a:effectLst/>
-                <a:latin typeface="Consolas" panose="020B0609020204030204" pitchFamily="49" charset="0"/>
-              </a:rPr>
-              <a:t>'</a:t>
-            </a:r>
-            <a:endParaRPr lang="en-GB" sz="2000" b="0" dirty="0">
-              <a:solidFill>
-                <a:srgbClr val="CCCCCC"/>
-              </a:solidFill>
-              <a:effectLst/>
-              <a:latin typeface="Consolas" panose="020B0609020204030204" pitchFamily="49" charset="0"/>
-            </a:endParaRPr>
-          </a:p>
-          <a:p>
-            <a:endParaRPr lang="en-GB" dirty="0"/>
+            <a:pPr marL="0" indent="0" algn="ctr">
+              <a:buNone/>
+            </a:pPr>
+            <a:r>
+              <a:rPr lang="zh-CN" altLang="en-US" sz="4800" dirty="0"/>
+              <a:t>接下來只是一些幫助理解的</a:t>
+            </a:r>
+            <a:r>
+              <a:rPr lang="en-GB" altLang="zh-CN" sz="4800" dirty="0"/>
+              <a:t>notes</a:t>
+            </a:r>
+            <a:endParaRPr lang="en-GB" sz="4800" dirty="0"/>
           </a:p>
         </p:txBody>
       </p:sp>
     </p:spTree>
     <p:extLst>
       <p:ext uri="{BB962C8B-B14F-4D97-AF65-F5344CB8AC3E}">
-        <p14:creationId xmlns:p14="http://schemas.microsoft.com/office/powerpoint/2010/main" val="2806469842"/>
+        <p14:creationId xmlns:p14="http://schemas.microsoft.com/office/powerpoint/2010/main" val="4047682127"/>
       </p:ext>
     </p:extLst>
   </p:cSld>
@@ -6151,7 +5983,7 @@
           <p:cNvPr id="2" name="Title 1">
             <a:extLst>
               <a:ext uri="{FF2B5EF4-FFF2-40B4-BE49-F238E27FC236}">
-                <a16:creationId xmlns:a16="http://schemas.microsoft.com/office/drawing/2014/main" id="{E670ECF5-BF7E-982E-A0B9-0C138C4DDA53}"/>
+                <a16:creationId xmlns:a16="http://schemas.microsoft.com/office/drawing/2014/main" id="{D62AF5D3-4CFF-9BE6-EBBF-60D0371E041B}"/>
               </a:ext>
             </a:extLst>
           </p:cNvPr>
@@ -6169,8 +6001,33 @@
           <a:p>
             <a:r>
               <a:rPr lang="en-GB" dirty="0"/>
-              <a:t>Error when parsing</a:t>
-            </a:r>
+              <a:t>base_model.py</a:t>
+            </a:r>
+            <a:r>
+              <a:rPr lang="zh-CN" altLang="en-US" dirty="0"/>
+              <a:t>讀</a:t>
+            </a:r>
+            <a:r>
+              <a:rPr lang="en-GB" altLang="zh-CN" dirty="0"/>
+              <a:t>.</a:t>
+            </a:r>
+            <a:r>
+              <a:rPr lang="en-GB" altLang="zh-CN" dirty="0" err="1"/>
+              <a:t>yml</a:t>
+            </a:r>
+            <a:r>
+              <a:rPr lang="en-GB" altLang="zh-CN" dirty="0"/>
+              <a:t> </a:t>
+            </a:r>
+            <a:r>
+              <a:rPr lang="zh-CN" altLang="en-US" dirty="0"/>
+              <a:t>文檔，轉成</a:t>
+            </a:r>
+            <a:r>
+              <a:rPr lang="en-GB" altLang="zh-CN" dirty="0" err="1"/>
+              <a:t>pytorch</a:t>
+            </a:r>
+            <a:endParaRPr lang="en-GB" dirty="0"/>
           </a:p>
         </p:txBody>
       </p:sp>
@@ -6179,7 +6036,7 @@
           <p:cNvPr id="3" name="Content Placeholder 2">
             <a:extLst>
               <a:ext uri="{FF2B5EF4-FFF2-40B4-BE49-F238E27FC236}">
-                <a16:creationId xmlns:a16="http://schemas.microsoft.com/office/drawing/2014/main" id="{EDF3AB5E-2C63-BA19-0C9C-B9205C55DB31}"/>
+                <a16:creationId xmlns:a16="http://schemas.microsoft.com/office/drawing/2014/main" id="{F575F9DD-B0FF-6DA0-4F8D-DEDEE0D73877}"/>
               </a:ext>
             </a:extLst>
           </p:cNvPr>
@@ -6190,32 +6047,82 @@
             <p:ph idx="1"/>
           </p:nvPr>
         </p:nvSpPr>
-        <p:spPr>
-          <a:xfrm>
-            <a:off x="403860" y="1825625"/>
-            <a:ext cx="11597640" cy="4072255"/>
-          </a:xfrm>
-        </p:spPr>
-        <p:txBody>
-          <a:bodyPr>
-            <a:noAutofit/>
-          </a:bodyPr>
+        <p:spPr/>
+        <p:txBody>
+          <a:bodyPr/>
           <a:lstStyle/>
+          <a:p>
+            <a:r>
+              <a:rPr lang="en-GB" dirty="0"/>
+              <a:t>model\modeling\architectures\base_model.py </a:t>
+            </a:r>
+            <a:r>
+              <a:rPr lang="zh-CN" altLang="en-US" dirty="0"/>
+              <a:t>缺少 </a:t>
+            </a:r>
+            <a:r>
+              <a:rPr lang="en-GB" sz="2000" b="0" dirty="0">
+                <a:effectLst/>
+                <a:latin typeface="Consolas" panose="020B0609020204030204" pitchFamily="49" charset="0"/>
+              </a:rPr>
+              <a:t>self._</a:t>
+            </a:r>
+            <a:r>
+              <a:rPr lang="en-GB" sz="2000" b="0" dirty="0" err="1">
+                <a:effectLst/>
+                <a:latin typeface="Consolas" panose="020B0609020204030204" pitchFamily="49" charset="0"/>
+              </a:rPr>
+              <a:t>initialize_weights</a:t>
+            </a:r>
+            <a:r>
+              <a:rPr lang="en-GB" sz="2000" b="0" dirty="0">
+                <a:effectLst/>
+                <a:latin typeface="Consolas" panose="020B0609020204030204" pitchFamily="49" charset="0"/>
+              </a:rPr>
+              <a:t>()</a:t>
+            </a:r>
+            <a:r>
+              <a:rPr lang="zh-CN" altLang="en-US" sz="2000" b="0" dirty="0">
+                <a:effectLst/>
+                <a:latin typeface="Consolas" panose="020B0609020204030204" pitchFamily="49" charset="0"/>
+              </a:rPr>
+              <a:t>， </a:t>
+            </a:r>
+            <a:endParaRPr lang="en-GB" altLang="zh-CN" sz="2000" b="0" dirty="0">
+              <a:effectLst/>
+              <a:latin typeface="Consolas" panose="020B0609020204030204" pitchFamily="49" charset="0"/>
+            </a:endParaRPr>
+          </a:p>
           <a:p>
             <a:pPr marL="0" indent="0">
               <a:buNone/>
             </a:pPr>
             <a:r>
-              <a:rPr lang="en-GB" sz="1500" b="1" dirty="0"/>
-              <a:t> error happened with </a:t>
-            </a:r>
-            <a:r>
-              <a:rPr lang="en-GB" sz="1500" b="1" dirty="0" err="1"/>
-              <a:t>msg:Traceback</a:t>
-            </a:r>
-            <a:r>
-              <a:rPr lang="en-GB" sz="1500" b="1" dirty="0"/>
-              <a:t> (most recent call last):</a:t>
+              <a:rPr lang="zh-CN" altLang="en-US" sz="2000" dirty="0">
+                <a:latin typeface="Consolas" panose="020B0609020204030204" pitchFamily="49" charset="0"/>
+              </a:rPr>
+              <a:t>以及</a:t>
+            </a:r>
+            <a:r>
+              <a:rPr lang="en-GB" sz="2000" b="0" dirty="0">
+                <a:effectLst/>
+                <a:latin typeface="Consolas" panose="020B0609020204030204" pitchFamily="49" charset="0"/>
+              </a:rPr>
+              <a:t>if </a:t>
+            </a:r>
+            <a:r>
+              <a:rPr lang="en-GB" sz="2000" b="0" dirty="0" err="1">
+                <a:effectLst/>
+                <a:latin typeface="Consolas" panose="020B0609020204030204" pitchFamily="49" charset="0"/>
+              </a:rPr>
+              <a:t>self.use_transform</a:t>
+            </a:r>
+            <a:r>
+              <a:rPr lang="en-GB" sz="2000" b="0" dirty="0">
+                <a:effectLst/>
+                <a:latin typeface="Consolas" panose="020B0609020204030204" pitchFamily="49" charset="0"/>
+              </a:rPr>
+              <a:t>:</a:t>
             </a:r>
           </a:p>
           <a:p>
@@ -6223,267 +6130,76 @@
               <a:buNone/>
             </a:pPr>
             <a:r>
-              <a:rPr lang="en-GB" sz="1500" b="1" dirty="0"/>
-              <a:t>  File "C:\Users\PingChen\OneDrive - The University of Liverpool\Desktop\KYC </a:t>
-            </a:r>
-            <a:r>
-              <a:rPr lang="zh-TW" altLang="en-US" sz="1500" b="1" dirty="0"/>
-              <a:t>副業</a:t>
-            </a:r>
-            <a:r>
-              <a:rPr lang="en-US" altLang="zh-TW" sz="1500" b="1" dirty="0"/>
-              <a:t>\</a:t>
-            </a:r>
-            <a:r>
-              <a:rPr lang="en-GB" sz="1500" b="1" dirty="0"/>
-              <a:t>OCR\</a:t>
-            </a:r>
-            <a:r>
-              <a:rPr lang="en-GB" sz="1500" b="1" dirty="0" err="1"/>
-              <a:t>ocr_training_det</a:t>
-            </a:r>
-            <a:r>
-              <a:rPr lang="en-GB" sz="1500" b="1" dirty="0"/>
-              <a:t>\model\data\simple_dataset.py", line 131, in __</a:t>
-            </a:r>
-            <a:r>
-              <a:rPr lang="en-GB" sz="1500" b="1" dirty="0" err="1"/>
-              <a:t>getitem</a:t>
-            </a:r>
-            <a:r>
-              <a:rPr lang="en-GB" sz="1500" b="1" dirty="0"/>
-              <a:t>__</a:t>
-            </a:r>
+              <a:rPr lang="en-GB" sz="2000" b="0" dirty="0">
+                <a:effectLst/>
+                <a:latin typeface="Consolas" panose="020B0609020204030204" pitchFamily="49" charset="0"/>
+              </a:rPr>
+              <a:t>        x = </a:t>
+            </a:r>
+            <a:r>
+              <a:rPr lang="en-GB" sz="2000" b="0" dirty="0" err="1">
+                <a:effectLst/>
+                <a:latin typeface="Consolas" panose="020B0609020204030204" pitchFamily="49" charset="0"/>
+              </a:rPr>
+              <a:t>self.transform</a:t>
+            </a:r>
+            <a:r>
+              <a:rPr lang="en-GB" sz="2000" b="0" dirty="0">
+                <a:effectLst/>
+                <a:latin typeface="Consolas" panose="020B0609020204030204" pitchFamily="49" charset="0"/>
+              </a:rPr>
+              <a:t>(x)</a:t>
+            </a:r>
+          </a:p>
+          <a:p>
+            <a:endParaRPr lang="en-GB" altLang="zh-CN" sz="2000" dirty="0">
+              <a:latin typeface="Consolas" panose="020B0609020204030204" pitchFamily="49" charset="0"/>
+            </a:endParaRPr>
+          </a:p>
+          <a:p>
+            <a:r>
+              <a:rPr lang="zh-CN" altLang="en-US" dirty="0"/>
+              <a:t>剩下的和</a:t>
+            </a:r>
+            <a:r>
+              <a:rPr lang="en-US" altLang="zh-CN" dirty="0" err="1"/>
+              <a:t>OCR_infer</a:t>
+            </a:r>
+            <a:r>
+              <a:rPr lang="en-US" altLang="zh-CN" dirty="0"/>
+              <a:t> </a:t>
+            </a:r>
+            <a:r>
+              <a:rPr lang="zh-CN" altLang="en-US" dirty="0"/>
+              <a:t>的</a:t>
+            </a:r>
+            <a:r>
+              <a:rPr lang="en-GB" dirty="0"/>
+              <a:t>base_model.py</a:t>
+            </a:r>
+            <a:r>
+              <a:rPr lang="zh-CN" altLang="en-US" dirty="0"/>
+              <a:t>一致</a:t>
+            </a:r>
+            <a:endParaRPr lang="en-GB" altLang="zh-CN" dirty="0"/>
+          </a:p>
+          <a:p>
+            <a:endParaRPr lang="en-GB" dirty="0"/>
           </a:p>
           <a:p>
             <a:pPr marL="0" indent="0">
               <a:buNone/>
             </a:pPr>
-            <a:r>
-              <a:rPr lang="en-GB" sz="1500" b="1" dirty="0"/>
-              <a:t>    outs = transform(data, </a:t>
-            </a:r>
-            <a:r>
-              <a:rPr lang="en-GB" sz="1500" b="1" dirty="0" err="1"/>
-              <a:t>self.ops</a:t>
-            </a:r>
-            <a:r>
-              <a:rPr lang="en-GB" sz="1500" b="1" dirty="0"/>
-              <a:t>)</a:t>
-            </a:r>
-          </a:p>
-          <a:p>
-            <a:pPr marL="0" indent="0">
-              <a:buNone/>
-            </a:pPr>
-            <a:r>
-              <a:rPr lang="en-GB" sz="1500" b="1" dirty="0"/>
-              <a:t>  File "C:\Users\PingChen\OneDrive - The University of Liverpool\Desktop\KYC </a:t>
-            </a:r>
-            <a:r>
-              <a:rPr lang="zh-TW" altLang="en-US" sz="1500" b="1" dirty="0"/>
-              <a:t>副業</a:t>
-            </a:r>
-            <a:r>
-              <a:rPr lang="en-US" altLang="zh-TW" sz="1500" b="1" dirty="0"/>
-              <a:t>\</a:t>
-            </a:r>
-            <a:r>
-              <a:rPr lang="en-GB" sz="1500" b="1" dirty="0"/>
-              <a:t>OCR\</a:t>
-            </a:r>
-            <a:r>
-              <a:rPr lang="en-GB" sz="1500" b="1" dirty="0" err="1"/>
-              <a:t>ocr_training_det</a:t>
-            </a:r>
-            <a:r>
-              <a:rPr lang="en-GB" sz="1500" b="1" dirty="0"/>
-              <a:t>\model\data\</a:t>
-            </a:r>
-            <a:r>
-              <a:rPr lang="en-GB" sz="1500" b="1" dirty="0" err="1"/>
-              <a:t>imaug</a:t>
-            </a:r>
-            <a:r>
-              <a:rPr lang="en-GB" sz="1500" b="1" dirty="0"/>
-              <a:t>\__init__.py", line 13, in transform</a:t>
-            </a:r>
-          </a:p>
-          <a:p>
-            <a:pPr marL="0" indent="0">
-              <a:buNone/>
-            </a:pPr>
-            <a:r>
-              <a:rPr lang="en-GB" sz="1500" b="1" dirty="0"/>
-              <a:t>    data = op(data)</a:t>
-            </a:r>
-          </a:p>
-          <a:p>
-            <a:pPr marL="0" indent="0">
-              <a:buNone/>
-            </a:pPr>
-            <a:r>
-              <a:rPr lang="en-GB" sz="1500" b="1" dirty="0"/>
-              <a:t>  File "C:\Users\PingChen\OneDrive - The University of Liverpool\Desktop\KYC </a:t>
-            </a:r>
-            <a:r>
-              <a:rPr lang="zh-TW" altLang="en-US" sz="1500" b="1" dirty="0"/>
-              <a:t>副業</a:t>
-            </a:r>
-            <a:r>
-              <a:rPr lang="en-US" altLang="zh-TW" sz="1500" b="1" dirty="0"/>
-              <a:t>\</a:t>
-            </a:r>
-            <a:r>
-              <a:rPr lang="en-GB" sz="1500" b="1" dirty="0"/>
-              <a:t>OCR\</a:t>
-            </a:r>
-            <a:r>
-              <a:rPr lang="en-GB" sz="1500" b="1" dirty="0" err="1"/>
-              <a:t>ocr_training_det</a:t>
-            </a:r>
-            <a:r>
-              <a:rPr lang="en-GB" sz="1500" b="1" dirty="0"/>
-              <a:t>\model\data\</a:t>
-            </a:r>
-            <a:r>
-              <a:rPr lang="en-GB" sz="1500" b="1" dirty="0" err="1"/>
-              <a:t>imaug</a:t>
-            </a:r>
-            <a:r>
-              <a:rPr lang="en-GB" sz="1500" b="1" dirty="0"/>
-              <a:t>\label_ops.py", line 28, in __call__</a:t>
-            </a:r>
-          </a:p>
-          <a:p>
-            <a:pPr marL="0" indent="0">
-              <a:buNone/>
-            </a:pPr>
-            <a:r>
-              <a:rPr lang="en-GB" sz="1500" b="1" dirty="0"/>
-              <a:t>    </a:t>
-            </a:r>
-            <a:r>
-              <a:rPr lang="en-GB" sz="1500" b="1" dirty="0" err="1"/>
-              <a:t>txt_tags</a:t>
-            </a:r>
-            <a:r>
-              <a:rPr lang="en-GB" sz="1500" b="1" dirty="0"/>
-              <a:t> = </a:t>
-            </a:r>
-            <a:r>
-              <a:rPr lang="en-GB" sz="1500" b="1" dirty="0" err="1"/>
-              <a:t>np.array</a:t>
-            </a:r>
-            <a:r>
-              <a:rPr lang="en-GB" sz="1500" b="1" dirty="0"/>
-              <a:t>(</a:t>
-            </a:r>
-            <a:r>
-              <a:rPr lang="en-GB" sz="1500" b="1" dirty="0" err="1"/>
-              <a:t>txt_tags,dtype</a:t>
-            </a:r>
-            <a:r>
-              <a:rPr lang="en-GB" sz="1500" b="1" dirty="0"/>
-              <a:t>=</a:t>
-            </a:r>
-            <a:r>
-              <a:rPr lang="en-GB" sz="1500" b="1" dirty="0" err="1"/>
-              <a:t>np.bool</a:t>
-            </a:r>
-            <a:r>
-              <a:rPr lang="en-GB" sz="1500" b="1" dirty="0"/>
-              <a:t>)</a:t>
-            </a:r>
-          </a:p>
-          <a:p>
-            <a:pPr marL="0" indent="0">
-              <a:buNone/>
-            </a:pPr>
-            <a:r>
-              <a:rPr lang="en-GB" sz="1500" b="1" dirty="0"/>
-              <a:t>  File "C:\Users\PingChen\AppData\Local\anaconda3\envs\OCR_test\lib\site-packages\numpy\__init__.py", line 305, in __</a:t>
-            </a:r>
-            <a:r>
-              <a:rPr lang="en-GB" sz="1500" b="1" dirty="0" err="1"/>
-              <a:t>getattr</a:t>
-            </a:r>
-            <a:r>
-              <a:rPr lang="en-GB" sz="1500" b="1" dirty="0"/>
-              <a:t>__</a:t>
-            </a:r>
-          </a:p>
-          <a:p>
-            <a:pPr marL="0" indent="0">
-              <a:buNone/>
-            </a:pPr>
-            <a:r>
-              <a:rPr lang="en-GB" sz="1500" b="1" dirty="0"/>
-              <a:t>    raise </a:t>
-            </a:r>
-            <a:r>
-              <a:rPr lang="en-GB" sz="1500" b="1" dirty="0" err="1"/>
-              <a:t>AttributeError</a:t>
-            </a:r>
-            <a:r>
-              <a:rPr lang="en-GB" sz="1500" b="1" dirty="0"/>
-              <a:t>(__</a:t>
-            </a:r>
-            <a:r>
-              <a:rPr lang="en-GB" sz="1500" b="1" dirty="0" err="1"/>
-              <a:t>former_attrs</a:t>
-            </a:r>
-            <a:r>
-              <a:rPr lang="en-GB" sz="1500" b="1" dirty="0"/>
-              <a:t>__[</a:t>
-            </a:r>
-            <a:r>
-              <a:rPr lang="en-GB" sz="1500" b="1" dirty="0" err="1"/>
-              <a:t>attr</a:t>
-            </a:r>
-            <a:r>
-              <a:rPr lang="en-GB" sz="1500" b="1" dirty="0"/>
-              <a:t>])</a:t>
-            </a:r>
-          </a:p>
-          <a:p>
-            <a:pPr marL="0" indent="0">
-              <a:buNone/>
-            </a:pPr>
-            <a:r>
-              <a:rPr lang="en-GB" sz="1500" b="1" dirty="0" err="1"/>
-              <a:t>AttributeError</a:t>
-            </a:r>
-            <a:r>
-              <a:rPr lang="en-GB" sz="1500" b="1" dirty="0"/>
-              <a:t>: module '</a:t>
-            </a:r>
-            <a:r>
-              <a:rPr lang="en-GB" sz="1500" b="1" dirty="0" err="1"/>
-              <a:t>numpy</a:t>
-            </a:r>
-            <a:r>
-              <a:rPr lang="en-GB" sz="1500" b="1" dirty="0"/>
-              <a:t>' has no attribute 'bool'.</a:t>
-            </a:r>
-          </a:p>
-          <a:p>
-            <a:pPr marL="0" indent="0">
-              <a:buNone/>
-            </a:pPr>
-            <a:r>
-              <a:rPr lang="en-GB" sz="1500" b="1" dirty="0"/>
-              <a:t>https://numpy.org/devdocs/release/1.20.0-notes.html#deprecations</a:t>
-            </a:r>
-          </a:p>
-        </p:txBody>
-      </p:sp>
-      <p:sp>
-        <p:nvSpPr>
-          <p:cNvPr id="4" name="TextBox 3">
-            <a:extLst>
-              <a:ext uri="{FF2B5EF4-FFF2-40B4-BE49-F238E27FC236}">
-                <a16:creationId xmlns:a16="http://schemas.microsoft.com/office/drawing/2014/main" id="{7CE2F764-0241-072F-CBFC-06F8C3161EA4}"/>
+            <a:endParaRPr lang="en-GB" dirty="0"/>
+          </a:p>
+        </p:txBody>
+      </p:sp>
+      <p:sp>
+        <p:nvSpPr>
+          <p:cNvPr id="5" name="TextBox 4">
+            <a:extLst>
+              <a:ext uri="{FF2B5EF4-FFF2-40B4-BE49-F238E27FC236}">
+                <a16:creationId xmlns:a16="http://schemas.microsoft.com/office/drawing/2014/main" id="{D5649CB6-8B67-26E0-DB6B-F8BC150A1DAB}"/>
               </a:ext>
             </a:extLst>
           </p:cNvPr>
@@ -6492,8 +6208,8 @@
         </p:nvSpPr>
         <p:spPr>
           <a:xfrm>
-            <a:off x="1836420" y="6256020"/>
-            <a:ext cx="9281160" cy="646331"/>
+            <a:off x="4845377" y="6488668"/>
+            <a:ext cx="3146196" cy="369332"/>
           </a:xfrm>
           <a:prstGeom prst="rect">
             <a:avLst/>
@@ -6501,119 +6217,25 @@
           <a:noFill/>
         </p:spPr>
         <p:txBody>
-          <a:bodyPr wrap="square" rtlCol="0">
+          <a:bodyPr wrap="square">
             <a:spAutoFit/>
           </a:bodyPr>
           <a:lstStyle/>
           <a:p>
-            <a:r>
-              <a:rPr lang="en-US" altLang="zh-CN" b="0" i="0" dirty="0" err="1">
-                <a:solidFill>
-                  <a:srgbClr val="1F2328"/>
-                </a:solidFill>
-                <a:effectLst/>
-                <a:latin typeface="-apple-system"/>
-              </a:rPr>
-              <a:t>numpy</a:t>
-            </a:r>
-            <a:r>
-              <a:rPr lang="zh-CN" altLang="en-US" b="0" i="0" dirty="0">
-                <a:solidFill>
-                  <a:srgbClr val="1F2328"/>
-                </a:solidFill>
-                <a:effectLst/>
-                <a:latin typeface="-apple-system"/>
-              </a:rPr>
-              <a:t>版本尝试了</a:t>
-            </a:r>
-            <a:r>
-              <a:rPr lang="en-US" altLang="zh-CN" b="0" i="0" dirty="0">
-                <a:solidFill>
-                  <a:srgbClr val="1F2328"/>
-                </a:solidFill>
-                <a:effectLst/>
-                <a:latin typeface="-apple-system"/>
-              </a:rPr>
-              <a:t>1.24.4</a:t>
-            </a:r>
-            <a:r>
-              <a:rPr lang="zh-CN" altLang="en-US" b="0" i="0" dirty="0">
-                <a:solidFill>
-                  <a:srgbClr val="1F2328"/>
-                </a:solidFill>
-                <a:effectLst/>
-                <a:latin typeface="-apple-system"/>
-              </a:rPr>
-              <a:t>和</a:t>
-            </a:r>
-            <a:r>
-              <a:rPr lang="en-US" altLang="zh-CN" b="0" i="0" dirty="0">
-                <a:solidFill>
-                  <a:srgbClr val="1F2328"/>
-                </a:solidFill>
-                <a:effectLst/>
-                <a:latin typeface="-apple-system"/>
-              </a:rPr>
-              <a:t>1.24.3</a:t>
-            </a:r>
-            <a:r>
-              <a:rPr lang="zh-CN" altLang="en-US" b="0" i="0" dirty="0">
-                <a:solidFill>
-                  <a:srgbClr val="1F2328"/>
-                </a:solidFill>
-                <a:effectLst/>
-                <a:latin typeface="-apple-system"/>
-              </a:rPr>
-              <a:t>，都会报这个错，但是安装</a:t>
-            </a:r>
-            <a:r>
-              <a:rPr lang="en-GB" altLang="zh-CN" b="0" i="0" dirty="0" err="1">
-                <a:solidFill>
-                  <a:srgbClr val="1F2328"/>
-                </a:solidFill>
-                <a:effectLst/>
-                <a:latin typeface="-apple-system"/>
-              </a:rPr>
-              <a:t>numpy</a:t>
-            </a:r>
-            <a:r>
-              <a:rPr lang="en-GB" altLang="zh-CN" b="0" i="0" dirty="0">
-                <a:solidFill>
-                  <a:srgbClr val="1F2328"/>
-                </a:solidFill>
-                <a:effectLst/>
-                <a:latin typeface="-apple-system"/>
-              </a:rPr>
-              <a:t>==</a:t>
-            </a:r>
-            <a:r>
-              <a:rPr lang="en-US" altLang="zh-CN" b="0" i="0" dirty="0">
-                <a:solidFill>
-                  <a:srgbClr val="1F2328"/>
-                </a:solidFill>
-                <a:effectLst/>
-                <a:latin typeface="-apple-system"/>
-              </a:rPr>
-              <a:t>1.23.2</a:t>
-            </a:r>
-            <a:r>
-              <a:rPr lang="zh-CN" altLang="en-US" b="0" i="0" dirty="0">
-                <a:solidFill>
-                  <a:srgbClr val="1F2328"/>
-                </a:solidFill>
-                <a:effectLst/>
-                <a:latin typeface="-apple-system"/>
-              </a:rPr>
-              <a:t>版本就能正常运行了</a:t>
-            </a:r>
-            <a:endParaRPr lang="en-GB" dirty="0"/>
+            <a:pPr marL="0" indent="0" algn="ctr">
+              <a:buNone/>
+            </a:pPr>
+            <a:r>
+              <a:rPr lang="en-GB" sz="1800" dirty="0"/>
+              <a:t>Appendix</a:t>
+            </a:r>
           </a:p>
         </p:txBody>
       </p:sp>
     </p:spTree>
     <p:extLst>
       <p:ext uri="{BB962C8B-B14F-4D97-AF65-F5344CB8AC3E}">
-        <p14:creationId xmlns:p14="http://schemas.microsoft.com/office/powerpoint/2010/main" val="2297757355"/>
+        <p14:creationId xmlns:p14="http://schemas.microsoft.com/office/powerpoint/2010/main" val="968647826"/>
       </p:ext>
     </p:extLst>
   </p:cSld>
@@ -6645,7 +6267,7 @@
           <p:cNvPr id="2" name="Title 1">
             <a:extLst>
               <a:ext uri="{FF2B5EF4-FFF2-40B4-BE49-F238E27FC236}">
-                <a16:creationId xmlns:a16="http://schemas.microsoft.com/office/drawing/2014/main" id="{06286F4E-223A-02FE-50C3-1511941728ED}"/>
+                <a16:creationId xmlns:a16="http://schemas.microsoft.com/office/drawing/2014/main" id="{8706B172-D1F2-E81F-961C-B2BED6F26838}"/>
               </a:ext>
             </a:extLst>
           </p:cNvPr>
@@ -6662,8 +6284,8 @@
           <a:lstStyle/>
           <a:p>
             <a:r>
-              <a:rPr lang="en-US" altLang="zh-CN" dirty="0"/>
-              <a:t>library note</a:t>
+              <a:rPr lang="it-IT" dirty="0"/>
+              <a:t>Dataloader: model\data\simple_dataset.py </a:t>
             </a:r>
             <a:endParaRPr lang="en-GB" dirty="0"/>
           </a:p>
@@ -6674,7 +6296,7 @@
           <p:cNvPr id="3" name="Content Placeholder 2">
             <a:extLst>
               <a:ext uri="{FF2B5EF4-FFF2-40B4-BE49-F238E27FC236}">
-                <a16:creationId xmlns:a16="http://schemas.microsoft.com/office/drawing/2014/main" id="{1EFE7BA5-BCBA-B708-1E08-D6DDC519FF15}"/>
+                <a16:creationId xmlns:a16="http://schemas.microsoft.com/office/drawing/2014/main" id="{C87B8EF7-CFF7-CE79-40F7-D4D779973D7B}"/>
               </a:ext>
             </a:extLst>
           </p:cNvPr>
@@ -6687,103 +6309,134 @@
         </p:nvSpPr>
         <p:spPr/>
         <p:txBody>
-          <a:bodyPr/>
+          <a:bodyPr>
+            <a:normAutofit/>
+          </a:bodyPr>
           <a:lstStyle/>
           <a:p>
             <a:r>
-              <a:rPr lang="en-GB" dirty="0"/>
-              <a:t>python = 3.8.19</a:t>
-            </a:r>
-          </a:p>
-          <a:p>
-            <a:r>
-              <a:rPr lang="en-GB" sz="1800" b="0" dirty="0">
-                <a:solidFill>
-                  <a:srgbClr val="A31515"/>
-                </a:solidFill>
-                <a:effectLst/>
-                <a:latin typeface="Courier New" panose="02070309020205020404" pitchFamily="49" charset="0"/>
-              </a:rPr>
-              <a:t>"</a:t>
-            </a:r>
-            <a:r>
-              <a:rPr lang="en-GB" sz="1800" b="0" dirty="0" err="1">
-                <a:solidFill>
-                  <a:srgbClr val="A31515"/>
-                </a:solidFill>
-                <a:effectLst/>
-                <a:latin typeface="Courier New" panose="02070309020205020404" pitchFamily="49" charset="0"/>
-              </a:rPr>
-              <a:t>paddleocr</a:t>
-            </a:r>
-            <a:r>
-              <a:rPr lang="en-GB" sz="1800" b="0" dirty="0">
-                <a:solidFill>
-                  <a:srgbClr val="A31515"/>
-                </a:solidFill>
-                <a:effectLst/>
-                <a:latin typeface="Courier New" panose="02070309020205020404" pitchFamily="49" charset="0"/>
-              </a:rPr>
-              <a:t>&gt;=2.0.1“</a:t>
-            </a:r>
-          </a:p>
-          <a:p>
-            <a:r>
-              <a:rPr lang="en-GB" sz="1800" dirty="0" err="1">
-                <a:solidFill>
-                  <a:srgbClr val="A31515"/>
-                </a:solidFill>
-                <a:latin typeface="Courier New" panose="02070309020205020404" pitchFamily="49" charset="0"/>
-              </a:rPr>
-              <a:t>Paddlepaddle</a:t>
-            </a:r>
-            <a:r>
-              <a:rPr lang="en-GB" sz="1800" dirty="0">
-                <a:solidFill>
-                  <a:srgbClr val="A31515"/>
-                </a:solidFill>
-                <a:latin typeface="Courier New" panose="02070309020205020404" pitchFamily="49" charset="0"/>
-              </a:rPr>
-              <a:t> == 2.1.0</a:t>
-            </a:r>
-          </a:p>
-          <a:p>
-            <a:r>
-              <a:rPr lang="en-GB" sz="1800" b="0" dirty="0" err="1">
-                <a:solidFill>
-                  <a:srgbClr val="A31515"/>
-                </a:solidFill>
-                <a:effectLst/>
-                <a:latin typeface="Courier New" panose="02070309020205020404" pitchFamily="49" charset="0"/>
-              </a:rPr>
-              <a:t>Tensorboard</a:t>
-            </a:r>
-            <a:endParaRPr lang="en-GB" sz="1800" b="0" dirty="0">
+              <a:rPr lang="it-IT" dirty="0"/>
+              <a:t>model\data\simple_dataset.py line 56:</a:t>
+            </a:r>
+          </a:p>
+          <a:p>
+            <a:endParaRPr lang="it-IT" dirty="0"/>
+          </a:p>
+          <a:p>
+            <a:r>
+              <a:rPr lang="en-GB" b="0" dirty="0">
+                <a:solidFill>
+                  <a:srgbClr val="569CD6"/>
+                </a:solidFill>
+                <a:effectLst/>
+                <a:latin typeface="Consolas" panose="020B0609020204030204" pitchFamily="49" charset="0"/>
+              </a:rPr>
+              <a:t>class</a:t>
+            </a:r>
+            <a:r>
+              <a:rPr lang="en-GB" b="0" dirty="0">
+                <a:solidFill>
+                  <a:srgbClr val="CCCCCC"/>
+                </a:solidFill>
+                <a:effectLst/>
+                <a:latin typeface="Consolas" panose="020B0609020204030204" pitchFamily="49" charset="0"/>
+              </a:rPr>
+              <a:t> </a:t>
+            </a:r>
+            <a:r>
+              <a:rPr lang="en-GB" b="0" dirty="0" err="1">
+                <a:solidFill>
+                  <a:srgbClr val="4EC9B0"/>
+                </a:solidFill>
+                <a:effectLst/>
+                <a:latin typeface="Consolas" panose="020B0609020204030204" pitchFamily="49" charset="0"/>
+              </a:rPr>
+              <a:t>SimpleDataSet</a:t>
+            </a:r>
+            <a:r>
+              <a:rPr lang="en-GB" b="0" dirty="0">
+                <a:solidFill>
+                  <a:srgbClr val="CCCCCC"/>
+                </a:solidFill>
+                <a:effectLst/>
+                <a:latin typeface="Consolas" panose="020B0609020204030204" pitchFamily="49" charset="0"/>
+              </a:rPr>
+              <a:t>(</a:t>
+            </a:r>
+            <a:r>
+              <a:rPr lang="en-GB" b="0" dirty="0">
+                <a:solidFill>
+                  <a:srgbClr val="4EC9B0"/>
+                </a:solidFill>
+                <a:effectLst/>
+                <a:latin typeface="Consolas" panose="020B0609020204030204" pitchFamily="49" charset="0"/>
+              </a:rPr>
+              <a:t>Dataset</a:t>
+            </a:r>
+            <a:r>
+              <a:rPr lang="en-GB" b="0" dirty="0">
+                <a:solidFill>
+                  <a:srgbClr val="CCCCCC"/>
+                </a:solidFill>
+                <a:effectLst/>
+                <a:latin typeface="Consolas" panose="020B0609020204030204" pitchFamily="49" charset="0"/>
+              </a:rPr>
+              <a:t>)</a:t>
+            </a:r>
+          </a:p>
+          <a:p>
+            <a:endParaRPr lang="en-GB" b="0" dirty="0">
               <a:solidFill>
-                <a:srgbClr val="A31515"/>
+                <a:srgbClr val="CCCCCC"/>
               </a:solidFill>
               <a:effectLst/>
-              <a:latin typeface="Courier New" panose="02070309020205020404" pitchFamily="49" charset="0"/>
+              <a:latin typeface="Consolas" panose="020B0609020204030204" pitchFamily="49" charset="0"/>
             </a:endParaRPr>
           </a:p>
-          <a:p>
-            <a:endParaRPr lang="en-GB" sz="1800" b="0" dirty="0">
-              <a:solidFill>
-                <a:srgbClr val="000000"/>
-              </a:solidFill>
-              <a:effectLst/>
-              <a:latin typeface="Courier New" panose="02070309020205020404" pitchFamily="49" charset="0"/>
-            </a:endParaRPr>
-          </a:p>
-          <a:p>
-            <a:endParaRPr lang="en-GB" dirty="0"/>
+        </p:txBody>
+      </p:sp>
+      <p:sp>
+        <p:nvSpPr>
+          <p:cNvPr id="4" name="TextBox 3">
+            <a:extLst>
+              <a:ext uri="{FF2B5EF4-FFF2-40B4-BE49-F238E27FC236}">
+                <a16:creationId xmlns:a16="http://schemas.microsoft.com/office/drawing/2014/main" id="{3A345E18-69D3-1B1F-AE56-C4ACDC08428C}"/>
+              </a:ext>
+            </a:extLst>
+          </p:cNvPr>
+          <p:cNvSpPr txBox="1"/>
+          <p:nvPr/>
+        </p:nvSpPr>
+        <p:spPr>
+          <a:xfrm>
+            <a:off x="4845377" y="6488668"/>
+            <a:ext cx="3146196" cy="369332"/>
+          </a:xfrm>
+          <a:prstGeom prst="rect">
+            <a:avLst/>
+          </a:prstGeom>
+          <a:noFill/>
+        </p:spPr>
+        <p:txBody>
+          <a:bodyPr wrap="square">
+            <a:spAutoFit/>
+          </a:bodyPr>
+          <a:lstStyle/>
+          <a:p>
+            <a:pPr marL="0" indent="0" algn="ctr">
+              <a:buNone/>
+            </a:pPr>
+            <a:r>
+              <a:rPr lang="en-GB" sz="1800" dirty="0"/>
+              <a:t>Appendix</a:t>
+            </a:r>
           </a:p>
         </p:txBody>
       </p:sp>
     </p:spTree>
     <p:extLst>
       <p:ext uri="{BB962C8B-B14F-4D97-AF65-F5344CB8AC3E}">
-        <p14:creationId xmlns:p14="http://schemas.microsoft.com/office/powerpoint/2010/main" val="1563633422"/>
+        <p14:creationId xmlns:p14="http://schemas.microsoft.com/office/powerpoint/2010/main" val="809864632"/>
       </p:ext>
     </p:extLst>
   </p:cSld>
@@ -6815,7 +6468,7 @@
           <p:cNvPr id="2" name="Title 1">
             <a:extLst>
               <a:ext uri="{FF2B5EF4-FFF2-40B4-BE49-F238E27FC236}">
-                <a16:creationId xmlns:a16="http://schemas.microsoft.com/office/drawing/2014/main" id="{BEE0F620-552A-DA4A-2C3A-2664F6AC6B2F}"/>
+                <a16:creationId xmlns:a16="http://schemas.microsoft.com/office/drawing/2014/main" id="{EFB87CE2-FA5B-B2F3-7F32-6B7D316B86D1}"/>
               </a:ext>
             </a:extLst>
           </p:cNvPr>
@@ -6832,13 +6485,25 @@
           <a:lstStyle/>
           <a:p>
             <a:r>
+              <a:rPr lang="zh-CN" altLang="en-US" dirty="0"/>
+              <a:t>使用</a:t>
+            </a:r>
+            <a:r>
               <a:rPr lang="en-US" altLang="zh-CN" dirty="0"/>
-              <a:t>Training error: weight cannot be loaded to </a:t>
-            </a:r>
-            <a:r>
-              <a:rPr lang="en-US" altLang="zh-CN" dirty="0" err="1"/>
+              <a:t>CPU</a:t>
+            </a:r>
+            <a:r>
+              <a:rPr lang="zh-CN" altLang="en-US" dirty="0"/>
+              <a:t>所以我把</a:t>
+            </a:r>
+            <a:r>
+              <a:rPr lang="en-GB" altLang="zh-CN" dirty="0" err="1"/>
               <a:t>cuda</a:t>
             </a:r>
+            <a:r>
+              <a:rPr lang="zh-CN" altLang="en-US" dirty="0"/>
+              <a:t>這行改了</a:t>
+            </a:r>
             <a:endParaRPr lang="en-GB" dirty="0"/>
           </a:p>
         </p:txBody>
@@ -6848,7 +6513,7 @@
           <p:cNvPr id="3" name="Content Placeholder 2">
             <a:extLst>
               <a:ext uri="{FF2B5EF4-FFF2-40B4-BE49-F238E27FC236}">
-                <a16:creationId xmlns:a16="http://schemas.microsoft.com/office/drawing/2014/main" id="{4CBCAD23-C501-5F7D-EF88-491044C0E9C1}"/>
+                <a16:creationId xmlns:a16="http://schemas.microsoft.com/office/drawing/2014/main" id="{A3B0312F-1931-6E9B-AC14-4A8345F9949C}"/>
               </a:ext>
             </a:extLst>
           </p:cNvPr>
@@ -6865,73 +6530,118 @@
           <a:lstStyle/>
           <a:p>
             <a:r>
-              <a:rPr lang="en-GB" b="0" i="0" dirty="0" err="1">
-                <a:solidFill>
-                  <a:srgbClr val="202124"/>
-                </a:solidFill>
-                <a:effectLst/>
-                <a:latin typeface="Roboto" panose="02000000000000000000" pitchFamily="2" charset="0"/>
-              </a:rPr>
-              <a:t>RuntimeError</a:t>
-            </a:r>
-            <a:r>
-              <a:rPr lang="en-GB" b="0" i="0" dirty="0">
-                <a:solidFill>
-                  <a:srgbClr val="202124"/>
-                </a:solidFill>
-                <a:effectLst/>
-                <a:latin typeface="Roboto" panose="02000000000000000000" pitchFamily="2" charset="0"/>
-              </a:rPr>
-              <a:t>: Input type (</a:t>
-            </a:r>
-            <a:r>
-              <a:rPr lang="en-GB" b="0" i="0" dirty="0" err="1">
-                <a:solidFill>
-                  <a:srgbClr val="202124"/>
-                </a:solidFill>
-                <a:effectLst/>
-                <a:latin typeface="Roboto" panose="02000000000000000000" pitchFamily="2" charset="0"/>
-              </a:rPr>
-              <a:t>torch.cuda.FloatTensor</a:t>
-            </a:r>
-            <a:r>
-              <a:rPr lang="en-GB" b="0" i="0" dirty="0">
-                <a:solidFill>
-                  <a:srgbClr val="202124"/>
-                </a:solidFill>
-                <a:effectLst/>
-                <a:latin typeface="Roboto" panose="02000000000000000000" pitchFamily="2" charset="0"/>
-              </a:rPr>
-              <a:t>) and weight type (</a:t>
-            </a:r>
-            <a:r>
-              <a:rPr lang="en-GB" b="0" i="0" dirty="0" err="1">
-                <a:solidFill>
-                  <a:srgbClr val="202124"/>
-                </a:solidFill>
-                <a:effectLst/>
-                <a:latin typeface="Roboto" panose="02000000000000000000" pitchFamily="2" charset="0"/>
-              </a:rPr>
-              <a:t>torch.FloatTensor</a:t>
-            </a:r>
-            <a:r>
-              <a:rPr lang="en-GB" b="0" i="0">
-                <a:solidFill>
-                  <a:srgbClr val="202124"/>
-                </a:solidFill>
-                <a:effectLst/>
-                <a:latin typeface="Roboto" panose="02000000000000000000" pitchFamily="2" charset="0"/>
-              </a:rPr>
-              <a:t>) should be the same</a:t>
-            </a:r>
-            <a:endParaRPr lang="en-GB"/>
+              <a:rPr lang="en-GB" dirty="0"/>
+              <a:t>Program.py line 98 </a:t>
+            </a:r>
+          </a:p>
+          <a:p>
+            <a:r>
+              <a:rPr lang="en-GB" sz="2000" b="0" dirty="0">
+                <a:solidFill>
+                  <a:srgbClr val="6A9955"/>
+                </a:solidFill>
+                <a:effectLst/>
+                <a:latin typeface="Consolas" panose="020B0609020204030204" pitchFamily="49" charset="0"/>
+              </a:rPr>
+              <a:t># device = '</a:t>
+            </a:r>
+            <a:r>
+              <a:rPr lang="en-GB" sz="2000" b="0" dirty="0" err="1">
+                <a:solidFill>
+                  <a:srgbClr val="6A9955"/>
+                </a:solidFill>
+                <a:effectLst/>
+                <a:latin typeface="Consolas" panose="020B0609020204030204" pitchFamily="49" charset="0"/>
+              </a:rPr>
+              <a:t>cuda</a:t>
+            </a:r>
+            <a:r>
+              <a:rPr lang="en-GB" sz="2000" b="0" dirty="0">
+                <a:solidFill>
+                  <a:srgbClr val="6A9955"/>
+                </a:solidFill>
+                <a:effectLst/>
+                <a:latin typeface="Consolas" panose="020B0609020204030204" pitchFamily="49" charset="0"/>
+              </a:rPr>
+              <a:t>:{}'.format(config['Global']['</a:t>
+            </a:r>
+            <a:r>
+              <a:rPr lang="en-GB" sz="2000" b="0" dirty="0" err="1">
+                <a:solidFill>
+                  <a:srgbClr val="6A9955"/>
+                </a:solidFill>
+                <a:effectLst/>
+                <a:latin typeface="Consolas" panose="020B0609020204030204" pitchFamily="49" charset="0"/>
+              </a:rPr>
+              <a:t>gpu_id</a:t>
+            </a:r>
+            <a:r>
+              <a:rPr lang="en-GB" sz="2000" b="0" dirty="0">
+                <a:solidFill>
+                  <a:srgbClr val="6A9955"/>
+                </a:solidFill>
+                <a:effectLst/>
+                <a:latin typeface="Consolas" panose="020B0609020204030204" pitchFamily="49" charset="0"/>
+              </a:rPr>
+              <a:t>']) if </a:t>
+            </a:r>
+            <a:r>
+              <a:rPr lang="en-GB" sz="2000" b="0" dirty="0" err="1">
+                <a:solidFill>
+                  <a:srgbClr val="6A9955"/>
+                </a:solidFill>
+                <a:effectLst/>
+                <a:latin typeface="Consolas" panose="020B0609020204030204" pitchFamily="49" charset="0"/>
+              </a:rPr>
+              <a:t>use_gpu</a:t>
+            </a:r>
+            <a:r>
+              <a:rPr lang="en-GB" sz="2000" b="0" dirty="0">
+                <a:solidFill>
+                  <a:srgbClr val="6A9955"/>
+                </a:solidFill>
+                <a:effectLst/>
+                <a:latin typeface="Consolas" panose="020B0609020204030204" pitchFamily="49" charset="0"/>
+              </a:rPr>
+              <a:t> else '</a:t>
+            </a:r>
+            <a:r>
+              <a:rPr lang="en-GB" sz="2000" b="0" dirty="0" err="1">
+                <a:solidFill>
+                  <a:srgbClr val="6A9955"/>
+                </a:solidFill>
+                <a:effectLst/>
+                <a:latin typeface="Consolas" panose="020B0609020204030204" pitchFamily="49" charset="0"/>
+              </a:rPr>
+              <a:t>cpu</a:t>
+            </a:r>
+            <a:r>
+              <a:rPr lang="en-GB" sz="2000" b="0" dirty="0">
+                <a:solidFill>
+                  <a:srgbClr val="6A9955"/>
+                </a:solidFill>
+                <a:effectLst/>
+                <a:latin typeface="Consolas" panose="020B0609020204030204" pitchFamily="49" charset="0"/>
+              </a:rPr>
+              <a:t>'</a:t>
+            </a:r>
+            <a:endParaRPr lang="en-GB" sz="2000" b="0" dirty="0">
+              <a:solidFill>
+                <a:srgbClr val="CCCCCC"/>
+              </a:solidFill>
+              <a:effectLst/>
+              <a:latin typeface="Consolas" panose="020B0609020204030204" pitchFamily="49" charset="0"/>
+            </a:endParaRPr>
+          </a:p>
+          <a:p>
+            <a:endParaRPr lang="en-GB" dirty="0"/>
           </a:p>
         </p:txBody>
       </p:sp>
     </p:spTree>
     <p:extLst>
       <p:ext uri="{BB962C8B-B14F-4D97-AF65-F5344CB8AC3E}">
-        <p14:creationId xmlns:p14="http://schemas.microsoft.com/office/powerpoint/2010/main" val="3388768162"/>
+        <p14:creationId xmlns:p14="http://schemas.microsoft.com/office/powerpoint/2010/main" val="2806469842"/>
       </p:ext>
     </p:extLst>
   </p:cSld>
@@ -6963,7 +6673,7 @@
           <p:cNvPr id="2" name="Title 1">
             <a:extLst>
               <a:ext uri="{FF2B5EF4-FFF2-40B4-BE49-F238E27FC236}">
-                <a16:creationId xmlns:a16="http://schemas.microsoft.com/office/drawing/2014/main" id="{EB16C9B9-4BF3-9062-E84F-A4CAC817943F}"/>
+                <a16:creationId xmlns:a16="http://schemas.microsoft.com/office/drawing/2014/main" id="{E670ECF5-BF7E-982E-A0B9-0C138C4DDA53}"/>
               </a:ext>
             </a:extLst>
           </p:cNvPr>
@@ -6981,7 +6691,7 @@
           <a:p>
             <a:r>
               <a:rPr lang="en-GB" dirty="0"/>
-              <a:t>OCR_INFER</a:t>
+              <a:t>Error when parsing</a:t>
             </a:r>
           </a:p>
         </p:txBody>
@@ -6991,7 +6701,7 @@
           <p:cNvPr id="3" name="Content Placeholder 2">
             <a:extLst>
               <a:ext uri="{FF2B5EF4-FFF2-40B4-BE49-F238E27FC236}">
-                <a16:creationId xmlns:a16="http://schemas.microsoft.com/office/drawing/2014/main" id="{86B5C663-647B-7DFA-2853-D20B6F37872E}"/>
+                <a16:creationId xmlns:a16="http://schemas.microsoft.com/office/drawing/2014/main" id="{EDF3AB5E-2C63-BA19-0C9C-B9205C55DB31}"/>
               </a:ext>
             </a:extLst>
           </p:cNvPr>
@@ -7002,273 +6712,422 @@
             <p:ph idx="1"/>
           </p:nvPr>
         </p:nvSpPr>
-        <p:spPr/>
-        <p:txBody>
-          <a:bodyPr/>
+        <p:spPr>
+          <a:xfrm>
+            <a:off x="403860" y="1825625"/>
+            <a:ext cx="11597640" cy="4072255"/>
+          </a:xfrm>
+        </p:spPr>
+        <p:txBody>
+          <a:bodyPr>
+            <a:noAutofit/>
+          </a:bodyPr>
           <a:lstStyle/>
           <a:p>
-            <a:r>
-              <a:rPr lang="en-US" altLang="zh-CN" sz="1800" dirty="0">
-                <a:latin typeface="Consolas" panose="020B0609020204030204" pitchFamily="49" charset="0"/>
-              </a:rPr>
-              <a:t>tools\infer\</a:t>
-            </a:r>
-            <a:r>
-              <a:rPr lang="en-US" altLang="zh-CN" sz="1800" b="0" dirty="0">
-                <a:effectLst/>
-                <a:latin typeface="Consolas" panose="020B0609020204030204" pitchFamily="49" charset="0"/>
-              </a:rPr>
-              <a:t>predict_det.py</a:t>
-            </a:r>
-            <a:r>
-              <a:rPr lang="zh-CN" altLang="en-US" sz="1800" b="0" dirty="0">
-                <a:effectLst/>
-                <a:latin typeface="Consolas" panose="020B0609020204030204" pitchFamily="49" charset="0"/>
-              </a:rPr>
-              <a:t>中</a:t>
-            </a:r>
-            <a:endParaRPr lang="en-GB" sz="1800" b="0" dirty="0">
-              <a:effectLst/>
-              <a:latin typeface="Consolas" panose="020B0609020204030204" pitchFamily="49" charset="0"/>
-            </a:endParaRPr>
-          </a:p>
-          <a:p>
-            <a:r>
-              <a:rPr lang="en-GB" sz="1800" b="0" dirty="0">
-                <a:solidFill>
-                  <a:srgbClr val="C586C0"/>
-                </a:solidFill>
-                <a:effectLst/>
-                <a:latin typeface="Consolas" panose="020B0609020204030204" pitchFamily="49" charset="0"/>
-              </a:rPr>
-              <a:t>from</a:t>
-            </a:r>
-            <a:r>
-              <a:rPr lang="en-GB" sz="1800" b="0" dirty="0">
-                <a:solidFill>
-                  <a:srgbClr val="CCCCCC"/>
-                </a:solidFill>
-                <a:effectLst/>
-                <a:latin typeface="Consolas" panose="020B0609020204030204" pitchFamily="49" charset="0"/>
-              </a:rPr>
-              <a:t> </a:t>
-            </a:r>
-            <a:r>
-              <a:rPr lang="en-GB" sz="1800" b="0" dirty="0" err="1">
-                <a:solidFill>
-                  <a:srgbClr val="4EC9B0"/>
-                </a:solidFill>
-                <a:effectLst/>
-                <a:latin typeface="Consolas" panose="020B0609020204030204" pitchFamily="49" charset="0"/>
-              </a:rPr>
-              <a:t>pytorchocr</a:t>
-            </a:r>
-            <a:r>
-              <a:rPr lang="en-GB" sz="1800" b="0" dirty="0" err="1">
-                <a:solidFill>
-                  <a:srgbClr val="CCCCCC"/>
-                </a:solidFill>
-                <a:effectLst/>
-                <a:latin typeface="Consolas" panose="020B0609020204030204" pitchFamily="49" charset="0"/>
-              </a:rPr>
-              <a:t>.</a:t>
-            </a:r>
-            <a:r>
-              <a:rPr lang="en-GB" sz="1800" b="0" dirty="0" err="1">
-                <a:solidFill>
-                  <a:srgbClr val="4EC9B0"/>
-                </a:solidFill>
-                <a:effectLst/>
-                <a:latin typeface="Consolas" panose="020B0609020204030204" pitchFamily="49" charset="0"/>
-              </a:rPr>
-              <a:t>utils</a:t>
-            </a:r>
-            <a:r>
-              <a:rPr lang="en-GB" sz="1800" b="0" dirty="0" err="1">
-                <a:solidFill>
-                  <a:srgbClr val="CCCCCC"/>
-                </a:solidFill>
-                <a:effectLst/>
-                <a:latin typeface="Consolas" panose="020B0609020204030204" pitchFamily="49" charset="0"/>
-              </a:rPr>
-              <a:t>.</a:t>
-            </a:r>
-            <a:r>
-              <a:rPr lang="en-GB" sz="1800" b="0" dirty="0" err="1">
-                <a:solidFill>
-                  <a:srgbClr val="4EC9B0"/>
-                </a:solidFill>
-                <a:effectLst/>
-                <a:latin typeface="Consolas" panose="020B0609020204030204" pitchFamily="49" charset="0"/>
-              </a:rPr>
-              <a:t>utility</a:t>
-            </a:r>
-            <a:r>
-              <a:rPr lang="en-GB" sz="1800" b="0" dirty="0">
-                <a:solidFill>
-                  <a:srgbClr val="CCCCCC"/>
-                </a:solidFill>
-                <a:effectLst/>
-                <a:latin typeface="Consolas" panose="020B0609020204030204" pitchFamily="49" charset="0"/>
-              </a:rPr>
-              <a:t> </a:t>
-            </a:r>
-            <a:r>
-              <a:rPr lang="en-GB" sz="1800" b="0" dirty="0">
-                <a:solidFill>
-                  <a:srgbClr val="C586C0"/>
-                </a:solidFill>
-                <a:effectLst/>
-                <a:latin typeface="Consolas" panose="020B0609020204030204" pitchFamily="49" charset="0"/>
-              </a:rPr>
-              <a:t>import</a:t>
-            </a:r>
-            <a:r>
-              <a:rPr lang="en-GB" sz="1800" b="0" dirty="0">
-                <a:solidFill>
-                  <a:srgbClr val="CCCCCC"/>
-                </a:solidFill>
-                <a:effectLst/>
-                <a:latin typeface="Consolas" panose="020B0609020204030204" pitchFamily="49" charset="0"/>
-              </a:rPr>
-              <a:t> </a:t>
-            </a:r>
-            <a:r>
-              <a:rPr lang="en-GB" sz="1800" b="0" dirty="0" err="1">
-                <a:solidFill>
-                  <a:srgbClr val="DCDCAA"/>
-                </a:solidFill>
-                <a:effectLst/>
-                <a:latin typeface="Consolas" panose="020B0609020204030204" pitchFamily="49" charset="0"/>
-              </a:rPr>
-              <a:t>get_image_file_list</a:t>
-            </a:r>
-            <a:r>
-              <a:rPr lang="en-GB" sz="1800" b="0" dirty="0">
-                <a:solidFill>
-                  <a:srgbClr val="CCCCCC"/>
-                </a:solidFill>
-                <a:effectLst/>
-                <a:latin typeface="Consolas" panose="020B0609020204030204" pitchFamily="49" charset="0"/>
-              </a:rPr>
-              <a:t>, </a:t>
-            </a:r>
-            <a:r>
-              <a:rPr lang="en-GB" sz="1800" b="0" dirty="0" err="1">
-                <a:solidFill>
-                  <a:srgbClr val="DCDCAA"/>
-                </a:solidFill>
-                <a:effectLst/>
-                <a:latin typeface="Consolas" panose="020B0609020204030204" pitchFamily="49" charset="0"/>
-              </a:rPr>
-              <a:t>check_and_read_gif</a:t>
-            </a:r>
-            <a:endParaRPr lang="en-GB" sz="1800" b="0" dirty="0">
-              <a:solidFill>
-                <a:srgbClr val="DCDCAA"/>
-              </a:solidFill>
-              <a:effectLst/>
-              <a:latin typeface="Consolas" panose="020B0609020204030204" pitchFamily="49" charset="0"/>
-            </a:endParaRPr>
-          </a:p>
-          <a:p>
-            <a:r>
-              <a:rPr lang="zh-CN" altLang="en-US" sz="1800" b="0" dirty="0">
-                <a:solidFill>
-                  <a:srgbClr val="4EC9B0"/>
-                </a:solidFill>
-                <a:effectLst/>
-                <a:latin typeface="Consolas" panose="020B0609020204030204" pitchFamily="49" charset="0"/>
-              </a:rPr>
-              <a:t>把</a:t>
-            </a:r>
-            <a:r>
-              <a:rPr lang="en-GB" sz="1800" b="0" dirty="0" err="1">
-                <a:solidFill>
-                  <a:srgbClr val="4EC9B0"/>
-                </a:solidFill>
-                <a:effectLst/>
-                <a:latin typeface="Consolas" panose="020B0609020204030204" pitchFamily="49" charset="0"/>
-              </a:rPr>
-              <a:t>pytorchocr</a:t>
-            </a:r>
-            <a:r>
-              <a:rPr lang="en-GB" sz="1800" b="0" dirty="0" err="1">
-                <a:solidFill>
-                  <a:srgbClr val="CCCCCC"/>
-                </a:solidFill>
-                <a:effectLst/>
-                <a:latin typeface="Consolas" panose="020B0609020204030204" pitchFamily="49" charset="0"/>
-              </a:rPr>
-              <a:t>.</a:t>
-            </a:r>
-            <a:r>
-              <a:rPr lang="en-GB" sz="1800" b="0" dirty="0" err="1">
-                <a:solidFill>
-                  <a:srgbClr val="4EC9B0"/>
-                </a:solidFill>
-                <a:effectLst/>
-                <a:latin typeface="Consolas" panose="020B0609020204030204" pitchFamily="49" charset="0"/>
-              </a:rPr>
-              <a:t>utils</a:t>
-            </a:r>
-            <a:r>
-              <a:rPr lang="en-GB" sz="1800" b="0" dirty="0" err="1">
-                <a:solidFill>
-                  <a:srgbClr val="CCCCCC"/>
-                </a:solidFill>
-                <a:effectLst/>
-                <a:latin typeface="Consolas" panose="020B0609020204030204" pitchFamily="49" charset="0"/>
-              </a:rPr>
-              <a:t>.</a:t>
-            </a:r>
-            <a:r>
-              <a:rPr lang="en-GB" sz="1800" b="0" dirty="0" err="1">
-                <a:solidFill>
-                  <a:srgbClr val="4EC9B0"/>
-                </a:solidFill>
-                <a:effectLst/>
-                <a:latin typeface="Consolas" panose="020B0609020204030204" pitchFamily="49" charset="0"/>
-              </a:rPr>
-              <a:t>utility</a:t>
-            </a:r>
-            <a:r>
-              <a:rPr lang="zh-CN" altLang="en-US" sz="1800" b="0" dirty="0">
-                <a:solidFill>
-                  <a:srgbClr val="4EC9B0"/>
-                </a:solidFill>
-                <a:effectLst/>
-                <a:latin typeface="Consolas" panose="020B0609020204030204" pitchFamily="49" charset="0"/>
-              </a:rPr>
-              <a:t>一些</a:t>
-            </a:r>
-            <a:r>
-              <a:rPr lang="en-US" altLang="zh-CN" sz="1800" dirty="0">
-                <a:solidFill>
-                  <a:srgbClr val="4EC9B0"/>
-                </a:solidFill>
-                <a:latin typeface="Consolas" panose="020B0609020204030204" pitchFamily="49" charset="0"/>
-              </a:rPr>
-              <a:t>inference</a:t>
-            </a:r>
-            <a:r>
-              <a:rPr lang="zh-CN" altLang="en-US" sz="1800">
-                <a:solidFill>
-                  <a:srgbClr val="4EC9B0"/>
-                </a:solidFill>
-                <a:latin typeface="Consolas" panose="020B0609020204030204" pitchFamily="49" charset="0"/>
-              </a:rPr>
-              <a:t>細節抄起來就可以了</a:t>
-            </a:r>
-            <a:endParaRPr lang="en-GB" sz="1800" b="0" dirty="0">
-              <a:solidFill>
-                <a:srgbClr val="CCCCCC"/>
-              </a:solidFill>
-              <a:effectLst/>
-              <a:latin typeface="Consolas" panose="020B0609020204030204" pitchFamily="49" charset="0"/>
-            </a:endParaRPr>
-          </a:p>
-          <a:p>
+            <a:pPr marL="0" indent="0">
+              <a:buNone/>
+            </a:pPr>
+            <a:r>
+              <a:rPr lang="en-GB" sz="1500" b="1" dirty="0"/>
+              <a:t> error happened with </a:t>
+            </a:r>
+            <a:r>
+              <a:rPr lang="en-GB" sz="1500" b="1" dirty="0" err="1"/>
+              <a:t>msg:Traceback</a:t>
+            </a:r>
+            <a:r>
+              <a:rPr lang="en-GB" sz="1500" b="1" dirty="0"/>
+              <a:t> (most recent call last):</a:t>
+            </a:r>
+          </a:p>
+          <a:p>
+            <a:pPr marL="0" indent="0">
+              <a:buNone/>
+            </a:pPr>
+            <a:r>
+              <a:rPr lang="en-GB" sz="1500" b="1" dirty="0"/>
+              <a:t>  File "C:\Users\PingChen\OneDrive - The University of Liverpool\Desktop\KYC </a:t>
+            </a:r>
+            <a:r>
+              <a:rPr lang="zh-TW" altLang="en-US" sz="1500" b="1" dirty="0"/>
+              <a:t>副業</a:t>
+            </a:r>
+            <a:r>
+              <a:rPr lang="en-US" altLang="zh-TW" sz="1500" b="1" dirty="0"/>
+              <a:t>\</a:t>
+            </a:r>
+            <a:r>
+              <a:rPr lang="en-GB" sz="1500" b="1" dirty="0"/>
+              <a:t>OCR\</a:t>
+            </a:r>
+            <a:r>
+              <a:rPr lang="en-GB" sz="1500" b="1" dirty="0" err="1"/>
+              <a:t>ocr_training_det</a:t>
+            </a:r>
+            <a:r>
+              <a:rPr lang="en-GB" sz="1500" b="1" dirty="0"/>
+              <a:t>\model\data\simple_dataset.py", line 131, in __</a:t>
+            </a:r>
+            <a:r>
+              <a:rPr lang="en-GB" sz="1500" b="1" dirty="0" err="1"/>
+              <a:t>getitem</a:t>
+            </a:r>
+            <a:r>
+              <a:rPr lang="en-GB" sz="1500" b="1" dirty="0"/>
+              <a:t>__</a:t>
+            </a:r>
+          </a:p>
+          <a:p>
+            <a:pPr marL="0" indent="0">
+              <a:buNone/>
+            </a:pPr>
+            <a:r>
+              <a:rPr lang="en-GB" sz="1500" b="1" dirty="0"/>
+              <a:t>    outs = transform(data, </a:t>
+            </a:r>
+            <a:r>
+              <a:rPr lang="en-GB" sz="1500" b="1" dirty="0" err="1"/>
+              <a:t>self.ops</a:t>
+            </a:r>
+            <a:r>
+              <a:rPr lang="en-GB" sz="1500" b="1" dirty="0"/>
+              <a:t>)</a:t>
+            </a:r>
+          </a:p>
+          <a:p>
+            <a:pPr marL="0" indent="0">
+              <a:buNone/>
+            </a:pPr>
+            <a:r>
+              <a:rPr lang="en-GB" sz="1500" b="1" dirty="0"/>
+              <a:t>  File "C:\Users\PingChen\OneDrive - The University of Liverpool\Desktop\KYC </a:t>
+            </a:r>
+            <a:r>
+              <a:rPr lang="zh-TW" altLang="en-US" sz="1500" b="1" dirty="0"/>
+              <a:t>副業</a:t>
+            </a:r>
+            <a:r>
+              <a:rPr lang="en-US" altLang="zh-TW" sz="1500" b="1" dirty="0"/>
+              <a:t>\</a:t>
+            </a:r>
+            <a:r>
+              <a:rPr lang="en-GB" sz="1500" b="1" dirty="0"/>
+              <a:t>OCR\</a:t>
+            </a:r>
+            <a:r>
+              <a:rPr lang="en-GB" sz="1500" b="1" dirty="0" err="1"/>
+              <a:t>ocr_training_det</a:t>
+            </a:r>
+            <a:r>
+              <a:rPr lang="en-GB" sz="1500" b="1" dirty="0"/>
+              <a:t>\model\data\</a:t>
+            </a:r>
+            <a:r>
+              <a:rPr lang="en-GB" sz="1500" b="1" dirty="0" err="1"/>
+              <a:t>imaug</a:t>
+            </a:r>
+            <a:r>
+              <a:rPr lang="en-GB" sz="1500" b="1" dirty="0"/>
+              <a:t>\__init__.py", line 13, in transform</a:t>
+            </a:r>
+          </a:p>
+          <a:p>
+            <a:pPr marL="0" indent="0">
+              <a:buNone/>
+            </a:pPr>
+            <a:r>
+              <a:rPr lang="en-GB" sz="1500" b="1" dirty="0"/>
+              <a:t>    data = op(data)</a:t>
+            </a:r>
+          </a:p>
+          <a:p>
+            <a:pPr marL="0" indent="0">
+              <a:buNone/>
+            </a:pPr>
+            <a:r>
+              <a:rPr lang="en-GB" sz="1500" b="1" dirty="0"/>
+              <a:t>  File "C:\Users\PingChen\OneDrive - The University of Liverpool\Desktop\KYC </a:t>
+            </a:r>
+            <a:r>
+              <a:rPr lang="zh-TW" altLang="en-US" sz="1500" b="1" dirty="0"/>
+              <a:t>副業</a:t>
+            </a:r>
+            <a:r>
+              <a:rPr lang="en-US" altLang="zh-TW" sz="1500" b="1" dirty="0"/>
+              <a:t>\</a:t>
+            </a:r>
+            <a:r>
+              <a:rPr lang="en-GB" sz="1500" b="1" dirty="0"/>
+              <a:t>OCR\</a:t>
+            </a:r>
+            <a:r>
+              <a:rPr lang="en-GB" sz="1500" b="1" dirty="0" err="1"/>
+              <a:t>ocr_training_det</a:t>
+            </a:r>
+            <a:r>
+              <a:rPr lang="en-GB" sz="1500" b="1" dirty="0"/>
+              <a:t>\model\data\</a:t>
+            </a:r>
+            <a:r>
+              <a:rPr lang="en-GB" sz="1500" b="1" dirty="0" err="1"/>
+              <a:t>imaug</a:t>
+            </a:r>
+            <a:r>
+              <a:rPr lang="en-GB" sz="1500" b="1" dirty="0"/>
+              <a:t>\label_ops.py", line 28, in __call__</a:t>
+            </a:r>
+          </a:p>
+          <a:p>
+            <a:pPr marL="0" indent="0">
+              <a:buNone/>
+            </a:pPr>
+            <a:r>
+              <a:rPr lang="en-GB" sz="1500" b="1" dirty="0"/>
+              <a:t>    </a:t>
+            </a:r>
+            <a:r>
+              <a:rPr lang="en-GB" sz="1500" b="1" dirty="0" err="1"/>
+              <a:t>txt_tags</a:t>
+            </a:r>
+            <a:r>
+              <a:rPr lang="en-GB" sz="1500" b="1" dirty="0"/>
+              <a:t> = </a:t>
+            </a:r>
+            <a:r>
+              <a:rPr lang="en-GB" sz="1500" b="1" dirty="0" err="1"/>
+              <a:t>np.array</a:t>
+            </a:r>
+            <a:r>
+              <a:rPr lang="en-GB" sz="1500" b="1" dirty="0"/>
+              <a:t>(</a:t>
+            </a:r>
+            <a:r>
+              <a:rPr lang="en-GB" sz="1500" b="1" dirty="0" err="1"/>
+              <a:t>txt_tags,dtype</a:t>
+            </a:r>
+            <a:r>
+              <a:rPr lang="en-GB" sz="1500" b="1" dirty="0"/>
+              <a:t>=</a:t>
+            </a:r>
+            <a:r>
+              <a:rPr lang="en-GB" sz="1500" b="1" dirty="0" err="1"/>
+              <a:t>np.bool</a:t>
+            </a:r>
+            <a:r>
+              <a:rPr lang="en-GB" sz="1500" b="1" dirty="0"/>
+              <a:t>)</a:t>
+            </a:r>
+          </a:p>
+          <a:p>
+            <a:pPr marL="0" indent="0">
+              <a:buNone/>
+            </a:pPr>
+            <a:r>
+              <a:rPr lang="en-GB" sz="1500" b="1" dirty="0"/>
+              <a:t>  File "C:\Users\PingChen\AppData\Local\anaconda3\envs\OCR_test\lib\site-packages\numpy\__init__.py", line 305, in __</a:t>
+            </a:r>
+            <a:r>
+              <a:rPr lang="en-GB" sz="1500" b="1" dirty="0" err="1"/>
+              <a:t>getattr</a:t>
+            </a:r>
+            <a:r>
+              <a:rPr lang="en-GB" sz="1500" b="1" dirty="0"/>
+              <a:t>__</a:t>
+            </a:r>
+          </a:p>
+          <a:p>
+            <a:pPr marL="0" indent="0">
+              <a:buNone/>
+            </a:pPr>
+            <a:r>
+              <a:rPr lang="en-GB" sz="1500" b="1" dirty="0"/>
+              <a:t>    raise </a:t>
+            </a:r>
+            <a:r>
+              <a:rPr lang="en-GB" sz="1500" b="1" dirty="0" err="1"/>
+              <a:t>AttributeError</a:t>
+            </a:r>
+            <a:r>
+              <a:rPr lang="en-GB" sz="1500" b="1" dirty="0"/>
+              <a:t>(__</a:t>
+            </a:r>
+            <a:r>
+              <a:rPr lang="en-GB" sz="1500" b="1" dirty="0" err="1"/>
+              <a:t>former_attrs</a:t>
+            </a:r>
+            <a:r>
+              <a:rPr lang="en-GB" sz="1500" b="1" dirty="0"/>
+              <a:t>__[</a:t>
+            </a:r>
+            <a:r>
+              <a:rPr lang="en-GB" sz="1500" b="1" dirty="0" err="1"/>
+              <a:t>attr</a:t>
+            </a:r>
+            <a:r>
+              <a:rPr lang="en-GB" sz="1500" b="1" dirty="0"/>
+              <a:t>])</a:t>
+            </a:r>
+          </a:p>
+          <a:p>
+            <a:pPr marL="0" indent="0">
+              <a:buNone/>
+            </a:pPr>
+            <a:r>
+              <a:rPr lang="en-GB" sz="1500" b="1" dirty="0" err="1"/>
+              <a:t>AttributeError</a:t>
+            </a:r>
+            <a:r>
+              <a:rPr lang="en-GB" sz="1500" b="1" dirty="0"/>
+              <a:t>: module '</a:t>
+            </a:r>
+            <a:r>
+              <a:rPr lang="en-GB" sz="1500" b="1" dirty="0" err="1"/>
+              <a:t>numpy</a:t>
+            </a:r>
+            <a:r>
+              <a:rPr lang="en-GB" sz="1500" b="1" dirty="0"/>
+              <a:t>' has no attribute 'bool'.</a:t>
+            </a:r>
+          </a:p>
+          <a:p>
+            <a:pPr marL="0" indent="0">
+              <a:buNone/>
+            </a:pPr>
+            <a:r>
+              <a:rPr lang="en-GB" sz="1500" b="1" dirty="0"/>
+              <a:t>https://numpy.org/devdocs/release/1.20.0-notes.html#deprecations</a:t>
+            </a:r>
+          </a:p>
+        </p:txBody>
+      </p:sp>
+      <p:sp>
+        <p:nvSpPr>
+          <p:cNvPr id="4" name="TextBox 3">
+            <a:extLst>
+              <a:ext uri="{FF2B5EF4-FFF2-40B4-BE49-F238E27FC236}">
+                <a16:creationId xmlns:a16="http://schemas.microsoft.com/office/drawing/2014/main" id="{7CE2F764-0241-072F-CBFC-06F8C3161EA4}"/>
+              </a:ext>
+            </a:extLst>
+          </p:cNvPr>
+          <p:cNvSpPr txBox="1"/>
+          <p:nvPr/>
+        </p:nvSpPr>
+        <p:spPr>
+          <a:xfrm>
+            <a:off x="1836420" y="6256020"/>
+            <a:ext cx="9281160" cy="646331"/>
+          </a:xfrm>
+          <a:prstGeom prst="rect">
+            <a:avLst/>
+          </a:prstGeom>
+          <a:noFill/>
+        </p:spPr>
+        <p:txBody>
+          <a:bodyPr wrap="square" rtlCol="0">
+            <a:spAutoFit/>
+          </a:bodyPr>
+          <a:lstStyle/>
+          <a:p>
+            <a:r>
+              <a:rPr lang="en-US" altLang="zh-CN" b="0" i="0" dirty="0" err="1">
+                <a:solidFill>
+                  <a:srgbClr val="1F2328"/>
+                </a:solidFill>
+                <a:effectLst/>
+                <a:latin typeface="-apple-system"/>
+              </a:rPr>
+              <a:t>numpy</a:t>
+            </a:r>
+            <a:r>
+              <a:rPr lang="zh-CN" altLang="en-US" b="0" i="0" dirty="0">
+                <a:solidFill>
+                  <a:srgbClr val="1F2328"/>
+                </a:solidFill>
+                <a:effectLst/>
+                <a:latin typeface="-apple-system"/>
+              </a:rPr>
+              <a:t>版本尝试了</a:t>
+            </a:r>
+            <a:r>
+              <a:rPr lang="en-US" altLang="zh-CN" b="0" i="0" dirty="0">
+                <a:solidFill>
+                  <a:srgbClr val="1F2328"/>
+                </a:solidFill>
+                <a:effectLst/>
+                <a:latin typeface="-apple-system"/>
+              </a:rPr>
+              <a:t>1.24.4</a:t>
+            </a:r>
+            <a:r>
+              <a:rPr lang="zh-CN" altLang="en-US" b="0" i="0" dirty="0">
+                <a:solidFill>
+                  <a:srgbClr val="1F2328"/>
+                </a:solidFill>
+                <a:effectLst/>
+                <a:latin typeface="-apple-system"/>
+              </a:rPr>
+              <a:t>和</a:t>
+            </a:r>
+            <a:r>
+              <a:rPr lang="en-US" altLang="zh-CN" b="0" i="0" dirty="0">
+                <a:solidFill>
+                  <a:srgbClr val="1F2328"/>
+                </a:solidFill>
+                <a:effectLst/>
+                <a:latin typeface="-apple-system"/>
+              </a:rPr>
+              <a:t>1.24.3</a:t>
+            </a:r>
+            <a:r>
+              <a:rPr lang="zh-CN" altLang="en-US" b="0" i="0" dirty="0">
+                <a:solidFill>
+                  <a:srgbClr val="1F2328"/>
+                </a:solidFill>
+                <a:effectLst/>
+                <a:latin typeface="-apple-system"/>
+              </a:rPr>
+              <a:t>，都会报这个错，但是安装</a:t>
+            </a:r>
+            <a:r>
+              <a:rPr lang="en-GB" altLang="zh-CN" b="0" i="0" dirty="0" err="1">
+                <a:solidFill>
+                  <a:srgbClr val="1F2328"/>
+                </a:solidFill>
+                <a:effectLst/>
+                <a:latin typeface="-apple-system"/>
+              </a:rPr>
+              <a:t>numpy</a:t>
+            </a:r>
+            <a:r>
+              <a:rPr lang="en-GB" altLang="zh-CN" b="0" i="0" dirty="0">
+                <a:solidFill>
+                  <a:srgbClr val="1F2328"/>
+                </a:solidFill>
+                <a:effectLst/>
+                <a:latin typeface="-apple-system"/>
+              </a:rPr>
+              <a:t>==</a:t>
+            </a:r>
+            <a:r>
+              <a:rPr lang="en-US" altLang="zh-CN" b="0" i="0" dirty="0">
+                <a:solidFill>
+                  <a:srgbClr val="1F2328"/>
+                </a:solidFill>
+                <a:effectLst/>
+                <a:latin typeface="-apple-system"/>
+              </a:rPr>
+              <a:t>1.23.2</a:t>
+            </a:r>
+            <a:r>
+              <a:rPr lang="zh-CN" altLang="en-US" b="0" i="0" dirty="0">
+                <a:solidFill>
+                  <a:srgbClr val="1F2328"/>
+                </a:solidFill>
+                <a:effectLst/>
+                <a:latin typeface="-apple-system"/>
+              </a:rPr>
+              <a:t>版本就能正常运行了</a:t>
+            </a:r>
             <a:endParaRPr lang="en-GB" dirty="0"/>
           </a:p>
         </p:txBody>
@@ -7276,7 +7135,7 @@
     </p:spTree>
     <p:extLst>
       <p:ext uri="{BB962C8B-B14F-4D97-AF65-F5344CB8AC3E}">
-        <p14:creationId xmlns:p14="http://schemas.microsoft.com/office/powerpoint/2010/main" val="799057516"/>
+        <p14:creationId xmlns:p14="http://schemas.microsoft.com/office/powerpoint/2010/main" val="2297757355"/>
       </p:ext>
     </p:extLst>
   </p:cSld>
@@ -7377,6 +7236,798 @@
     <p:extLst>
       <p:ext uri="{BB962C8B-B14F-4D97-AF65-F5344CB8AC3E}">
         <p14:creationId xmlns:p14="http://schemas.microsoft.com/office/powerpoint/2010/main" val="3970687903"/>
+      </p:ext>
+    </p:extLst>
+  </p:cSld>
+  <p:clrMapOvr>
+    <a:masterClrMapping/>
+  </p:clrMapOvr>
+</p:sld>
+</file>
+
+<file path=ppt/slides/slide20.xml><?xml version="1.0" encoding="utf-8"?>
+<p:sld xmlns:a="http://schemas.openxmlformats.org/drawingml/2006/main" xmlns:r="http://schemas.openxmlformats.org/officeDocument/2006/relationships" xmlns:p="http://schemas.openxmlformats.org/presentationml/2006/main">
+  <p:cSld>
+    <p:spTree>
+      <p:nvGrpSpPr>
+        <p:cNvPr id="1" name=""/>
+        <p:cNvGrpSpPr/>
+        <p:nvPr/>
+      </p:nvGrpSpPr>
+      <p:grpSpPr>
+        <a:xfrm>
+          <a:off x="0" y="0"/>
+          <a:ext cx="0" cy="0"/>
+          <a:chOff x="0" y="0"/>
+          <a:chExt cx="0" cy="0"/>
+        </a:xfrm>
+      </p:grpSpPr>
+      <p:sp>
+        <p:nvSpPr>
+          <p:cNvPr id="2" name="Title 1">
+            <a:extLst>
+              <a:ext uri="{FF2B5EF4-FFF2-40B4-BE49-F238E27FC236}">
+                <a16:creationId xmlns:a16="http://schemas.microsoft.com/office/drawing/2014/main" id="{06286F4E-223A-02FE-50C3-1511941728ED}"/>
+              </a:ext>
+            </a:extLst>
+          </p:cNvPr>
+          <p:cNvSpPr>
+            <a:spLocks noGrp="1"/>
+          </p:cNvSpPr>
+          <p:nvPr>
+            <p:ph type="title"/>
+          </p:nvPr>
+        </p:nvSpPr>
+        <p:spPr/>
+        <p:txBody>
+          <a:bodyPr/>
+          <a:lstStyle/>
+          <a:p>
+            <a:r>
+              <a:rPr lang="en-US" altLang="zh-CN" dirty="0"/>
+              <a:t>library note</a:t>
+            </a:r>
+            <a:endParaRPr lang="en-GB" dirty="0"/>
+          </a:p>
+        </p:txBody>
+      </p:sp>
+      <p:sp>
+        <p:nvSpPr>
+          <p:cNvPr id="3" name="Content Placeholder 2">
+            <a:extLst>
+              <a:ext uri="{FF2B5EF4-FFF2-40B4-BE49-F238E27FC236}">
+                <a16:creationId xmlns:a16="http://schemas.microsoft.com/office/drawing/2014/main" id="{1EFE7BA5-BCBA-B708-1E08-D6DDC519FF15}"/>
+              </a:ext>
+            </a:extLst>
+          </p:cNvPr>
+          <p:cNvSpPr>
+            <a:spLocks noGrp="1"/>
+          </p:cNvSpPr>
+          <p:nvPr>
+            <p:ph idx="1"/>
+          </p:nvPr>
+        </p:nvSpPr>
+        <p:spPr/>
+        <p:txBody>
+          <a:bodyPr/>
+          <a:lstStyle/>
+          <a:p>
+            <a:r>
+              <a:rPr lang="en-GB" dirty="0"/>
+              <a:t>python = 3.8.19</a:t>
+            </a:r>
+          </a:p>
+          <a:p>
+            <a:r>
+              <a:rPr lang="en-GB" sz="1800" b="0" dirty="0">
+                <a:solidFill>
+                  <a:srgbClr val="A31515"/>
+                </a:solidFill>
+                <a:effectLst/>
+                <a:latin typeface="Courier New" panose="02070309020205020404" pitchFamily="49" charset="0"/>
+              </a:rPr>
+              <a:t>"</a:t>
+            </a:r>
+            <a:r>
+              <a:rPr lang="en-GB" sz="1800" b="0" dirty="0" err="1">
+                <a:solidFill>
+                  <a:srgbClr val="A31515"/>
+                </a:solidFill>
+                <a:effectLst/>
+                <a:latin typeface="Courier New" panose="02070309020205020404" pitchFamily="49" charset="0"/>
+              </a:rPr>
+              <a:t>paddleocr</a:t>
+            </a:r>
+            <a:r>
+              <a:rPr lang="en-GB" sz="1800" b="0" dirty="0">
+                <a:solidFill>
+                  <a:srgbClr val="A31515"/>
+                </a:solidFill>
+                <a:effectLst/>
+                <a:latin typeface="Courier New" panose="02070309020205020404" pitchFamily="49" charset="0"/>
+              </a:rPr>
+              <a:t>&gt;=2.0.1“</a:t>
+            </a:r>
+          </a:p>
+          <a:p>
+            <a:r>
+              <a:rPr lang="en-GB" sz="1800" dirty="0" err="1">
+                <a:solidFill>
+                  <a:srgbClr val="A31515"/>
+                </a:solidFill>
+                <a:latin typeface="Courier New" panose="02070309020205020404" pitchFamily="49" charset="0"/>
+              </a:rPr>
+              <a:t>Paddlepaddle</a:t>
+            </a:r>
+            <a:r>
+              <a:rPr lang="en-GB" sz="1800" dirty="0">
+                <a:solidFill>
+                  <a:srgbClr val="A31515"/>
+                </a:solidFill>
+                <a:latin typeface="Courier New" panose="02070309020205020404" pitchFamily="49" charset="0"/>
+              </a:rPr>
+              <a:t> == 2.1.0</a:t>
+            </a:r>
+          </a:p>
+          <a:p>
+            <a:r>
+              <a:rPr lang="en-GB" sz="1800" b="0" dirty="0" err="1">
+                <a:solidFill>
+                  <a:srgbClr val="A31515"/>
+                </a:solidFill>
+                <a:effectLst/>
+                <a:latin typeface="Courier New" panose="02070309020205020404" pitchFamily="49" charset="0"/>
+              </a:rPr>
+              <a:t>Tensorboard</a:t>
+            </a:r>
+            <a:endParaRPr lang="en-GB" sz="1800" b="0" dirty="0">
+              <a:solidFill>
+                <a:srgbClr val="A31515"/>
+              </a:solidFill>
+              <a:effectLst/>
+              <a:latin typeface="Courier New" panose="02070309020205020404" pitchFamily="49" charset="0"/>
+            </a:endParaRPr>
+          </a:p>
+          <a:p>
+            <a:endParaRPr lang="en-GB" sz="1800" b="0" dirty="0">
+              <a:solidFill>
+                <a:srgbClr val="000000"/>
+              </a:solidFill>
+              <a:effectLst/>
+              <a:latin typeface="Courier New" panose="02070309020205020404" pitchFamily="49" charset="0"/>
+            </a:endParaRPr>
+          </a:p>
+          <a:p>
+            <a:endParaRPr lang="en-GB" dirty="0"/>
+          </a:p>
+        </p:txBody>
+      </p:sp>
+    </p:spTree>
+    <p:extLst>
+      <p:ext uri="{BB962C8B-B14F-4D97-AF65-F5344CB8AC3E}">
+        <p14:creationId xmlns:p14="http://schemas.microsoft.com/office/powerpoint/2010/main" val="1563633422"/>
+      </p:ext>
+    </p:extLst>
+  </p:cSld>
+  <p:clrMapOvr>
+    <a:masterClrMapping/>
+  </p:clrMapOvr>
+</p:sld>
+</file>
+
+<file path=ppt/slides/slide21.xml><?xml version="1.0" encoding="utf-8"?>
+<p:sld xmlns:a="http://schemas.openxmlformats.org/drawingml/2006/main" xmlns:r="http://schemas.openxmlformats.org/officeDocument/2006/relationships" xmlns:p="http://schemas.openxmlformats.org/presentationml/2006/main">
+  <p:cSld>
+    <p:spTree>
+      <p:nvGrpSpPr>
+        <p:cNvPr id="1" name=""/>
+        <p:cNvGrpSpPr/>
+        <p:nvPr/>
+      </p:nvGrpSpPr>
+      <p:grpSpPr>
+        <a:xfrm>
+          <a:off x="0" y="0"/>
+          <a:ext cx="0" cy="0"/>
+          <a:chOff x="0" y="0"/>
+          <a:chExt cx="0" cy="0"/>
+        </a:xfrm>
+      </p:grpSpPr>
+      <p:sp>
+        <p:nvSpPr>
+          <p:cNvPr id="2" name="Title 1">
+            <a:extLst>
+              <a:ext uri="{FF2B5EF4-FFF2-40B4-BE49-F238E27FC236}">
+                <a16:creationId xmlns:a16="http://schemas.microsoft.com/office/drawing/2014/main" id="{BEE0F620-552A-DA4A-2C3A-2664F6AC6B2F}"/>
+              </a:ext>
+            </a:extLst>
+          </p:cNvPr>
+          <p:cNvSpPr>
+            <a:spLocks noGrp="1"/>
+          </p:cNvSpPr>
+          <p:nvPr>
+            <p:ph type="title"/>
+          </p:nvPr>
+        </p:nvSpPr>
+        <p:spPr/>
+        <p:txBody>
+          <a:bodyPr/>
+          <a:lstStyle/>
+          <a:p>
+            <a:r>
+              <a:rPr lang="en-US" altLang="zh-CN" dirty="0"/>
+              <a:t>Training error: weight cannot be loaded to </a:t>
+            </a:r>
+            <a:r>
+              <a:rPr lang="en-US" altLang="zh-CN" dirty="0" err="1"/>
+              <a:t>cuda</a:t>
+            </a:r>
+            <a:endParaRPr lang="en-GB" dirty="0"/>
+          </a:p>
+        </p:txBody>
+      </p:sp>
+      <p:sp>
+        <p:nvSpPr>
+          <p:cNvPr id="3" name="Content Placeholder 2">
+            <a:extLst>
+              <a:ext uri="{FF2B5EF4-FFF2-40B4-BE49-F238E27FC236}">
+                <a16:creationId xmlns:a16="http://schemas.microsoft.com/office/drawing/2014/main" id="{4CBCAD23-C501-5F7D-EF88-491044C0E9C1}"/>
+              </a:ext>
+            </a:extLst>
+          </p:cNvPr>
+          <p:cNvSpPr>
+            <a:spLocks noGrp="1"/>
+          </p:cNvSpPr>
+          <p:nvPr>
+            <p:ph idx="1"/>
+          </p:nvPr>
+        </p:nvSpPr>
+        <p:spPr/>
+        <p:txBody>
+          <a:bodyPr/>
+          <a:lstStyle/>
+          <a:p>
+            <a:r>
+              <a:rPr lang="en-GB" b="0" i="0" dirty="0" err="1">
+                <a:solidFill>
+                  <a:srgbClr val="202124"/>
+                </a:solidFill>
+                <a:effectLst/>
+                <a:latin typeface="Roboto" panose="02000000000000000000" pitchFamily="2" charset="0"/>
+              </a:rPr>
+              <a:t>RuntimeError</a:t>
+            </a:r>
+            <a:r>
+              <a:rPr lang="en-GB" b="0" i="0" dirty="0">
+                <a:solidFill>
+                  <a:srgbClr val="202124"/>
+                </a:solidFill>
+                <a:effectLst/>
+                <a:latin typeface="Roboto" panose="02000000000000000000" pitchFamily="2" charset="0"/>
+              </a:rPr>
+              <a:t>: Input type (</a:t>
+            </a:r>
+            <a:r>
+              <a:rPr lang="en-GB" b="0" i="0" dirty="0" err="1">
+                <a:solidFill>
+                  <a:srgbClr val="202124"/>
+                </a:solidFill>
+                <a:effectLst/>
+                <a:latin typeface="Roboto" panose="02000000000000000000" pitchFamily="2" charset="0"/>
+              </a:rPr>
+              <a:t>torch.cuda.FloatTensor</a:t>
+            </a:r>
+            <a:r>
+              <a:rPr lang="en-GB" b="0" i="0" dirty="0">
+                <a:solidFill>
+                  <a:srgbClr val="202124"/>
+                </a:solidFill>
+                <a:effectLst/>
+                <a:latin typeface="Roboto" panose="02000000000000000000" pitchFamily="2" charset="0"/>
+              </a:rPr>
+              <a:t>) and weight type (</a:t>
+            </a:r>
+            <a:r>
+              <a:rPr lang="en-GB" b="0" i="0" dirty="0" err="1">
+                <a:solidFill>
+                  <a:srgbClr val="202124"/>
+                </a:solidFill>
+                <a:effectLst/>
+                <a:latin typeface="Roboto" panose="02000000000000000000" pitchFamily="2" charset="0"/>
+              </a:rPr>
+              <a:t>torch.FloatTensor</a:t>
+            </a:r>
+            <a:r>
+              <a:rPr lang="en-GB" b="0" i="0" dirty="0">
+                <a:solidFill>
+                  <a:srgbClr val="202124"/>
+                </a:solidFill>
+                <a:effectLst/>
+                <a:latin typeface="Roboto" panose="02000000000000000000" pitchFamily="2" charset="0"/>
+              </a:rPr>
+              <a:t>) should be the same</a:t>
+            </a:r>
+            <a:endParaRPr lang="en-GB" dirty="0"/>
+          </a:p>
+        </p:txBody>
+      </p:sp>
+    </p:spTree>
+    <p:extLst>
+      <p:ext uri="{BB962C8B-B14F-4D97-AF65-F5344CB8AC3E}">
+        <p14:creationId xmlns:p14="http://schemas.microsoft.com/office/powerpoint/2010/main" val="3388768162"/>
+      </p:ext>
+    </p:extLst>
+  </p:cSld>
+  <p:clrMapOvr>
+    <a:masterClrMapping/>
+  </p:clrMapOvr>
+</p:sld>
+</file>
+
+<file path=ppt/slides/slide22.xml><?xml version="1.0" encoding="utf-8"?>
+<p:sld xmlns:a="http://schemas.openxmlformats.org/drawingml/2006/main" xmlns:r="http://schemas.openxmlformats.org/officeDocument/2006/relationships" xmlns:p="http://schemas.openxmlformats.org/presentationml/2006/main">
+  <p:cSld>
+    <p:spTree>
+      <p:nvGrpSpPr>
+        <p:cNvPr id="1" name=""/>
+        <p:cNvGrpSpPr/>
+        <p:nvPr/>
+      </p:nvGrpSpPr>
+      <p:grpSpPr>
+        <a:xfrm>
+          <a:off x="0" y="0"/>
+          <a:ext cx="0" cy="0"/>
+          <a:chOff x="0" y="0"/>
+          <a:chExt cx="0" cy="0"/>
+        </a:xfrm>
+      </p:grpSpPr>
+      <p:sp>
+        <p:nvSpPr>
+          <p:cNvPr id="2" name="Title 1">
+            <a:extLst>
+              <a:ext uri="{FF2B5EF4-FFF2-40B4-BE49-F238E27FC236}">
+                <a16:creationId xmlns:a16="http://schemas.microsoft.com/office/drawing/2014/main" id="{EB16C9B9-4BF3-9062-E84F-A4CAC817943F}"/>
+              </a:ext>
+            </a:extLst>
+          </p:cNvPr>
+          <p:cNvSpPr>
+            <a:spLocks noGrp="1"/>
+          </p:cNvSpPr>
+          <p:nvPr>
+            <p:ph type="title"/>
+          </p:nvPr>
+        </p:nvSpPr>
+        <p:spPr/>
+        <p:txBody>
+          <a:bodyPr/>
+          <a:lstStyle/>
+          <a:p>
+            <a:r>
+              <a:rPr lang="en-GB" dirty="0"/>
+              <a:t>OCR_INFER</a:t>
+            </a:r>
+          </a:p>
+        </p:txBody>
+      </p:sp>
+      <p:sp>
+        <p:nvSpPr>
+          <p:cNvPr id="3" name="Content Placeholder 2">
+            <a:extLst>
+              <a:ext uri="{FF2B5EF4-FFF2-40B4-BE49-F238E27FC236}">
+                <a16:creationId xmlns:a16="http://schemas.microsoft.com/office/drawing/2014/main" id="{86B5C663-647B-7DFA-2853-D20B6F37872E}"/>
+              </a:ext>
+            </a:extLst>
+          </p:cNvPr>
+          <p:cNvSpPr>
+            <a:spLocks noGrp="1"/>
+          </p:cNvSpPr>
+          <p:nvPr>
+            <p:ph idx="1"/>
+          </p:nvPr>
+        </p:nvSpPr>
+        <p:spPr/>
+        <p:txBody>
+          <a:bodyPr/>
+          <a:lstStyle/>
+          <a:p>
+            <a:r>
+              <a:rPr lang="en-US" altLang="zh-CN" sz="1800" dirty="0">
+                <a:latin typeface="Consolas" panose="020B0609020204030204" pitchFamily="49" charset="0"/>
+              </a:rPr>
+              <a:t>tools\infer\</a:t>
+            </a:r>
+            <a:r>
+              <a:rPr lang="en-US" altLang="zh-CN" sz="1800" b="0" dirty="0">
+                <a:effectLst/>
+                <a:latin typeface="Consolas" panose="020B0609020204030204" pitchFamily="49" charset="0"/>
+              </a:rPr>
+              <a:t>predict_det.py</a:t>
+            </a:r>
+            <a:r>
+              <a:rPr lang="zh-CN" altLang="en-US" sz="1800" b="0" dirty="0">
+                <a:effectLst/>
+                <a:latin typeface="Consolas" panose="020B0609020204030204" pitchFamily="49" charset="0"/>
+              </a:rPr>
+              <a:t>中</a:t>
+            </a:r>
+            <a:endParaRPr lang="en-GB" sz="1800" b="0" dirty="0">
+              <a:effectLst/>
+              <a:latin typeface="Consolas" panose="020B0609020204030204" pitchFamily="49" charset="0"/>
+            </a:endParaRPr>
+          </a:p>
+          <a:p>
+            <a:r>
+              <a:rPr lang="en-GB" sz="1800" b="0" dirty="0">
+                <a:solidFill>
+                  <a:srgbClr val="C586C0"/>
+                </a:solidFill>
+                <a:effectLst/>
+                <a:latin typeface="Consolas" panose="020B0609020204030204" pitchFamily="49" charset="0"/>
+              </a:rPr>
+              <a:t>from</a:t>
+            </a:r>
+            <a:r>
+              <a:rPr lang="en-GB" sz="1800" b="0" dirty="0">
+                <a:solidFill>
+                  <a:srgbClr val="CCCCCC"/>
+                </a:solidFill>
+                <a:effectLst/>
+                <a:latin typeface="Consolas" panose="020B0609020204030204" pitchFamily="49" charset="0"/>
+              </a:rPr>
+              <a:t> </a:t>
+            </a:r>
+            <a:r>
+              <a:rPr lang="en-GB" sz="1800" b="0" dirty="0" err="1">
+                <a:solidFill>
+                  <a:srgbClr val="4EC9B0"/>
+                </a:solidFill>
+                <a:effectLst/>
+                <a:latin typeface="Consolas" panose="020B0609020204030204" pitchFamily="49" charset="0"/>
+              </a:rPr>
+              <a:t>pytorchocr</a:t>
+            </a:r>
+            <a:r>
+              <a:rPr lang="en-GB" sz="1800" b="0" dirty="0" err="1">
+                <a:solidFill>
+                  <a:srgbClr val="CCCCCC"/>
+                </a:solidFill>
+                <a:effectLst/>
+                <a:latin typeface="Consolas" panose="020B0609020204030204" pitchFamily="49" charset="0"/>
+              </a:rPr>
+              <a:t>.</a:t>
+            </a:r>
+            <a:r>
+              <a:rPr lang="en-GB" sz="1800" b="0" dirty="0" err="1">
+                <a:solidFill>
+                  <a:srgbClr val="4EC9B0"/>
+                </a:solidFill>
+                <a:effectLst/>
+                <a:latin typeface="Consolas" panose="020B0609020204030204" pitchFamily="49" charset="0"/>
+              </a:rPr>
+              <a:t>utils</a:t>
+            </a:r>
+            <a:r>
+              <a:rPr lang="en-GB" sz="1800" b="0" dirty="0" err="1">
+                <a:solidFill>
+                  <a:srgbClr val="CCCCCC"/>
+                </a:solidFill>
+                <a:effectLst/>
+                <a:latin typeface="Consolas" panose="020B0609020204030204" pitchFamily="49" charset="0"/>
+              </a:rPr>
+              <a:t>.</a:t>
+            </a:r>
+            <a:r>
+              <a:rPr lang="en-GB" sz="1800" b="0" dirty="0" err="1">
+                <a:solidFill>
+                  <a:srgbClr val="4EC9B0"/>
+                </a:solidFill>
+                <a:effectLst/>
+                <a:latin typeface="Consolas" panose="020B0609020204030204" pitchFamily="49" charset="0"/>
+              </a:rPr>
+              <a:t>utility</a:t>
+            </a:r>
+            <a:r>
+              <a:rPr lang="en-GB" sz="1800" b="0" dirty="0">
+                <a:solidFill>
+                  <a:srgbClr val="CCCCCC"/>
+                </a:solidFill>
+                <a:effectLst/>
+                <a:latin typeface="Consolas" panose="020B0609020204030204" pitchFamily="49" charset="0"/>
+              </a:rPr>
+              <a:t> </a:t>
+            </a:r>
+            <a:r>
+              <a:rPr lang="en-GB" sz="1800" b="0" dirty="0">
+                <a:solidFill>
+                  <a:srgbClr val="C586C0"/>
+                </a:solidFill>
+                <a:effectLst/>
+                <a:latin typeface="Consolas" panose="020B0609020204030204" pitchFamily="49" charset="0"/>
+              </a:rPr>
+              <a:t>import</a:t>
+            </a:r>
+            <a:r>
+              <a:rPr lang="en-GB" sz="1800" b="0" dirty="0">
+                <a:solidFill>
+                  <a:srgbClr val="CCCCCC"/>
+                </a:solidFill>
+                <a:effectLst/>
+                <a:latin typeface="Consolas" panose="020B0609020204030204" pitchFamily="49" charset="0"/>
+              </a:rPr>
+              <a:t> </a:t>
+            </a:r>
+            <a:r>
+              <a:rPr lang="en-GB" sz="1800" b="0" dirty="0" err="1">
+                <a:solidFill>
+                  <a:srgbClr val="DCDCAA"/>
+                </a:solidFill>
+                <a:effectLst/>
+                <a:latin typeface="Consolas" panose="020B0609020204030204" pitchFamily="49" charset="0"/>
+              </a:rPr>
+              <a:t>get_image_file_list</a:t>
+            </a:r>
+            <a:r>
+              <a:rPr lang="en-GB" sz="1800" b="0" dirty="0">
+                <a:solidFill>
+                  <a:srgbClr val="CCCCCC"/>
+                </a:solidFill>
+                <a:effectLst/>
+                <a:latin typeface="Consolas" panose="020B0609020204030204" pitchFamily="49" charset="0"/>
+              </a:rPr>
+              <a:t>, </a:t>
+            </a:r>
+            <a:r>
+              <a:rPr lang="en-GB" sz="1800" b="0" dirty="0" err="1">
+                <a:solidFill>
+                  <a:srgbClr val="DCDCAA"/>
+                </a:solidFill>
+                <a:effectLst/>
+                <a:latin typeface="Consolas" panose="020B0609020204030204" pitchFamily="49" charset="0"/>
+              </a:rPr>
+              <a:t>check_and_read_gif</a:t>
+            </a:r>
+            <a:endParaRPr lang="en-GB" sz="1800" b="0" dirty="0">
+              <a:solidFill>
+                <a:srgbClr val="DCDCAA"/>
+              </a:solidFill>
+              <a:effectLst/>
+              <a:latin typeface="Consolas" panose="020B0609020204030204" pitchFamily="49" charset="0"/>
+            </a:endParaRPr>
+          </a:p>
+          <a:p>
+            <a:r>
+              <a:rPr lang="zh-CN" altLang="en-US" sz="1800" b="0" dirty="0">
+                <a:solidFill>
+                  <a:srgbClr val="4EC9B0"/>
+                </a:solidFill>
+                <a:effectLst/>
+                <a:latin typeface="Consolas" panose="020B0609020204030204" pitchFamily="49" charset="0"/>
+              </a:rPr>
+              <a:t>把</a:t>
+            </a:r>
+            <a:r>
+              <a:rPr lang="en-GB" sz="1800" b="0" dirty="0" err="1">
+                <a:solidFill>
+                  <a:srgbClr val="4EC9B0"/>
+                </a:solidFill>
+                <a:effectLst/>
+                <a:latin typeface="Consolas" panose="020B0609020204030204" pitchFamily="49" charset="0"/>
+              </a:rPr>
+              <a:t>pytorchocr</a:t>
+            </a:r>
+            <a:r>
+              <a:rPr lang="en-GB" sz="1800" b="0" dirty="0" err="1">
+                <a:solidFill>
+                  <a:srgbClr val="CCCCCC"/>
+                </a:solidFill>
+                <a:effectLst/>
+                <a:latin typeface="Consolas" panose="020B0609020204030204" pitchFamily="49" charset="0"/>
+              </a:rPr>
+              <a:t>.</a:t>
+            </a:r>
+            <a:r>
+              <a:rPr lang="en-GB" sz="1800" b="0" dirty="0" err="1">
+                <a:solidFill>
+                  <a:srgbClr val="4EC9B0"/>
+                </a:solidFill>
+                <a:effectLst/>
+                <a:latin typeface="Consolas" panose="020B0609020204030204" pitchFamily="49" charset="0"/>
+              </a:rPr>
+              <a:t>utils</a:t>
+            </a:r>
+            <a:r>
+              <a:rPr lang="en-GB" sz="1800" b="0" dirty="0" err="1">
+                <a:solidFill>
+                  <a:srgbClr val="CCCCCC"/>
+                </a:solidFill>
+                <a:effectLst/>
+                <a:latin typeface="Consolas" panose="020B0609020204030204" pitchFamily="49" charset="0"/>
+              </a:rPr>
+              <a:t>.</a:t>
+            </a:r>
+            <a:r>
+              <a:rPr lang="en-GB" sz="1800" b="0" dirty="0" err="1">
+                <a:solidFill>
+                  <a:srgbClr val="4EC9B0"/>
+                </a:solidFill>
+                <a:effectLst/>
+                <a:latin typeface="Consolas" panose="020B0609020204030204" pitchFamily="49" charset="0"/>
+              </a:rPr>
+              <a:t>utility</a:t>
+            </a:r>
+            <a:r>
+              <a:rPr lang="zh-CN" altLang="en-US" sz="1800" b="0" dirty="0">
+                <a:solidFill>
+                  <a:srgbClr val="4EC9B0"/>
+                </a:solidFill>
+                <a:effectLst/>
+                <a:latin typeface="Consolas" panose="020B0609020204030204" pitchFamily="49" charset="0"/>
+              </a:rPr>
+              <a:t>一些</a:t>
+            </a:r>
+            <a:r>
+              <a:rPr lang="en-US" altLang="zh-CN" sz="1800" dirty="0">
+                <a:solidFill>
+                  <a:srgbClr val="4EC9B0"/>
+                </a:solidFill>
+                <a:latin typeface="Consolas" panose="020B0609020204030204" pitchFamily="49" charset="0"/>
+              </a:rPr>
+              <a:t>inference</a:t>
+            </a:r>
+            <a:r>
+              <a:rPr lang="zh-CN" altLang="en-US" sz="1800">
+                <a:solidFill>
+                  <a:srgbClr val="4EC9B0"/>
+                </a:solidFill>
+                <a:latin typeface="Consolas" panose="020B0609020204030204" pitchFamily="49" charset="0"/>
+              </a:rPr>
+              <a:t>細節抄起來就可以了</a:t>
+            </a:r>
+            <a:endParaRPr lang="en-GB" sz="1800" b="0" dirty="0">
+              <a:solidFill>
+                <a:srgbClr val="CCCCCC"/>
+              </a:solidFill>
+              <a:effectLst/>
+              <a:latin typeface="Consolas" panose="020B0609020204030204" pitchFamily="49" charset="0"/>
+            </a:endParaRPr>
+          </a:p>
+          <a:p>
+            <a:endParaRPr lang="en-GB" dirty="0"/>
+          </a:p>
+        </p:txBody>
+      </p:sp>
+    </p:spTree>
+    <p:extLst>
+      <p:ext uri="{BB962C8B-B14F-4D97-AF65-F5344CB8AC3E}">
+        <p14:creationId xmlns:p14="http://schemas.microsoft.com/office/powerpoint/2010/main" val="799057516"/>
+      </p:ext>
+    </p:extLst>
+  </p:cSld>
+  <p:clrMapOvr>
+    <a:masterClrMapping/>
+  </p:clrMapOvr>
+</p:sld>
+</file>
+
+<file path=ppt/slides/slide23.xml><?xml version="1.0" encoding="utf-8"?>
+<p:sld xmlns:a="http://schemas.openxmlformats.org/drawingml/2006/main" xmlns:r="http://schemas.openxmlformats.org/officeDocument/2006/relationships" xmlns:p="http://schemas.openxmlformats.org/presentationml/2006/main">
+  <p:cSld>
+    <p:spTree>
+      <p:nvGrpSpPr>
+        <p:cNvPr id="1" name=""/>
+        <p:cNvGrpSpPr/>
+        <p:nvPr/>
+      </p:nvGrpSpPr>
+      <p:grpSpPr>
+        <a:xfrm>
+          <a:off x="0" y="0"/>
+          <a:ext cx="0" cy="0"/>
+          <a:chOff x="0" y="0"/>
+          <a:chExt cx="0" cy="0"/>
+        </a:xfrm>
+      </p:grpSpPr>
+      <p:sp>
+        <p:nvSpPr>
+          <p:cNvPr id="2" name="Title 1">
+            <a:extLst>
+              <a:ext uri="{FF2B5EF4-FFF2-40B4-BE49-F238E27FC236}">
+                <a16:creationId xmlns:a16="http://schemas.microsoft.com/office/drawing/2014/main" id="{34308B1F-807E-C4A4-26F9-9FD9208B8092}"/>
+              </a:ext>
+            </a:extLst>
+          </p:cNvPr>
+          <p:cNvSpPr>
+            <a:spLocks noGrp="1"/>
+          </p:cNvSpPr>
+          <p:nvPr>
+            <p:ph type="title"/>
+          </p:nvPr>
+        </p:nvSpPr>
+        <p:spPr/>
+        <p:txBody>
+          <a:bodyPr/>
+          <a:lstStyle/>
+          <a:p>
+            <a:endParaRPr lang="en-GB"/>
+          </a:p>
+        </p:txBody>
+      </p:sp>
+      <p:sp>
+        <p:nvSpPr>
+          <p:cNvPr id="3" name="Content Placeholder 2">
+            <a:extLst>
+              <a:ext uri="{FF2B5EF4-FFF2-40B4-BE49-F238E27FC236}">
+                <a16:creationId xmlns:a16="http://schemas.microsoft.com/office/drawing/2014/main" id="{E533BD1D-B8F0-A0E0-B60A-0FCBBE8832CB}"/>
+              </a:ext>
+            </a:extLst>
+          </p:cNvPr>
+          <p:cNvSpPr>
+            <a:spLocks noGrp="1"/>
+          </p:cNvSpPr>
+          <p:nvPr>
+            <p:ph idx="1"/>
+          </p:nvPr>
+        </p:nvSpPr>
+        <p:spPr>
+          <a:xfrm>
+            <a:off x="838200" y="1825625"/>
+            <a:ext cx="3778695" cy="4351338"/>
+          </a:xfrm>
+        </p:spPr>
+        <p:txBody>
+          <a:bodyPr/>
+          <a:lstStyle/>
+          <a:p>
+            <a:r>
+              <a:rPr lang="en-US" altLang="zh-CN" dirty="0"/>
+              <a:t>Index 1 is out of bounds with dimension 1 with size 1</a:t>
+            </a:r>
+          </a:p>
+          <a:p>
+            <a:r>
+              <a:rPr lang="en-US" dirty="0"/>
+              <a:t>Predict maps, threshold </a:t>
+            </a:r>
+            <a:r>
+              <a:rPr lang="zh-CN" altLang="en-US" dirty="0"/>
+              <a:t>是什麽</a:t>
+            </a:r>
+            <a:endParaRPr lang="en-GB" dirty="0"/>
+          </a:p>
+        </p:txBody>
+      </p:sp>
+      <p:pic>
+        <p:nvPicPr>
+          <p:cNvPr id="5" name="Picture 4">
+            <a:extLst>
+              <a:ext uri="{FF2B5EF4-FFF2-40B4-BE49-F238E27FC236}">
+                <a16:creationId xmlns:a16="http://schemas.microsoft.com/office/drawing/2014/main" id="{36207A26-01DE-5D33-6CCA-A176A5DB403F}"/>
+              </a:ext>
+            </a:extLst>
+          </p:cNvPr>
+          <p:cNvPicPr>
+            <a:picLocks noChangeAspect="1"/>
+          </p:cNvPicPr>
+          <p:nvPr/>
+        </p:nvPicPr>
+        <p:blipFill>
+          <a:blip r:embed="rId2"/>
+          <a:stretch>
+            <a:fillRect/>
+          </a:stretch>
+        </p:blipFill>
+        <p:spPr>
+          <a:xfrm>
+            <a:off x="4616895" y="1018320"/>
+            <a:ext cx="8797595" cy="4821360"/>
+          </a:xfrm>
+          <a:prstGeom prst="rect">
+            <a:avLst/>
+          </a:prstGeom>
+        </p:spPr>
+      </p:pic>
+    </p:spTree>
+    <p:extLst>
+      <p:ext uri="{BB962C8B-B14F-4D97-AF65-F5344CB8AC3E}">
+        <p14:creationId xmlns:p14="http://schemas.microsoft.com/office/powerpoint/2010/main" val="4142995315"/>
       </p:ext>
     </p:extLst>
   </p:cSld>
@@ -9713,12 +10364,188 @@
           <a:p>
             <a:r>
               <a:rPr lang="zh-CN" altLang="en-US" dirty="0"/>
-              <a:t>改</a:t>
+              <a:t>在</a:t>
+            </a:r>
+            <a:r>
+              <a:rPr lang="en-US" altLang="zh-CN" dirty="0"/>
+              <a:t>.</a:t>
+            </a:r>
+            <a:r>
+              <a:rPr lang="en-US" altLang="zh-CN" dirty="0" err="1"/>
+              <a:t>yml</a:t>
+            </a:r>
+            <a:r>
+              <a:rPr lang="en-US" altLang="zh-CN" dirty="0"/>
+              <a:t> </a:t>
+            </a:r>
+            <a:r>
+              <a:rPr lang="zh-CN" altLang="en-US" dirty="0"/>
+              <a:t>的</a:t>
             </a:r>
             <a:r>
               <a:rPr lang="en-GB" altLang="zh-CN" dirty="0" err="1"/>
-              <a:t>chekcpoint</a:t>
-            </a:r>
+              <a:t>che</a:t>
+            </a:r>
+            <a:r>
+              <a:rPr lang="en-US" altLang="zh-CN" dirty="0"/>
+              <a:t>ck</a:t>
+            </a:r>
+            <a:r>
+              <a:rPr lang="en-GB" altLang="zh-CN" dirty="0"/>
+              <a:t>point</a:t>
+            </a:r>
+            <a:r>
+              <a:rPr lang="zh-CN" altLang="en-US" dirty="0"/>
+              <a:t>設置儲存路徑即可。</a:t>
+            </a:r>
+            <a:endParaRPr lang="en-GB" altLang="zh-CN" dirty="0"/>
+          </a:p>
+          <a:p>
+            <a:r>
+              <a:rPr lang="zh-CN" altLang="en-US" dirty="0"/>
+              <a:t>每個</a:t>
+            </a:r>
+            <a:r>
+              <a:rPr lang="en-GB" altLang="zh-CN" dirty="0"/>
+              <a:t>E</a:t>
+            </a:r>
+            <a:r>
+              <a:rPr lang="en-US" altLang="zh-CN" dirty="0" err="1"/>
+              <a:t>poch</a:t>
+            </a:r>
+            <a:r>
+              <a:rPr lang="en-US" altLang="zh-CN" dirty="0"/>
+              <a:t> </a:t>
+            </a:r>
+            <a:r>
+              <a:rPr lang="zh-CN" altLang="en-US" dirty="0"/>
+              <a:t>存一個</a:t>
+            </a:r>
+            <a:r>
+              <a:rPr lang="en-GB" altLang="zh-CN" dirty="0"/>
+              <a:t>.</a:t>
+            </a:r>
+            <a:r>
+              <a:rPr lang="en-GB" altLang="zh-CN" dirty="0" err="1"/>
+              <a:t>pth</a:t>
+            </a:r>
+            <a:endParaRPr lang="en-GB" altLang="zh-CN" dirty="0"/>
+          </a:p>
+          <a:p>
+            <a:r>
+              <a:rPr lang="zh-CN" altLang="en-US" dirty="0"/>
+              <a:t>如果只想存</a:t>
+            </a:r>
+            <a:r>
+              <a:rPr lang="en-GB" altLang="zh-CN" dirty="0"/>
+              <a:t>best accuracy, </a:t>
+            </a:r>
+            <a:r>
+              <a:rPr lang="zh-CN" altLang="en-US" dirty="0"/>
+              <a:t>可以刪掉 </a:t>
+            </a:r>
+            <a:r>
+              <a:rPr lang="en-GB" altLang="zh-CN" dirty="0"/>
+              <a:t>./tools/program </a:t>
+            </a:r>
+            <a:r>
+              <a:rPr lang="zh-CN" altLang="en-US" dirty="0"/>
+              <a:t>中 </a:t>
+            </a:r>
+            <a:r>
+              <a:rPr lang="en-US" altLang="zh-CN" dirty="0"/>
+              <a:t>line 288 </a:t>
+            </a:r>
+            <a:r>
+              <a:rPr lang="en-GB" b="0" dirty="0" err="1">
+                <a:solidFill>
+                  <a:srgbClr val="DCDCAA"/>
+                </a:solidFill>
+                <a:effectLst/>
+                <a:highlight>
+                  <a:srgbClr val="1F1F1F"/>
+                </a:highlight>
+                <a:latin typeface="Consolas" panose="020B0609020204030204" pitchFamily="49" charset="0"/>
+              </a:rPr>
+              <a:t>save_model</a:t>
+            </a:r>
+            <a:r>
+              <a:rPr lang="en-GB" b="0" dirty="0">
+                <a:solidFill>
+                  <a:srgbClr val="CCCCCC"/>
+                </a:solidFill>
+                <a:effectLst/>
+                <a:highlight>
+                  <a:srgbClr val="1F1F1F"/>
+                </a:highlight>
+                <a:latin typeface="Consolas" panose="020B0609020204030204" pitchFamily="49" charset="0"/>
+              </a:rPr>
+              <a:t>()</a:t>
+            </a:r>
+          </a:p>
+          <a:p>
+            <a:r>
+              <a:rPr lang="zh-CN" altLang="en-US" dirty="0"/>
+              <a:t>只儲存</a:t>
+            </a:r>
+            <a:r>
+              <a:rPr lang="en-GB" altLang="zh-CN" dirty="0"/>
+              <a:t>best accuracy: </a:t>
+            </a:r>
+            <a:r>
+              <a:rPr lang="zh-CN" altLang="en-US" dirty="0"/>
+              <a:t>保留</a:t>
+            </a:r>
+            <a:r>
+              <a:rPr lang="en-GB" altLang="zh-CN" dirty="0"/>
+              <a:t>./tools/program </a:t>
+            </a:r>
+            <a:r>
+              <a:rPr lang="zh-CN" altLang="en-US" dirty="0"/>
+              <a:t>中 </a:t>
+            </a:r>
+            <a:r>
+              <a:rPr lang="en-US" altLang="zh-CN" dirty="0"/>
+              <a:t>line 274 </a:t>
+            </a:r>
+            <a:r>
+              <a:rPr lang="zh-CN" altLang="en-US" dirty="0"/>
+              <a:t>的</a:t>
+            </a:r>
+            <a:r>
+              <a:rPr lang="en-GB" b="0" dirty="0" err="1">
+                <a:solidFill>
+                  <a:srgbClr val="DCDCAA"/>
+                </a:solidFill>
+                <a:effectLst/>
+                <a:highlight>
+                  <a:srgbClr val="1F1F1F"/>
+                </a:highlight>
+                <a:latin typeface="Consolas" panose="020B0609020204030204" pitchFamily="49" charset="0"/>
+              </a:rPr>
+              <a:t>save_model</a:t>
+            </a:r>
+            <a:r>
+              <a:rPr lang="en-GB" b="0" dirty="0">
+                <a:solidFill>
+                  <a:srgbClr val="CCCCCC"/>
+                </a:solidFill>
+                <a:effectLst/>
+                <a:highlight>
+                  <a:srgbClr val="1F1F1F"/>
+                </a:highlight>
+                <a:latin typeface="Consolas" panose="020B0609020204030204" pitchFamily="49" charset="0"/>
+              </a:rPr>
+              <a:t>()</a:t>
+            </a:r>
+          </a:p>
+          <a:p>
+            <a:pPr marL="0" indent="0">
+              <a:buNone/>
+            </a:pPr>
+            <a:endParaRPr lang="en-GB" altLang="zh-CN" dirty="0"/>
+          </a:p>
+          <a:p>
             <a:endParaRPr lang="en-GB" dirty="0"/>
           </a:p>
         </p:txBody>

--- a/Torch_train.pptx
+++ b/Torch_train.pptx
@@ -5,7 +5,7 @@
     <p:sldMasterId id="2147483648" r:id="rId1"/>
   </p:sldMasterIdLst>
   <p:notesMasterIdLst>
-    <p:notesMasterId r:id="rId25"/>
+    <p:notesMasterId r:id="rId26"/>
   </p:notesMasterIdLst>
   <p:sldIdLst>
     <p:sldId id="256" r:id="rId2"/>
@@ -31,6 +31,7 @@
     <p:sldId id="274" r:id="rId22"/>
     <p:sldId id="275" r:id="rId23"/>
     <p:sldId id="280" r:id="rId24"/>
+    <p:sldId id="281" r:id="rId25"/>
   </p:sldIdLst>
   <p:sldSz cx="12192000" cy="6858000"/>
   <p:notesSz cx="6858000" cy="9144000"/>
@@ -150,7 +151,7 @@
   <pc:docChgLst>
     <pc:chgData name="Tsai, Ping-Chen" userId="9132b96a-ba54-4186-bc65-f286b02f1bb4" providerId="ADAL" clId="{2C7D7F79-AD93-4ED7-BCDF-8616907FA700}"/>
     <pc:docChg chg="undo custSel addSld delSld modSld sldOrd">
-      <pc:chgData name="Tsai, Ping-Chen" userId="9132b96a-ba54-4186-bc65-f286b02f1bb4" providerId="ADAL" clId="{2C7D7F79-AD93-4ED7-BCDF-8616907FA700}" dt="2024-05-18T13:13:18.586" v="5227" actId="1076"/>
+      <pc:chgData name="Tsai, Ping-Chen" userId="9132b96a-ba54-4186-bc65-f286b02f1bb4" providerId="ADAL" clId="{2C7D7F79-AD93-4ED7-BCDF-8616907FA700}" dt="2024-05-18T20:55:02.822" v="5237"/>
       <pc:docMkLst>
         <pc:docMk/>
       </pc:docMkLst>
@@ -824,6 +825,21 @@
           </ac:picMkLst>
         </pc:picChg>
       </pc:sldChg>
+      <pc:sldChg chg="modSp new mod">
+        <pc:chgData name="Tsai, Ping-Chen" userId="9132b96a-ba54-4186-bc65-f286b02f1bb4" providerId="ADAL" clId="{2C7D7F79-AD93-4ED7-BCDF-8616907FA700}" dt="2024-05-18T20:55:02.822" v="5237"/>
+        <pc:sldMkLst>
+          <pc:docMk/>
+          <pc:sldMk cId="3572313019" sldId="281"/>
+        </pc:sldMkLst>
+        <pc:spChg chg="mod">
+          <ac:chgData name="Tsai, Ping-Chen" userId="9132b96a-ba54-4186-bc65-f286b02f1bb4" providerId="ADAL" clId="{2C7D7F79-AD93-4ED7-BCDF-8616907FA700}" dt="2024-05-18T20:55:02.822" v="5237"/>
+          <ac:spMkLst>
+            <pc:docMk/>
+            <pc:sldMk cId="3572313019" sldId="281"/>
+            <ac:spMk id="3" creationId="{5304723B-73BA-D06F-1E0F-FCA0300C6833}"/>
+          </ac:spMkLst>
+        </pc:spChg>
+      </pc:sldChg>
     </pc:docChg>
   </pc:docChgLst>
 </pc:chgInfo>
@@ -8028,6 +8044,192 @@
     <p:extLst>
       <p:ext uri="{BB962C8B-B14F-4D97-AF65-F5344CB8AC3E}">
         <p14:creationId xmlns:p14="http://schemas.microsoft.com/office/powerpoint/2010/main" val="4142995315"/>
+      </p:ext>
+    </p:extLst>
+  </p:cSld>
+  <p:clrMapOvr>
+    <a:masterClrMapping/>
+  </p:clrMapOvr>
+</p:sld>
+</file>
+
+<file path=ppt/slides/slide24.xml><?xml version="1.0" encoding="utf-8"?>
+<p:sld xmlns:a="http://schemas.openxmlformats.org/drawingml/2006/main" xmlns:r="http://schemas.openxmlformats.org/officeDocument/2006/relationships" xmlns:p="http://schemas.openxmlformats.org/presentationml/2006/main">
+  <p:cSld>
+    <p:spTree>
+      <p:nvGrpSpPr>
+        <p:cNvPr id="1" name=""/>
+        <p:cNvGrpSpPr/>
+        <p:nvPr/>
+      </p:nvGrpSpPr>
+      <p:grpSpPr>
+        <a:xfrm>
+          <a:off x="0" y="0"/>
+          <a:ext cx="0" cy="0"/>
+          <a:chOff x="0" y="0"/>
+          <a:chExt cx="0" cy="0"/>
+        </a:xfrm>
+      </p:grpSpPr>
+      <p:sp>
+        <p:nvSpPr>
+          <p:cNvPr id="2" name="Title 1">
+            <a:extLst>
+              <a:ext uri="{FF2B5EF4-FFF2-40B4-BE49-F238E27FC236}">
+                <a16:creationId xmlns:a16="http://schemas.microsoft.com/office/drawing/2014/main" id="{39A2A826-025E-080A-8D44-5D92948AF87E}"/>
+              </a:ext>
+            </a:extLst>
+          </p:cNvPr>
+          <p:cNvSpPr>
+            <a:spLocks noGrp="1"/>
+          </p:cNvSpPr>
+          <p:nvPr>
+            <p:ph type="title"/>
+          </p:nvPr>
+        </p:nvSpPr>
+        <p:spPr/>
+        <p:txBody>
+          <a:bodyPr/>
+          <a:lstStyle/>
+          <a:p>
+            <a:endParaRPr lang="en-GB"/>
+          </a:p>
+        </p:txBody>
+      </p:sp>
+      <p:sp>
+        <p:nvSpPr>
+          <p:cNvPr id="3" name="Content Placeholder 2">
+            <a:extLst>
+              <a:ext uri="{FF2B5EF4-FFF2-40B4-BE49-F238E27FC236}">
+                <a16:creationId xmlns:a16="http://schemas.microsoft.com/office/drawing/2014/main" id="{5304723B-73BA-D06F-1E0F-FCA0300C6833}"/>
+              </a:ext>
+            </a:extLst>
+          </p:cNvPr>
+          <p:cNvSpPr>
+            <a:spLocks noGrp="1"/>
+          </p:cNvSpPr>
+          <p:nvPr>
+            <p:ph idx="1"/>
+          </p:nvPr>
+        </p:nvSpPr>
+        <p:spPr/>
+        <p:txBody>
+          <a:bodyPr/>
+          <a:lstStyle/>
+          <a:p>
+            <a:r>
+              <a:rPr lang="en-GB" dirty="0"/>
+              <a:t>git filter-branch -f --tree-filter 'rm -f VAT.zip' HEAD --all</a:t>
+            </a:r>
+          </a:p>
+          <a:p>
+            <a:r>
+              <a:rPr lang="en-GB" b="1" i="0" dirty="0">
+                <a:solidFill>
+                  <a:srgbClr val="0D0D0D"/>
+                </a:solidFill>
+                <a:effectLst/>
+                <a:highlight>
+                  <a:srgbClr val="FFFFFF"/>
+                </a:highlight>
+                <a:latin typeface="Söhne"/>
+              </a:rPr>
+              <a:t>Clean up the repository</a:t>
+            </a:r>
+            <a:r>
+              <a:rPr lang="en-GB" b="0" i="0" dirty="0">
+                <a:solidFill>
+                  <a:srgbClr val="0D0D0D"/>
+                </a:solidFill>
+                <a:effectLst/>
+                <a:highlight>
+                  <a:srgbClr val="FFFFFF"/>
+                </a:highlight>
+                <a:latin typeface="Söhne"/>
+              </a:rPr>
+              <a:t>:</a:t>
+            </a:r>
+            <a:endParaRPr lang="en-GB" dirty="0"/>
+          </a:p>
+          <a:p>
+            <a:r>
+              <a:rPr lang="en-GB" dirty="0"/>
+              <a:t>git </a:t>
+            </a:r>
+            <a:r>
+              <a:rPr lang="en-GB" dirty="0" err="1"/>
+              <a:t>reflog</a:t>
+            </a:r>
+            <a:r>
+              <a:rPr lang="en-GB" dirty="0"/>
+              <a:t> expire --expire=now --all</a:t>
+            </a:r>
+          </a:p>
+          <a:p>
+            <a:r>
+              <a:rPr lang="en-GB" dirty="0"/>
+              <a:t>git </a:t>
+            </a:r>
+            <a:r>
+              <a:rPr lang="en-GB" dirty="0" err="1"/>
+              <a:t>gc</a:t>
+            </a:r>
+            <a:r>
+              <a:rPr lang="en-GB" dirty="0"/>
+              <a:t> --prune=now –aggressive</a:t>
+            </a:r>
+          </a:p>
+          <a:p>
+            <a:r>
+              <a:rPr lang="en-GB" b="1" i="0" dirty="0">
+                <a:solidFill>
+                  <a:srgbClr val="0D0D0D"/>
+                </a:solidFill>
+                <a:effectLst/>
+                <a:highlight>
+                  <a:srgbClr val="FFFFFF"/>
+                </a:highlight>
+                <a:latin typeface="Söhne"/>
+              </a:rPr>
+              <a:t>Force push the changes to the remote repository</a:t>
+            </a:r>
+            <a:r>
+              <a:rPr lang="en-GB" b="0" i="0" dirty="0">
+                <a:solidFill>
+                  <a:srgbClr val="0D0D0D"/>
+                </a:solidFill>
+                <a:effectLst/>
+                <a:highlight>
+                  <a:srgbClr val="FFFFFF"/>
+                </a:highlight>
+                <a:latin typeface="Söhne"/>
+              </a:rPr>
+              <a:t>:</a:t>
+            </a:r>
+          </a:p>
+          <a:p>
+            <a:r>
+              <a:rPr lang="en-GB" dirty="0"/>
+              <a:t>git push origin --force --all</a:t>
+            </a:r>
+          </a:p>
+          <a:p>
+            <a:r>
+              <a:rPr lang="en-GB"/>
+              <a:t>git push origin --force --tags</a:t>
+            </a:r>
+          </a:p>
+          <a:p>
+            <a:endParaRPr lang="en-GB" dirty="0"/>
+          </a:p>
+          <a:p>
+            <a:endParaRPr lang="en-GB" dirty="0"/>
+          </a:p>
+        </p:txBody>
+      </p:sp>
+    </p:spTree>
+    <p:extLst>
+      <p:ext uri="{BB962C8B-B14F-4D97-AF65-F5344CB8AC3E}">
+        <p14:creationId xmlns:p14="http://schemas.microsoft.com/office/powerpoint/2010/main" val="3572313019"/>
       </p:ext>
     </p:extLst>
   </p:cSld>

--- a/Torch_train.pptx
+++ b/Torch_train.pptx
@@ -5,7 +5,7 @@
     <p:sldMasterId id="2147483648" r:id="rId1"/>
   </p:sldMasterIdLst>
   <p:notesMasterIdLst>
-    <p:notesMasterId r:id="rId26"/>
+    <p:notesMasterId r:id="rId28"/>
   </p:notesMasterIdLst>
   <p:sldIdLst>
     <p:sldId id="256" r:id="rId2"/>
@@ -32,6 +32,8 @@
     <p:sldId id="275" r:id="rId23"/>
     <p:sldId id="280" r:id="rId24"/>
     <p:sldId id="281" r:id="rId25"/>
+    <p:sldId id="282" r:id="rId26"/>
+    <p:sldId id="283" r:id="rId27"/>
   </p:sldIdLst>
   <p:sldSz cx="12192000" cy="6858000"/>
   <p:notesSz cx="6858000" cy="9144000"/>
@@ -151,7 +153,7 @@
   <pc:docChgLst>
     <pc:chgData name="Tsai, Ping-Chen" userId="9132b96a-ba54-4186-bc65-f286b02f1bb4" providerId="ADAL" clId="{2C7D7F79-AD93-4ED7-BCDF-8616907FA700}"/>
     <pc:docChg chg="undo custSel addSld delSld modSld sldOrd">
-      <pc:chgData name="Tsai, Ping-Chen" userId="9132b96a-ba54-4186-bc65-f286b02f1bb4" providerId="ADAL" clId="{2C7D7F79-AD93-4ED7-BCDF-8616907FA700}" dt="2024-05-18T20:55:02.822" v="5237"/>
+      <pc:chgData name="Tsai, Ping-Chen" userId="9132b96a-ba54-4186-bc65-f286b02f1bb4" providerId="ADAL" clId="{2C7D7F79-AD93-4ED7-BCDF-8616907FA700}" dt="2024-05-18T23:44:17.413" v="5556" actId="20577"/>
       <pc:docMkLst>
         <pc:docMk/>
       </pc:docMkLst>
@@ -840,6 +842,52 @@
           </ac:spMkLst>
         </pc:spChg>
       </pc:sldChg>
+      <pc:sldChg chg="modSp new mod">
+        <pc:chgData name="Tsai, Ping-Chen" userId="9132b96a-ba54-4186-bc65-f286b02f1bb4" providerId="ADAL" clId="{2C7D7F79-AD93-4ED7-BCDF-8616907FA700}" dt="2024-05-18T23:25:41.048" v="5365" actId="20577"/>
+        <pc:sldMkLst>
+          <pc:docMk/>
+          <pc:sldMk cId="3239248865" sldId="282"/>
+        </pc:sldMkLst>
+        <pc:spChg chg="mod">
+          <ac:chgData name="Tsai, Ping-Chen" userId="9132b96a-ba54-4186-bc65-f286b02f1bb4" providerId="ADAL" clId="{2C7D7F79-AD93-4ED7-BCDF-8616907FA700}" dt="2024-05-18T23:25:41.048" v="5365" actId="20577"/>
+          <ac:spMkLst>
+            <pc:docMk/>
+            <pc:sldMk cId="3239248865" sldId="282"/>
+            <ac:spMk id="2" creationId="{D963B7C6-CE29-8623-A0D5-4ED2A2AF9A46}"/>
+          </ac:spMkLst>
+        </pc:spChg>
+        <pc:spChg chg="mod">
+          <ac:chgData name="Tsai, Ping-Chen" userId="9132b96a-ba54-4186-bc65-f286b02f1bb4" providerId="ADAL" clId="{2C7D7F79-AD93-4ED7-BCDF-8616907FA700}" dt="2024-05-18T23:17:56.368" v="5348" actId="20577"/>
+          <ac:spMkLst>
+            <pc:docMk/>
+            <pc:sldMk cId="3239248865" sldId="282"/>
+            <ac:spMk id="3" creationId="{B821D09D-DCE2-A0CB-A5D7-A6444B7D182C}"/>
+          </ac:spMkLst>
+        </pc:spChg>
+      </pc:sldChg>
+      <pc:sldChg chg="modSp new mod">
+        <pc:chgData name="Tsai, Ping-Chen" userId="9132b96a-ba54-4186-bc65-f286b02f1bb4" providerId="ADAL" clId="{2C7D7F79-AD93-4ED7-BCDF-8616907FA700}" dt="2024-05-18T23:44:17.413" v="5556" actId="20577"/>
+        <pc:sldMkLst>
+          <pc:docMk/>
+          <pc:sldMk cId="2686497685" sldId="283"/>
+        </pc:sldMkLst>
+        <pc:spChg chg="mod">
+          <ac:chgData name="Tsai, Ping-Chen" userId="9132b96a-ba54-4186-bc65-f286b02f1bb4" providerId="ADAL" clId="{2C7D7F79-AD93-4ED7-BCDF-8616907FA700}" dt="2024-05-18T23:26:04.752" v="5396" actId="20577"/>
+          <ac:spMkLst>
+            <pc:docMk/>
+            <pc:sldMk cId="2686497685" sldId="283"/>
+            <ac:spMk id="2" creationId="{037AAD88-31E5-70C5-B3BB-863EA0CEDFBE}"/>
+          </ac:spMkLst>
+        </pc:spChg>
+        <pc:spChg chg="mod">
+          <ac:chgData name="Tsai, Ping-Chen" userId="9132b96a-ba54-4186-bc65-f286b02f1bb4" providerId="ADAL" clId="{2C7D7F79-AD93-4ED7-BCDF-8616907FA700}" dt="2024-05-18T23:44:17.413" v="5556" actId="20577"/>
+          <ac:spMkLst>
+            <pc:docMk/>
+            <pc:sldMk cId="2686497685" sldId="283"/>
+            <ac:spMk id="3" creationId="{2017B0B2-5B71-DD5E-FAF1-5B85D3F462BA}"/>
+          </ac:spMkLst>
+        </pc:spChg>
+      </pc:sldChg>
     </pc:docChg>
   </pc:docChgLst>
 </pc:chgInfo>
@@ -927,7 +975,7 @@
           <a:p>
             <a:fld id="{A6298B40-4180-456B-A5CA-A0ABF6427B13}" type="datetimeFigureOut">
               <a:rPr lang="en-GB" smtClean="0"/>
-              <a:t>18/05/2024</a:t>
+              <a:t>19/05/2024</a:t>
             </a:fld>
             <a:endParaRPr lang="en-GB"/>
           </a:p>
@@ -1462,7 +1510,7 @@
           <a:p>
             <a:fld id="{E5ACA199-D8D1-4546-831D-8EFC18AA6159}" type="datetimeFigureOut">
               <a:rPr lang="en-GB" smtClean="0"/>
-              <a:t>18/05/2024</a:t>
+              <a:t>19/05/2024</a:t>
             </a:fld>
             <a:endParaRPr lang="en-GB"/>
           </a:p>
@@ -1662,7 +1710,7 @@
           <a:p>
             <a:fld id="{E5ACA199-D8D1-4546-831D-8EFC18AA6159}" type="datetimeFigureOut">
               <a:rPr lang="en-GB" smtClean="0"/>
-              <a:t>18/05/2024</a:t>
+              <a:t>19/05/2024</a:t>
             </a:fld>
             <a:endParaRPr lang="en-GB"/>
           </a:p>
@@ -1872,7 +1920,7 @@
           <a:p>
             <a:fld id="{E5ACA199-D8D1-4546-831D-8EFC18AA6159}" type="datetimeFigureOut">
               <a:rPr lang="en-GB" smtClean="0"/>
-              <a:t>18/05/2024</a:t>
+              <a:t>19/05/2024</a:t>
             </a:fld>
             <a:endParaRPr lang="en-GB"/>
           </a:p>
@@ -2072,7 +2120,7 @@
           <a:p>
             <a:fld id="{E5ACA199-D8D1-4546-831D-8EFC18AA6159}" type="datetimeFigureOut">
               <a:rPr lang="en-GB" smtClean="0"/>
-              <a:t>18/05/2024</a:t>
+              <a:t>19/05/2024</a:t>
             </a:fld>
             <a:endParaRPr lang="en-GB"/>
           </a:p>
@@ -2348,7 +2396,7 @@
           <a:p>
             <a:fld id="{E5ACA199-D8D1-4546-831D-8EFC18AA6159}" type="datetimeFigureOut">
               <a:rPr lang="en-GB" smtClean="0"/>
-              <a:t>18/05/2024</a:t>
+              <a:t>19/05/2024</a:t>
             </a:fld>
             <a:endParaRPr lang="en-GB"/>
           </a:p>
@@ -2616,7 +2664,7 @@
           <a:p>
             <a:fld id="{E5ACA199-D8D1-4546-831D-8EFC18AA6159}" type="datetimeFigureOut">
               <a:rPr lang="en-GB" smtClean="0"/>
-              <a:t>18/05/2024</a:t>
+              <a:t>19/05/2024</a:t>
             </a:fld>
             <a:endParaRPr lang="en-GB"/>
           </a:p>
@@ -3031,7 +3079,7 @@
           <a:p>
             <a:fld id="{E5ACA199-D8D1-4546-831D-8EFC18AA6159}" type="datetimeFigureOut">
               <a:rPr lang="en-GB" smtClean="0"/>
-              <a:t>18/05/2024</a:t>
+              <a:t>19/05/2024</a:t>
             </a:fld>
             <a:endParaRPr lang="en-GB"/>
           </a:p>
@@ -3173,7 +3221,7 @@
           <a:p>
             <a:fld id="{E5ACA199-D8D1-4546-831D-8EFC18AA6159}" type="datetimeFigureOut">
               <a:rPr lang="en-GB" smtClean="0"/>
-              <a:t>18/05/2024</a:t>
+              <a:t>19/05/2024</a:t>
             </a:fld>
             <a:endParaRPr lang="en-GB"/>
           </a:p>
@@ -3286,7 +3334,7 @@
           <a:p>
             <a:fld id="{E5ACA199-D8D1-4546-831D-8EFC18AA6159}" type="datetimeFigureOut">
               <a:rPr lang="en-GB" smtClean="0"/>
-              <a:t>18/05/2024</a:t>
+              <a:t>19/05/2024</a:t>
             </a:fld>
             <a:endParaRPr lang="en-GB"/>
           </a:p>
@@ -3599,7 +3647,7 @@
           <a:p>
             <a:fld id="{E5ACA199-D8D1-4546-831D-8EFC18AA6159}" type="datetimeFigureOut">
               <a:rPr lang="en-GB" smtClean="0"/>
-              <a:t>18/05/2024</a:t>
+              <a:t>19/05/2024</a:t>
             </a:fld>
             <a:endParaRPr lang="en-GB"/>
           </a:p>
@@ -3888,7 +3936,7 @@
           <a:p>
             <a:fld id="{E5ACA199-D8D1-4546-831D-8EFC18AA6159}" type="datetimeFigureOut">
               <a:rPr lang="en-GB" smtClean="0"/>
-              <a:t>18/05/2024</a:t>
+              <a:t>19/05/2024</a:t>
             </a:fld>
             <a:endParaRPr lang="en-GB"/>
           </a:p>
@@ -4131,7 +4179,7 @@
           <a:p>
             <a:fld id="{E5ACA199-D8D1-4546-831D-8EFC18AA6159}" type="datetimeFigureOut">
               <a:rPr lang="en-GB" smtClean="0"/>
-              <a:t>18/05/2024</a:t>
+              <a:t>19/05/2024</a:t>
             </a:fld>
             <a:endParaRPr lang="en-GB"/>
           </a:p>
@@ -8230,6 +8278,541 @@
     <p:extLst>
       <p:ext uri="{BB962C8B-B14F-4D97-AF65-F5344CB8AC3E}">
         <p14:creationId xmlns:p14="http://schemas.microsoft.com/office/powerpoint/2010/main" val="3572313019"/>
+      </p:ext>
+    </p:extLst>
+  </p:cSld>
+  <p:clrMapOvr>
+    <a:masterClrMapping/>
+  </p:clrMapOvr>
+</p:sld>
+</file>
+
+<file path=ppt/slides/slide25.xml><?xml version="1.0" encoding="utf-8"?>
+<p:sld xmlns:a="http://schemas.openxmlformats.org/drawingml/2006/main" xmlns:r="http://schemas.openxmlformats.org/officeDocument/2006/relationships" xmlns:p="http://schemas.openxmlformats.org/presentationml/2006/main">
+  <p:cSld>
+    <p:spTree>
+      <p:nvGrpSpPr>
+        <p:cNvPr id="1" name=""/>
+        <p:cNvGrpSpPr/>
+        <p:nvPr/>
+      </p:nvGrpSpPr>
+      <p:grpSpPr>
+        <a:xfrm>
+          <a:off x="0" y="0"/>
+          <a:ext cx="0" cy="0"/>
+          <a:chOff x="0" y="0"/>
+          <a:chExt cx="0" cy="0"/>
+        </a:xfrm>
+      </p:grpSpPr>
+      <p:sp>
+        <p:nvSpPr>
+          <p:cNvPr id="2" name="Title 1">
+            <a:extLst>
+              <a:ext uri="{FF2B5EF4-FFF2-40B4-BE49-F238E27FC236}">
+                <a16:creationId xmlns:a16="http://schemas.microsoft.com/office/drawing/2014/main" id="{D963B7C6-CE29-8623-A0D5-4ED2A2AF9A46}"/>
+              </a:ext>
+            </a:extLst>
+          </p:cNvPr>
+          <p:cNvSpPr>
+            <a:spLocks noGrp="1"/>
+          </p:cNvSpPr>
+          <p:nvPr>
+            <p:ph type="title"/>
+          </p:nvPr>
+        </p:nvSpPr>
+        <p:spPr/>
+        <p:txBody>
+          <a:bodyPr/>
+          <a:lstStyle/>
+          <a:p>
+            <a:r>
+              <a:rPr lang="zh-CN" altLang="en-US" dirty="0"/>
+              <a:t>增加</a:t>
+            </a:r>
+            <a:r>
+              <a:rPr lang="en-GB" altLang="zh-CN" dirty="0"/>
+              <a:t>backbone</a:t>
+            </a:r>
+            <a:endParaRPr lang="en-GB" dirty="0"/>
+          </a:p>
+        </p:txBody>
+      </p:sp>
+      <p:sp>
+        <p:nvSpPr>
+          <p:cNvPr id="3" name="Content Placeholder 2">
+            <a:extLst>
+              <a:ext uri="{FF2B5EF4-FFF2-40B4-BE49-F238E27FC236}">
+                <a16:creationId xmlns:a16="http://schemas.microsoft.com/office/drawing/2014/main" id="{B821D09D-DCE2-A0CB-A5D7-A6444B7D182C}"/>
+              </a:ext>
+            </a:extLst>
+          </p:cNvPr>
+          <p:cNvSpPr>
+            <a:spLocks noGrp="1"/>
+          </p:cNvSpPr>
+          <p:nvPr>
+            <p:ph idx="1"/>
+          </p:nvPr>
+        </p:nvSpPr>
+        <p:spPr/>
+        <p:txBody>
+          <a:bodyPr/>
+          <a:lstStyle/>
+          <a:p>
+            <a:r>
+              <a:rPr lang="en-GB" dirty="0"/>
+              <a:t>pytorchocr/modeling/backbones/__init__.py</a:t>
+            </a:r>
+            <a:r>
+              <a:rPr lang="zh-CN" altLang="en-US" dirty="0"/>
+              <a:t>中 </a:t>
+            </a:r>
+            <a:endParaRPr lang="en-GB" altLang="zh-CN" dirty="0"/>
+          </a:p>
+          <a:p>
+            <a:pPr marL="0" indent="0">
+              <a:buNone/>
+            </a:pPr>
+            <a:r>
+              <a:rPr lang="en-GB" altLang="zh-CN" dirty="0"/>
+              <a:t>def </a:t>
+            </a:r>
+            <a:r>
+              <a:rPr lang="en-GB" altLang="zh-CN" dirty="0" err="1"/>
+              <a:t>build_backbone</a:t>
+            </a:r>
+            <a:r>
+              <a:rPr lang="en-GB" altLang="zh-CN" dirty="0"/>
+              <a:t>(config, </a:t>
+            </a:r>
+            <a:r>
+              <a:rPr lang="en-GB" altLang="zh-CN" dirty="0" err="1"/>
+              <a:t>model_type</a:t>
+            </a:r>
+            <a:r>
+              <a:rPr lang="en-GB" altLang="zh-CN" dirty="0"/>
+              <a:t>): </a:t>
+            </a:r>
+            <a:r>
+              <a:rPr lang="zh-CN" altLang="en-US" dirty="0"/>
+              <a:t>可以定義</a:t>
+            </a:r>
+            <a:r>
+              <a:rPr lang="en-US" altLang="zh-CN" dirty="0"/>
+              <a:t>model backbone</a:t>
+            </a:r>
+          </a:p>
+          <a:p>
+            <a:pPr marL="0" indent="0">
+              <a:buNone/>
+            </a:pPr>
+            <a:endParaRPr lang="en-US" altLang="zh-CN" dirty="0"/>
+          </a:p>
+          <a:p>
+            <a:r>
+              <a:rPr lang="zh-CN" altLang="en-US" dirty="0"/>
+              <a:t>回到</a:t>
+            </a:r>
+            <a:r>
+              <a:rPr lang="en-US" altLang="zh-CN" dirty="0" err="1"/>
+              <a:t>ocr_training_det</a:t>
+            </a:r>
+            <a:r>
+              <a:rPr lang="en-US" altLang="zh-CN" dirty="0"/>
+              <a:t> </a:t>
+            </a:r>
+            <a:r>
+              <a:rPr lang="zh-CN" altLang="en-US" dirty="0"/>
+              <a:t>的</a:t>
+            </a:r>
+            <a:r>
+              <a:rPr lang="en-GB" altLang="zh-CN" dirty="0"/>
+              <a:t>.</a:t>
+            </a:r>
+            <a:r>
+              <a:rPr lang="en-GB" dirty="0"/>
+              <a:t>/modeling/backbones/__init__.py, </a:t>
+            </a:r>
+            <a:r>
+              <a:rPr lang="zh-CN" altLang="en-US" dirty="0"/>
+              <a:t>改動 </a:t>
+            </a:r>
+            <a:r>
+              <a:rPr lang="en-GB" b="0" dirty="0" err="1">
+                <a:solidFill>
+                  <a:srgbClr val="9CDCFE"/>
+                </a:solidFill>
+                <a:effectLst/>
+                <a:highlight>
+                  <a:srgbClr val="1F1F1F"/>
+                </a:highlight>
+                <a:latin typeface="Consolas" panose="020B0609020204030204" pitchFamily="49" charset="0"/>
+              </a:rPr>
+              <a:t>support_dict</a:t>
+            </a:r>
+            <a:r>
+              <a:rPr lang="en-GB" b="0" dirty="0">
+                <a:solidFill>
+                  <a:srgbClr val="CCCCCC"/>
+                </a:solidFill>
+                <a:effectLst/>
+                <a:highlight>
+                  <a:srgbClr val="1F1F1F"/>
+                </a:highlight>
+                <a:latin typeface="Consolas" panose="020B0609020204030204" pitchFamily="49" charset="0"/>
+              </a:rPr>
+              <a:t> </a:t>
+            </a:r>
+            <a:r>
+              <a:rPr lang="en-GB" b="0" dirty="0">
+                <a:solidFill>
+                  <a:srgbClr val="D4D4D4"/>
+                </a:solidFill>
+                <a:effectLst/>
+                <a:highlight>
+                  <a:srgbClr val="1F1F1F"/>
+                </a:highlight>
+                <a:latin typeface="Consolas" panose="020B0609020204030204" pitchFamily="49" charset="0"/>
+              </a:rPr>
+              <a:t>=</a:t>
+            </a:r>
+            <a:r>
+              <a:rPr lang="en-GB" b="0" dirty="0">
+                <a:solidFill>
+                  <a:srgbClr val="CCCCCC"/>
+                </a:solidFill>
+                <a:effectLst/>
+                <a:highlight>
+                  <a:srgbClr val="1F1F1F"/>
+                </a:highlight>
+                <a:latin typeface="Consolas" panose="020B0609020204030204" pitchFamily="49" charset="0"/>
+              </a:rPr>
+              <a:t> [</a:t>
+            </a:r>
+            <a:r>
+              <a:rPr lang="en-GB" b="0" dirty="0">
+                <a:solidFill>
+                  <a:srgbClr val="CE9178"/>
+                </a:solidFill>
+                <a:effectLst/>
+                <a:highlight>
+                  <a:srgbClr val="1F1F1F"/>
+                </a:highlight>
+                <a:latin typeface="Consolas" panose="020B0609020204030204" pitchFamily="49" charset="0"/>
+              </a:rPr>
+              <a:t>'</a:t>
+            </a:r>
+            <a:r>
+              <a:rPr lang="en-GB" b="0" dirty="0" err="1">
+                <a:solidFill>
+                  <a:srgbClr val="CE9178"/>
+                </a:solidFill>
+                <a:effectLst/>
+                <a:highlight>
+                  <a:srgbClr val="1F1F1F"/>
+                </a:highlight>
+                <a:latin typeface="Consolas" panose="020B0609020204030204" pitchFamily="49" charset="0"/>
+              </a:rPr>
+              <a:t>ResNet</a:t>
+            </a:r>
+            <a:r>
+              <a:rPr lang="en-GB" b="0" dirty="0">
+                <a:solidFill>
+                  <a:srgbClr val="CE9178"/>
+                </a:solidFill>
+                <a:effectLst/>
+                <a:highlight>
+                  <a:srgbClr val="1F1F1F"/>
+                </a:highlight>
+                <a:latin typeface="Consolas" panose="020B0609020204030204" pitchFamily="49" charset="0"/>
+              </a:rPr>
+              <a:t>'</a:t>
+            </a:r>
+            <a:r>
+              <a:rPr lang="en-GB" b="0" dirty="0">
+                <a:solidFill>
+                  <a:srgbClr val="CCCCCC"/>
+                </a:solidFill>
+                <a:effectLst/>
+                <a:highlight>
+                  <a:srgbClr val="1F1F1F"/>
+                </a:highlight>
+                <a:latin typeface="Consolas" panose="020B0609020204030204" pitchFamily="49" charset="0"/>
+              </a:rPr>
+              <a:t>,</a:t>
+            </a:r>
+            <a:r>
+              <a:rPr lang="en-GB" b="0" dirty="0">
+                <a:solidFill>
+                  <a:srgbClr val="CE9178"/>
+                </a:solidFill>
+                <a:effectLst/>
+                <a:highlight>
+                  <a:srgbClr val="1F1F1F"/>
+                </a:highlight>
+                <a:latin typeface="Consolas" panose="020B0609020204030204" pitchFamily="49" charset="0"/>
+              </a:rPr>
+              <a:t>'</a:t>
+            </a:r>
+            <a:r>
+              <a:rPr lang="en-GB" b="0" dirty="0" err="1">
+                <a:solidFill>
+                  <a:srgbClr val="CE9178"/>
+                </a:solidFill>
+                <a:effectLst/>
+                <a:highlight>
+                  <a:srgbClr val="1F1F1F"/>
+                </a:highlight>
+                <a:latin typeface="Consolas" panose="020B0609020204030204" pitchFamily="49" charset="0"/>
+              </a:rPr>
+              <a:t>ResNet_vd</a:t>
+            </a:r>
+            <a:r>
+              <a:rPr lang="en-GB" b="0" dirty="0">
+                <a:solidFill>
+                  <a:srgbClr val="CE9178"/>
+                </a:solidFill>
+                <a:effectLst/>
+                <a:highlight>
+                  <a:srgbClr val="1F1F1F"/>
+                </a:highlight>
+                <a:latin typeface="Consolas" panose="020B0609020204030204" pitchFamily="49" charset="0"/>
+              </a:rPr>
+              <a:t>’</a:t>
+            </a:r>
+            <a:r>
+              <a:rPr lang="en-GB" b="0" dirty="0">
+                <a:solidFill>
+                  <a:srgbClr val="CCCCCC"/>
+                </a:solidFill>
+                <a:effectLst/>
+                <a:highlight>
+                  <a:srgbClr val="1F1F1F"/>
+                </a:highlight>
+                <a:latin typeface="Consolas" panose="020B0609020204030204" pitchFamily="49" charset="0"/>
+              </a:rPr>
+              <a:t>] </a:t>
+            </a:r>
+          </a:p>
+          <a:p>
+            <a:endParaRPr lang="en-GB" dirty="0"/>
+          </a:p>
+        </p:txBody>
+      </p:sp>
+    </p:spTree>
+    <p:extLst>
+      <p:ext uri="{BB962C8B-B14F-4D97-AF65-F5344CB8AC3E}">
+        <p14:creationId xmlns:p14="http://schemas.microsoft.com/office/powerpoint/2010/main" val="3239248865"/>
+      </p:ext>
+    </p:extLst>
+  </p:cSld>
+  <p:clrMapOvr>
+    <a:masterClrMapping/>
+  </p:clrMapOvr>
+</p:sld>
+</file>
+
+<file path=ppt/slides/slide26.xml><?xml version="1.0" encoding="utf-8"?>
+<p:sld xmlns:a="http://schemas.openxmlformats.org/drawingml/2006/main" xmlns:r="http://schemas.openxmlformats.org/officeDocument/2006/relationships" xmlns:p="http://schemas.openxmlformats.org/presentationml/2006/main">
+  <p:cSld>
+    <p:spTree>
+      <p:nvGrpSpPr>
+        <p:cNvPr id="1" name=""/>
+        <p:cNvGrpSpPr/>
+        <p:nvPr/>
+      </p:nvGrpSpPr>
+      <p:grpSpPr>
+        <a:xfrm>
+          <a:off x="0" y="0"/>
+          <a:ext cx="0" cy="0"/>
+          <a:chOff x="0" y="0"/>
+          <a:chExt cx="0" cy="0"/>
+        </a:xfrm>
+      </p:grpSpPr>
+      <p:sp>
+        <p:nvSpPr>
+          <p:cNvPr id="2" name="Title 1">
+            <a:extLst>
+              <a:ext uri="{FF2B5EF4-FFF2-40B4-BE49-F238E27FC236}">
+                <a16:creationId xmlns:a16="http://schemas.microsoft.com/office/drawing/2014/main" id="{037AAD88-31E5-70C5-B3BB-863EA0CEDFBE}"/>
+              </a:ext>
+            </a:extLst>
+          </p:cNvPr>
+          <p:cNvSpPr>
+            <a:spLocks noGrp="1"/>
+          </p:cNvSpPr>
+          <p:nvPr>
+            <p:ph type="title"/>
+          </p:nvPr>
+        </p:nvSpPr>
+        <p:spPr/>
+        <p:txBody>
+          <a:bodyPr/>
+          <a:lstStyle/>
+          <a:p>
+            <a:r>
+              <a:rPr lang="en-GB" dirty="0"/>
+              <a:t>Load </a:t>
+            </a:r>
+            <a:r>
+              <a:rPr lang="en-GB" dirty="0" err="1"/>
+              <a:t>Pytorch</a:t>
+            </a:r>
+            <a:r>
+              <a:rPr lang="en-GB" dirty="0"/>
+              <a:t> weights (.</a:t>
+            </a:r>
+            <a:r>
+              <a:rPr lang="en-GB" dirty="0" err="1"/>
+              <a:t>pth</a:t>
+            </a:r>
+            <a:r>
+              <a:rPr lang="en-GB" dirty="0"/>
+              <a:t>)</a:t>
+            </a:r>
+          </a:p>
+        </p:txBody>
+      </p:sp>
+      <p:sp>
+        <p:nvSpPr>
+          <p:cNvPr id="3" name="Content Placeholder 2">
+            <a:extLst>
+              <a:ext uri="{FF2B5EF4-FFF2-40B4-BE49-F238E27FC236}">
+                <a16:creationId xmlns:a16="http://schemas.microsoft.com/office/drawing/2014/main" id="{2017B0B2-5B71-DD5E-FAF1-5B85D3F462BA}"/>
+              </a:ext>
+            </a:extLst>
+          </p:cNvPr>
+          <p:cNvSpPr>
+            <a:spLocks noGrp="1"/>
+          </p:cNvSpPr>
+          <p:nvPr>
+            <p:ph idx="1"/>
+          </p:nvPr>
+        </p:nvSpPr>
+        <p:spPr/>
+        <p:txBody>
+          <a:bodyPr/>
+          <a:lstStyle/>
+          <a:p>
+            <a:r>
+              <a:rPr lang="en-GB" dirty="0"/>
+              <a:t>Comment out </a:t>
+            </a:r>
+            <a:r>
+              <a:rPr lang="en-GB" b="0" dirty="0">
+                <a:solidFill>
+                  <a:srgbClr val="6A9955"/>
+                </a:solidFill>
+                <a:effectLst/>
+                <a:latin typeface="Consolas" panose="020B0609020204030204" pitchFamily="49" charset="0"/>
+              </a:rPr>
+              <a:t>from </a:t>
+            </a:r>
+            <a:r>
+              <a:rPr lang="en-GB" b="0" dirty="0" err="1">
+                <a:solidFill>
+                  <a:srgbClr val="6A9955"/>
+                </a:solidFill>
+                <a:effectLst/>
+                <a:latin typeface="Consolas" panose="020B0609020204030204" pitchFamily="49" charset="0"/>
+              </a:rPr>
+              <a:t>pytorchocr.modeling.transforms</a:t>
+            </a:r>
+            <a:r>
+              <a:rPr lang="en-GB" b="0" dirty="0">
+                <a:solidFill>
+                  <a:srgbClr val="6A9955"/>
+                </a:solidFill>
+                <a:effectLst/>
+                <a:latin typeface="Consolas" panose="020B0609020204030204" pitchFamily="49" charset="0"/>
+              </a:rPr>
+              <a:t> import </a:t>
+            </a:r>
+            <a:r>
+              <a:rPr lang="en-GB" b="0" dirty="0" err="1">
+                <a:solidFill>
+                  <a:srgbClr val="6A9955"/>
+                </a:solidFill>
+                <a:effectLst/>
+                <a:latin typeface="Consolas" panose="020B0609020204030204" pitchFamily="49" charset="0"/>
+              </a:rPr>
+              <a:t>build_transform</a:t>
+            </a:r>
+            <a:r>
+              <a:rPr lang="en-GB" dirty="0"/>
+              <a:t> because detection does not need </a:t>
+            </a:r>
+            <a:r>
+              <a:rPr lang="en-GB" b="0" dirty="0">
+                <a:solidFill>
+                  <a:srgbClr val="6A9955"/>
+                </a:solidFill>
+                <a:effectLst/>
+                <a:latin typeface="Consolas" panose="020B0609020204030204" pitchFamily="49" charset="0"/>
+              </a:rPr>
+              <a:t>transform</a:t>
+            </a:r>
+            <a:r>
+              <a:rPr lang="en-GB" dirty="0"/>
+              <a:t>. </a:t>
+            </a:r>
+          </a:p>
+          <a:p>
+            <a:r>
+              <a:rPr lang="en-GB"/>
+              <a:t>For </a:t>
+            </a:r>
+            <a:r>
+              <a:rPr lang="en-GB" dirty="0"/>
+              <a:t>rec,</a:t>
+            </a:r>
+            <a:r>
+              <a:rPr lang="en-GB" b="0" dirty="0">
+                <a:solidFill>
+                  <a:srgbClr val="6A9955"/>
+                </a:solidFill>
+                <a:effectLst/>
+                <a:latin typeface="Consolas" panose="020B0609020204030204" pitchFamily="49" charset="0"/>
+              </a:rPr>
+              <a:t> transform </a:t>
+            </a:r>
+            <a:r>
+              <a:rPr lang="en-GB" dirty="0"/>
+              <a:t>can be </a:t>
+            </a:r>
+            <a:r>
+              <a:rPr lang="en-GB" dirty="0" err="1"/>
+              <a:t>TPS,None</a:t>
+            </a:r>
+            <a:endParaRPr lang="en-GB" dirty="0"/>
+          </a:p>
+          <a:p>
+            <a:r>
+              <a:rPr lang="en-GB" dirty="0"/>
+              <a:t> In /</a:t>
+            </a:r>
+            <a:r>
+              <a:rPr lang="en-GB" dirty="0" err="1"/>
+              <a:t>modeling</a:t>
+            </a:r>
+            <a:r>
+              <a:rPr lang="en-GB" dirty="0"/>
+              <a:t>/architectures/</a:t>
+            </a:r>
+            <a:r>
+              <a:rPr lang="en-GB" dirty="0" err="1"/>
+              <a:t>base_model</a:t>
+            </a:r>
+            <a:endParaRPr lang="en-GB" dirty="0"/>
+          </a:p>
+          <a:p>
+            <a:endParaRPr lang="en-GB" dirty="0"/>
+          </a:p>
+        </p:txBody>
+      </p:sp>
+    </p:spTree>
+    <p:extLst>
+      <p:ext uri="{BB962C8B-B14F-4D97-AF65-F5344CB8AC3E}">
+        <p14:creationId xmlns:p14="http://schemas.microsoft.com/office/powerpoint/2010/main" val="2686497685"/>
       </p:ext>
     </p:extLst>
   </p:cSld>

--- a/Torch_train.pptx
+++ b/Torch_train.pptx
@@ -5,7 +5,7 @@
     <p:sldMasterId id="2147483648" r:id="rId1"/>
   </p:sldMasterIdLst>
   <p:notesMasterIdLst>
-    <p:notesMasterId r:id="rId28"/>
+    <p:notesMasterId r:id="rId29"/>
   </p:notesMasterIdLst>
   <p:sldIdLst>
     <p:sldId id="256" r:id="rId2"/>
@@ -34,6 +34,7 @@
     <p:sldId id="281" r:id="rId25"/>
     <p:sldId id="282" r:id="rId26"/>
     <p:sldId id="283" r:id="rId27"/>
+    <p:sldId id="284" r:id="rId28"/>
   </p:sldIdLst>
   <p:sldSz cx="12192000" cy="6858000"/>
   <p:notesSz cx="6858000" cy="9144000"/>
@@ -143,7 +144,7 @@
 <file path=ppt/revisionInfo.xml><?xml version="1.0" encoding="utf-8"?>
 <p1510:revInfo xmlns:a="http://schemas.openxmlformats.org/drawingml/2006/main" xmlns:r="http://schemas.openxmlformats.org/officeDocument/2006/relationships" xmlns:p1510="http://schemas.microsoft.com/office/powerpoint/2015/10/main">
   <p1510:revLst>
-    <p1510:client id="{2C7D7F79-AD93-4ED7-BCDF-8616907FA700}" v="19" dt="2024-05-18T02:28:39.305"/>
+    <p1510:client id="{2C7D7F79-AD93-4ED7-BCDF-8616907FA700}" v="20" dt="2024-05-19T01:12:37.367"/>
   </p1510:revLst>
 </p1510:revInfo>
 </file>
@@ -153,7 +154,7 @@
   <pc:docChgLst>
     <pc:chgData name="Tsai, Ping-Chen" userId="9132b96a-ba54-4186-bc65-f286b02f1bb4" providerId="ADAL" clId="{2C7D7F79-AD93-4ED7-BCDF-8616907FA700}"/>
     <pc:docChg chg="undo custSel addSld delSld modSld sldOrd">
-      <pc:chgData name="Tsai, Ping-Chen" userId="9132b96a-ba54-4186-bc65-f286b02f1bb4" providerId="ADAL" clId="{2C7D7F79-AD93-4ED7-BCDF-8616907FA700}" dt="2024-05-18T23:44:17.413" v="5556" actId="20577"/>
+      <pc:chgData name="Tsai, Ping-Chen" userId="9132b96a-ba54-4186-bc65-f286b02f1bb4" providerId="ADAL" clId="{2C7D7F79-AD93-4ED7-BCDF-8616907FA700}" dt="2024-05-19T01:12:18.407" v="6038" actId="20577"/>
       <pc:docMkLst>
         <pc:docMk/>
       </pc:docMkLst>
@@ -297,7 +298,7 @@
         </pc:spChg>
       </pc:sldChg>
       <pc:sldChg chg="modSp new mod">
-        <pc:chgData name="Tsai, Ping-Chen" userId="9132b96a-ba54-4186-bc65-f286b02f1bb4" providerId="ADAL" clId="{2C7D7F79-AD93-4ED7-BCDF-8616907FA700}" dt="2024-05-10T20:35:58.084" v="466" actId="20577"/>
+        <pc:chgData name="Tsai, Ping-Chen" userId="9132b96a-ba54-4186-bc65-f286b02f1bb4" providerId="ADAL" clId="{2C7D7F79-AD93-4ED7-BCDF-8616907FA700}" dt="2024-05-19T00:58:21.586" v="5636" actId="20577"/>
         <pc:sldMkLst>
           <pc:docMk/>
           <pc:sldMk cId="3970687903" sldId="261"/>
@@ -311,7 +312,7 @@
           </ac:spMkLst>
         </pc:spChg>
         <pc:spChg chg="mod">
-          <ac:chgData name="Tsai, Ping-Chen" userId="9132b96a-ba54-4186-bc65-f286b02f1bb4" providerId="ADAL" clId="{2C7D7F79-AD93-4ED7-BCDF-8616907FA700}" dt="2024-05-10T20:35:58.084" v="466" actId="20577"/>
+          <ac:chgData name="Tsai, Ping-Chen" userId="9132b96a-ba54-4186-bc65-f286b02f1bb4" providerId="ADAL" clId="{2C7D7F79-AD93-4ED7-BCDF-8616907FA700}" dt="2024-05-19T00:58:21.586" v="5636" actId="20577"/>
           <ac:spMkLst>
             <pc:docMk/>
             <pc:sldMk cId="3970687903" sldId="261"/>
@@ -866,7 +867,7 @@
         </pc:spChg>
       </pc:sldChg>
       <pc:sldChg chg="modSp new mod">
-        <pc:chgData name="Tsai, Ping-Chen" userId="9132b96a-ba54-4186-bc65-f286b02f1bb4" providerId="ADAL" clId="{2C7D7F79-AD93-4ED7-BCDF-8616907FA700}" dt="2024-05-18T23:44:17.413" v="5556" actId="20577"/>
+        <pc:chgData name="Tsai, Ping-Chen" userId="9132b96a-ba54-4186-bc65-f286b02f1bb4" providerId="ADAL" clId="{2C7D7F79-AD93-4ED7-BCDF-8616907FA700}" dt="2024-05-19T01:01:13.837" v="5637" actId="20577"/>
         <pc:sldMkLst>
           <pc:docMk/>
           <pc:sldMk cId="2686497685" sldId="283"/>
@@ -880,11 +881,34 @@
           </ac:spMkLst>
         </pc:spChg>
         <pc:spChg chg="mod">
-          <ac:chgData name="Tsai, Ping-Chen" userId="9132b96a-ba54-4186-bc65-f286b02f1bb4" providerId="ADAL" clId="{2C7D7F79-AD93-4ED7-BCDF-8616907FA700}" dt="2024-05-18T23:44:17.413" v="5556" actId="20577"/>
+          <ac:chgData name="Tsai, Ping-Chen" userId="9132b96a-ba54-4186-bc65-f286b02f1bb4" providerId="ADAL" clId="{2C7D7F79-AD93-4ED7-BCDF-8616907FA700}" dt="2024-05-19T01:01:13.837" v="5637" actId="20577"/>
           <ac:spMkLst>
             <pc:docMk/>
             <pc:sldMk cId="2686497685" sldId="283"/>
             <ac:spMk id="3" creationId="{2017B0B2-5B71-DD5E-FAF1-5B85D3F462BA}"/>
+          </ac:spMkLst>
+        </pc:spChg>
+      </pc:sldChg>
+      <pc:sldChg chg="modSp new mod">
+        <pc:chgData name="Tsai, Ping-Chen" userId="9132b96a-ba54-4186-bc65-f286b02f1bb4" providerId="ADAL" clId="{2C7D7F79-AD93-4ED7-BCDF-8616907FA700}" dt="2024-05-19T01:12:18.407" v="6038" actId="20577"/>
+        <pc:sldMkLst>
+          <pc:docMk/>
+          <pc:sldMk cId="198398341" sldId="284"/>
+        </pc:sldMkLst>
+        <pc:spChg chg="mod">
+          <ac:chgData name="Tsai, Ping-Chen" userId="9132b96a-ba54-4186-bc65-f286b02f1bb4" providerId="ADAL" clId="{2C7D7F79-AD93-4ED7-BCDF-8616907FA700}" dt="2024-05-19T01:01:24.257" v="5655" actId="20577"/>
+          <ac:spMkLst>
+            <pc:docMk/>
+            <pc:sldMk cId="198398341" sldId="284"/>
+            <ac:spMk id="2" creationId="{508B83DE-AC4C-E76D-F3B7-B4FCAFC520F1}"/>
+          </ac:spMkLst>
+        </pc:spChg>
+        <pc:spChg chg="mod">
+          <ac:chgData name="Tsai, Ping-Chen" userId="9132b96a-ba54-4186-bc65-f286b02f1bb4" providerId="ADAL" clId="{2C7D7F79-AD93-4ED7-BCDF-8616907FA700}" dt="2024-05-19T01:12:18.407" v="6038" actId="20577"/>
+          <ac:spMkLst>
+            <pc:docMk/>
+            <pc:sldMk cId="198398341" sldId="284"/>
+            <ac:spMk id="3" creationId="{DAA0C81B-CC90-15D6-6A1B-1809D910281A}"/>
           </ac:spMkLst>
         </pc:spChg>
       </pc:sldChg>
@@ -7277,6 +7301,18 @@
           <a:p>
             <a:r>
               <a:rPr lang="zh-CN" altLang="en-US" dirty="0"/>
+              <a:t>舊模型</a:t>
+            </a:r>
+            <a:r>
+              <a:rPr lang="en-GB" altLang="zh-CN" dirty="0"/>
+              <a:t>(Resnet)</a:t>
+            </a:r>
+            <a:r>
+              <a:rPr lang="en-US" altLang="zh-CN" dirty="0"/>
+              <a:t>training</a:t>
+            </a:r>
+            <a:r>
+              <a:rPr lang="zh-CN" altLang="en-US" dirty="0"/>
               <a:t>指令</a:t>
             </a:r>
             <a:endParaRPr lang="en-GB" dirty="0"/>
@@ -7291,8 +7327,57 @@
             </a:r>
             <a:r>
               <a:rPr lang="en-GB" dirty="0"/>
-              <a:t>python.exe train.py --config configs\det\det_r50_vd_db.yml</a:t>
-            </a:r>
+              <a:t>python train.py --config ./ configs/det/det_r50_vd_db.yml</a:t>
+            </a:r>
+          </a:p>
+          <a:p>
+            <a:pPr marL="0" indent="0">
+              <a:buNone/>
+            </a:pPr>
+            <a:endParaRPr lang="en-GB" dirty="0"/>
+          </a:p>
+          <a:p>
+            <a:r>
+              <a:rPr lang="zh-CN" altLang="en-US" dirty="0"/>
+              <a:t>新模型（</a:t>
+            </a:r>
+            <a:r>
+              <a:rPr lang="en-GB" altLang="zh-CN" dirty="0" err="1"/>
+              <a:t>Resnet_vd</a:t>
+            </a:r>
+            <a:r>
+              <a:rPr lang="zh-CN" altLang="en-US" dirty="0"/>
+              <a:t>）</a:t>
+            </a:r>
+            <a:r>
+              <a:rPr lang="en-GB" altLang="zh-CN" dirty="0"/>
+              <a:t>training</a:t>
+            </a:r>
+            <a:r>
+              <a:rPr lang="zh-CN" altLang="en-US" dirty="0"/>
+              <a:t>指令</a:t>
+            </a:r>
+            <a:endParaRPr lang="en-GB" altLang="zh-CN" dirty="0"/>
+          </a:p>
+          <a:p>
+            <a:pPr marL="0" indent="0">
+              <a:buNone/>
+            </a:pPr>
+            <a:r>
+              <a:rPr lang="en-US" dirty="0"/>
+              <a:t>&gt;</a:t>
+            </a:r>
+            <a:r>
+              <a:rPr lang="en-GB" dirty="0"/>
+              <a:t>python train.py --config ./configs/det/det_r50_vd_db_v2.0.yml</a:t>
+            </a:r>
+            <a:endParaRPr lang="en-GB" altLang="zh-CN" dirty="0"/>
+          </a:p>
+          <a:p>
+            <a:pPr marL="0" indent="0">
+              <a:buNone/>
+            </a:pPr>
+            <a:endParaRPr lang="en-GB" dirty="0"/>
           </a:p>
         </p:txBody>
       </p:sp>
@@ -8758,12 +8843,8 @@
           </a:p>
           <a:p>
             <a:r>
-              <a:rPr lang="en-GB"/>
-              <a:t>For </a:t>
-            </a:r>
-            <a:r>
               <a:rPr lang="en-GB" dirty="0"/>
-              <a:t>rec,</a:t>
+              <a:t>For rec,</a:t>
             </a:r>
             <a:r>
               <a:rPr lang="en-GB" b="0" dirty="0">
@@ -8782,25 +8863,6 @@
             <a:r>
               <a:rPr lang="en-GB" dirty="0" err="1"/>
               <a:t>TPS,None</a:t>
-            </a:r>
-            <a:endParaRPr lang="en-GB" dirty="0"/>
-          </a:p>
-          <a:p>
-            <a:r>
-              <a:rPr lang="en-GB" dirty="0"/>
-              <a:t> In /</a:t>
-            </a:r>
-            <a:r>
-              <a:rPr lang="en-GB" dirty="0" err="1"/>
-              <a:t>modeling</a:t>
-            </a:r>
-            <a:r>
-              <a:rPr lang="en-GB" dirty="0"/>
-              <a:t>/architectures/</a:t>
-            </a:r>
-            <a:r>
-              <a:rPr lang="en-GB" dirty="0" err="1"/>
-              <a:t>base_model</a:t>
             </a:r>
             <a:endParaRPr lang="en-GB" dirty="0"/>
           </a:p>
@@ -8813,6 +8875,219 @@
     <p:extLst>
       <p:ext uri="{BB962C8B-B14F-4D97-AF65-F5344CB8AC3E}">
         <p14:creationId xmlns:p14="http://schemas.microsoft.com/office/powerpoint/2010/main" val="2686497685"/>
+      </p:ext>
+    </p:extLst>
+  </p:cSld>
+  <p:clrMapOvr>
+    <a:masterClrMapping/>
+  </p:clrMapOvr>
+</p:sld>
+</file>
+
+<file path=ppt/slides/slide27.xml><?xml version="1.0" encoding="utf-8"?>
+<p:sld xmlns:a="http://schemas.openxmlformats.org/drawingml/2006/main" xmlns:r="http://schemas.openxmlformats.org/officeDocument/2006/relationships" xmlns:p="http://schemas.openxmlformats.org/presentationml/2006/main">
+  <p:cSld>
+    <p:spTree>
+      <p:nvGrpSpPr>
+        <p:cNvPr id="1" name=""/>
+        <p:cNvGrpSpPr/>
+        <p:nvPr/>
+      </p:nvGrpSpPr>
+      <p:grpSpPr>
+        <a:xfrm>
+          <a:off x="0" y="0"/>
+          <a:ext cx="0" cy="0"/>
+          <a:chOff x="0" y="0"/>
+          <a:chExt cx="0" cy="0"/>
+        </a:xfrm>
+      </p:grpSpPr>
+      <p:sp>
+        <p:nvSpPr>
+          <p:cNvPr id="2" name="Title 1">
+            <a:extLst>
+              <a:ext uri="{FF2B5EF4-FFF2-40B4-BE49-F238E27FC236}">
+                <a16:creationId xmlns:a16="http://schemas.microsoft.com/office/drawing/2014/main" id="{508B83DE-AC4C-E76D-F3B7-B4FCAFC520F1}"/>
+              </a:ext>
+            </a:extLst>
+          </p:cNvPr>
+          <p:cNvSpPr>
+            <a:spLocks noGrp="1"/>
+          </p:cNvSpPr>
+          <p:nvPr>
+            <p:ph type="title"/>
+          </p:nvPr>
+        </p:nvSpPr>
+        <p:spPr/>
+        <p:txBody>
+          <a:bodyPr/>
+          <a:lstStyle/>
+          <a:p>
+            <a:r>
+              <a:rPr lang="en-GB" dirty="0" err="1"/>
+              <a:t>Pytorch</a:t>
+            </a:r>
+            <a:r>
+              <a:rPr lang="en-GB" dirty="0"/>
+              <a:t> Optimizer</a:t>
+            </a:r>
+          </a:p>
+        </p:txBody>
+      </p:sp>
+      <p:sp>
+        <p:nvSpPr>
+          <p:cNvPr id="3" name="Content Placeholder 2">
+            <a:extLst>
+              <a:ext uri="{FF2B5EF4-FFF2-40B4-BE49-F238E27FC236}">
+                <a16:creationId xmlns:a16="http://schemas.microsoft.com/office/drawing/2014/main" id="{DAA0C81B-CC90-15D6-6A1B-1809D910281A}"/>
+              </a:ext>
+            </a:extLst>
+          </p:cNvPr>
+          <p:cNvSpPr>
+            <a:spLocks noGrp="1"/>
+          </p:cNvSpPr>
+          <p:nvPr>
+            <p:ph idx="1"/>
+          </p:nvPr>
+        </p:nvSpPr>
+        <p:spPr/>
+        <p:txBody>
+          <a:bodyPr/>
+          <a:lstStyle/>
+          <a:p>
+            <a:r>
+              <a:rPr lang="zh-CN" altLang="en-US" dirty="0"/>
+              <a:t>原來的</a:t>
+            </a:r>
+            <a:r>
+              <a:rPr lang="en-GB" altLang="zh-CN" dirty="0" err="1"/>
+              <a:t>yml</a:t>
+            </a:r>
+            <a:r>
+              <a:rPr lang="en-GB" altLang="zh-CN" dirty="0"/>
+              <a:t> </a:t>
+            </a:r>
+            <a:r>
+              <a:rPr lang="zh-CN" altLang="en-US" dirty="0"/>
+              <a:t>指定的</a:t>
+            </a:r>
+            <a:r>
+              <a:rPr lang="en-GB" altLang="zh-CN" dirty="0"/>
+              <a:t>optimizer</a:t>
+            </a:r>
+            <a:r>
+              <a:rPr lang="zh-CN" altLang="en-US" dirty="0"/>
+              <a:t> </a:t>
+            </a:r>
+            <a:r>
+              <a:rPr lang="en-GB" altLang="zh-CN" dirty="0"/>
+              <a:t>key</a:t>
+            </a:r>
+            <a:r>
+              <a:rPr lang="zh-CN" altLang="en-US" dirty="0"/>
+              <a:t>是</a:t>
+            </a:r>
+            <a:r>
+              <a:rPr lang="en-GB" altLang="zh-CN" dirty="0"/>
+              <a:t>paddle</a:t>
+            </a:r>
+            <a:r>
+              <a:rPr lang="zh-CN" altLang="en-US" dirty="0"/>
+              <a:t>内置的，所以下載任何</a:t>
+            </a:r>
+            <a:r>
+              <a:rPr lang="en-GB" altLang="zh-CN" dirty="0"/>
+              <a:t>paddle </a:t>
+            </a:r>
+            <a:r>
+              <a:rPr lang="en-GB" altLang="zh-CN" dirty="0" err="1"/>
+              <a:t>yml</a:t>
+            </a:r>
+            <a:r>
+              <a:rPr lang="en-GB" altLang="zh-CN" dirty="0"/>
+              <a:t> </a:t>
+            </a:r>
+            <a:r>
+              <a:rPr lang="en-US" altLang="zh-CN" dirty="0"/>
+              <a:t>file</a:t>
+            </a:r>
+            <a:r>
+              <a:rPr lang="zh-CN" altLang="en-US" dirty="0"/>
+              <a:t>之後要自己改成</a:t>
+            </a:r>
+            <a:r>
+              <a:rPr lang="en-GB" altLang="zh-CN" dirty="0" err="1"/>
+              <a:t>pytorch</a:t>
+            </a:r>
+            <a:r>
+              <a:rPr lang="zh-CN" altLang="en-US" dirty="0"/>
+              <a:t>的</a:t>
+            </a:r>
+            <a:r>
+              <a:rPr lang="en-GB" altLang="zh-CN" dirty="0"/>
+              <a:t>optimizer</a:t>
+            </a:r>
+          </a:p>
+          <a:p>
+            <a:r>
+              <a:rPr lang="zh-CN" altLang="en-US" dirty="0"/>
+              <a:t>改</a:t>
+            </a:r>
+            <a:r>
+              <a:rPr lang="en-GB" altLang="zh-CN" dirty="0"/>
+              <a:t>.</a:t>
+            </a:r>
+            <a:r>
+              <a:rPr lang="en-GB" altLang="zh-CN" dirty="0" err="1"/>
+              <a:t>yml</a:t>
+            </a:r>
+            <a:r>
+              <a:rPr lang="zh-CN" altLang="en-US" dirty="0"/>
+              <a:t> 的</a:t>
+            </a:r>
+            <a:r>
+              <a:rPr lang="en-GB" altLang="zh-CN" dirty="0"/>
+              <a:t>optimizer key</a:t>
+            </a:r>
+          </a:p>
+          <a:p>
+            <a:r>
+              <a:rPr lang="zh-CN" altLang="en-US" dirty="0"/>
+              <a:t>改</a:t>
+            </a:r>
+            <a:r>
+              <a:rPr lang="en-GB" altLang="zh-CN" dirty="0"/>
+              <a:t>./</a:t>
+            </a:r>
+            <a:r>
+              <a:rPr lang="en-US" altLang="zh-CN" dirty="0"/>
+              <a:t>model/utils/ </a:t>
+            </a:r>
+            <a:r>
+              <a:rPr lang="zh-CN" altLang="en-US" dirty="0"/>
+              <a:t>中的</a:t>
+            </a:r>
+            <a:r>
+              <a:rPr lang="en-GB" altLang="zh-CN" dirty="0"/>
+              <a:t>optimizer, </a:t>
+            </a:r>
+            <a:r>
+              <a:rPr lang="zh-CN" altLang="en-US" dirty="0"/>
+              <a:t>可參考</a:t>
+            </a:r>
+            <a:r>
+              <a:rPr lang="en-GB" altLang="zh-CN" dirty="0">
+                <a:hlinkClick r:id="rId2"/>
+              </a:rPr>
+              <a:t>PPOCR optimizer</a:t>
+            </a:r>
+            <a:endParaRPr lang="en-GB" dirty="0"/>
+          </a:p>
+        </p:txBody>
+      </p:sp>
+    </p:spTree>
+    <p:extLst>
+      <p:ext uri="{BB962C8B-B14F-4D97-AF65-F5344CB8AC3E}">
+        <p14:creationId xmlns:p14="http://schemas.microsoft.com/office/powerpoint/2010/main" val="198398341"/>
       </p:ext>
     </p:extLst>
   </p:cSld>

--- a/Torch_train.pptx
+++ b/Torch_train.pptx
@@ -154,7 +154,7 @@
   <pc:docChgLst>
     <pc:chgData name="Tsai, Ping-Chen" userId="9132b96a-ba54-4186-bc65-f286b02f1bb4" providerId="ADAL" clId="{2C7D7F79-AD93-4ED7-BCDF-8616907FA700}"/>
     <pc:docChg chg="undo custSel addSld delSld modSld sldOrd">
-      <pc:chgData name="Tsai, Ping-Chen" userId="9132b96a-ba54-4186-bc65-f286b02f1bb4" providerId="ADAL" clId="{2C7D7F79-AD93-4ED7-BCDF-8616907FA700}" dt="2024-05-19T01:12:18.407" v="6038" actId="20577"/>
+      <pc:chgData name="Tsai, Ping-Chen" userId="9132b96a-ba54-4186-bc65-f286b02f1bb4" providerId="ADAL" clId="{2C7D7F79-AD93-4ED7-BCDF-8616907FA700}" dt="2024-05-19T01:32:24.314" v="6052" actId="20577"/>
       <pc:docMkLst>
         <pc:docMk/>
       </pc:docMkLst>
@@ -760,13 +760,13 @@
         </pc:spChg>
       </pc:sldChg>
       <pc:sldChg chg="modSp new mod">
-        <pc:chgData name="Tsai, Ping-Chen" userId="9132b96a-ba54-4186-bc65-f286b02f1bb4" providerId="ADAL" clId="{2C7D7F79-AD93-4ED7-BCDF-8616907FA700}" dt="2024-05-18T02:37:56.649" v="4988" actId="21"/>
+        <pc:chgData name="Tsai, Ping-Chen" userId="9132b96a-ba54-4186-bc65-f286b02f1bb4" providerId="ADAL" clId="{2C7D7F79-AD93-4ED7-BCDF-8616907FA700}" dt="2024-05-19T01:32:24.314" v="6052" actId="20577"/>
         <pc:sldMkLst>
           <pc:docMk/>
           <pc:sldMk cId="2051112644" sldId="278"/>
         </pc:sldMkLst>
         <pc:spChg chg="mod">
-          <ac:chgData name="Tsai, Ping-Chen" userId="9132b96a-ba54-4186-bc65-f286b02f1bb4" providerId="ADAL" clId="{2C7D7F79-AD93-4ED7-BCDF-8616907FA700}" dt="2024-05-18T02:29:16.693" v="4480" actId="20577"/>
+          <ac:chgData name="Tsai, Ping-Chen" userId="9132b96a-ba54-4186-bc65-f286b02f1bb4" providerId="ADAL" clId="{2C7D7F79-AD93-4ED7-BCDF-8616907FA700}" dt="2024-05-19T01:32:24.314" v="6052" actId="20577"/>
           <ac:spMkLst>
             <pc:docMk/>
             <pc:sldMk cId="2051112644" sldId="278"/>
@@ -774,7 +774,7 @@
           </ac:spMkLst>
         </pc:spChg>
         <pc:spChg chg="mod">
-          <ac:chgData name="Tsai, Ping-Chen" userId="9132b96a-ba54-4186-bc65-f286b02f1bb4" providerId="ADAL" clId="{2C7D7F79-AD93-4ED7-BCDF-8616907FA700}" dt="2024-05-18T02:37:56.649" v="4988" actId="21"/>
+          <ac:chgData name="Tsai, Ping-Chen" userId="9132b96a-ba54-4186-bc65-f286b02f1bb4" providerId="ADAL" clId="{2C7D7F79-AD93-4ED7-BCDF-8616907FA700}" dt="2024-05-19T01:32:16.331" v="6046" actId="20577"/>
           <ac:spMkLst>
             <pc:docMk/>
             <pc:sldMk cId="2051112644" sldId="278"/>
@@ -4893,12 +4893,8 @@
           <a:lstStyle/>
           <a:p>
             <a:r>
-              <a:rPr lang="en-US" altLang="zh-CN" dirty="0"/>
-              <a:t>Inference 1</a:t>
-            </a:r>
-            <a:r>
-              <a:rPr lang="zh-CN" altLang="en-US" dirty="0"/>
-              <a:t>幅圖</a:t>
+              <a:rPr lang="en-US" altLang="zh-CN"/>
+              <a:t>Inference VAT 2.jpg</a:t>
             </a:r>
             <a:endParaRPr lang="en-GB" dirty="0"/>
           </a:p>
@@ -4937,11 +4933,15 @@
             </a:pPr>
             <a:r>
               <a:rPr lang="en-US" dirty="0"/>
-              <a:t>&gt;</a:t>
+              <a:t>&gt;p</a:t>
+            </a:r>
+            <a:r>
+              <a:rPr lang="en-GB" dirty="0" err="1"/>
+              <a:t>ython</a:t>
             </a:r>
             <a:r>
               <a:rPr lang="en-GB" dirty="0"/>
-              <a:t>python.exe ./tools/infer/predict_det.py --</a:t>
+              <a:t> ./tools/infer/predict_det.py --</a:t>
             </a:r>
             <a:r>
               <a:rPr lang="en-GB" dirty="0" err="1"/>
@@ -4949,15 +4949,15 @@
             </a:r>
             <a:r>
               <a:rPr lang="en-GB" dirty="0"/>
-              <a:t> ./dataset/icdar2015/</a:t>
+              <a:t> ./dataset/VAT/</a:t>
             </a:r>
             <a:r>
               <a:rPr lang="en-GB" dirty="0" err="1"/>
-              <a:t>text_localization</a:t>
+              <a:t>vat_train_imgs</a:t>
             </a:r>
             <a:r>
               <a:rPr lang="en-GB" dirty="0"/>
-              <a:t>/icdar_c4_train_imgs/img_967.jpg --</a:t>
+              <a:t>/2.jpg --</a:t>
             </a:r>
             <a:r>
               <a:rPr lang="en-GB" dirty="0" err="1"/>
@@ -4973,7 +4973,7 @@
             </a:r>
             <a:r>
               <a:rPr lang="en-GB" dirty="0"/>
-              <a:t>/Epoch_1_accOCR.pth --</a:t>
+              <a:t>/Epoch_0_accOCR.pth --</a:t>
             </a:r>
             <a:r>
               <a:rPr lang="en-GB" dirty="0" err="1"/>
@@ -4981,8 +4981,14 @@
             </a:r>
             <a:r>
               <a:rPr lang="en-GB" dirty="0"/>
-              <a:t> ./configs/det/det_r50_vd_db.yml</a:t>
-            </a:r>
+              <a:t> ./configs/det/det_r50_vd_db_v2.0.yml</a:t>
+            </a:r>
+          </a:p>
+          <a:p>
+            <a:pPr marL="0" indent="0">
+              <a:buNone/>
+            </a:pPr>
+            <a:endParaRPr lang="en-GB" dirty="0"/>
           </a:p>
           <a:p>
             <a:pPr marL="0" indent="0">
